--- a/report/spr_final_paper.pptx
+++ b/report/spr_final_paper.pptx
@@ -114,6 +114,11 @@
       </a:defRPr>
     </a:lvl9pPr>
   </p:defaultTextStyle>
+  <p:extLst>
+    <p:ext uri="{EFAFB233-063F-42B5-8137-9DF3F51BA10A}">
+      <p15:sldGuideLst xmlns:p15="http://schemas.microsoft.com/office/powerpoint/2012/main"/>
+    </p:ext>
+  </p:extLst>
 </p:presentation>
 </file>
 
@@ -8718,7 +8723,7 @@
             <a:pPr lvl="2"/>
             <a:r>
               <a:rPr lang="en-US" dirty="0"/>
-              <a:t>Find nearest mean in O(log K)</a:t>
+              <a:t>Find nearest mean in O(log L)</a:t>
             </a:r>
           </a:p>
           <a:p>

--- a/report/spr_final_paper.pptx
+++ b/report/spr_final_paper.pptx
@@ -9,13 +9,26 @@
     <p:sldId id="262" r:id="rId3"/>
     <p:sldId id="258" r:id="rId4"/>
     <p:sldId id="261" r:id="rId5"/>
-    <p:sldId id="263" r:id="rId6"/>
-    <p:sldId id="264" r:id="rId7"/>
-    <p:sldId id="270" r:id="rId8"/>
-    <p:sldId id="266" r:id="rId9"/>
-    <p:sldId id="268" r:id="rId10"/>
-    <p:sldId id="267" r:id="rId11"/>
-    <p:sldId id="269" r:id="rId12"/>
+    <p:sldId id="271" r:id="rId6"/>
+    <p:sldId id="263" r:id="rId7"/>
+    <p:sldId id="264" r:id="rId8"/>
+    <p:sldId id="270" r:id="rId9"/>
+    <p:sldId id="266" r:id="rId10"/>
+    <p:sldId id="268" r:id="rId11"/>
+    <p:sldId id="267" r:id="rId12"/>
+    <p:sldId id="269" r:id="rId13"/>
+    <p:sldId id="272" r:id="rId14"/>
+    <p:sldId id="273" r:id="rId15"/>
+    <p:sldId id="274" r:id="rId16"/>
+    <p:sldId id="275" r:id="rId17"/>
+    <p:sldId id="276" r:id="rId18"/>
+    <p:sldId id="277" r:id="rId19"/>
+    <p:sldId id="278" r:id="rId20"/>
+    <p:sldId id="279" r:id="rId21"/>
+    <p:sldId id="280" r:id="rId22"/>
+    <p:sldId id="281" r:id="rId23"/>
+    <p:sldId id="282" r:id="rId24"/>
+    <p:sldId id="283" r:id="rId25"/>
   </p:sldIdLst>
   <p:sldSz cx="12192000" cy="6858000"/>
   <p:notesSz cx="6858000" cy="9144000"/>
@@ -7748,6 +7761,100 @@
           <a:chExt cx="0" cy="0"/>
         </a:xfrm>
       </p:grpSpPr>
+      <p:sp>
+        <p:nvSpPr>
+          <p:cNvPr id="2" name="Title 1">
+            <a:extLst>
+              <a:ext uri="{FF2B5EF4-FFF2-40B4-BE49-F238E27FC236}">
+                <a16:creationId xmlns:a16="http://schemas.microsoft.com/office/drawing/2014/main" id="{66244946-847C-CC4B-8F89-51BC7A89FF2F}"/>
+              </a:ext>
+            </a:extLst>
+          </p:cNvPr>
+          <p:cNvSpPr>
+            <a:spLocks noGrp="1"/>
+          </p:cNvSpPr>
+          <p:nvPr>
+            <p:ph type="title"/>
+          </p:nvPr>
+        </p:nvSpPr>
+        <p:spPr>
+          <a:xfrm>
+            <a:off x="2592925" y="624110"/>
+            <a:ext cx="8911687" cy="906516"/>
+          </a:xfrm>
+        </p:spPr>
+        <p:txBody>
+          <a:bodyPr>
+            <a:normAutofit/>
+          </a:bodyPr>
+          <a:lstStyle/>
+          <a:p>
+            <a:r>
+              <a:rPr lang="en-US" dirty="0"/>
+              <a:t>Vantage Point tree (VP)</a:t>
+            </a:r>
+          </a:p>
+        </p:txBody>
+      </p:sp>
+      <p:pic>
+        <p:nvPicPr>
+          <p:cNvPr id="5" name="Content Placeholder 4">
+            <a:extLst>
+              <a:ext uri="{FF2B5EF4-FFF2-40B4-BE49-F238E27FC236}">
+                <a16:creationId xmlns:a16="http://schemas.microsoft.com/office/drawing/2014/main" id="{7653F0D9-C40B-144F-B519-3D777B96813A}"/>
+              </a:ext>
+            </a:extLst>
+          </p:cNvPr>
+          <p:cNvPicPr>
+            <a:picLocks noGrp="1" noChangeAspect="1"/>
+          </p:cNvPicPr>
+          <p:nvPr>
+            <p:ph idx="1"/>
+          </p:nvPr>
+        </p:nvPicPr>
+        <p:blipFill>
+          <a:blip r:embed="rId2"/>
+          <a:stretch>
+            <a:fillRect/>
+          </a:stretch>
+        </p:blipFill>
+        <p:spPr>
+          <a:xfrm>
+            <a:off x="3671093" y="1530626"/>
+            <a:ext cx="4849813" cy="4849813"/>
+          </a:xfrm>
+        </p:spPr>
+      </p:pic>
+    </p:spTree>
+    <p:extLst>
+      <p:ext uri="{BB962C8B-B14F-4D97-AF65-F5344CB8AC3E}">
+        <p14:creationId xmlns:p14="http://schemas.microsoft.com/office/powerpoint/2010/main" val="2147861701"/>
+      </p:ext>
+    </p:extLst>
+  </p:cSld>
+  <p:clrMapOvr>
+    <a:masterClrMapping/>
+  </p:clrMapOvr>
+</p:sld>
+</file>
+
+<file path=ppt/slides/slide11.xml><?xml version="1.0" encoding="utf-8"?>
+<p:sld xmlns:a="http://schemas.openxmlformats.org/drawingml/2006/main" xmlns:r="http://schemas.openxmlformats.org/officeDocument/2006/relationships" xmlns:p="http://schemas.openxmlformats.org/presentationml/2006/main">
+  <p:cSld>
+    <p:spTree>
+      <p:nvGrpSpPr>
+        <p:cNvPr id="1" name=""/>
+        <p:cNvGrpSpPr/>
+        <p:nvPr/>
+      </p:nvGrpSpPr>
+      <p:grpSpPr>
+        <a:xfrm>
+          <a:off x="0" y="0"/>
+          <a:ext cx="0" cy="0"/>
+          <a:chOff x="0" y="0"/>
+          <a:chExt cx="0" cy="0"/>
+        </a:xfrm>
+      </p:grpSpPr>
       <p:pic>
         <p:nvPicPr>
           <p:cNvPr id="8" name="Picture 7">
@@ -7791,7 +7898,7 @@
 </p:sld>
 </file>
 
-<file path=ppt/slides/slide11.xml><?xml version="1.0" encoding="utf-8"?>
+<file path=ppt/slides/slide12.xml><?xml version="1.0" encoding="utf-8"?>
 <p:sld xmlns:a="http://schemas.openxmlformats.org/drawingml/2006/main" xmlns:r="http://schemas.openxmlformats.org/officeDocument/2006/relationships" xmlns:p="http://schemas.openxmlformats.org/presentationml/2006/main">
   <p:cSld>
     <p:spTree>
@@ -7851,6 +7958,1133 @@
 </p:sld>
 </file>
 
+<file path=ppt/slides/slide13.xml><?xml version="1.0" encoding="utf-8"?>
+<p:sld xmlns:a="http://schemas.openxmlformats.org/drawingml/2006/main" xmlns:r="http://schemas.openxmlformats.org/officeDocument/2006/relationships" xmlns:p="http://schemas.openxmlformats.org/presentationml/2006/main">
+  <p:cSld>
+    <p:spTree>
+      <p:nvGrpSpPr>
+        <p:cNvPr id="1" name=""/>
+        <p:cNvGrpSpPr/>
+        <p:nvPr/>
+      </p:nvGrpSpPr>
+      <p:grpSpPr>
+        <a:xfrm>
+          <a:off x="0" y="0"/>
+          <a:ext cx="0" cy="0"/>
+          <a:chOff x="0" y="0"/>
+          <a:chExt cx="0" cy="0"/>
+        </a:xfrm>
+      </p:grpSpPr>
+      <p:sp>
+        <p:nvSpPr>
+          <p:cNvPr id="2" name="Title 1">
+            <a:extLst>
+              <a:ext uri="{FF2B5EF4-FFF2-40B4-BE49-F238E27FC236}">
+                <a16:creationId xmlns:a16="http://schemas.microsoft.com/office/drawing/2014/main" id="{75808A2E-5183-5F4B-B42B-6F97BCC418C1}"/>
+              </a:ext>
+            </a:extLst>
+          </p:cNvPr>
+          <p:cNvSpPr>
+            <a:spLocks noGrp="1"/>
+          </p:cNvSpPr>
+          <p:nvPr>
+            <p:ph type="title"/>
+          </p:nvPr>
+        </p:nvSpPr>
+        <p:spPr/>
+        <p:txBody>
+          <a:bodyPr/>
+          <a:lstStyle/>
+          <a:p>
+            <a:r>
+              <a:rPr lang="en-US" dirty="0"/>
+              <a:t>An overview of the work done</a:t>
+            </a:r>
+          </a:p>
+        </p:txBody>
+      </p:sp>
+      <p:sp>
+        <p:nvSpPr>
+          <p:cNvPr id="3" name="Text Placeholder 2">
+            <a:extLst>
+              <a:ext uri="{FF2B5EF4-FFF2-40B4-BE49-F238E27FC236}">
+                <a16:creationId xmlns:a16="http://schemas.microsoft.com/office/drawing/2014/main" id="{476E9AA9-C3DA-1849-8B79-532891132789}"/>
+              </a:ext>
+            </a:extLst>
+          </p:cNvPr>
+          <p:cNvSpPr>
+            <a:spLocks noGrp="1"/>
+          </p:cNvSpPr>
+          <p:nvPr>
+            <p:ph type="body" idx="1"/>
+          </p:nvPr>
+        </p:nvSpPr>
+        <p:spPr/>
+        <p:txBody>
+          <a:bodyPr/>
+          <a:lstStyle/>
+          <a:p>
+            <a:endParaRPr lang="en-US"/>
+          </a:p>
+        </p:txBody>
+      </p:sp>
+    </p:spTree>
+    <p:extLst>
+      <p:ext uri="{BB962C8B-B14F-4D97-AF65-F5344CB8AC3E}">
+        <p14:creationId xmlns:p14="http://schemas.microsoft.com/office/powerpoint/2010/main" val="1733889841"/>
+      </p:ext>
+    </p:extLst>
+  </p:cSld>
+  <p:clrMapOvr>
+    <a:masterClrMapping/>
+  </p:clrMapOvr>
+</p:sld>
+</file>
+
+<file path=ppt/slides/slide14.xml><?xml version="1.0" encoding="utf-8"?>
+<p:sld xmlns:a="http://schemas.openxmlformats.org/drawingml/2006/main" xmlns:r="http://schemas.openxmlformats.org/officeDocument/2006/relationships" xmlns:p="http://schemas.openxmlformats.org/presentationml/2006/main">
+  <p:cSld>
+    <p:spTree>
+      <p:nvGrpSpPr>
+        <p:cNvPr id="1" name=""/>
+        <p:cNvGrpSpPr/>
+        <p:nvPr/>
+      </p:nvGrpSpPr>
+      <p:grpSpPr>
+        <a:xfrm>
+          <a:off x="0" y="0"/>
+          <a:ext cx="0" cy="0"/>
+          <a:chOff x="0" y="0"/>
+          <a:chExt cx="0" cy="0"/>
+        </a:xfrm>
+      </p:grpSpPr>
+      <p:sp>
+        <p:nvSpPr>
+          <p:cNvPr id="2" name="Title 1">
+            <a:extLst>
+              <a:ext uri="{FF2B5EF4-FFF2-40B4-BE49-F238E27FC236}">
+                <a16:creationId xmlns:a16="http://schemas.microsoft.com/office/drawing/2014/main" id="{66244946-847C-CC4B-8F89-51BC7A89FF2F}"/>
+              </a:ext>
+            </a:extLst>
+          </p:cNvPr>
+          <p:cNvSpPr>
+            <a:spLocks noGrp="1"/>
+          </p:cNvSpPr>
+          <p:nvPr>
+            <p:ph type="title"/>
+          </p:nvPr>
+        </p:nvSpPr>
+        <p:spPr>
+          <a:xfrm>
+            <a:off x="2592925" y="624110"/>
+            <a:ext cx="8911687" cy="906516"/>
+          </a:xfrm>
+        </p:spPr>
+        <p:txBody>
+          <a:bodyPr>
+            <a:normAutofit/>
+          </a:bodyPr>
+          <a:lstStyle/>
+          <a:p>
+            <a:r>
+              <a:rPr lang="en-US" dirty="0"/>
+              <a:t>Modules</a:t>
+            </a:r>
+          </a:p>
+        </p:txBody>
+      </p:sp>
+      <p:sp>
+        <p:nvSpPr>
+          <p:cNvPr id="3" name="Content Placeholder 2">
+            <a:extLst>
+              <a:ext uri="{FF2B5EF4-FFF2-40B4-BE49-F238E27FC236}">
+                <a16:creationId xmlns:a16="http://schemas.microsoft.com/office/drawing/2014/main" id="{330A7D1B-0225-C74E-BB86-3457D8F93200}"/>
+              </a:ext>
+            </a:extLst>
+          </p:cNvPr>
+          <p:cNvSpPr>
+            <a:spLocks noGrp="1"/>
+          </p:cNvSpPr>
+          <p:nvPr>
+            <p:ph idx="1"/>
+          </p:nvPr>
+        </p:nvSpPr>
+        <p:spPr>
+          <a:xfrm>
+            <a:off x="2589212" y="1530626"/>
+            <a:ext cx="3414023" cy="4850296"/>
+          </a:xfrm>
+        </p:spPr>
+        <p:txBody>
+          <a:bodyPr>
+            <a:normAutofit/>
+          </a:bodyPr>
+          <a:lstStyle/>
+          <a:p>
+            <a:r>
+              <a:rPr lang="en-US" dirty="0"/>
+              <a:t>tools</a:t>
+            </a:r>
+          </a:p>
+          <a:p>
+            <a:endParaRPr lang="en-US" dirty="0"/>
+          </a:p>
+          <a:p>
+            <a:r>
+              <a:rPr lang="en-US" dirty="0" err="1"/>
+              <a:t>binary_heap</a:t>
+            </a:r>
+            <a:endParaRPr lang="en-US" dirty="0"/>
+          </a:p>
+          <a:p>
+            <a:pPr marL="0" indent="0">
+              <a:buNone/>
+            </a:pPr>
+            <a:endParaRPr lang="en-US" dirty="0"/>
+          </a:p>
+          <a:p>
+            <a:r>
+              <a:rPr lang="en-US" dirty="0" err="1"/>
+              <a:t>kpp</a:t>
+            </a:r>
+            <a:endParaRPr lang="en-US" dirty="0"/>
+          </a:p>
+          <a:p>
+            <a:pPr marL="0" indent="0">
+              <a:buNone/>
+            </a:pPr>
+            <a:endParaRPr lang="en-US" dirty="0"/>
+          </a:p>
+          <a:p>
+            <a:r>
+              <a:rPr lang="en-US" dirty="0" err="1"/>
+              <a:t>kll</a:t>
+            </a:r>
+            <a:endParaRPr lang="en-US" dirty="0"/>
+          </a:p>
+          <a:p>
+            <a:endParaRPr lang="en-US" dirty="0"/>
+          </a:p>
+          <a:p>
+            <a:r>
+              <a:rPr lang="en-US" dirty="0"/>
+              <a:t>result-</a:t>
+            </a:r>
+            <a:r>
+              <a:rPr lang="en-US" dirty="0" err="1"/>
+              <a:t>kmeans</a:t>
+            </a:r>
+            <a:r>
+              <a:rPr lang="en-US" dirty="0"/>
+              <a:t>-</a:t>
+            </a:r>
+            <a:r>
+              <a:rPr lang="en-US" dirty="0" err="1"/>
+              <a:t>plusplus</a:t>
+            </a:r>
+            <a:endParaRPr lang="en-US" dirty="0"/>
+          </a:p>
+          <a:p>
+            <a:endParaRPr lang="en-US" dirty="0"/>
+          </a:p>
+          <a:p>
+            <a:endParaRPr lang="en-US" dirty="0"/>
+          </a:p>
+        </p:txBody>
+      </p:sp>
+      <p:sp>
+        <p:nvSpPr>
+          <p:cNvPr id="5" name="Content Placeholder 2">
+            <a:extLst>
+              <a:ext uri="{FF2B5EF4-FFF2-40B4-BE49-F238E27FC236}">
+                <a16:creationId xmlns:a16="http://schemas.microsoft.com/office/drawing/2014/main" id="{DE05EB14-50B1-9A4A-9261-E8326F5C9C80}"/>
+              </a:ext>
+            </a:extLst>
+          </p:cNvPr>
+          <p:cNvSpPr txBox="1">
+            <a:spLocks/>
+          </p:cNvSpPr>
+          <p:nvPr/>
+        </p:nvSpPr>
+        <p:spPr>
+          <a:xfrm>
+            <a:off x="6906102" y="1524000"/>
+            <a:ext cx="3414023" cy="4850296"/>
+          </a:xfrm>
+          <a:prstGeom prst="rect">
+            <a:avLst/>
+          </a:prstGeom>
+        </p:spPr>
+        <p:txBody>
+          <a:bodyPr vert="horz" lIns="91440" tIns="45720" rIns="91440" bIns="45720" rtlCol="0">
+            <a:normAutofit/>
+          </a:bodyPr>
+          <a:lstStyle>
+            <a:lvl1pPr marL="342900" indent="-342900" algn="l" defTabSz="457200" rtl="0" eaLnBrk="1" latinLnBrk="0" hangingPunct="1">
+              <a:spcBef>
+                <a:spcPts val="1000"/>
+              </a:spcBef>
+              <a:spcAft>
+                <a:spcPts val="0"/>
+              </a:spcAft>
+              <a:buClr>
+                <a:schemeClr val="accent1"/>
+              </a:buClr>
+              <a:buFont typeface="Wingdings 3" charset="2"/>
+              <a:buChar char=""/>
+              <a:defRPr sz="1800" kern="1200">
+                <a:solidFill>
+                  <a:schemeClr val="tx1">
+                    <a:lumMod val="75000"/>
+                    <a:lumOff val="25000"/>
+                  </a:schemeClr>
+                </a:solidFill>
+                <a:latin typeface="+mn-lt"/>
+                <a:ea typeface="+mn-ea"/>
+                <a:cs typeface="+mn-cs"/>
+              </a:defRPr>
+            </a:lvl1pPr>
+            <a:lvl2pPr marL="742950" indent="-285750" algn="l" defTabSz="457200" rtl="0" eaLnBrk="1" latinLnBrk="0" hangingPunct="1">
+              <a:spcBef>
+                <a:spcPts val="1000"/>
+              </a:spcBef>
+              <a:spcAft>
+                <a:spcPts val="0"/>
+              </a:spcAft>
+              <a:buClr>
+                <a:schemeClr val="accent1"/>
+              </a:buClr>
+              <a:buFont typeface="Wingdings 3" charset="2"/>
+              <a:buChar char=""/>
+              <a:defRPr sz="1600" kern="1200">
+                <a:solidFill>
+                  <a:schemeClr val="tx1">
+                    <a:lumMod val="75000"/>
+                    <a:lumOff val="25000"/>
+                  </a:schemeClr>
+                </a:solidFill>
+                <a:latin typeface="+mn-lt"/>
+                <a:ea typeface="+mn-ea"/>
+                <a:cs typeface="+mn-cs"/>
+              </a:defRPr>
+            </a:lvl2pPr>
+            <a:lvl3pPr marL="1143000" indent="-228600" algn="l" defTabSz="457200" rtl="0" eaLnBrk="1" latinLnBrk="0" hangingPunct="1">
+              <a:spcBef>
+                <a:spcPts val="1000"/>
+              </a:spcBef>
+              <a:spcAft>
+                <a:spcPts val="0"/>
+              </a:spcAft>
+              <a:buClr>
+                <a:schemeClr val="accent1"/>
+              </a:buClr>
+              <a:buFont typeface="Wingdings 3" charset="2"/>
+              <a:buChar char=""/>
+              <a:defRPr sz="1400" kern="1200">
+                <a:solidFill>
+                  <a:schemeClr val="tx1">
+                    <a:lumMod val="75000"/>
+                    <a:lumOff val="25000"/>
+                  </a:schemeClr>
+                </a:solidFill>
+                <a:latin typeface="+mn-lt"/>
+                <a:ea typeface="+mn-ea"/>
+                <a:cs typeface="+mn-cs"/>
+              </a:defRPr>
+            </a:lvl3pPr>
+            <a:lvl4pPr marL="1600200" indent="-228600" algn="l" defTabSz="457200" rtl="0" eaLnBrk="1" latinLnBrk="0" hangingPunct="1">
+              <a:spcBef>
+                <a:spcPts val="1000"/>
+              </a:spcBef>
+              <a:spcAft>
+                <a:spcPts val="0"/>
+              </a:spcAft>
+              <a:buClr>
+                <a:schemeClr val="accent1"/>
+              </a:buClr>
+              <a:buFont typeface="Wingdings 3" charset="2"/>
+              <a:buChar char=""/>
+              <a:defRPr sz="1200" kern="1200">
+                <a:solidFill>
+                  <a:schemeClr val="tx1">
+                    <a:lumMod val="75000"/>
+                    <a:lumOff val="25000"/>
+                  </a:schemeClr>
+                </a:solidFill>
+                <a:latin typeface="+mn-lt"/>
+                <a:ea typeface="+mn-ea"/>
+                <a:cs typeface="+mn-cs"/>
+              </a:defRPr>
+            </a:lvl4pPr>
+            <a:lvl5pPr marL="2057400" indent="-228600" algn="l" defTabSz="457200" rtl="0" eaLnBrk="1" latinLnBrk="0" hangingPunct="1">
+              <a:spcBef>
+                <a:spcPts val="1000"/>
+              </a:spcBef>
+              <a:spcAft>
+                <a:spcPts val="0"/>
+              </a:spcAft>
+              <a:buClr>
+                <a:schemeClr val="accent1"/>
+              </a:buClr>
+              <a:buFont typeface="Wingdings 3" charset="2"/>
+              <a:buChar char=""/>
+              <a:defRPr sz="1200" kern="1200">
+                <a:solidFill>
+                  <a:schemeClr val="tx1">
+                    <a:lumMod val="75000"/>
+                    <a:lumOff val="25000"/>
+                  </a:schemeClr>
+                </a:solidFill>
+                <a:latin typeface="+mn-lt"/>
+                <a:ea typeface="+mn-ea"/>
+                <a:cs typeface="+mn-cs"/>
+              </a:defRPr>
+            </a:lvl5pPr>
+            <a:lvl6pPr marL="2514600" indent="-228600" algn="l" defTabSz="457200" rtl="0" eaLnBrk="1" latinLnBrk="0" hangingPunct="1">
+              <a:spcBef>
+                <a:spcPts val="1000"/>
+              </a:spcBef>
+              <a:spcAft>
+                <a:spcPts val="0"/>
+              </a:spcAft>
+              <a:buClr>
+                <a:schemeClr val="accent1"/>
+              </a:buClr>
+              <a:buFont typeface="Wingdings 3" charset="2"/>
+              <a:buChar char=""/>
+              <a:defRPr sz="1200" kern="1200">
+                <a:solidFill>
+                  <a:schemeClr val="tx1">
+                    <a:lumMod val="75000"/>
+                    <a:lumOff val="25000"/>
+                  </a:schemeClr>
+                </a:solidFill>
+                <a:latin typeface="+mn-lt"/>
+                <a:ea typeface="+mn-ea"/>
+                <a:cs typeface="+mn-cs"/>
+              </a:defRPr>
+            </a:lvl6pPr>
+            <a:lvl7pPr marL="2971800" indent="-228600" algn="l" defTabSz="457200" rtl="0" eaLnBrk="1" latinLnBrk="0" hangingPunct="1">
+              <a:spcBef>
+                <a:spcPts val="1000"/>
+              </a:spcBef>
+              <a:spcAft>
+                <a:spcPts val="0"/>
+              </a:spcAft>
+              <a:buClr>
+                <a:schemeClr val="accent1"/>
+              </a:buClr>
+              <a:buFont typeface="Wingdings 3" charset="2"/>
+              <a:buChar char=""/>
+              <a:defRPr sz="1200" kern="1200">
+                <a:solidFill>
+                  <a:schemeClr val="tx1">
+                    <a:lumMod val="75000"/>
+                    <a:lumOff val="25000"/>
+                  </a:schemeClr>
+                </a:solidFill>
+                <a:latin typeface="+mn-lt"/>
+                <a:ea typeface="+mn-ea"/>
+                <a:cs typeface="+mn-cs"/>
+              </a:defRPr>
+            </a:lvl7pPr>
+            <a:lvl8pPr marL="3429000" indent="-228600" algn="l" defTabSz="457200" rtl="0" eaLnBrk="1" latinLnBrk="0" hangingPunct="1">
+              <a:spcBef>
+                <a:spcPts val="1000"/>
+              </a:spcBef>
+              <a:spcAft>
+                <a:spcPts val="0"/>
+              </a:spcAft>
+              <a:buClr>
+                <a:schemeClr val="accent1"/>
+              </a:buClr>
+              <a:buFont typeface="Wingdings 3" charset="2"/>
+              <a:buChar char=""/>
+              <a:defRPr sz="1200" kern="1200">
+                <a:solidFill>
+                  <a:schemeClr val="tx1">
+                    <a:lumMod val="75000"/>
+                    <a:lumOff val="25000"/>
+                  </a:schemeClr>
+                </a:solidFill>
+                <a:latin typeface="+mn-lt"/>
+                <a:ea typeface="+mn-ea"/>
+                <a:cs typeface="+mn-cs"/>
+              </a:defRPr>
+            </a:lvl8pPr>
+            <a:lvl9pPr marL="3886200" indent="-228600" algn="l" defTabSz="457200" rtl="0" eaLnBrk="1" latinLnBrk="0" hangingPunct="1">
+              <a:spcBef>
+                <a:spcPts val="1000"/>
+              </a:spcBef>
+              <a:spcAft>
+                <a:spcPts val="0"/>
+              </a:spcAft>
+              <a:buClr>
+                <a:schemeClr val="accent1"/>
+              </a:buClr>
+              <a:buFont typeface="Wingdings 3" charset="2"/>
+              <a:buChar char=""/>
+              <a:defRPr sz="1200" kern="1200">
+                <a:solidFill>
+                  <a:schemeClr val="tx1">
+                    <a:lumMod val="75000"/>
+                    <a:lumOff val="25000"/>
+                  </a:schemeClr>
+                </a:solidFill>
+                <a:latin typeface="+mn-lt"/>
+                <a:ea typeface="+mn-ea"/>
+                <a:cs typeface="+mn-cs"/>
+              </a:defRPr>
+            </a:lvl9pPr>
+          </a:lstStyle>
+          <a:p>
+            <a:r>
+              <a:rPr lang="en-US" dirty="0"/>
+              <a:t>dataset</a:t>
+            </a:r>
+          </a:p>
+          <a:p>
+            <a:endParaRPr lang="en-US" dirty="0"/>
+          </a:p>
+          <a:p>
+            <a:r>
+              <a:rPr lang="en-US" dirty="0" err="1"/>
+              <a:t>nearest_neighbor_search</a:t>
+            </a:r>
+            <a:endParaRPr lang="en-US" dirty="0"/>
+          </a:p>
+          <a:p>
+            <a:pPr marL="0" indent="0">
+              <a:buFont typeface="Wingdings 3" charset="2"/>
+              <a:buNone/>
+            </a:pPr>
+            <a:endParaRPr lang="en-US" dirty="0"/>
+          </a:p>
+          <a:p>
+            <a:r>
+              <a:rPr lang="en-US" dirty="0" err="1"/>
+              <a:t>akpp</a:t>
+            </a:r>
+            <a:endParaRPr lang="en-US" dirty="0"/>
+          </a:p>
+          <a:p>
+            <a:endParaRPr lang="en-US" dirty="0"/>
+          </a:p>
+          <a:p>
+            <a:r>
+              <a:rPr lang="en-US" dirty="0" err="1"/>
+              <a:t>akpp</a:t>
+            </a:r>
+            <a:endParaRPr lang="en-US" dirty="0"/>
+          </a:p>
+          <a:p>
+            <a:endParaRPr lang="en-US" dirty="0"/>
+          </a:p>
+          <a:p>
+            <a:r>
+              <a:rPr lang="en-US" dirty="0"/>
+              <a:t>result-</a:t>
+            </a:r>
+            <a:r>
+              <a:rPr lang="en-US" dirty="0" err="1"/>
+              <a:t>kmeans</a:t>
+            </a:r>
+            <a:r>
+              <a:rPr lang="en-US" dirty="0"/>
+              <a:t>-parallel</a:t>
+            </a:r>
+          </a:p>
+          <a:p>
+            <a:endParaRPr lang="en-US" dirty="0"/>
+          </a:p>
+          <a:p>
+            <a:endParaRPr lang="en-US" dirty="0"/>
+          </a:p>
+        </p:txBody>
+      </p:sp>
+    </p:spTree>
+    <p:extLst>
+      <p:ext uri="{BB962C8B-B14F-4D97-AF65-F5344CB8AC3E}">
+        <p14:creationId xmlns:p14="http://schemas.microsoft.com/office/powerpoint/2010/main" val="1121216150"/>
+      </p:ext>
+    </p:extLst>
+  </p:cSld>
+  <p:clrMapOvr>
+    <a:masterClrMapping/>
+  </p:clrMapOvr>
+</p:sld>
+</file>
+
+<file path=ppt/slides/slide15.xml><?xml version="1.0" encoding="utf-8"?>
+<p:sld xmlns:a="http://schemas.openxmlformats.org/drawingml/2006/main" xmlns:r="http://schemas.openxmlformats.org/officeDocument/2006/relationships" xmlns:p="http://schemas.openxmlformats.org/presentationml/2006/main">
+  <p:cSld>
+    <p:spTree>
+      <p:nvGrpSpPr>
+        <p:cNvPr id="1" name=""/>
+        <p:cNvGrpSpPr/>
+        <p:nvPr/>
+      </p:nvGrpSpPr>
+      <p:grpSpPr>
+        <a:xfrm>
+          <a:off x="0" y="0"/>
+          <a:ext cx="0" cy="0"/>
+          <a:chOff x="0" y="0"/>
+          <a:chExt cx="0" cy="0"/>
+        </a:xfrm>
+      </p:grpSpPr>
+      <p:sp>
+        <p:nvSpPr>
+          <p:cNvPr id="2" name="Title 1">
+            <a:extLst>
+              <a:ext uri="{FF2B5EF4-FFF2-40B4-BE49-F238E27FC236}">
+                <a16:creationId xmlns:a16="http://schemas.microsoft.com/office/drawing/2014/main" id="{66244946-847C-CC4B-8F89-51BC7A89FF2F}"/>
+              </a:ext>
+            </a:extLst>
+          </p:cNvPr>
+          <p:cNvSpPr>
+            <a:spLocks noGrp="1"/>
+          </p:cNvSpPr>
+          <p:nvPr>
+            <p:ph type="title"/>
+          </p:nvPr>
+        </p:nvSpPr>
+        <p:spPr>
+          <a:xfrm>
+            <a:off x="2592925" y="624110"/>
+            <a:ext cx="8911687" cy="906516"/>
+          </a:xfrm>
+        </p:spPr>
+        <p:txBody>
+          <a:bodyPr>
+            <a:normAutofit/>
+          </a:bodyPr>
+          <a:lstStyle/>
+          <a:p>
+            <a:r>
+              <a:rPr lang="en-US" dirty="0"/>
+              <a:t>Functions in tools</a:t>
+            </a:r>
+          </a:p>
+        </p:txBody>
+      </p:sp>
+      <p:sp>
+        <p:nvSpPr>
+          <p:cNvPr id="3" name="Content Placeholder 2">
+            <a:extLst>
+              <a:ext uri="{FF2B5EF4-FFF2-40B4-BE49-F238E27FC236}">
+                <a16:creationId xmlns:a16="http://schemas.microsoft.com/office/drawing/2014/main" id="{330A7D1B-0225-C74E-BB86-3457D8F93200}"/>
+              </a:ext>
+            </a:extLst>
+          </p:cNvPr>
+          <p:cNvSpPr>
+            <a:spLocks noGrp="1"/>
+          </p:cNvSpPr>
+          <p:nvPr>
+            <p:ph idx="1"/>
+          </p:nvPr>
+        </p:nvSpPr>
+        <p:spPr>
+          <a:xfrm>
+            <a:off x="2589212" y="1530626"/>
+            <a:ext cx="8915400" cy="4850296"/>
+          </a:xfrm>
+        </p:spPr>
+        <p:txBody>
+          <a:bodyPr>
+            <a:normAutofit/>
+          </a:bodyPr>
+          <a:lstStyle/>
+          <a:p>
+            <a:r>
+              <a:rPr lang="en-US" dirty="0"/>
+              <a:t>[function]</a:t>
+            </a:r>
+          </a:p>
+          <a:p>
+            <a:pPr lvl="1"/>
+            <a:r>
+              <a:rPr lang="en-US" dirty="0"/>
+              <a:t>[detail]</a:t>
+            </a:r>
+          </a:p>
+          <a:p>
+            <a:pPr lvl="3"/>
+            <a:endParaRPr lang="en-US" dirty="0"/>
+          </a:p>
+        </p:txBody>
+      </p:sp>
+    </p:spTree>
+    <p:extLst>
+      <p:ext uri="{BB962C8B-B14F-4D97-AF65-F5344CB8AC3E}">
+        <p14:creationId xmlns:p14="http://schemas.microsoft.com/office/powerpoint/2010/main" val="1035798873"/>
+      </p:ext>
+    </p:extLst>
+  </p:cSld>
+  <p:clrMapOvr>
+    <a:masterClrMapping/>
+  </p:clrMapOvr>
+</p:sld>
+</file>
+
+<file path=ppt/slides/slide16.xml><?xml version="1.0" encoding="utf-8"?>
+<p:sld xmlns:a="http://schemas.openxmlformats.org/drawingml/2006/main" xmlns:r="http://schemas.openxmlformats.org/officeDocument/2006/relationships" xmlns:p="http://schemas.openxmlformats.org/presentationml/2006/main">
+  <p:cSld>
+    <p:spTree>
+      <p:nvGrpSpPr>
+        <p:cNvPr id="1" name=""/>
+        <p:cNvGrpSpPr/>
+        <p:nvPr/>
+      </p:nvGrpSpPr>
+      <p:grpSpPr>
+        <a:xfrm>
+          <a:off x="0" y="0"/>
+          <a:ext cx="0" cy="0"/>
+          <a:chOff x="0" y="0"/>
+          <a:chExt cx="0" cy="0"/>
+        </a:xfrm>
+      </p:grpSpPr>
+      <p:sp>
+        <p:nvSpPr>
+          <p:cNvPr id="2" name="Title 1">
+            <a:extLst>
+              <a:ext uri="{FF2B5EF4-FFF2-40B4-BE49-F238E27FC236}">
+                <a16:creationId xmlns:a16="http://schemas.microsoft.com/office/drawing/2014/main" id="{66244946-847C-CC4B-8F89-51BC7A89FF2F}"/>
+              </a:ext>
+            </a:extLst>
+          </p:cNvPr>
+          <p:cNvSpPr>
+            <a:spLocks noGrp="1"/>
+          </p:cNvSpPr>
+          <p:nvPr>
+            <p:ph type="title"/>
+          </p:nvPr>
+        </p:nvSpPr>
+        <p:spPr>
+          <a:xfrm>
+            <a:off x="2592925" y="624110"/>
+            <a:ext cx="8911687" cy="906516"/>
+          </a:xfrm>
+        </p:spPr>
+        <p:txBody>
+          <a:bodyPr>
+            <a:normAutofit/>
+          </a:bodyPr>
+          <a:lstStyle/>
+          <a:p>
+            <a:r>
+              <a:rPr lang="en-US" dirty="0"/>
+              <a:t>Functions in dataset</a:t>
+            </a:r>
+          </a:p>
+        </p:txBody>
+      </p:sp>
+      <p:sp>
+        <p:nvSpPr>
+          <p:cNvPr id="3" name="Content Placeholder 2">
+            <a:extLst>
+              <a:ext uri="{FF2B5EF4-FFF2-40B4-BE49-F238E27FC236}">
+                <a16:creationId xmlns:a16="http://schemas.microsoft.com/office/drawing/2014/main" id="{330A7D1B-0225-C74E-BB86-3457D8F93200}"/>
+              </a:ext>
+            </a:extLst>
+          </p:cNvPr>
+          <p:cNvSpPr>
+            <a:spLocks noGrp="1"/>
+          </p:cNvSpPr>
+          <p:nvPr>
+            <p:ph idx="1"/>
+          </p:nvPr>
+        </p:nvSpPr>
+        <p:spPr>
+          <a:xfrm>
+            <a:off x="2589212" y="1530626"/>
+            <a:ext cx="8915400" cy="4850296"/>
+          </a:xfrm>
+        </p:spPr>
+        <p:txBody>
+          <a:bodyPr>
+            <a:normAutofit/>
+          </a:bodyPr>
+          <a:lstStyle/>
+          <a:p>
+            <a:r>
+              <a:rPr lang="en-US" dirty="0"/>
+              <a:t>[function]</a:t>
+            </a:r>
+          </a:p>
+          <a:p>
+            <a:pPr lvl="1"/>
+            <a:r>
+              <a:rPr lang="en-US" dirty="0"/>
+              <a:t>[detail]</a:t>
+            </a:r>
+          </a:p>
+          <a:p>
+            <a:pPr lvl="3"/>
+            <a:endParaRPr lang="en-US" dirty="0"/>
+          </a:p>
+        </p:txBody>
+      </p:sp>
+    </p:spTree>
+    <p:extLst>
+      <p:ext uri="{BB962C8B-B14F-4D97-AF65-F5344CB8AC3E}">
+        <p14:creationId xmlns:p14="http://schemas.microsoft.com/office/powerpoint/2010/main" val="2064208089"/>
+      </p:ext>
+    </p:extLst>
+  </p:cSld>
+  <p:clrMapOvr>
+    <a:masterClrMapping/>
+  </p:clrMapOvr>
+</p:sld>
+</file>
+
+<file path=ppt/slides/slide17.xml><?xml version="1.0" encoding="utf-8"?>
+<p:sld xmlns:a="http://schemas.openxmlformats.org/drawingml/2006/main" xmlns:r="http://schemas.openxmlformats.org/officeDocument/2006/relationships" xmlns:p="http://schemas.openxmlformats.org/presentationml/2006/main">
+  <p:cSld>
+    <p:spTree>
+      <p:nvGrpSpPr>
+        <p:cNvPr id="1" name=""/>
+        <p:cNvGrpSpPr/>
+        <p:nvPr/>
+      </p:nvGrpSpPr>
+      <p:grpSpPr>
+        <a:xfrm>
+          <a:off x="0" y="0"/>
+          <a:ext cx="0" cy="0"/>
+          <a:chOff x="0" y="0"/>
+          <a:chExt cx="0" cy="0"/>
+        </a:xfrm>
+      </p:grpSpPr>
+      <p:sp>
+        <p:nvSpPr>
+          <p:cNvPr id="2" name="Title 1">
+            <a:extLst>
+              <a:ext uri="{FF2B5EF4-FFF2-40B4-BE49-F238E27FC236}">
+                <a16:creationId xmlns:a16="http://schemas.microsoft.com/office/drawing/2014/main" id="{66244946-847C-CC4B-8F89-51BC7A89FF2F}"/>
+              </a:ext>
+            </a:extLst>
+          </p:cNvPr>
+          <p:cNvSpPr>
+            <a:spLocks noGrp="1"/>
+          </p:cNvSpPr>
+          <p:nvPr>
+            <p:ph type="title"/>
+          </p:nvPr>
+        </p:nvSpPr>
+        <p:spPr>
+          <a:xfrm>
+            <a:off x="2592925" y="624110"/>
+            <a:ext cx="8911687" cy="906516"/>
+          </a:xfrm>
+        </p:spPr>
+        <p:txBody>
+          <a:bodyPr>
+            <a:normAutofit/>
+          </a:bodyPr>
+          <a:lstStyle/>
+          <a:p>
+            <a:r>
+              <a:rPr lang="en-US" dirty="0"/>
+              <a:t>Functions in </a:t>
+            </a:r>
+            <a:r>
+              <a:rPr lang="en-US" dirty="0" err="1"/>
+              <a:t>binary_heap</a:t>
+            </a:r>
+            <a:endParaRPr lang="en-US" dirty="0"/>
+          </a:p>
+        </p:txBody>
+      </p:sp>
+      <p:sp>
+        <p:nvSpPr>
+          <p:cNvPr id="3" name="Content Placeholder 2">
+            <a:extLst>
+              <a:ext uri="{FF2B5EF4-FFF2-40B4-BE49-F238E27FC236}">
+                <a16:creationId xmlns:a16="http://schemas.microsoft.com/office/drawing/2014/main" id="{330A7D1B-0225-C74E-BB86-3457D8F93200}"/>
+              </a:ext>
+            </a:extLst>
+          </p:cNvPr>
+          <p:cNvSpPr>
+            <a:spLocks noGrp="1"/>
+          </p:cNvSpPr>
+          <p:nvPr>
+            <p:ph idx="1"/>
+          </p:nvPr>
+        </p:nvSpPr>
+        <p:spPr>
+          <a:xfrm>
+            <a:off x="2589212" y="1530626"/>
+            <a:ext cx="8915400" cy="4850296"/>
+          </a:xfrm>
+        </p:spPr>
+        <p:txBody>
+          <a:bodyPr>
+            <a:normAutofit/>
+          </a:bodyPr>
+          <a:lstStyle/>
+          <a:p>
+            <a:r>
+              <a:rPr lang="en-US" dirty="0"/>
+              <a:t>[function]</a:t>
+            </a:r>
+          </a:p>
+          <a:p>
+            <a:pPr lvl="1"/>
+            <a:r>
+              <a:rPr lang="en-US" dirty="0"/>
+              <a:t>[detail]</a:t>
+            </a:r>
+          </a:p>
+          <a:p>
+            <a:pPr lvl="3"/>
+            <a:endParaRPr lang="en-US" dirty="0"/>
+          </a:p>
+        </p:txBody>
+      </p:sp>
+    </p:spTree>
+    <p:extLst>
+      <p:ext uri="{BB962C8B-B14F-4D97-AF65-F5344CB8AC3E}">
+        <p14:creationId xmlns:p14="http://schemas.microsoft.com/office/powerpoint/2010/main" val="350040357"/>
+      </p:ext>
+    </p:extLst>
+  </p:cSld>
+  <p:clrMapOvr>
+    <a:masterClrMapping/>
+  </p:clrMapOvr>
+</p:sld>
+</file>
+
+<file path=ppt/slides/slide18.xml><?xml version="1.0" encoding="utf-8"?>
+<p:sld xmlns:a="http://schemas.openxmlformats.org/drawingml/2006/main" xmlns:r="http://schemas.openxmlformats.org/officeDocument/2006/relationships" xmlns:p="http://schemas.openxmlformats.org/presentationml/2006/main">
+  <p:cSld>
+    <p:spTree>
+      <p:nvGrpSpPr>
+        <p:cNvPr id="1" name=""/>
+        <p:cNvGrpSpPr/>
+        <p:nvPr/>
+      </p:nvGrpSpPr>
+      <p:grpSpPr>
+        <a:xfrm>
+          <a:off x="0" y="0"/>
+          <a:ext cx="0" cy="0"/>
+          <a:chOff x="0" y="0"/>
+          <a:chExt cx="0" cy="0"/>
+        </a:xfrm>
+      </p:grpSpPr>
+      <p:sp>
+        <p:nvSpPr>
+          <p:cNvPr id="2" name="Title 1">
+            <a:extLst>
+              <a:ext uri="{FF2B5EF4-FFF2-40B4-BE49-F238E27FC236}">
+                <a16:creationId xmlns:a16="http://schemas.microsoft.com/office/drawing/2014/main" id="{66244946-847C-CC4B-8F89-51BC7A89FF2F}"/>
+              </a:ext>
+            </a:extLst>
+          </p:cNvPr>
+          <p:cNvSpPr>
+            <a:spLocks noGrp="1"/>
+          </p:cNvSpPr>
+          <p:nvPr>
+            <p:ph type="title"/>
+          </p:nvPr>
+        </p:nvSpPr>
+        <p:spPr>
+          <a:xfrm>
+            <a:off x="2592925" y="624110"/>
+            <a:ext cx="8911687" cy="906516"/>
+          </a:xfrm>
+        </p:spPr>
+        <p:txBody>
+          <a:bodyPr>
+            <a:normAutofit/>
+          </a:bodyPr>
+          <a:lstStyle/>
+          <a:p>
+            <a:r>
+              <a:rPr lang="en-US" dirty="0"/>
+              <a:t>Functions in </a:t>
+            </a:r>
+            <a:r>
+              <a:rPr lang="en-US" dirty="0" err="1"/>
+              <a:t>nearest_neighbor_search</a:t>
+            </a:r>
+            <a:endParaRPr lang="en-US" dirty="0"/>
+          </a:p>
+        </p:txBody>
+      </p:sp>
+      <p:sp>
+        <p:nvSpPr>
+          <p:cNvPr id="3" name="Content Placeholder 2">
+            <a:extLst>
+              <a:ext uri="{FF2B5EF4-FFF2-40B4-BE49-F238E27FC236}">
+                <a16:creationId xmlns:a16="http://schemas.microsoft.com/office/drawing/2014/main" id="{330A7D1B-0225-C74E-BB86-3457D8F93200}"/>
+              </a:ext>
+            </a:extLst>
+          </p:cNvPr>
+          <p:cNvSpPr>
+            <a:spLocks noGrp="1"/>
+          </p:cNvSpPr>
+          <p:nvPr>
+            <p:ph idx="1"/>
+          </p:nvPr>
+        </p:nvSpPr>
+        <p:spPr>
+          <a:xfrm>
+            <a:off x="2589212" y="1530626"/>
+            <a:ext cx="8915400" cy="4850296"/>
+          </a:xfrm>
+        </p:spPr>
+        <p:txBody>
+          <a:bodyPr>
+            <a:normAutofit/>
+          </a:bodyPr>
+          <a:lstStyle/>
+          <a:p>
+            <a:r>
+              <a:rPr lang="en-US" dirty="0"/>
+              <a:t>[function]</a:t>
+            </a:r>
+          </a:p>
+          <a:p>
+            <a:pPr lvl="1"/>
+            <a:r>
+              <a:rPr lang="en-US" dirty="0"/>
+              <a:t>[detail]</a:t>
+            </a:r>
+          </a:p>
+          <a:p>
+            <a:pPr lvl="3"/>
+            <a:endParaRPr lang="en-US" dirty="0"/>
+          </a:p>
+        </p:txBody>
+      </p:sp>
+    </p:spTree>
+    <p:extLst>
+      <p:ext uri="{BB962C8B-B14F-4D97-AF65-F5344CB8AC3E}">
+        <p14:creationId xmlns:p14="http://schemas.microsoft.com/office/powerpoint/2010/main" val="4061570267"/>
+      </p:ext>
+    </p:extLst>
+  </p:cSld>
+  <p:clrMapOvr>
+    <a:masterClrMapping/>
+  </p:clrMapOvr>
+</p:sld>
+</file>
+
+<file path=ppt/slides/slide19.xml><?xml version="1.0" encoding="utf-8"?>
+<p:sld xmlns:a="http://schemas.openxmlformats.org/drawingml/2006/main" xmlns:r="http://schemas.openxmlformats.org/officeDocument/2006/relationships" xmlns:p="http://schemas.openxmlformats.org/presentationml/2006/main">
+  <p:cSld>
+    <p:spTree>
+      <p:nvGrpSpPr>
+        <p:cNvPr id="1" name=""/>
+        <p:cNvGrpSpPr/>
+        <p:nvPr/>
+      </p:nvGrpSpPr>
+      <p:grpSpPr>
+        <a:xfrm>
+          <a:off x="0" y="0"/>
+          <a:ext cx="0" cy="0"/>
+          <a:chOff x="0" y="0"/>
+          <a:chExt cx="0" cy="0"/>
+        </a:xfrm>
+      </p:grpSpPr>
+      <p:sp>
+        <p:nvSpPr>
+          <p:cNvPr id="2" name="Title 1">
+            <a:extLst>
+              <a:ext uri="{FF2B5EF4-FFF2-40B4-BE49-F238E27FC236}">
+                <a16:creationId xmlns:a16="http://schemas.microsoft.com/office/drawing/2014/main" id="{66244946-847C-CC4B-8F89-51BC7A89FF2F}"/>
+              </a:ext>
+            </a:extLst>
+          </p:cNvPr>
+          <p:cNvSpPr>
+            <a:spLocks noGrp="1"/>
+          </p:cNvSpPr>
+          <p:nvPr>
+            <p:ph type="title"/>
+          </p:nvPr>
+        </p:nvSpPr>
+        <p:spPr>
+          <a:xfrm>
+            <a:off x="2592925" y="624110"/>
+            <a:ext cx="8911687" cy="906516"/>
+          </a:xfrm>
+        </p:spPr>
+        <p:txBody>
+          <a:bodyPr>
+            <a:normAutofit/>
+          </a:bodyPr>
+          <a:lstStyle/>
+          <a:p>
+            <a:r>
+              <a:rPr lang="en-US" dirty="0"/>
+              <a:t>Functions in </a:t>
+            </a:r>
+            <a:r>
+              <a:rPr lang="en-US" dirty="0" err="1"/>
+              <a:t>kpp</a:t>
+            </a:r>
+            <a:endParaRPr lang="en-US" dirty="0"/>
+          </a:p>
+        </p:txBody>
+      </p:sp>
+      <p:sp>
+        <p:nvSpPr>
+          <p:cNvPr id="3" name="Content Placeholder 2">
+            <a:extLst>
+              <a:ext uri="{FF2B5EF4-FFF2-40B4-BE49-F238E27FC236}">
+                <a16:creationId xmlns:a16="http://schemas.microsoft.com/office/drawing/2014/main" id="{330A7D1B-0225-C74E-BB86-3457D8F93200}"/>
+              </a:ext>
+            </a:extLst>
+          </p:cNvPr>
+          <p:cNvSpPr>
+            <a:spLocks noGrp="1"/>
+          </p:cNvSpPr>
+          <p:nvPr>
+            <p:ph idx="1"/>
+          </p:nvPr>
+        </p:nvSpPr>
+        <p:spPr>
+          <a:xfrm>
+            <a:off x="2589212" y="1530626"/>
+            <a:ext cx="8915400" cy="4850296"/>
+          </a:xfrm>
+        </p:spPr>
+        <p:txBody>
+          <a:bodyPr>
+            <a:normAutofit/>
+          </a:bodyPr>
+          <a:lstStyle/>
+          <a:p>
+            <a:r>
+              <a:rPr lang="en-US" dirty="0"/>
+              <a:t>[function]</a:t>
+            </a:r>
+          </a:p>
+          <a:p>
+            <a:pPr lvl="1"/>
+            <a:r>
+              <a:rPr lang="en-US" dirty="0"/>
+              <a:t>[detail]</a:t>
+            </a:r>
+          </a:p>
+          <a:p>
+            <a:pPr lvl="3"/>
+            <a:endParaRPr lang="en-US" dirty="0"/>
+          </a:p>
+        </p:txBody>
+      </p:sp>
+    </p:spTree>
+    <p:extLst>
+      <p:ext uri="{BB962C8B-B14F-4D97-AF65-F5344CB8AC3E}">
+        <p14:creationId xmlns:p14="http://schemas.microsoft.com/office/powerpoint/2010/main" val="3729014682"/>
+      </p:ext>
+    </p:extLst>
+  </p:cSld>
+  <p:clrMapOvr>
+    <a:masterClrMapping/>
+  </p:clrMapOvr>
+</p:sld>
+</file>
+
 <file path=ppt/slides/slide2.xml><?xml version="1.0" encoding="utf-8"?>
 <p:sld xmlns:a="http://schemas.openxmlformats.org/drawingml/2006/main" xmlns:r="http://schemas.openxmlformats.org/officeDocument/2006/relationships" xmlns:p="http://schemas.openxmlformats.org/presentationml/2006/main">
   <p:cSld>
@@ -7970,6 +9204,584 @@
     <p:extLst>
       <p:ext uri="{BB962C8B-B14F-4D97-AF65-F5344CB8AC3E}">
         <p14:creationId xmlns:p14="http://schemas.microsoft.com/office/powerpoint/2010/main" val="1123231413"/>
+      </p:ext>
+    </p:extLst>
+  </p:cSld>
+  <p:clrMapOvr>
+    <a:masterClrMapping/>
+  </p:clrMapOvr>
+</p:sld>
+</file>
+
+<file path=ppt/slides/slide20.xml><?xml version="1.0" encoding="utf-8"?>
+<p:sld xmlns:a="http://schemas.openxmlformats.org/drawingml/2006/main" xmlns:r="http://schemas.openxmlformats.org/officeDocument/2006/relationships" xmlns:p="http://schemas.openxmlformats.org/presentationml/2006/main">
+  <p:cSld>
+    <p:spTree>
+      <p:nvGrpSpPr>
+        <p:cNvPr id="1" name=""/>
+        <p:cNvGrpSpPr/>
+        <p:nvPr/>
+      </p:nvGrpSpPr>
+      <p:grpSpPr>
+        <a:xfrm>
+          <a:off x="0" y="0"/>
+          <a:ext cx="0" cy="0"/>
+          <a:chOff x="0" y="0"/>
+          <a:chExt cx="0" cy="0"/>
+        </a:xfrm>
+      </p:grpSpPr>
+      <p:sp>
+        <p:nvSpPr>
+          <p:cNvPr id="2" name="Title 1">
+            <a:extLst>
+              <a:ext uri="{FF2B5EF4-FFF2-40B4-BE49-F238E27FC236}">
+                <a16:creationId xmlns:a16="http://schemas.microsoft.com/office/drawing/2014/main" id="{66244946-847C-CC4B-8F89-51BC7A89FF2F}"/>
+              </a:ext>
+            </a:extLst>
+          </p:cNvPr>
+          <p:cNvSpPr>
+            <a:spLocks noGrp="1"/>
+          </p:cNvSpPr>
+          <p:nvPr>
+            <p:ph type="title"/>
+          </p:nvPr>
+        </p:nvSpPr>
+        <p:spPr>
+          <a:xfrm>
+            <a:off x="2592925" y="624110"/>
+            <a:ext cx="8911687" cy="906516"/>
+          </a:xfrm>
+        </p:spPr>
+        <p:txBody>
+          <a:bodyPr>
+            <a:normAutofit/>
+          </a:bodyPr>
+          <a:lstStyle/>
+          <a:p>
+            <a:r>
+              <a:rPr lang="en-US" dirty="0"/>
+              <a:t>Functions in </a:t>
+            </a:r>
+            <a:r>
+              <a:rPr lang="en-US" dirty="0" err="1"/>
+              <a:t>akpp</a:t>
+            </a:r>
+            <a:endParaRPr lang="en-US" dirty="0"/>
+          </a:p>
+        </p:txBody>
+      </p:sp>
+      <p:sp>
+        <p:nvSpPr>
+          <p:cNvPr id="3" name="Content Placeholder 2">
+            <a:extLst>
+              <a:ext uri="{FF2B5EF4-FFF2-40B4-BE49-F238E27FC236}">
+                <a16:creationId xmlns:a16="http://schemas.microsoft.com/office/drawing/2014/main" id="{330A7D1B-0225-C74E-BB86-3457D8F93200}"/>
+              </a:ext>
+            </a:extLst>
+          </p:cNvPr>
+          <p:cNvSpPr>
+            <a:spLocks noGrp="1"/>
+          </p:cNvSpPr>
+          <p:nvPr>
+            <p:ph idx="1"/>
+          </p:nvPr>
+        </p:nvSpPr>
+        <p:spPr>
+          <a:xfrm>
+            <a:off x="2589212" y="1530626"/>
+            <a:ext cx="8915400" cy="4850296"/>
+          </a:xfrm>
+        </p:spPr>
+        <p:txBody>
+          <a:bodyPr>
+            <a:normAutofit/>
+          </a:bodyPr>
+          <a:lstStyle/>
+          <a:p>
+            <a:r>
+              <a:rPr lang="en-US" dirty="0"/>
+              <a:t>[function]</a:t>
+            </a:r>
+          </a:p>
+          <a:p>
+            <a:pPr lvl="1"/>
+            <a:r>
+              <a:rPr lang="en-US" dirty="0"/>
+              <a:t>[detail]</a:t>
+            </a:r>
+          </a:p>
+          <a:p>
+            <a:pPr lvl="3"/>
+            <a:endParaRPr lang="en-US" dirty="0"/>
+          </a:p>
+        </p:txBody>
+      </p:sp>
+    </p:spTree>
+    <p:extLst>
+      <p:ext uri="{BB962C8B-B14F-4D97-AF65-F5344CB8AC3E}">
+        <p14:creationId xmlns:p14="http://schemas.microsoft.com/office/powerpoint/2010/main" val="2145808507"/>
+      </p:ext>
+    </p:extLst>
+  </p:cSld>
+  <p:clrMapOvr>
+    <a:masterClrMapping/>
+  </p:clrMapOvr>
+</p:sld>
+</file>
+
+<file path=ppt/slides/slide21.xml><?xml version="1.0" encoding="utf-8"?>
+<p:sld xmlns:a="http://schemas.openxmlformats.org/drawingml/2006/main" xmlns:r="http://schemas.openxmlformats.org/officeDocument/2006/relationships" xmlns:p="http://schemas.openxmlformats.org/presentationml/2006/main">
+  <p:cSld>
+    <p:spTree>
+      <p:nvGrpSpPr>
+        <p:cNvPr id="1" name=""/>
+        <p:cNvGrpSpPr/>
+        <p:nvPr/>
+      </p:nvGrpSpPr>
+      <p:grpSpPr>
+        <a:xfrm>
+          <a:off x="0" y="0"/>
+          <a:ext cx="0" cy="0"/>
+          <a:chOff x="0" y="0"/>
+          <a:chExt cx="0" cy="0"/>
+        </a:xfrm>
+      </p:grpSpPr>
+      <p:sp>
+        <p:nvSpPr>
+          <p:cNvPr id="2" name="Title 1">
+            <a:extLst>
+              <a:ext uri="{FF2B5EF4-FFF2-40B4-BE49-F238E27FC236}">
+                <a16:creationId xmlns:a16="http://schemas.microsoft.com/office/drawing/2014/main" id="{66244946-847C-CC4B-8F89-51BC7A89FF2F}"/>
+              </a:ext>
+            </a:extLst>
+          </p:cNvPr>
+          <p:cNvSpPr>
+            <a:spLocks noGrp="1"/>
+          </p:cNvSpPr>
+          <p:nvPr>
+            <p:ph type="title"/>
+          </p:nvPr>
+        </p:nvSpPr>
+        <p:spPr>
+          <a:xfrm>
+            <a:off x="2592925" y="624110"/>
+            <a:ext cx="8911687" cy="906516"/>
+          </a:xfrm>
+        </p:spPr>
+        <p:txBody>
+          <a:bodyPr>
+            <a:normAutofit/>
+          </a:bodyPr>
+          <a:lstStyle/>
+          <a:p>
+            <a:r>
+              <a:rPr lang="en-US" dirty="0"/>
+              <a:t>Functions in </a:t>
+            </a:r>
+            <a:r>
+              <a:rPr lang="en-US" dirty="0" err="1"/>
+              <a:t>kll</a:t>
+            </a:r>
+            <a:endParaRPr lang="en-US" dirty="0"/>
+          </a:p>
+        </p:txBody>
+      </p:sp>
+      <p:sp>
+        <p:nvSpPr>
+          <p:cNvPr id="3" name="Content Placeholder 2">
+            <a:extLst>
+              <a:ext uri="{FF2B5EF4-FFF2-40B4-BE49-F238E27FC236}">
+                <a16:creationId xmlns:a16="http://schemas.microsoft.com/office/drawing/2014/main" id="{330A7D1B-0225-C74E-BB86-3457D8F93200}"/>
+              </a:ext>
+            </a:extLst>
+          </p:cNvPr>
+          <p:cNvSpPr>
+            <a:spLocks noGrp="1"/>
+          </p:cNvSpPr>
+          <p:nvPr>
+            <p:ph idx="1"/>
+          </p:nvPr>
+        </p:nvSpPr>
+        <p:spPr>
+          <a:xfrm>
+            <a:off x="2589212" y="1530626"/>
+            <a:ext cx="8915400" cy="4850296"/>
+          </a:xfrm>
+        </p:spPr>
+        <p:txBody>
+          <a:bodyPr>
+            <a:normAutofit/>
+          </a:bodyPr>
+          <a:lstStyle/>
+          <a:p>
+            <a:r>
+              <a:rPr lang="en-US" dirty="0"/>
+              <a:t>[function]</a:t>
+            </a:r>
+          </a:p>
+          <a:p>
+            <a:pPr lvl="1"/>
+            <a:r>
+              <a:rPr lang="en-US" dirty="0"/>
+              <a:t>[detail]</a:t>
+            </a:r>
+          </a:p>
+          <a:p>
+            <a:pPr lvl="3"/>
+            <a:endParaRPr lang="en-US" dirty="0"/>
+          </a:p>
+        </p:txBody>
+      </p:sp>
+    </p:spTree>
+    <p:extLst>
+      <p:ext uri="{BB962C8B-B14F-4D97-AF65-F5344CB8AC3E}">
+        <p14:creationId xmlns:p14="http://schemas.microsoft.com/office/powerpoint/2010/main" val="3409387664"/>
+      </p:ext>
+    </p:extLst>
+  </p:cSld>
+  <p:clrMapOvr>
+    <a:masterClrMapping/>
+  </p:clrMapOvr>
+</p:sld>
+</file>
+
+<file path=ppt/slides/slide22.xml><?xml version="1.0" encoding="utf-8"?>
+<p:sld xmlns:a="http://schemas.openxmlformats.org/drawingml/2006/main" xmlns:r="http://schemas.openxmlformats.org/officeDocument/2006/relationships" xmlns:p="http://schemas.openxmlformats.org/presentationml/2006/main">
+  <p:cSld>
+    <p:spTree>
+      <p:nvGrpSpPr>
+        <p:cNvPr id="1" name=""/>
+        <p:cNvGrpSpPr/>
+        <p:nvPr/>
+      </p:nvGrpSpPr>
+      <p:grpSpPr>
+        <a:xfrm>
+          <a:off x="0" y="0"/>
+          <a:ext cx="0" cy="0"/>
+          <a:chOff x="0" y="0"/>
+          <a:chExt cx="0" cy="0"/>
+        </a:xfrm>
+      </p:grpSpPr>
+      <p:sp>
+        <p:nvSpPr>
+          <p:cNvPr id="2" name="Title 1">
+            <a:extLst>
+              <a:ext uri="{FF2B5EF4-FFF2-40B4-BE49-F238E27FC236}">
+                <a16:creationId xmlns:a16="http://schemas.microsoft.com/office/drawing/2014/main" id="{66244946-847C-CC4B-8F89-51BC7A89FF2F}"/>
+              </a:ext>
+            </a:extLst>
+          </p:cNvPr>
+          <p:cNvSpPr>
+            <a:spLocks noGrp="1"/>
+          </p:cNvSpPr>
+          <p:nvPr>
+            <p:ph type="title"/>
+          </p:nvPr>
+        </p:nvSpPr>
+        <p:spPr>
+          <a:xfrm>
+            <a:off x="2592925" y="624110"/>
+            <a:ext cx="8911687" cy="906516"/>
+          </a:xfrm>
+        </p:spPr>
+        <p:txBody>
+          <a:bodyPr>
+            <a:normAutofit/>
+          </a:bodyPr>
+          <a:lstStyle/>
+          <a:p>
+            <a:r>
+              <a:rPr lang="en-US" dirty="0"/>
+              <a:t>Functions in </a:t>
+            </a:r>
+            <a:r>
+              <a:rPr lang="en-US" dirty="0" err="1"/>
+              <a:t>akll</a:t>
+            </a:r>
+            <a:endParaRPr lang="en-US" dirty="0"/>
+          </a:p>
+        </p:txBody>
+      </p:sp>
+      <p:sp>
+        <p:nvSpPr>
+          <p:cNvPr id="3" name="Content Placeholder 2">
+            <a:extLst>
+              <a:ext uri="{FF2B5EF4-FFF2-40B4-BE49-F238E27FC236}">
+                <a16:creationId xmlns:a16="http://schemas.microsoft.com/office/drawing/2014/main" id="{330A7D1B-0225-C74E-BB86-3457D8F93200}"/>
+              </a:ext>
+            </a:extLst>
+          </p:cNvPr>
+          <p:cNvSpPr>
+            <a:spLocks noGrp="1"/>
+          </p:cNvSpPr>
+          <p:nvPr>
+            <p:ph idx="1"/>
+          </p:nvPr>
+        </p:nvSpPr>
+        <p:spPr>
+          <a:xfrm>
+            <a:off x="2589212" y="1530626"/>
+            <a:ext cx="8915400" cy="4850296"/>
+          </a:xfrm>
+        </p:spPr>
+        <p:txBody>
+          <a:bodyPr>
+            <a:normAutofit/>
+          </a:bodyPr>
+          <a:lstStyle/>
+          <a:p>
+            <a:r>
+              <a:rPr lang="en-US" dirty="0"/>
+              <a:t>[function]</a:t>
+            </a:r>
+          </a:p>
+          <a:p>
+            <a:pPr lvl="1"/>
+            <a:r>
+              <a:rPr lang="en-US" dirty="0"/>
+              <a:t>[detail]</a:t>
+            </a:r>
+          </a:p>
+          <a:p>
+            <a:pPr lvl="3"/>
+            <a:endParaRPr lang="en-US" dirty="0"/>
+          </a:p>
+        </p:txBody>
+      </p:sp>
+    </p:spTree>
+    <p:extLst>
+      <p:ext uri="{BB962C8B-B14F-4D97-AF65-F5344CB8AC3E}">
+        <p14:creationId xmlns:p14="http://schemas.microsoft.com/office/powerpoint/2010/main" val="822549670"/>
+      </p:ext>
+    </p:extLst>
+  </p:cSld>
+  <p:clrMapOvr>
+    <a:masterClrMapping/>
+  </p:clrMapOvr>
+</p:sld>
+</file>
+
+<file path=ppt/slides/slide23.xml><?xml version="1.0" encoding="utf-8"?>
+<p:sld xmlns:a="http://schemas.openxmlformats.org/drawingml/2006/main" xmlns:r="http://schemas.openxmlformats.org/officeDocument/2006/relationships" xmlns:p="http://schemas.openxmlformats.org/presentationml/2006/main">
+  <p:cSld>
+    <p:spTree>
+      <p:nvGrpSpPr>
+        <p:cNvPr id="1" name=""/>
+        <p:cNvGrpSpPr/>
+        <p:nvPr/>
+      </p:nvGrpSpPr>
+      <p:grpSpPr>
+        <a:xfrm>
+          <a:off x="0" y="0"/>
+          <a:ext cx="0" cy="0"/>
+          <a:chOff x="0" y="0"/>
+          <a:chExt cx="0" cy="0"/>
+        </a:xfrm>
+      </p:grpSpPr>
+      <p:sp>
+        <p:nvSpPr>
+          <p:cNvPr id="2" name="Title 1">
+            <a:extLst>
+              <a:ext uri="{FF2B5EF4-FFF2-40B4-BE49-F238E27FC236}">
+                <a16:creationId xmlns:a16="http://schemas.microsoft.com/office/drawing/2014/main" id="{66244946-847C-CC4B-8F89-51BC7A89FF2F}"/>
+              </a:ext>
+            </a:extLst>
+          </p:cNvPr>
+          <p:cNvSpPr>
+            <a:spLocks noGrp="1"/>
+          </p:cNvSpPr>
+          <p:nvPr>
+            <p:ph type="title"/>
+          </p:nvPr>
+        </p:nvSpPr>
+        <p:spPr>
+          <a:xfrm>
+            <a:off x="2592925" y="624110"/>
+            <a:ext cx="8911687" cy="906516"/>
+          </a:xfrm>
+        </p:spPr>
+        <p:txBody>
+          <a:bodyPr>
+            <a:normAutofit/>
+          </a:bodyPr>
+          <a:lstStyle/>
+          <a:p>
+            <a:r>
+              <a:rPr lang="en-US" dirty="0"/>
+              <a:t>Functions in [module]</a:t>
+            </a:r>
+          </a:p>
+        </p:txBody>
+      </p:sp>
+      <p:sp>
+        <p:nvSpPr>
+          <p:cNvPr id="3" name="Content Placeholder 2">
+            <a:extLst>
+              <a:ext uri="{FF2B5EF4-FFF2-40B4-BE49-F238E27FC236}">
+                <a16:creationId xmlns:a16="http://schemas.microsoft.com/office/drawing/2014/main" id="{330A7D1B-0225-C74E-BB86-3457D8F93200}"/>
+              </a:ext>
+            </a:extLst>
+          </p:cNvPr>
+          <p:cNvSpPr>
+            <a:spLocks noGrp="1"/>
+          </p:cNvSpPr>
+          <p:nvPr>
+            <p:ph idx="1"/>
+          </p:nvPr>
+        </p:nvSpPr>
+        <p:spPr>
+          <a:xfrm>
+            <a:off x="2589212" y="1530626"/>
+            <a:ext cx="8915400" cy="4850296"/>
+          </a:xfrm>
+        </p:spPr>
+        <p:txBody>
+          <a:bodyPr>
+            <a:normAutofit/>
+          </a:bodyPr>
+          <a:lstStyle/>
+          <a:p>
+            <a:r>
+              <a:rPr lang="en-US" dirty="0"/>
+              <a:t>[function]</a:t>
+            </a:r>
+          </a:p>
+          <a:p>
+            <a:pPr lvl="1"/>
+            <a:r>
+              <a:rPr lang="en-US" dirty="0"/>
+              <a:t>[detail]</a:t>
+            </a:r>
+          </a:p>
+          <a:p>
+            <a:pPr lvl="3"/>
+            <a:endParaRPr lang="en-US" dirty="0"/>
+          </a:p>
+        </p:txBody>
+      </p:sp>
+    </p:spTree>
+    <p:extLst>
+      <p:ext uri="{BB962C8B-B14F-4D97-AF65-F5344CB8AC3E}">
+        <p14:creationId xmlns:p14="http://schemas.microsoft.com/office/powerpoint/2010/main" val="2172215995"/>
+      </p:ext>
+    </p:extLst>
+  </p:cSld>
+  <p:clrMapOvr>
+    <a:masterClrMapping/>
+  </p:clrMapOvr>
+</p:sld>
+</file>
+
+<file path=ppt/slides/slide24.xml><?xml version="1.0" encoding="utf-8"?>
+<p:sld xmlns:a="http://schemas.openxmlformats.org/drawingml/2006/main" xmlns:r="http://schemas.openxmlformats.org/officeDocument/2006/relationships" xmlns:p="http://schemas.openxmlformats.org/presentationml/2006/main">
+  <p:cSld>
+    <p:spTree>
+      <p:nvGrpSpPr>
+        <p:cNvPr id="1" name=""/>
+        <p:cNvGrpSpPr/>
+        <p:nvPr/>
+      </p:nvGrpSpPr>
+      <p:grpSpPr>
+        <a:xfrm>
+          <a:off x="0" y="0"/>
+          <a:ext cx="0" cy="0"/>
+          <a:chOff x="0" y="0"/>
+          <a:chExt cx="0" cy="0"/>
+        </a:xfrm>
+      </p:grpSpPr>
+      <p:sp>
+        <p:nvSpPr>
+          <p:cNvPr id="2" name="Title 1">
+            <a:extLst>
+              <a:ext uri="{FF2B5EF4-FFF2-40B4-BE49-F238E27FC236}">
+                <a16:creationId xmlns:a16="http://schemas.microsoft.com/office/drawing/2014/main" id="{66244946-847C-CC4B-8F89-51BC7A89FF2F}"/>
+              </a:ext>
+            </a:extLst>
+          </p:cNvPr>
+          <p:cNvSpPr>
+            <a:spLocks noGrp="1"/>
+          </p:cNvSpPr>
+          <p:nvPr>
+            <p:ph type="title"/>
+          </p:nvPr>
+        </p:nvSpPr>
+        <p:spPr>
+          <a:xfrm>
+            <a:off x="2592925" y="624110"/>
+            <a:ext cx="8911687" cy="906516"/>
+          </a:xfrm>
+        </p:spPr>
+        <p:txBody>
+          <a:bodyPr>
+            <a:normAutofit/>
+          </a:bodyPr>
+          <a:lstStyle/>
+          <a:p>
+            <a:r>
+              <a:rPr lang="en-US" dirty="0"/>
+              <a:t>Functions in result-</a:t>
+            </a:r>
+            <a:r>
+              <a:rPr lang="en-US" dirty="0" err="1"/>
+              <a:t>kmeans</a:t>
+            </a:r>
+            <a:r>
+              <a:rPr lang="en-US" dirty="0"/>
+              <a:t>-parallel</a:t>
+            </a:r>
+          </a:p>
+        </p:txBody>
+      </p:sp>
+      <p:sp>
+        <p:nvSpPr>
+          <p:cNvPr id="3" name="Content Placeholder 2">
+            <a:extLst>
+              <a:ext uri="{FF2B5EF4-FFF2-40B4-BE49-F238E27FC236}">
+                <a16:creationId xmlns:a16="http://schemas.microsoft.com/office/drawing/2014/main" id="{330A7D1B-0225-C74E-BB86-3457D8F93200}"/>
+              </a:ext>
+            </a:extLst>
+          </p:cNvPr>
+          <p:cNvSpPr>
+            <a:spLocks noGrp="1"/>
+          </p:cNvSpPr>
+          <p:nvPr>
+            <p:ph idx="1"/>
+          </p:nvPr>
+        </p:nvSpPr>
+        <p:spPr>
+          <a:xfrm>
+            <a:off x="2589212" y="1530626"/>
+            <a:ext cx="8915400" cy="4850296"/>
+          </a:xfrm>
+        </p:spPr>
+        <p:txBody>
+          <a:bodyPr>
+            <a:normAutofit/>
+          </a:bodyPr>
+          <a:lstStyle/>
+          <a:p>
+            <a:r>
+              <a:rPr lang="en-US" dirty="0"/>
+              <a:t>[function]</a:t>
+            </a:r>
+          </a:p>
+          <a:p>
+            <a:pPr lvl="1"/>
+            <a:r>
+              <a:rPr lang="en-US" dirty="0"/>
+              <a:t>[detail]</a:t>
+            </a:r>
+          </a:p>
+          <a:p>
+            <a:pPr lvl="3"/>
+            <a:endParaRPr lang="en-US" dirty="0"/>
+          </a:p>
+        </p:txBody>
+      </p:sp>
+    </p:spTree>
+    <p:extLst>
+      <p:ext uri="{BB962C8B-B14F-4D97-AF65-F5344CB8AC3E}">
+        <p14:creationId xmlns:p14="http://schemas.microsoft.com/office/powerpoint/2010/main" val="3173512882"/>
       </p:ext>
     </p:extLst>
   </p:cSld>
@@ -8212,22 +10024,117 @@
           </a:xfrm>
         </p:spPr>
         <p:txBody>
-          <a:bodyPr/>
+          <a:bodyPr>
+            <a:normAutofit lnSpcReduction="10000"/>
+          </a:bodyPr>
           <a:lstStyle/>
           <a:p>
             <a:r>
               <a:rPr lang="en-US" dirty="0"/>
-              <a:t>The cost of K-means++ has long been recognized as being an expensive but necessary step for better results</a:t>
-            </a:r>
-          </a:p>
-          <a:p>
-            <a:endParaRPr lang="en-US" dirty="0"/>
-          </a:p>
-          <a:p>
+              <a:t>The cost of K-means++ has long been recognized as being an expensive but necessary step for better results.</a:t>
+            </a:r>
+          </a:p>
+          <a:p>
+            <a:endParaRPr lang="en-US" dirty="0"/>
+          </a:p>
+          <a:p>
+            <a:r>
+              <a:rPr lang="en-US" dirty="0"/>
+              <a:t>Modern accelerated versions of K-means clustering perform as few as 1.2 total iterations of the dataset [</a:t>
+            </a:r>
+            <a:r>
+              <a:rPr lang="en-US" dirty="0" err="1"/>
+              <a:t>Ryšavy</a:t>
+            </a:r>
+            <a:r>
+              <a:rPr lang="en-US" dirty="0"/>
+              <a:t>́ and </a:t>
+            </a:r>
+            <a:r>
+              <a:rPr lang="en-US" dirty="0" err="1"/>
+              <a:t>Hamerly</a:t>
+            </a:r>
+            <a:r>
+              <a:rPr lang="en-US" dirty="0"/>
+              <a:t>, 2016].</a:t>
+            </a:r>
+          </a:p>
+          <a:p>
+            <a:endParaRPr lang="en-US" dirty="0"/>
+          </a:p>
+          <a:p>
+            <a:r>
+              <a:rPr lang="en-US" dirty="0"/>
+              <a:t>making K-means++ seed selection take up to 44% of all distance computations.</a:t>
+            </a:r>
+          </a:p>
+          <a:p>
+            <a:endParaRPr lang="en-US" dirty="0"/>
+          </a:p>
+          <a:p>
+            <a:r>
+              <a:rPr lang="en-US" dirty="0"/>
+              <a:t>Faster seed selection is useful many application such as:</a:t>
+            </a:r>
+          </a:p>
+          <a:p>
+            <a:pPr lvl="1"/>
+            <a:r>
+              <a:rPr lang="en-US" dirty="0"/>
+              <a:t>Corset construction [</a:t>
+            </a:r>
+            <a:r>
+              <a:rPr lang="en-US" dirty="0" err="1"/>
+              <a:t>Bachem</a:t>
+            </a:r>
+            <a:r>
+              <a:rPr lang="en-US" dirty="0"/>
+              <a:t> et al., 2015]</a:t>
+            </a:r>
+          </a:p>
+          <a:p>
+            <a:pPr lvl="1"/>
+            <a:r>
+              <a:rPr lang="en-US" dirty="0"/>
+              <a:t>Change detection [Raff et al., 2020]</a:t>
+            </a:r>
+          </a:p>
+          <a:p>
+            <a:pPr lvl="1"/>
+            <a:r>
+              <a:rPr lang="en-US" dirty="0"/>
+              <a:t>Tensor algorithms [</a:t>
+            </a:r>
+            <a:r>
+              <a:rPr lang="en-US" dirty="0" err="1"/>
+              <a:t>Jegelka</a:t>
+            </a:r>
+            <a:r>
+              <a:rPr lang="en-US" dirty="0"/>
+              <a:t> et al., 2009]</a:t>
+            </a:r>
+          </a:p>
+          <a:p>
+            <a:pPr lvl="1"/>
             <a:r>
               <a:rPr lang="en-US" dirty="0"/>
               <a:t>…</a:t>
             </a:r>
+          </a:p>
+          <a:p>
+            <a:pPr lvl="1"/>
+            <a:endParaRPr lang="en-US" dirty="0"/>
+          </a:p>
+          <a:p>
+            <a:pPr lvl="2"/>
+            <a:endParaRPr lang="en-US" dirty="0"/>
+          </a:p>
+          <a:p>
+            <a:pPr lvl="3"/>
+            <a:endParaRPr lang="en-US" dirty="0"/>
+          </a:p>
+          <a:p>
+            <a:endParaRPr lang="en-US" dirty="0"/>
           </a:p>
           <a:p>
             <a:endParaRPr lang="en-US" dirty="0"/>
@@ -8294,6 +10201,174 @@
           <a:p>
             <a:r>
               <a:rPr lang="en-US" dirty="0"/>
+              <a:t>Introduction[cont.]</a:t>
+            </a:r>
+          </a:p>
+        </p:txBody>
+      </p:sp>
+      <p:sp>
+        <p:nvSpPr>
+          <p:cNvPr id="3" name="Content Placeholder 2">
+            <a:extLst>
+              <a:ext uri="{FF2B5EF4-FFF2-40B4-BE49-F238E27FC236}">
+                <a16:creationId xmlns:a16="http://schemas.microsoft.com/office/drawing/2014/main" id="{330A7D1B-0225-C74E-BB86-3457D8F93200}"/>
+              </a:ext>
+            </a:extLst>
+          </p:cNvPr>
+          <p:cNvSpPr>
+            <a:spLocks noGrp="1"/>
+          </p:cNvSpPr>
+          <p:nvPr>
+            <p:ph idx="1"/>
+          </p:nvPr>
+        </p:nvSpPr>
+        <p:spPr>
+          <a:xfrm>
+            <a:off x="2589212" y="1530626"/>
+            <a:ext cx="8915400" cy="4850296"/>
+          </a:xfrm>
+        </p:spPr>
+        <p:txBody>
+          <a:bodyPr>
+            <a:normAutofit/>
+          </a:bodyPr>
+          <a:lstStyle/>
+          <a:p>
+            <a:r>
+              <a:rPr lang="en-US" dirty="0"/>
+              <a:t>Accelerating K-means++</a:t>
+            </a:r>
+          </a:p>
+          <a:p>
+            <a:pPr lvl="1"/>
+            <a:r>
+              <a:rPr lang="en-US" dirty="0"/>
+              <a:t>Triangle inequality</a:t>
+            </a:r>
+          </a:p>
+          <a:p>
+            <a:pPr lvl="1"/>
+            <a:r>
+              <a:rPr lang="en-US" dirty="0"/>
+              <a:t>Dynamic priority queue</a:t>
+            </a:r>
+          </a:p>
+          <a:p>
+            <a:endParaRPr lang="en-US" dirty="0"/>
+          </a:p>
+          <a:p>
+            <a:r>
+              <a:rPr lang="en-US" dirty="0"/>
+              <a:t>Accelerating K-means ||</a:t>
+            </a:r>
+          </a:p>
+          <a:p>
+            <a:pPr lvl="1"/>
+            <a:r>
+              <a:rPr lang="en-US" dirty="0" err="1"/>
+              <a:t>NearestInRange</a:t>
+            </a:r>
+            <a:r>
+              <a:rPr lang="en-US" dirty="0"/>
+              <a:t> query</a:t>
+            </a:r>
+          </a:p>
+          <a:p>
+            <a:pPr lvl="2"/>
+            <a:endParaRPr lang="en-US" dirty="0"/>
+          </a:p>
+          <a:p>
+            <a:pPr lvl="3"/>
+            <a:endParaRPr lang="en-US" dirty="0"/>
+          </a:p>
+          <a:p>
+            <a:r>
+              <a:rPr lang="en-US" dirty="0"/>
+              <a:t>Empirical evaluation</a:t>
+            </a:r>
+          </a:p>
+          <a:p>
+            <a:pPr lvl="1"/>
+            <a:r>
+              <a:rPr lang="en-US" dirty="0"/>
+              <a:t>Large dataset</a:t>
+            </a:r>
+          </a:p>
+          <a:p>
+            <a:pPr lvl="1"/>
+            <a:r>
+              <a:rPr lang="en-US" dirty="0"/>
+              <a:t>K in range [32, 4096]</a:t>
+            </a:r>
+          </a:p>
+          <a:p>
+            <a:endParaRPr lang="en-US" dirty="0"/>
+          </a:p>
+          <a:p>
+            <a:endParaRPr lang="en-US" dirty="0"/>
+          </a:p>
+        </p:txBody>
+      </p:sp>
+    </p:spTree>
+    <p:extLst>
+      <p:ext uri="{BB962C8B-B14F-4D97-AF65-F5344CB8AC3E}">
+        <p14:creationId xmlns:p14="http://schemas.microsoft.com/office/powerpoint/2010/main" val="2364019027"/>
+      </p:ext>
+    </p:extLst>
+  </p:cSld>
+  <p:clrMapOvr>
+    <a:masterClrMapping/>
+  </p:clrMapOvr>
+</p:sld>
+</file>
+
+<file path=ppt/slides/slide6.xml><?xml version="1.0" encoding="utf-8"?>
+<p:sld xmlns:a="http://schemas.openxmlformats.org/drawingml/2006/main" xmlns:r="http://schemas.openxmlformats.org/officeDocument/2006/relationships" xmlns:p="http://schemas.openxmlformats.org/presentationml/2006/main">
+  <p:cSld>
+    <p:spTree>
+      <p:nvGrpSpPr>
+        <p:cNvPr id="1" name=""/>
+        <p:cNvGrpSpPr/>
+        <p:nvPr/>
+      </p:nvGrpSpPr>
+      <p:grpSpPr>
+        <a:xfrm>
+          <a:off x="0" y="0"/>
+          <a:ext cx="0" cy="0"/>
+          <a:chOff x="0" y="0"/>
+          <a:chExt cx="0" cy="0"/>
+        </a:xfrm>
+      </p:grpSpPr>
+      <p:sp>
+        <p:nvSpPr>
+          <p:cNvPr id="2" name="Title 1">
+            <a:extLst>
+              <a:ext uri="{FF2B5EF4-FFF2-40B4-BE49-F238E27FC236}">
+                <a16:creationId xmlns:a16="http://schemas.microsoft.com/office/drawing/2014/main" id="{66244946-847C-CC4B-8F89-51BC7A89FF2F}"/>
+              </a:ext>
+            </a:extLst>
+          </p:cNvPr>
+          <p:cNvSpPr>
+            <a:spLocks noGrp="1"/>
+          </p:cNvSpPr>
+          <p:nvPr>
+            <p:ph type="title"/>
+          </p:nvPr>
+        </p:nvSpPr>
+        <p:spPr>
+          <a:xfrm>
+            <a:off x="2592925" y="624110"/>
+            <a:ext cx="8911687" cy="906516"/>
+          </a:xfrm>
+        </p:spPr>
+        <p:txBody>
+          <a:bodyPr>
+            <a:normAutofit/>
+          </a:bodyPr>
+          <a:lstStyle/>
+          <a:p>
+            <a:r>
+              <a:rPr lang="en-US" dirty="0"/>
               <a:t>Accelerating K-Means++</a:t>
             </a:r>
           </a:p>
@@ -8480,7 +10555,7 @@
 </p:sld>
 </file>
 
-<file path=ppt/slides/slide6.xml><?xml version="1.0" encoding="utf-8"?>
+<file path=ppt/slides/slide7.xml><?xml version="1.0" encoding="utf-8"?>
 <p:sld xmlns:a="http://schemas.openxmlformats.org/drawingml/2006/main" xmlns:r="http://schemas.openxmlformats.org/officeDocument/2006/relationships" xmlns:p="http://schemas.openxmlformats.org/presentationml/2006/main">
   <p:cSld>
     <p:spTree>
@@ -8539,216 +10614,6 @@
 </p:sld>
 </file>
 
-<file path=ppt/slides/slide7.xml><?xml version="1.0" encoding="utf-8"?>
-<p:sld xmlns:a="http://schemas.openxmlformats.org/drawingml/2006/main" xmlns:r="http://schemas.openxmlformats.org/officeDocument/2006/relationships" xmlns:p="http://schemas.openxmlformats.org/presentationml/2006/main">
-  <p:cSld>
-    <p:spTree>
-      <p:nvGrpSpPr>
-        <p:cNvPr id="1" name=""/>
-        <p:cNvGrpSpPr/>
-        <p:nvPr/>
-      </p:nvGrpSpPr>
-      <p:grpSpPr>
-        <a:xfrm>
-          <a:off x="0" y="0"/>
-          <a:ext cx="0" cy="0"/>
-          <a:chOff x="0" y="0"/>
-          <a:chExt cx="0" cy="0"/>
-        </a:xfrm>
-      </p:grpSpPr>
-      <p:sp>
-        <p:nvSpPr>
-          <p:cNvPr id="2" name="Title 1">
-            <a:extLst>
-              <a:ext uri="{FF2B5EF4-FFF2-40B4-BE49-F238E27FC236}">
-                <a16:creationId xmlns:a16="http://schemas.microsoft.com/office/drawing/2014/main" id="{66244946-847C-CC4B-8F89-51BC7A89FF2F}"/>
-              </a:ext>
-            </a:extLst>
-          </p:cNvPr>
-          <p:cNvSpPr>
-            <a:spLocks noGrp="1"/>
-          </p:cNvSpPr>
-          <p:nvPr>
-            <p:ph type="title"/>
-          </p:nvPr>
-        </p:nvSpPr>
-        <p:spPr>
-          <a:xfrm>
-            <a:off x="2592925" y="624110"/>
-            <a:ext cx="8911687" cy="906516"/>
-          </a:xfrm>
-        </p:spPr>
-        <p:txBody>
-          <a:bodyPr>
-            <a:normAutofit/>
-          </a:bodyPr>
-          <a:lstStyle/>
-          <a:p>
-            <a:r>
-              <a:rPr lang="en-US" dirty="0"/>
-              <a:t>Accelerating K–Means||</a:t>
-            </a:r>
-          </a:p>
-        </p:txBody>
-      </p:sp>
-      <p:sp>
-        <p:nvSpPr>
-          <p:cNvPr id="3" name="Content Placeholder 2">
-            <a:extLst>
-              <a:ext uri="{FF2B5EF4-FFF2-40B4-BE49-F238E27FC236}">
-                <a16:creationId xmlns:a16="http://schemas.microsoft.com/office/drawing/2014/main" id="{330A7D1B-0225-C74E-BB86-3457D8F93200}"/>
-              </a:ext>
-            </a:extLst>
-          </p:cNvPr>
-          <p:cNvSpPr>
-            <a:spLocks noGrp="1"/>
-          </p:cNvSpPr>
-          <p:nvPr>
-            <p:ph idx="1"/>
-          </p:nvPr>
-        </p:nvSpPr>
-        <p:spPr>
-          <a:xfrm>
-            <a:off x="2589212" y="1530626"/>
-            <a:ext cx="8915400" cy="4850296"/>
-          </a:xfrm>
-        </p:spPr>
-        <p:txBody>
-          <a:bodyPr>
-            <a:normAutofit fontScale="92500" lnSpcReduction="20000"/>
-          </a:bodyPr>
-          <a:lstStyle/>
-          <a:p>
-            <a:r>
-              <a:rPr lang="en-US" dirty="0"/>
-              <a:t>Parameters:</a:t>
-            </a:r>
-          </a:p>
-          <a:p>
-            <a:pPr lvl="1"/>
-            <a:r>
-              <a:rPr lang="en-US" dirty="0"/>
-              <a:t>K: number of cluster</a:t>
-            </a:r>
-          </a:p>
-          <a:p>
-            <a:pPr lvl="1"/>
-            <a:r>
-              <a:rPr lang="en-US" dirty="0"/>
-              <a:t>X, W: each data point and associated weight</a:t>
-            </a:r>
-          </a:p>
-          <a:p>
-            <a:pPr lvl="1"/>
-            <a:r>
-              <a:rPr lang="en-US" dirty="0"/>
-              <a:t>R: number of rounds (5 in our implementation)</a:t>
-            </a:r>
-          </a:p>
-          <a:p>
-            <a:pPr lvl="1"/>
-            <a:r>
-              <a:rPr lang="en-US" dirty="0"/>
-              <a:t>L: over sampling factor (2xK in our implementation)</a:t>
-            </a:r>
-          </a:p>
-          <a:p>
-            <a:pPr lvl="1"/>
-            <a:endParaRPr lang="en-US" dirty="0"/>
-          </a:p>
-          <a:p>
-            <a:r>
-              <a:rPr lang="en-US" dirty="0"/>
-              <a:t>Variables:</a:t>
-            </a:r>
-          </a:p>
-          <a:p>
-            <a:pPr lvl="1"/>
-            <a:r>
-              <a:rPr lang="en-US" dirty="0"/>
-              <a:t>Alpha: cache the distance between each point and it’s closest mean</a:t>
-            </a:r>
-          </a:p>
-          <a:p>
-            <a:pPr lvl="1"/>
-            <a:r>
-              <a:rPr lang="en-US" dirty="0"/>
-              <a:t>Gamma: Distance of previous means to the last mean</a:t>
-            </a:r>
-          </a:p>
-          <a:p>
-            <a:pPr lvl="1"/>
-            <a:r>
-              <a:rPr lang="en-US" dirty="0"/>
-              <a:t>c: our means</a:t>
-            </a:r>
-          </a:p>
-          <a:p>
-            <a:pPr lvl="1"/>
-            <a:r>
-              <a:rPr lang="en-US" dirty="0"/>
-              <a:t>C: </a:t>
-            </a:r>
-            <a:r>
-              <a:rPr lang="en-US" dirty="0" err="1"/>
-              <a:t>VPtree</a:t>
-            </a:r>
-            <a:endParaRPr lang="en-US" dirty="0"/>
-          </a:p>
-          <a:p>
-            <a:endParaRPr lang="en-US" dirty="0"/>
-          </a:p>
-          <a:p>
-            <a:r>
-              <a:rPr lang="en-US" dirty="0"/>
-              <a:t>Method of improving:</a:t>
-            </a:r>
-          </a:p>
-          <a:p>
-            <a:pPr lvl="1"/>
-            <a:r>
-              <a:rPr lang="en-US" dirty="0"/>
-              <a:t>Use the Vantage Point tree (VP) algorithm</a:t>
-            </a:r>
-            <a:r>
-              <a:rPr lang="fa-IR" dirty="0"/>
-              <a:t> </a:t>
-            </a:r>
-            <a:r>
-              <a:rPr lang="en-US" dirty="0"/>
-              <a:t>(instead of triangle inequality)</a:t>
-            </a:r>
-          </a:p>
-          <a:p>
-            <a:pPr lvl="2"/>
-            <a:r>
-              <a:rPr lang="en-US" dirty="0"/>
-              <a:t>Find nearest mean in O(log L)</a:t>
-            </a:r>
-          </a:p>
-          <a:p>
-            <a:pPr lvl="4"/>
-            <a:endParaRPr lang="en-US" dirty="0"/>
-          </a:p>
-          <a:p>
-            <a:pPr lvl="3"/>
-            <a:endParaRPr lang="en-US" dirty="0"/>
-          </a:p>
-        </p:txBody>
-      </p:sp>
-    </p:spTree>
-    <p:extLst>
-      <p:ext uri="{BB962C8B-B14F-4D97-AF65-F5344CB8AC3E}">
-        <p14:creationId xmlns:p14="http://schemas.microsoft.com/office/powerpoint/2010/main" val="3174844557"/>
-      </p:ext>
-    </p:extLst>
-  </p:cSld>
-  <p:clrMapOvr>
-    <a:masterClrMapping/>
-  </p:clrMapOvr>
-</p:sld>
-</file>
-
 <file path=ppt/slides/slide8.xml><?xml version="1.0" encoding="utf-8"?>
 <p:sld xmlns:a="http://schemas.openxmlformats.org/drawingml/2006/main" xmlns:r="http://schemas.openxmlformats.org/officeDocument/2006/relationships" xmlns:p="http://schemas.openxmlformats.org/presentationml/2006/main">
   <p:cSld>
@@ -8796,7 +10661,7 @@
           <a:p>
             <a:r>
               <a:rPr lang="en-US" dirty="0"/>
-              <a:t>Nearest In Range Queries</a:t>
+              <a:t>Accelerating K–Means||</a:t>
             </a:r>
           </a:p>
         </p:txBody>
@@ -8825,7 +10690,7 @@
         </p:spPr>
         <p:txBody>
           <a:bodyPr>
-            <a:normAutofit/>
+            <a:normAutofit fontScale="92500" lnSpcReduction="20000"/>
           </a:bodyPr>
           <a:lstStyle/>
           <a:p>
@@ -8838,20 +10703,32 @@
             <a:pPr lvl="1"/>
             <a:r>
               <a:rPr lang="en-US" dirty="0"/>
-              <a:t>q: query point</a:t>
+              <a:t>K: number of cluster</a:t>
             </a:r>
           </a:p>
           <a:p>
             <a:pPr lvl="1"/>
             <a:r>
               <a:rPr lang="en-US" dirty="0"/>
-              <a:t>r: search within a radius of r to the query</a:t>
-            </a:r>
-          </a:p>
-          <a:p>
-            <a:pPr marL="457200" lvl="1" indent="0">
-              <a:buNone/>
-            </a:pPr>
+              <a:t>X, W: each data point and associated weight</a:t>
+            </a:r>
+          </a:p>
+          <a:p>
+            <a:pPr lvl="1"/>
+            <a:r>
+              <a:rPr lang="en-US" dirty="0"/>
+              <a:t>R: number of rounds (5 in our implementation)</a:t>
+            </a:r>
+          </a:p>
+          <a:p>
+            <a:pPr lvl="1"/>
+            <a:r>
+              <a:rPr lang="en-US" dirty="0"/>
+              <a:t>L: over sampling factor (2xK in our implementation)</a:t>
+            </a:r>
+          </a:p>
+          <a:p>
+            <a:pPr lvl="1"/>
             <a:endParaRPr lang="en-US" dirty="0"/>
           </a:p>
           <a:p>
@@ -8864,115 +10741,65 @@
             <a:pPr lvl="1"/>
             <a:r>
               <a:rPr lang="en-US" dirty="0"/>
-              <a:t>tau: to keep track of the distance to the nearest neighbor found.</a:t>
+              <a:t>Alpha: cache the distance between each point and it’s closest mean</a:t>
             </a:r>
           </a:p>
           <a:p>
             <a:pPr lvl="1"/>
             <a:r>
+              <a:rPr lang="en-US" dirty="0"/>
+              <a:t>Gamma: Distance of previous means to the last mean</a:t>
+            </a:r>
+          </a:p>
+          <a:p>
+            <a:pPr lvl="1"/>
+            <a:r>
+              <a:rPr lang="en-US" dirty="0"/>
+              <a:t>c: our means</a:t>
+            </a:r>
+          </a:p>
+          <a:p>
+            <a:pPr lvl="1"/>
+            <a:r>
+              <a:rPr lang="en-US" dirty="0"/>
+              <a:t>C: </a:t>
+            </a:r>
+            <a:r>
               <a:rPr lang="en-US" dirty="0" err="1"/>
-              <a:t>near</a:t>
-            </a:r>
-            <a:r>
-              <a:rPr lang="en-US" baseline="-25000" dirty="0" err="1"/>
-              <a:t>low</a:t>
-            </a:r>
-            <a:r>
-              <a:rPr lang="en-US" baseline="30000" dirty="0"/>
+              <a:t>VPtree</a:t>
+            </a:r>
+            <a:endParaRPr lang="en-US" dirty="0"/>
+          </a:p>
+          <a:p>
+            <a:endParaRPr lang="en-US" dirty="0"/>
+          </a:p>
+          <a:p>
+            <a:r>
+              <a:rPr lang="en-US" dirty="0"/>
+              <a:t>Method of improving:</a:t>
+            </a:r>
+          </a:p>
+          <a:p>
+            <a:pPr lvl="1"/>
+            <a:r>
+              <a:rPr lang="en-US" dirty="0"/>
+              <a:t>Use the Vantage Point tree (VP) algorithm</a:t>
+            </a:r>
+            <a:r>
+              <a:rPr lang="fa-IR" dirty="0"/>
               <a:t> </a:t>
             </a:r>
             <a:r>
               <a:rPr lang="en-US" dirty="0"/>
-              <a:t>,</a:t>
-            </a:r>
-            <a:r>
-              <a:rPr lang="en-US" baseline="30000" dirty="0"/>
-              <a:t> </a:t>
-            </a:r>
-            <a:r>
-              <a:rPr lang="en-US" dirty="0" err="1"/>
-              <a:t>near</a:t>
-            </a:r>
-            <a:r>
-              <a:rPr lang="en-US" baseline="-25000" dirty="0" err="1"/>
-              <a:t>high</a:t>
-            </a:r>
-            <a:r>
-              <a:rPr lang="en-US" dirty="0"/>
-              <a:t>: the shortest and farthest distance to the points in the </a:t>
-            </a:r>
-            <a:r>
-              <a:rPr lang="en-US" b="1" dirty="0"/>
-              <a:t>left</a:t>
-            </a:r>
-            <a:r>
-              <a:rPr lang="en-US" dirty="0"/>
-              <a:t> child</a:t>
-            </a:r>
-          </a:p>
-          <a:p>
-            <a:pPr lvl="1"/>
-            <a:r>
-              <a:rPr lang="en-US" dirty="0" err="1"/>
-              <a:t>far</a:t>
-            </a:r>
-            <a:r>
-              <a:rPr lang="en-US" baseline="-25000" dirty="0" err="1"/>
-              <a:t>ow</a:t>
-            </a:r>
-            <a:r>
-              <a:rPr lang="en-US" baseline="30000" dirty="0"/>
-              <a:t> </a:t>
-            </a:r>
-            <a:r>
-              <a:rPr lang="en-US" dirty="0"/>
-              <a:t>,</a:t>
-            </a:r>
-            <a:r>
-              <a:rPr lang="en-US" baseline="30000" dirty="0"/>
-              <a:t> </a:t>
-            </a:r>
-            <a:r>
-              <a:rPr lang="en-US" dirty="0" err="1"/>
-              <a:t>far</a:t>
-            </a:r>
-            <a:r>
-              <a:rPr lang="en-US" baseline="-25000" dirty="0" err="1"/>
-              <a:t>high</a:t>
-            </a:r>
-            <a:r>
-              <a:rPr lang="en-US" dirty="0"/>
-              <a:t>: the shortest and farthest distance to the points in the </a:t>
-            </a:r>
-            <a:r>
-              <a:rPr lang="en-US" b="1" dirty="0"/>
-              <a:t>right</a:t>
-            </a:r>
-            <a:r>
-              <a:rPr lang="en-US" dirty="0"/>
-              <a:t> child</a:t>
-            </a:r>
-          </a:p>
-          <a:p>
-            <a:pPr lvl="1"/>
-            <a:endParaRPr lang="en-US" dirty="0"/>
-          </a:p>
-          <a:p>
-            <a:r>
-              <a:rPr lang="en-US" dirty="0"/>
-              <a:t>Method of improving:</a:t>
-            </a:r>
-          </a:p>
-          <a:p>
-            <a:pPr lvl="1"/>
-            <a:r>
-              <a:rPr lang="en-US" dirty="0"/>
-              <a:t>Set initial tau = alpha[q]</a:t>
-            </a:r>
-          </a:p>
-          <a:p>
-            <a:pPr lvl="1"/>
-            <a:endParaRPr lang="en-US" dirty="0"/>
+              <a:t>(instead of triangle inequality)</a:t>
+            </a:r>
+          </a:p>
+          <a:p>
+            <a:pPr lvl="2"/>
+            <a:r>
+              <a:rPr lang="en-US" dirty="0"/>
+              <a:t>Find nearest mean in O(log L)</a:t>
+            </a:r>
           </a:p>
           <a:p>
             <a:pPr lvl="4"/>
@@ -8987,7 +10814,7 @@
     </p:spTree>
     <p:extLst>
       <p:ext uri="{BB962C8B-B14F-4D97-AF65-F5344CB8AC3E}">
-        <p14:creationId xmlns:p14="http://schemas.microsoft.com/office/powerpoint/2010/main" val="2290554859"/>
+        <p14:creationId xmlns:p14="http://schemas.microsoft.com/office/powerpoint/2010/main" val="3174844557"/>
       </p:ext>
     </p:extLst>
   </p:cSld>
@@ -9044,44 +10871,198 @@
           <a:p>
             <a:r>
               <a:rPr lang="en-US" dirty="0"/>
-              <a:t>Vantage Point tree (VP)</a:t>
-            </a:r>
-          </a:p>
-        </p:txBody>
-      </p:sp>
-      <p:pic>
-        <p:nvPicPr>
-          <p:cNvPr id="5" name="Content Placeholder 4">
+              <a:t>Nearest In Range Queries</a:t>
+            </a:r>
+          </a:p>
+        </p:txBody>
+      </p:sp>
+      <p:sp>
+        <p:nvSpPr>
+          <p:cNvPr id="3" name="Content Placeholder 2">
             <a:extLst>
               <a:ext uri="{FF2B5EF4-FFF2-40B4-BE49-F238E27FC236}">
-                <a16:creationId xmlns:a16="http://schemas.microsoft.com/office/drawing/2014/main" id="{7653F0D9-C40B-144F-B519-3D777B96813A}"/>
+                <a16:creationId xmlns:a16="http://schemas.microsoft.com/office/drawing/2014/main" id="{330A7D1B-0225-C74E-BB86-3457D8F93200}"/>
               </a:ext>
             </a:extLst>
           </p:cNvPr>
-          <p:cNvPicPr>
-            <a:picLocks noGrp="1" noChangeAspect="1"/>
-          </p:cNvPicPr>
+          <p:cNvSpPr>
+            <a:spLocks noGrp="1"/>
+          </p:cNvSpPr>
           <p:nvPr>
             <p:ph idx="1"/>
           </p:nvPr>
-        </p:nvPicPr>
-        <p:blipFill>
-          <a:blip r:embed="rId2"/>
-          <a:stretch>
-            <a:fillRect/>
-          </a:stretch>
-        </p:blipFill>
+        </p:nvSpPr>
         <p:spPr>
           <a:xfrm>
-            <a:off x="3671093" y="1530626"/>
-            <a:ext cx="4849813" cy="4849813"/>
+            <a:off x="2589212" y="1530626"/>
+            <a:ext cx="8915400" cy="4850296"/>
           </a:xfrm>
         </p:spPr>
-      </p:pic>
+        <p:txBody>
+          <a:bodyPr>
+            <a:normAutofit/>
+          </a:bodyPr>
+          <a:lstStyle/>
+          <a:p>
+            <a:r>
+              <a:rPr lang="en-US" dirty="0"/>
+              <a:t>Parameters:</a:t>
+            </a:r>
+          </a:p>
+          <a:p>
+            <a:pPr lvl="1"/>
+            <a:r>
+              <a:rPr lang="en-US" dirty="0"/>
+              <a:t>q: query point</a:t>
+            </a:r>
+          </a:p>
+          <a:p>
+            <a:pPr lvl="1"/>
+            <a:r>
+              <a:rPr lang="en-US" dirty="0"/>
+              <a:t>r: search within a radius of r to the query</a:t>
+            </a:r>
+          </a:p>
+          <a:p>
+            <a:pPr marL="457200" lvl="1" indent="0">
+              <a:buNone/>
+            </a:pPr>
+            <a:endParaRPr lang="en-US" dirty="0"/>
+          </a:p>
+          <a:p>
+            <a:r>
+              <a:rPr lang="en-US" dirty="0"/>
+              <a:t>Variables:</a:t>
+            </a:r>
+          </a:p>
+          <a:p>
+            <a:pPr lvl="1"/>
+            <a:r>
+              <a:rPr lang="en-US" dirty="0"/>
+              <a:t>tau: to keep track of the distance to the nearest neighbor found.</a:t>
+            </a:r>
+          </a:p>
+          <a:p>
+            <a:pPr lvl="1"/>
+            <a:r>
+              <a:rPr lang="en-US" dirty="0" err="1"/>
+              <a:t>near</a:t>
+            </a:r>
+            <a:r>
+              <a:rPr lang="en-US" baseline="-25000" dirty="0" err="1"/>
+              <a:t>low</a:t>
+            </a:r>
+            <a:r>
+              <a:rPr lang="en-US" baseline="30000" dirty="0"/>
+              <a:t> </a:t>
+            </a:r>
+            <a:r>
+              <a:rPr lang="en-US" dirty="0"/>
+              <a:t>,</a:t>
+            </a:r>
+            <a:r>
+              <a:rPr lang="en-US" baseline="30000" dirty="0"/>
+              <a:t> </a:t>
+            </a:r>
+            <a:r>
+              <a:rPr lang="en-US" dirty="0" err="1"/>
+              <a:t>near</a:t>
+            </a:r>
+            <a:r>
+              <a:rPr lang="en-US" baseline="-25000" dirty="0" err="1"/>
+              <a:t>high</a:t>
+            </a:r>
+            <a:r>
+              <a:rPr lang="en-US" dirty="0"/>
+              <a:t>: the shortest and farthest distance to the points in the </a:t>
+            </a:r>
+            <a:r>
+              <a:rPr lang="en-US" b="1" dirty="0"/>
+              <a:t>left</a:t>
+            </a:r>
+            <a:r>
+              <a:rPr lang="en-US" dirty="0"/>
+              <a:t> child</a:t>
+            </a:r>
+          </a:p>
+          <a:p>
+            <a:pPr lvl="1"/>
+            <a:r>
+              <a:rPr lang="en-US" dirty="0" err="1"/>
+              <a:t>far</a:t>
+            </a:r>
+            <a:r>
+              <a:rPr lang="en-US" baseline="-25000" dirty="0" err="1"/>
+              <a:t>ow</a:t>
+            </a:r>
+            <a:r>
+              <a:rPr lang="en-US" baseline="30000" dirty="0"/>
+              <a:t> </a:t>
+            </a:r>
+            <a:r>
+              <a:rPr lang="en-US" dirty="0"/>
+              <a:t>,</a:t>
+            </a:r>
+            <a:r>
+              <a:rPr lang="en-US" baseline="30000" dirty="0"/>
+              <a:t> </a:t>
+            </a:r>
+            <a:r>
+              <a:rPr lang="en-US" dirty="0" err="1"/>
+              <a:t>far</a:t>
+            </a:r>
+            <a:r>
+              <a:rPr lang="en-US" baseline="-25000" dirty="0" err="1"/>
+              <a:t>high</a:t>
+            </a:r>
+            <a:r>
+              <a:rPr lang="en-US" dirty="0"/>
+              <a:t>: the shortest and farthest distance to the points in the </a:t>
+            </a:r>
+            <a:r>
+              <a:rPr lang="en-US" b="1" dirty="0"/>
+              <a:t>right</a:t>
+            </a:r>
+            <a:r>
+              <a:rPr lang="en-US" dirty="0"/>
+              <a:t> child</a:t>
+            </a:r>
+          </a:p>
+          <a:p>
+            <a:pPr lvl="1"/>
+            <a:endParaRPr lang="en-US" dirty="0"/>
+          </a:p>
+          <a:p>
+            <a:r>
+              <a:rPr lang="en-US" dirty="0"/>
+              <a:t>Method of improving:</a:t>
+            </a:r>
+          </a:p>
+          <a:p>
+            <a:pPr lvl="1"/>
+            <a:r>
+              <a:rPr lang="en-US" dirty="0"/>
+              <a:t>Set initial tau = alpha[q]</a:t>
+            </a:r>
+          </a:p>
+          <a:p>
+            <a:pPr lvl="1"/>
+            <a:endParaRPr lang="en-US" dirty="0"/>
+          </a:p>
+          <a:p>
+            <a:pPr lvl="4"/>
+            <a:endParaRPr lang="en-US" dirty="0"/>
+          </a:p>
+          <a:p>
+            <a:pPr lvl="3"/>
+            <a:endParaRPr lang="en-US" dirty="0"/>
+          </a:p>
+        </p:txBody>
+      </p:sp>
     </p:spTree>
     <p:extLst>
       <p:ext uri="{BB962C8B-B14F-4D97-AF65-F5344CB8AC3E}">
-        <p14:creationId xmlns:p14="http://schemas.microsoft.com/office/powerpoint/2010/main" val="2147861701"/>
+        <p14:creationId xmlns:p14="http://schemas.microsoft.com/office/powerpoint/2010/main" val="2290554859"/>
       </p:ext>
     </p:extLst>
   </p:cSld>

--- a/report/spr_final_paper.pptx
+++ b/report/spr_final_paper.pptx
@@ -23,12 +23,13 @@
     <p:sldId id="275" r:id="rId17"/>
     <p:sldId id="276" r:id="rId18"/>
     <p:sldId id="277" r:id="rId19"/>
-    <p:sldId id="278" r:id="rId20"/>
-    <p:sldId id="279" r:id="rId21"/>
-    <p:sldId id="280" r:id="rId22"/>
-    <p:sldId id="281" r:id="rId23"/>
-    <p:sldId id="282" r:id="rId24"/>
-    <p:sldId id="283" r:id="rId25"/>
+    <p:sldId id="284" r:id="rId20"/>
+    <p:sldId id="278" r:id="rId21"/>
+    <p:sldId id="279" r:id="rId22"/>
+    <p:sldId id="280" r:id="rId23"/>
+    <p:sldId id="281" r:id="rId24"/>
+    <p:sldId id="282" r:id="rId25"/>
+    <p:sldId id="283" r:id="rId26"/>
   </p:sldIdLst>
   <p:sldSz cx="12192000" cy="6858000"/>
   <p:notesSz cx="6858000" cy="9144000"/>
@@ -8818,25 +8819,114 @@
         </p:spPr>
         <p:txBody>
           <a:bodyPr>
-            <a:normAutofit/>
+            <a:normAutofit lnSpcReduction="10000"/>
           </a:bodyPr>
           <a:lstStyle/>
           <a:p>
             <a:r>
               <a:rPr lang="en-US" dirty="0"/>
-              <a:t>[function]</a:t>
+              <a:t>Class </a:t>
+            </a:r>
+            <a:r>
+              <a:rPr lang="en-US" dirty="0" err="1"/>
+              <a:t>BinaryHeap</a:t>
+            </a:r>
+            <a:r>
+              <a:rPr lang="en-US" dirty="0"/>
+              <a:t>:</a:t>
             </a:r>
           </a:p>
           <a:p>
             <a:pPr lvl="1"/>
             <a:r>
               <a:rPr lang="en-US" dirty="0"/>
-              <a:t>[detail]</a:t>
-            </a:r>
-          </a:p>
-          <a:p>
-            <a:pPr lvl="3"/>
-            <a:endParaRPr lang="en-US" dirty="0"/>
+              <a:t>__</a:t>
+            </a:r>
+            <a:r>
+              <a:rPr lang="en-US" dirty="0" err="1"/>
+              <a:t>init</a:t>
+            </a:r>
+            <a:r>
+              <a:rPr lang="en-US" dirty="0"/>
+              <a:t>__</a:t>
+            </a:r>
+          </a:p>
+          <a:p>
+            <a:pPr lvl="2"/>
+            <a:r>
+              <a:rPr lang="en-US" dirty="0"/>
+              <a:t>Get points and create binary heap tree each node is (point, id)</a:t>
+            </a:r>
+          </a:p>
+          <a:p>
+            <a:pPr lvl="1"/>
+            <a:endParaRPr lang="en-US" dirty="0"/>
+          </a:p>
+          <a:p>
+            <a:pPr lvl="1"/>
+            <a:r>
+              <a:rPr lang="en-US" dirty="0"/>
+              <a:t>push</a:t>
+            </a:r>
+          </a:p>
+          <a:p>
+            <a:pPr lvl="2"/>
+            <a:r>
+              <a:rPr lang="en-US" dirty="0"/>
+              <a:t>Get new point and it’s id and add to the tree in O(log n)</a:t>
+            </a:r>
+          </a:p>
+          <a:p>
+            <a:pPr lvl="1"/>
+            <a:endParaRPr lang="en-US" dirty="0"/>
+          </a:p>
+          <a:p>
+            <a:pPr lvl="1"/>
+            <a:r>
+              <a:rPr lang="en-US" dirty="0"/>
+              <a:t>pop</a:t>
+            </a:r>
+          </a:p>
+          <a:p>
+            <a:pPr lvl="2"/>
+            <a:r>
+              <a:rPr lang="en-US" dirty="0"/>
+              <a:t>Pop the node with minimum value(root) from tree and remove the node O(log n)</a:t>
+            </a:r>
+          </a:p>
+          <a:p>
+            <a:pPr lvl="2"/>
+            <a:r>
+              <a:rPr lang="en-US" dirty="0"/>
+              <a:t>Return minimum value in tree</a:t>
+            </a:r>
+          </a:p>
+          <a:p>
+            <a:pPr marL="400050" lvl="1" indent="0">
+              <a:buNone/>
+            </a:pPr>
+            <a:endParaRPr lang="en-US" dirty="0"/>
+          </a:p>
+          <a:p>
+            <a:pPr lvl="1"/>
+            <a:r>
+              <a:rPr lang="en-US" dirty="0"/>
+              <a:t>peek</a:t>
+            </a:r>
+          </a:p>
+          <a:p>
+            <a:pPr lvl="2"/>
+            <a:r>
+              <a:rPr lang="en-US" dirty="0"/>
+              <a:t>Peek the node with minimum value(root) from tree but node still is in tree O(1)</a:t>
+            </a:r>
+          </a:p>
+          <a:p>
+            <a:pPr lvl="2"/>
+            <a:r>
+              <a:rPr lang="en-US" dirty="0"/>
+              <a:t>Return minimum value in tree</a:t>
+            </a:r>
           </a:p>
         </p:txBody>
       </p:sp>
@@ -8939,20 +9029,96 @@
           <a:lstStyle/>
           <a:p>
             <a:r>
-              <a:rPr lang="en-US" dirty="0"/>
-              <a:t>[function]</a:t>
-            </a:r>
+              <a:rPr lang="en-US" dirty="0" err="1"/>
+              <a:t>euclidean</a:t>
+            </a:r>
+            <a:endParaRPr lang="en-US" dirty="0"/>
           </a:p>
           <a:p>
             <a:pPr lvl="1"/>
             <a:r>
               <a:rPr lang="en-US" dirty="0"/>
-              <a:t>[detail]</a:t>
-            </a:r>
-          </a:p>
-          <a:p>
-            <a:pPr lvl="3"/>
-            <a:endParaRPr lang="en-US" dirty="0"/>
+              <a:t>Get’s two points and return Euclidean distance between them</a:t>
+            </a:r>
+          </a:p>
+          <a:p>
+            <a:endParaRPr lang="en-US" dirty="0"/>
+          </a:p>
+          <a:p>
+            <a:r>
+              <a:rPr lang="en-US" dirty="0"/>
+              <a:t>Class NNS:</a:t>
+            </a:r>
+          </a:p>
+          <a:p>
+            <a:pPr lvl="1"/>
+            <a:r>
+              <a:rPr lang="en-US" dirty="0"/>
+              <a:t>__</a:t>
+            </a:r>
+            <a:r>
+              <a:rPr lang="en-US" dirty="0" err="1"/>
+              <a:t>init</a:t>
+            </a:r>
+            <a:r>
+              <a:rPr lang="en-US" dirty="0"/>
+              <a:t>__</a:t>
+            </a:r>
+          </a:p>
+          <a:p>
+            <a:pPr lvl="2"/>
+            <a:r>
+              <a:rPr lang="en-US" dirty="0"/>
+              <a:t>Get points and their id and build Vantage Point-tree each node is (point, id)</a:t>
+            </a:r>
+          </a:p>
+          <a:p>
+            <a:pPr lvl="2"/>
+            <a:r>
+              <a:rPr lang="en-US" dirty="0"/>
+              <a:t>Get </a:t>
+            </a:r>
+            <a:r>
+              <a:rPr lang="en-US" dirty="0" err="1"/>
+              <a:t>vptree</a:t>
+            </a:r>
+            <a:r>
+              <a:rPr lang="en-US" dirty="0"/>
+              <a:t> and set as it self </a:t>
+            </a:r>
+            <a:r>
+              <a:rPr lang="en-US" dirty="0" err="1"/>
+              <a:t>vptree</a:t>
+            </a:r>
+            <a:endParaRPr lang="en-US" dirty="0"/>
+          </a:p>
+          <a:p>
+            <a:pPr marL="0" indent="0">
+              <a:buNone/>
+            </a:pPr>
+            <a:endParaRPr lang="en-US" dirty="0"/>
+          </a:p>
+          <a:p>
+            <a:pPr lvl="1"/>
+            <a:r>
+              <a:rPr lang="en-US" dirty="0" err="1"/>
+              <a:t>get_child</a:t>
+            </a:r>
+            <a:endParaRPr lang="en-US" dirty="0"/>
+          </a:p>
+          <a:p>
+            <a:pPr lvl="2"/>
+            <a:r>
+              <a:rPr lang="en-US" dirty="0"/>
+              <a:t>Get a Boolean</a:t>
+            </a:r>
+          </a:p>
+          <a:p>
+            <a:pPr lvl="2"/>
+            <a:r>
+              <a:rPr lang="en-US" dirty="0"/>
+              <a:t>Return NNS object contain left child if bool be true, otherwise return right child </a:t>
+            </a:r>
           </a:p>
         </p:txBody>
       </p:sp>
@@ -9010,7 +9176,7 @@
         </p:spPr>
         <p:txBody>
           <a:bodyPr>
-            <a:normAutofit/>
+            <a:normAutofit fontScale="90000"/>
           </a:bodyPr>
           <a:lstStyle/>
           <a:p>
@@ -9020,9 +9186,12 @@
             </a:r>
             <a:r>
               <a:rPr lang="en-US" dirty="0" err="1"/>
-              <a:t>kpp</a:t>
-            </a:r>
-            <a:endParaRPr lang="en-US" dirty="0"/>
+              <a:t>nearest_neighbor_search</a:t>
+            </a:r>
+            <a:r>
+              <a:rPr lang="en-US" dirty="0"/>
+              <a:t>[cont.]</a:t>
+            </a:r>
           </a:p>
         </p:txBody>
       </p:sp>
@@ -9050,24 +9219,150 @@
         </p:spPr>
         <p:txBody>
           <a:bodyPr>
-            <a:normAutofit/>
+            <a:normAutofit fontScale="92500" lnSpcReduction="20000"/>
           </a:bodyPr>
           <a:lstStyle/>
           <a:p>
-            <a:r>
-              <a:rPr lang="en-US" dirty="0"/>
-              <a:t>[function]</a:t>
-            </a:r>
-          </a:p>
-          <a:p>
             <a:pPr lvl="1"/>
             <a:r>
               <a:rPr lang="en-US" dirty="0"/>
-              <a:t>[detail]</a:t>
-            </a:r>
-          </a:p>
-          <a:p>
-            <a:pPr lvl="3"/>
+              <a:t>search</a:t>
+            </a:r>
+          </a:p>
+          <a:p>
+            <a:pPr lvl="2"/>
+            <a:r>
+              <a:rPr lang="en-US" dirty="0"/>
+              <a:t>Gets r, tau, low</a:t>
+            </a:r>
+          </a:p>
+          <a:p>
+            <a:pPr lvl="2"/>
+            <a:r>
+              <a:rPr lang="en-US" dirty="0"/>
+              <a:t>Return true if we should search in low child</a:t>
+            </a:r>
+          </a:p>
+          <a:p>
+            <a:pPr lvl="1"/>
+            <a:endParaRPr lang="en-US" dirty="0"/>
+          </a:p>
+          <a:p>
+            <a:pPr lvl="1"/>
+            <a:r>
+              <a:rPr lang="en-US" dirty="0"/>
+              <a:t>best</a:t>
+            </a:r>
+          </a:p>
+          <a:p>
+            <a:pPr lvl="2"/>
+            <a:r>
+              <a:rPr lang="en-US" dirty="0"/>
+              <a:t>Gets tau, </a:t>
+            </a:r>
+            <a:r>
+              <a:rPr lang="en-US" dirty="0" err="1"/>
+              <a:t>tau_p</a:t>
+            </a:r>
+            <a:r>
+              <a:rPr lang="en-US" dirty="0"/>
+              <a:t>, id, </a:t>
+            </a:r>
+            <a:r>
+              <a:rPr lang="en-US" dirty="0" err="1"/>
+              <a:t>id_p</a:t>
+            </a:r>
+            <a:endParaRPr lang="en-US" dirty="0"/>
+          </a:p>
+          <a:p>
+            <a:pPr lvl="2"/>
+            <a:r>
+              <a:rPr lang="en-US" dirty="0"/>
+              <a:t>Return tau, id of the closer point</a:t>
+            </a:r>
+          </a:p>
+          <a:p>
+            <a:pPr marL="400050" lvl="1" indent="0">
+              <a:buNone/>
+            </a:pPr>
+            <a:endParaRPr lang="en-US" dirty="0"/>
+          </a:p>
+          <a:p>
+            <a:pPr lvl="1"/>
+            <a:r>
+              <a:rPr lang="en-US" dirty="0"/>
+              <a:t>nearest</a:t>
+            </a:r>
+          </a:p>
+          <a:p>
+            <a:pPr lvl="2"/>
+            <a:r>
+              <a:rPr lang="en-US" dirty="0"/>
+              <a:t>Gets q, tau</a:t>
+            </a:r>
+          </a:p>
+          <a:p>
+            <a:pPr lvl="2"/>
+            <a:r>
+              <a:rPr lang="en-US" dirty="0"/>
+              <a:t>Return tau, id: distance of closest point to q in range tau and it’s id</a:t>
+            </a:r>
+          </a:p>
+          <a:p>
+            <a:pPr lvl="1"/>
+            <a:endParaRPr lang="en-US" dirty="0"/>
+          </a:p>
+          <a:p>
+            <a:pPr lvl="1"/>
+            <a:r>
+              <a:rPr lang="en-US" dirty="0" err="1"/>
+              <a:t>nearest_in_range</a:t>
+            </a:r>
+            <a:endParaRPr lang="en-US" dirty="0"/>
+          </a:p>
+          <a:p>
+            <a:pPr lvl="2"/>
+            <a:r>
+              <a:rPr lang="en-US" dirty="0"/>
+              <a:t>Gets q, </a:t>
+            </a:r>
+            <a:r>
+              <a:rPr lang="en-US" dirty="0" err="1"/>
+              <a:t>max_range</a:t>
+            </a:r>
+            <a:endParaRPr lang="en-US" dirty="0"/>
+          </a:p>
+          <a:p>
+            <a:pPr lvl="2"/>
+            <a:r>
+              <a:rPr lang="en-US" dirty="0"/>
+              <a:t>Call nearest function with query(q, -1), </a:t>
+            </a:r>
+            <a:r>
+              <a:rPr lang="en-US" dirty="0" err="1"/>
+              <a:t>max_range</a:t>
+            </a:r>
+            <a:endParaRPr lang="en-US" dirty="0"/>
+          </a:p>
+          <a:p>
+            <a:pPr lvl="2"/>
+            <a:r>
+              <a:rPr lang="en-US" dirty="0"/>
+              <a:t>Return nearest point in tree to q in range </a:t>
+            </a:r>
+            <a:r>
+              <a:rPr lang="en-US" dirty="0" err="1"/>
+              <a:t>max_range</a:t>
+            </a:r>
+            <a:r>
+              <a:rPr lang="en-US" dirty="0"/>
+              <a:t> if be non return -1</a:t>
+            </a:r>
+          </a:p>
+          <a:p>
+            <a:pPr marL="400050" lvl="1" indent="0">
+              <a:buNone/>
+            </a:pPr>
             <a:endParaRPr lang="en-US" dirty="0"/>
           </a:p>
         </p:txBody>
@@ -9075,7 +9370,7 @@
     </p:spTree>
     <p:extLst>
       <p:ext uri="{BB962C8B-B14F-4D97-AF65-F5344CB8AC3E}">
-        <p14:creationId xmlns:p14="http://schemas.microsoft.com/office/powerpoint/2010/main" val="3729014682"/>
+        <p14:creationId xmlns:p14="http://schemas.microsoft.com/office/powerpoint/2010/main" val="858037231"/>
       </p:ext>
     </p:extLst>
   </p:cSld>
@@ -9264,7 +9559,7 @@
             </a:r>
             <a:r>
               <a:rPr lang="en-US" dirty="0" err="1"/>
-              <a:t>akpp</a:t>
+              <a:t>kpp</a:t>
             </a:r>
             <a:endParaRPr lang="en-US" dirty="0"/>
           </a:p>
@@ -9319,7 +9614,7 @@
     </p:spTree>
     <p:extLst>
       <p:ext uri="{BB962C8B-B14F-4D97-AF65-F5344CB8AC3E}">
-        <p14:creationId xmlns:p14="http://schemas.microsoft.com/office/powerpoint/2010/main" val="2145808507"/>
+        <p14:creationId xmlns:p14="http://schemas.microsoft.com/office/powerpoint/2010/main" val="3729014682"/>
       </p:ext>
     </p:extLst>
   </p:cSld>
@@ -9380,7 +9675,7 @@
             </a:r>
             <a:r>
               <a:rPr lang="en-US" dirty="0" err="1"/>
-              <a:t>kll</a:t>
+              <a:t>akpp</a:t>
             </a:r>
             <a:endParaRPr lang="en-US" dirty="0"/>
           </a:p>
@@ -9416,18 +9711,117 @@
           <a:p>
             <a:r>
               <a:rPr lang="en-US" dirty="0"/>
-              <a:t>[function]</a:t>
+              <a:t>Class AKPP</a:t>
             </a:r>
           </a:p>
           <a:p>
             <a:pPr lvl="1"/>
             <a:r>
               <a:rPr lang="en-US" dirty="0"/>
-              <a:t>[detail]</a:t>
+              <a:t>__</a:t>
+            </a:r>
+            <a:r>
+              <a:rPr lang="en-US" dirty="0" err="1"/>
+              <a:t>init</a:t>
+            </a:r>
+            <a:r>
+              <a:rPr lang="en-US" dirty="0"/>
+              <a:t>__</a:t>
+            </a:r>
+          </a:p>
+          <a:p>
+            <a:pPr lvl="2"/>
+            <a:r>
+              <a:rPr lang="en-US" dirty="0"/>
+              <a:t>Gets object Dataset and store in </a:t>
+            </a:r>
+            <a:r>
+              <a:rPr lang="en-US" dirty="0" err="1"/>
+              <a:t>self.X</a:t>
+            </a:r>
+            <a:r>
+              <a:rPr lang="en-US" dirty="0"/>
+              <a:t> and set other </a:t>
+            </a:r>
+            <a:r>
+              <a:rPr lang="en-US" dirty="0" err="1"/>
+              <a:t>infotmation</a:t>
+            </a:r>
+            <a:endParaRPr lang="en-US" dirty="0"/>
+          </a:p>
+          <a:p>
+            <a:pPr marL="400050" lvl="1" indent="0">
+              <a:buNone/>
+            </a:pPr>
+            <a:endParaRPr lang="en-US" dirty="0"/>
+          </a:p>
+          <a:p>
+            <a:pPr lvl="1"/>
+            <a:r>
+              <a:rPr lang="en-US" dirty="0"/>
+              <a:t>fit</a:t>
+            </a:r>
+          </a:p>
+          <a:p>
+            <a:pPr lvl="2"/>
+            <a:r>
+              <a:rPr lang="en-US" dirty="0"/>
+              <a:t>Gets</a:t>
             </a:r>
           </a:p>
           <a:p>
             <a:pPr lvl="3"/>
+            <a:r>
+              <a:rPr lang="en-US" dirty="0"/>
+              <a:t>K (int): number of </a:t>
+            </a:r>
+            <a:r>
+              <a:rPr lang="en-US" dirty="0" err="1"/>
+              <a:t>cluseter</a:t>
+            </a:r>
+            <a:endParaRPr lang="en-US" dirty="0"/>
+          </a:p>
+          <a:p>
+            <a:pPr lvl="3"/>
+            <a:r>
+              <a:rPr lang="en-US" dirty="0"/>
+              <a:t>w (</a:t>
+            </a:r>
+            <a:r>
+              <a:rPr lang="en-US" dirty="0" err="1"/>
+              <a:t>ndarray</a:t>
+            </a:r>
+            <a:r>
+              <a:rPr lang="en-US" dirty="0"/>
+              <a:t>): nx1 </a:t>
+            </a:r>
+            <a:r>
+              <a:rPr lang="en-US" dirty="0" err="1"/>
+              <a:t>ndarray</a:t>
+            </a:r>
+            <a:r>
+              <a:rPr lang="en-US" dirty="0"/>
+              <a:t> for weights of n sample (default 1)</a:t>
+            </a:r>
+          </a:p>
+          <a:p>
+            <a:pPr lvl="2"/>
+            <a:r>
+              <a:rPr lang="en-US" dirty="0"/>
+              <a:t>Run accelerated K-Means++ method to find initial seeds for K-means</a:t>
+            </a:r>
+          </a:p>
+          <a:p>
+            <a:pPr lvl="2"/>
+            <a:r>
+              <a:rPr lang="en-US" dirty="0"/>
+              <a:t>Returns initial K seed(s)</a:t>
+            </a:r>
+          </a:p>
+          <a:p>
+            <a:pPr marL="400050" lvl="1" indent="0">
+              <a:buNone/>
+            </a:pPr>
             <a:endParaRPr lang="en-US" dirty="0"/>
           </a:p>
         </p:txBody>
@@ -9435,7 +9829,7 @@
     </p:spTree>
     <p:extLst>
       <p:ext uri="{BB962C8B-B14F-4D97-AF65-F5344CB8AC3E}">
-        <p14:creationId xmlns:p14="http://schemas.microsoft.com/office/powerpoint/2010/main" val="3409387664"/>
+        <p14:creationId xmlns:p14="http://schemas.microsoft.com/office/powerpoint/2010/main" val="2145808507"/>
       </p:ext>
     </p:extLst>
   </p:cSld>
@@ -9496,7 +9890,7 @@
             </a:r>
             <a:r>
               <a:rPr lang="en-US" dirty="0" err="1"/>
-              <a:t>akll</a:t>
+              <a:t>kll</a:t>
             </a:r>
             <a:endParaRPr lang="en-US" dirty="0"/>
           </a:p>
@@ -9551,7 +9945,7 @@
     </p:spTree>
     <p:extLst>
       <p:ext uri="{BB962C8B-B14F-4D97-AF65-F5344CB8AC3E}">
-        <p14:creationId xmlns:p14="http://schemas.microsoft.com/office/powerpoint/2010/main" val="822549670"/>
+        <p14:creationId xmlns:p14="http://schemas.microsoft.com/office/powerpoint/2010/main" val="3409387664"/>
       </p:ext>
     </p:extLst>
   </p:cSld>
@@ -9608,8 +10002,13 @@
           <a:p>
             <a:r>
               <a:rPr lang="en-US" dirty="0"/>
-              <a:t>Functions in [module]</a:t>
-            </a:r>
+              <a:t>Functions in </a:t>
+            </a:r>
+            <a:r>
+              <a:rPr lang="en-US" dirty="0" err="1"/>
+              <a:t>akll</a:t>
+            </a:r>
+            <a:endParaRPr lang="en-US" dirty="0"/>
           </a:p>
         </p:txBody>
       </p:sp>
@@ -9643,18 +10042,253 @@
           <a:p>
             <a:r>
               <a:rPr lang="en-US" dirty="0"/>
-              <a:t>[function]</a:t>
+              <a:t>Class AKLL:</a:t>
             </a:r>
           </a:p>
           <a:p>
             <a:pPr lvl="1"/>
             <a:r>
               <a:rPr lang="en-US" dirty="0"/>
-              <a:t>[detail]</a:t>
+              <a:t>__</a:t>
+            </a:r>
+            <a:r>
+              <a:rPr lang="en-US" dirty="0" err="1"/>
+              <a:t>init</a:t>
+            </a:r>
+            <a:r>
+              <a:rPr lang="en-US" dirty="0"/>
+              <a:t>__</a:t>
+            </a:r>
+          </a:p>
+          <a:p>
+            <a:pPr lvl="2"/>
+            <a:r>
+              <a:rPr lang="en-US" dirty="0"/>
+              <a:t>Gets object Dataset and store in </a:t>
+            </a:r>
+            <a:r>
+              <a:rPr lang="en-US" dirty="0" err="1"/>
+              <a:t>self.X</a:t>
+            </a:r>
+            <a:r>
+              <a:rPr lang="en-US" dirty="0"/>
+              <a:t> and set other </a:t>
+            </a:r>
+            <a:r>
+              <a:rPr lang="en-US" dirty="0" err="1"/>
+              <a:t>infotmation</a:t>
+            </a:r>
+            <a:endParaRPr lang="en-US" dirty="0"/>
+          </a:p>
+          <a:p>
+            <a:pPr marL="400050" lvl="1" indent="0">
+              <a:buNone/>
+            </a:pPr>
+            <a:endParaRPr lang="en-US" dirty="0"/>
+          </a:p>
+          <a:p>
+            <a:pPr lvl="1"/>
+            <a:r>
+              <a:rPr lang="en-US" dirty="0"/>
+              <a:t>fit</a:t>
+            </a:r>
+          </a:p>
+          <a:p>
+            <a:pPr lvl="2"/>
+            <a:r>
+              <a:rPr lang="en-US" dirty="0"/>
+              <a:t>Gets</a:t>
             </a:r>
           </a:p>
           <a:p>
             <a:pPr lvl="3"/>
+            <a:r>
+              <a:rPr lang="en-US" dirty="0"/>
+              <a:t>K (int): number of </a:t>
+            </a:r>
+            <a:r>
+              <a:rPr lang="en-US" dirty="0" err="1"/>
+              <a:t>cluseter</a:t>
+            </a:r>
+            <a:endParaRPr lang="en-US" dirty="0"/>
+          </a:p>
+          <a:p>
+            <a:pPr lvl="3"/>
+            <a:r>
+              <a:rPr lang="en-US" dirty="0"/>
+              <a:t>R (int): number of round(s) (default = 5)</a:t>
+            </a:r>
+          </a:p>
+          <a:p>
+            <a:pPr lvl="3"/>
+            <a:r>
+              <a:rPr lang="en-US" dirty="0"/>
+              <a:t>L (int): size of oversampling (default = 2xK)</a:t>
+            </a:r>
+          </a:p>
+          <a:p>
+            <a:pPr lvl="3"/>
+            <a:r>
+              <a:rPr lang="en-US" dirty="0"/>
+              <a:t>w (</a:t>
+            </a:r>
+            <a:r>
+              <a:rPr lang="en-US" dirty="0" err="1"/>
+              <a:t>ndarray</a:t>
+            </a:r>
+            <a:r>
+              <a:rPr lang="en-US" dirty="0"/>
+              <a:t>): nx1 </a:t>
+            </a:r>
+            <a:r>
+              <a:rPr lang="en-US" dirty="0" err="1"/>
+              <a:t>ndarray</a:t>
+            </a:r>
+            <a:r>
+              <a:rPr lang="en-US" dirty="0"/>
+              <a:t> for weights of n sample (default 1)</a:t>
+            </a:r>
+          </a:p>
+          <a:p>
+            <a:pPr lvl="2"/>
+            <a:r>
+              <a:rPr lang="en-US" dirty="0"/>
+              <a:t>Run accelerated K-Mean|| method to find initial seeds for K-means</a:t>
+            </a:r>
+          </a:p>
+          <a:p>
+            <a:pPr lvl="2"/>
+            <a:r>
+              <a:rPr lang="en-US" dirty="0"/>
+              <a:t>Returns initial K seed(s)</a:t>
+            </a:r>
+          </a:p>
+          <a:p>
+            <a:pPr marL="400050" lvl="1" indent="0">
+              <a:buNone/>
+            </a:pPr>
+            <a:endParaRPr lang="en-US" dirty="0"/>
+          </a:p>
+        </p:txBody>
+      </p:sp>
+    </p:spTree>
+    <p:extLst>
+      <p:ext uri="{BB962C8B-B14F-4D97-AF65-F5344CB8AC3E}">
+        <p14:creationId xmlns:p14="http://schemas.microsoft.com/office/powerpoint/2010/main" val="822549670"/>
+      </p:ext>
+    </p:extLst>
+  </p:cSld>
+  <p:clrMapOvr>
+    <a:masterClrMapping/>
+  </p:clrMapOvr>
+</p:sld>
+</file>
+
+<file path=ppt/slides/slide24.xml><?xml version="1.0" encoding="utf-8"?>
+<p:sld xmlns:a="http://schemas.openxmlformats.org/drawingml/2006/main" xmlns:r="http://schemas.openxmlformats.org/officeDocument/2006/relationships" xmlns:p="http://schemas.openxmlformats.org/presentationml/2006/main">
+  <p:cSld>
+    <p:spTree>
+      <p:nvGrpSpPr>
+        <p:cNvPr id="1" name=""/>
+        <p:cNvGrpSpPr/>
+        <p:nvPr/>
+      </p:nvGrpSpPr>
+      <p:grpSpPr>
+        <a:xfrm>
+          <a:off x="0" y="0"/>
+          <a:ext cx="0" cy="0"/>
+          <a:chOff x="0" y="0"/>
+          <a:chExt cx="0" cy="0"/>
+        </a:xfrm>
+      </p:grpSpPr>
+      <p:sp>
+        <p:nvSpPr>
+          <p:cNvPr id="2" name="Title 1">
+            <a:extLst>
+              <a:ext uri="{FF2B5EF4-FFF2-40B4-BE49-F238E27FC236}">
+                <a16:creationId xmlns:a16="http://schemas.microsoft.com/office/drawing/2014/main" id="{66244946-847C-CC4B-8F89-51BC7A89FF2F}"/>
+              </a:ext>
+            </a:extLst>
+          </p:cNvPr>
+          <p:cNvSpPr>
+            <a:spLocks noGrp="1"/>
+          </p:cNvSpPr>
+          <p:nvPr>
+            <p:ph type="title"/>
+          </p:nvPr>
+        </p:nvSpPr>
+        <p:spPr>
+          <a:xfrm>
+            <a:off x="2592925" y="624110"/>
+            <a:ext cx="8911687" cy="906516"/>
+          </a:xfrm>
+        </p:spPr>
+        <p:txBody>
+          <a:bodyPr>
+            <a:normAutofit/>
+          </a:bodyPr>
+          <a:lstStyle/>
+          <a:p>
+            <a:r>
+              <a:rPr lang="en-US" dirty="0"/>
+              <a:t>Functions in result-</a:t>
+            </a:r>
+            <a:r>
+              <a:rPr lang="en-US" dirty="0" err="1"/>
+              <a:t>kmeans</a:t>
+            </a:r>
+            <a:r>
+              <a:rPr lang="en-US" dirty="0"/>
+              <a:t>-</a:t>
+            </a:r>
+            <a:r>
+              <a:rPr lang="en-US" dirty="0" err="1"/>
+              <a:t>plusplus</a:t>
+            </a:r>
+            <a:endParaRPr lang="en-US" dirty="0"/>
+          </a:p>
+        </p:txBody>
+      </p:sp>
+      <p:sp>
+        <p:nvSpPr>
+          <p:cNvPr id="3" name="Content Placeholder 2">
+            <a:extLst>
+              <a:ext uri="{FF2B5EF4-FFF2-40B4-BE49-F238E27FC236}">
+                <a16:creationId xmlns:a16="http://schemas.microsoft.com/office/drawing/2014/main" id="{330A7D1B-0225-C74E-BB86-3457D8F93200}"/>
+              </a:ext>
+            </a:extLst>
+          </p:cNvPr>
+          <p:cNvSpPr>
+            <a:spLocks noGrp="1"/>
+          </p:cNvSpPr>
+          <p:nvPr>
+            <p:ph idx="1"/>
+          </p:nvPr>
+        </p:nvSpPr>
+        <p:spPr>
+          <a:xfrm>
+            <a:off x="2589212" y="1530626"/>
+            <a:ext cx="8915400" cy="4850296"/>
+          </a:xfrm>
+        </p:spPr>
+        <p:txBody>
+          <a:bodyPr>
+            <a:normAutofit/>
+          </a:bodyPr>
+          <a:lstStyle/>
+          <a:p>
+            <a:r>
+              <a:rPr lang="en-US" dirty="0"/>
+              <a:t>In this module we load </a:t>
+            </a:r>
+            <a:r>
+              <a:rPr lang="en-US"/>
+              <a:t>phishing dataset </a:t>
+            </a:r>
+            <a:endParaRPr lang="en-US" dirty="0"/>
+          </a:p>
+          <a:p>
+            <a:pPr lvl="1"/>
             <a:endParaRPr lang="en-US" dirty="0"/>
           </a:p>
         </p:txBody>
@@ -9672,7 +10306,7 @@
 </p:sld>
 </file>
 
-<file path=ppt/slides/slide24.xml><?xml version="1.0" encoding="utf-8"?>
+<file path=ppt/slides/slide25.xml><?xml version="1.0" encoding="utf-8"?>
 <p:sld xmlns:a="http://schemas.openxmlformats.org/drawingml/2006/main" xmlns:r="http://schemas.openxmlformats.org/officeDocument/2006/relationships" xmlns:p="http://schemas.openxmlformats.org/presentationml/2006/main">
   <p:cSld>
     <p:spTree>

--- a/report/spr_final_paper.pptx
+++ b/report/spr_final_paper.pptx
@@ -10279,17 +10279,8 @@
           <a:p>
             <a:r>
               <a:rPr lang="en-US" dirty="0"/>
-              <a:t>In this module we load </a:t>
-            </a:r>
-            <a:r>
-              <a:rPr lang="en-US"/>
-              <a:t>phishing dataset </a:t>
-            </a:r>
-            <a:endParaRPr lang="en-US" dirty="0"/>
-          </a:p>
-          <a:p>
-            <a:pPr lvl="1"/>
-            <a:endParaRPr lang="en-US" dirty="0"/>
+              <a:t>In this module we load phishing dataset and run both K-means++ and accelerated K-means ++ and compare them with total distance computed by each of them for different K in range [32, 2048] and get plot with we show the ratio of total distance computed in K-means++ divided by total distance computed in accelerated K-means++ (plot axis are in log2 scale)</a:t>
+            </a:r>
           </a:p>
         </p:txBody>
       </p:sp>
@@ -10396,19 +10387,8 @@
           <a:p>
             <a:r>
               <a:rPr lang="en-US" dirty="0"/>
-              <a:t>[function]</a:t>
-            </a:r>
-          </a:p>
-          <a:p>
-            <a:pPr lvl="1"/>
-            <a:r>
-              <a:rPr lang="en-US" dirty="0"/>
-              <a:t>[detail]</a:t>
-            </a:r>
-          </a:p>
-          <a:p>
-            <a:pPr lvl="3"/>
-            <a:endParaRPr lang="en-US" dirty="0"/>
+              <a:t>In this module we load phishing dataset and run both K-means|| and accelerated K-means||and compare them with runtime of each one for different K in range [32, 2048] and get plot two plot that in first one we plot the runtime of two algorithm and in second one with we show the ratio of runtime of K-means|| divided by runtime of accelerated K-means || (Both plots axis are in log2 scale)</a:t>
+            </a:r>
           </a:p>
         </p:txBody>
       </p:sp>

--- a/report/spr_final_paper.pptx
+++ b/report/spr_final_paper.pptx
@@ -9,27 +9,35 @@
     <p:sldId id="262" r:id="rId3"/>
     <p:sldId id="258" r:id="rId4"/>
     <p:sldId id="261" r:id="rId5"/>
-    <p:sldId id="271" r:id="rId6"/>
+    <p:sldId id="280" r:id="rId6"/>
     <p:sldId id="263" r:id="rId7"/>
-    <p:sldId id="264" r:id="rId8"/>
-    <p:sldId id="270" r:id="rId9"/>
-    <p:sldId id="266" r:id="rId10"/>
-    <p:sldId id="268" r:id="rId11"/>
-    <p:sldId id="267" r:id="rId12"/>
-    <p:sldId id="269" r:id="rId13"/>
-    <p:sldId id="272" r:id="rId14"/>
-    <p:sldId id="273" r:id="rId15"/>
-    <p:sldId id="274" r:id="rId16"/>
-    <p:sldId id="275" r:id="rId17"/>
-    <p:sldId id="276" r:id="rId18"/>
+    <p:sldId id="272" r:id="rId8"/>
+    <p:sldId id="271" r:id="rId9"/>
+    <p:sldId id="264" r:id="rId10"/>
+    <p:sldId id="270" r:id="rId11"/>
+    <p:sldId id="274" r:id="rId12"/>
+    <p:sldId id="273" r:id="rId13"/>
+    <p:sldId id="266" r:id="rId14"/>
+    <p:sldId id="268" r:id="rId15"/>
+    <p:sldId id="267" r:id="rId16"/>
+    <p:sldId id="269" r:id="rId17"/>
+    <p:sldId id="278" r:id="rId18"/>
     <p:sldId id="277" r:id="rId19"/>
-    <p:sldId id="284" r:id="rId20"/>
-    <p:sldId id="278" r:id="rId21"/>
-    <p:sldId id="279" r:id="rId22"/>
-    <p:sldId id="280" r:id="rId23"/>
-    <p:sldId id="281" r:id="rId24"/>
-    <p:sldId id="282" r:id="rId25"/>
-    <p:sldId id="283" r:id="rId26"/>
+    <p:sldId id="279" r:id="rId20"/>
+    <p:sldId id="281" r:id="rId21"/>
+    <p:sldId id="282" r:id="rId22"/>
+    <p:sldId id="283" r:id="rId23"/>
+    <p:sldId id="275" r:id="rId24"/>
+    <p:sldId id="276" r:id="rId25"/>
+    <p:sldId id="284" r:id="rId26"/>
+    <p:sldId id="291" r:id="rId27"/>
+    <p:sldId id="285" r:id="rId28"/>
+    <p:sldId id="286" r:id="rId29"/>
+    <p:sldId id="287" r:id="rId30"/>
+    <p:sldId id="288" r:id="rId31"/>
+    <p:sldId id="292" r:id="rId32"/>
+    <p:sldId id="293" r:id="rId33"/>
+    <p:sldId id="294" r:id="rId34"/>
   </p:sldIdLst>
   <p:sldSz cx="12192000" cy="6858000"/>
   <p:notesSz cx="6858000" cy="9144000"/>
@@ -325,7 +333,7 @@
             <a:fld id="{B61BEF0D-F0BB-DE4B-95CE-6DB70DBA9567}" type="datetimeFigureOut">
               <a:rPr lang="en-US" dirty="0"/>
               <a:pPr/>
-              <a:t>2/28/22</a:t>
+              <a:t>2/28/2022</a:t>
             </a:fld>
             <a:endParaRPr lang="en-US" dirty="0"/>
           </a:p>
@@ -660,7 +668,7 @@
             <a:fld id="{B61BEF0D-F0BB-DE4B-95CE-6DB70DBA9567}" type="datetimeFigureOut">
               <a:rPr lang="en-US" dirty="0"/>
               <a:pPr/>
-              <a:t>2/28/22</a:t>
+              <a:t>2/28/2022</a:t>
             </a:fld>
             <a:endParaRPr lang="en-US" dirty="0"/>
           </a:p>
@@ -1058,7 +1066,7 @@
             <a:fld id="{B61BEF0D-F0BB-DE4B-95CE-6DB70DBA9567}" type="datetimeFigureOut">
               <a:rPr lang="en-US" dirty="0"/>
               <a:pPr/>
-              <a:t>2/28/22</a:t>
+              <a:t>2/28/2022</a:t>
             </a:fld>
             <a:endParaRPr lang="en-US" dirty="0"/>
           </a:p>
@@ -1391,7 +1399,7 @@
             <a:fld id="{B61BEF0D-F0BB-DE4B-95CE-6DB70DBA9567}" type="datetimeFigureOut">
               <a:rPr lang="en-US" dirty="0"/>
               <a:pPr/>
-              <a:t>2/28/22</a:t>
+              <a:t>2/28/2022</a:t>
             </a:fld>
             <a:endParaRPr lang="en-US" dirty="0"/>
           </a:p>
@@ -1708,7 +1716,7 @@
             <a:fld id="{B61BEF0D-F0BB-DE4B-95CE-6DB70DBA9567}" type="datetimeFigureOut">
               <a:rPr lang="en-US" dirty="0"/>
               <a:pPr/>
-              <a:t>2/28/22</a:t>
+              <a:t>2/28/2022</a:t>
             </a:fld>
             <a:endParaRPr lang="en-US" dirty="0"/>
           </a:p>
@@ -2101,7 +2109,7 @@
             <a:fld id="{B61BEF0D-F0BB-DE4B-95CE-6DB70DBA9567}" type="datetimeFigureOut">
               <a:rPr lang="en-US" dirty="0"/>
               <a:pPr/>
-              <a:t>2/28/22</a:t>
+              <a:t>2/28/2022</a:t>
             </a:fld>
             <a:endParaRPr lang="en-US" dirty="0"/>
           </a:p>
@@ -2355,7 +2363,7 @@
             <a:fld id="{B61BEF0D-F0BB-DE4B-95CE-6DB70DBA9567}" type="datetimeFigureOut">
               <a:rPr lang="en-US" dirty="0"/>
               <a:pPr/>
-              <a:t>2/28/22</a:t>
+              <a:t>2/28/2022</a:t>
             </a:fld>
             <a:endParaRPr lang="en-US" dirty="0"/>
           </a:p>
@@ -2614,7 +2622,7 @@
             <a:fld id="{B61BEF0D-F0BB-DE4B-95CE-6DB70DBA9567}" type="datetimeFigureOut">
               <a:rPr lang="en-US" dirty="0"/>
               <a:pPr/>
-              <a:t>2/28/22</a:t>
+              <a:t>2/28/2022</a:t>
             </a:fld>
             <a:endParaRPr lang="en-US" dirty="0"/>
           </a:p>
@@ -2873,7 +2881,7 @@
             <a:fld id="{B61BEF0D-F0BB-DE4B-95CE-6DB70DBA9567}" type="datetimeFigureOut">
               <a:rPr lang="en-US" dirty="0"/>
               <a:pPr/>
-              <a:t>2/28/22</a:t>
+              <a:t>2/28/2022</a:t>
             </a:fld>
             <a:endParaRPr lang="en-US" dirty="0"/>
           </a:p>
@@ -3199,7 +3207,7 @@
             <a:fld id="{B61BEF0D-F0BB-DE4B-95CE-6DB70DBA9567}" type="datetimeFigureOut">
               <a:rPr lang="en-US" dirty="0"/>
               <a:pPr/>
-              <a:t>2/28/22</a:t>
+              <a:t>2/28/2022</a:t>
             </a:fld>
             <a:endParaRPr lang="en-US" dirty="0"/>
           </a:p>
@@ -3519,7 +3527,7 @@
             <a:fld id="{B61BEF0D-F0BB-DE4B-95CE-6DB70DBA9567}" type="datetimeFigureOut">
               <a:rPr lang="en-US" dirty="0"/>
               <a:pPr/>
-              <a:t>2/28/22</a:t>
+              <a:t>2/28/2022</a:t>
             </a:fld>
             <a:endParaRPr lang="en-US" dirty="0"/>
           </a:p>
@@ -3973,7 +3981,7 @@
             <a:fld id="{B61BEF0D-F0BB-DE4B-95CE-6DB70DBA9567}" type="datetimeFigureOut">
               <a:rPr lang="en-US" dirty="0"/>
               <a:pPr/>
-              <a:t>2/28/22</a:t>
+              <a:t>2/28/2022</a:t>
             </a:fld>
             <a:endParaRPr lang="en-US" dirty="0"/>
           </a:p>
@@ -4175,7 +4183,7 @@
             <a:fld id="{B61BEF0D-F0BB-DE4B-95CE-6DB70DBA9567}" type="datetimeFigureOut">
               <a:rPr lang="en-US" dirty="0"/>
               <a:pPr/>
-              <a:t>2/28/22</a:t>
+              <a:t>2/28/2022</a:t>
             </a:fld>
             <a:endParaRPr lang="en-US" dirty="0"/>
           </a:p>
@@ -4349,7 +4357,7 @@
             <a:fld id="{B61BEF0D-F0BB-DE4B-95CE-6DB70DBA9567}" type="datetimeFigureOut">
               <a:rPr lang="en-US" dirty="0"/>
               <a:pPr/>
-              <a:t>2/28/22</a:t>
+              <a:t>2/28/2022</a:t>
             </a:fld>
             <a:endParaRPr lang="en-US" dirty="0"/>
           </a:p>
@@ -4679,7 +4687,7 @@
             <a:fld id="{B61BEF0D-F0BB-DE4B-95CE-6DB70DBA9567}" type="datetimeFigureOut">
               <a:rPr lang="en-US" dirty="0"/>
               <a:pPr/>
-              <a:t>2/28/22</a:t>
+              <a:t>2/28/2022</a:t>
             </a:fld>
             <a:endParaRPr lang="en-US" dirty="0"/>
           </a:p>
@@ -5021,7 +5029,7 @@
             <a:fld id="{B61BEF0D-F0BB-DE4B-95CE-6DB70DBA9567}" type="datetimeFigureOut">
               <a:rPr lang="en-US" dirty="0"/>
               <a:pPr/>
-              <a:t>2/28/22</a:t>
+              <a:t>2/28/2022</a:t>
             </a:fld>
             <a:endParaRPr lang="en-US" dirty="0"/>
           </a:p>
@@ -7135,7 +7143,7 @@
             <a:fld id="{B61BEF0D-F0BB-DE4B-95CE-6DB70DBA9567}" type="datetimeFigureOut">
               <a:rPr lang="en-US" dirty="0"/>
               <a:pPr/>
-              <a:t>2/28/22</a:t>
+              <a:t>2/28/2022</a:t>
             </a:fld>
             <a:endParaRPr lang="en-US" dirty="0"/>
           </a:p>
@@ -7716,16 +7724,21 @@
             </a:br>
             <a:r>
               <a:rPr lang="en-US" dirty="0"/>
-              <a:t>Group 15: Mohammad </a:t>
+              <a:t>Group 15: </a:t>
+            </a:r>
+            <a:r>
+              <a:rPr lang="en-US" dirty="0" err="1"/>
+              <a:t>Hesam</a:t>
+            </a:r>
+            <a:r>
+              <a:rPr lang="en-US" dirty="0"/>
+              <a:t> Mousavi, Mohammad </a:t>
             </a:r>
             <a:r>
               <a:rPr lang="en-US" dirty="0" err="1"/>
               <a:t>Mahmoudi</a:t>
             </a:r>
-            <a:r>
-              <a:rPr lang="en-US" dirty="0"/>
-              <a:t>, Hesam Mousavi</a:t>
-            </a:r>
+            <a:endParaRPr lang="en-US" dirty="0"/>
           </a:p>
           <a:p>
             <a:endParaRPr lang="en-US" dirty="0"/>
@@ -7792,6 +7805,706 @@
           <a:p>
             <a:r>
               <a:rPr lang="en-US" dirty="0"/>
+              <a:t>K–Means||</a:t>
+            </a:r>
+          </a:p>
+        </p:txBody>
+      </p:sp>
+      <p:sp>
+        <p:nvSpPr>
+          <p:cNvPr id="3" name="Content Placeholder 2">
+            <a:extLst>
+              <a:ext uri="{FF2B5EF4-FFF2-40B4-BE49-F238E27FC236}">
+                <a16:creationId xmlns:a16="http://schemas.microsoft.com/office/drawing/2014/main" id="{330A7D1B-0225-C74E-BB86-3457D8F93200}"/>
+              </a:ext>
+            </a:extLst>
+          </p:cNvPr>
+          <p:cNvSpPr>
+            <a:spLocks noGrp="1"/>
+          </p:cNvSpPr>
+          <p:nvPr>
+            <p:ph idx="1"/>
+          </p:nvPr>
+        </p:nvSpPr>
+        <p:spPr>
+          <a:xfrm>
+            <a:off x="2589212" y="1530626"/>
+            <a:ext cx="8915400" cy="4850296"/>
+          </a:xfrm>
+        </p:spPr>
+        <p:txBody>
+          <a:bodyPr>
+            <a:normAutofit/>
+          </a:bodyPr>
+          <a:lstStyle/>
+          <a:p>
+            <a:r>
+              <a:rPr lang="en-US" dirty="0"/>
+              <a:t>Parameters:</a:t>
+            </a:r>
+          </a:p>
+          <a:p>
+            <a:pPr lvl="1"/>
+            <a:r>
+              <a:rPr lang="en-US" dirty="0"/>
+              <a:t>K: number of cluster</a:t>
+            </a:r>
+          </a:p>
+          <a:p>
+            <a:pPr lvl="1"/>
+            <a:r>
+              <a:rPr lang="en-US" dirty="0"/>
+              <a:t>X, W: each data point and associated weight</a:t>
+            </a:r>
+          </a:p>
+          <a:p>
+            <a:pPr lvl="1"/>
+            <a:r>
+              <a:rPr lang="en-US" dirty="0"/>
+              <a:t>R: number of rounds (5 in our implementation)</a:t>
+            </a:r>
+          </a:p>
+          <a:p>
+            <a:pPr lvl="1"/>
+            <a:r>
+              <a:rPr lang="en-US" dirty="0"/>
+              <a:t>L: over sampling factor (2xK in our implementation)</a:t>
+            </a:r>
+          </a:p>
+          <a:p>
+            <a:pPr lvl="1"/>
+            <a:endParaRPr lang="en-US" dirty="0"/>
+          </a:p>
+          <a:p>
+            <a:r>
+              <a:rPr lang="en-US" dirty="0"/>
+              <a:t>Variables:</a:t>
+            </a:r>
+          </a:p>
+          <a:p>
+            <a:pPr lvl="1"/>
+            <a:r>
+              <a:rPr lang="en-US" dirty="0"/>
+              <a:t>Alpha: cache the distance between each point and it’s closest mean</a:t>
+            </a:r>
+            <a:endParaRPr lang="fa-IR" dirty="0"/>
+          </a:p>
+          <a:p>
+            <a:pPr lvl="1"/>
+            <a:r>
+              <a:rPr lang="en-US" dirty="0"/>
+              <a:t>Beta: new weight based on the squared distance of </a:t>
+            </a:r>
+            <a:r>
+              <a:rPr lang="en-US" altLang="ko-KR" dirty="0"/>
+              <a:t>X</a:t>
+            </a:r>
+            <a:r>
+              <a:rPr lang="ko-KR" altLang="en-US" dirty="0"/>
+              <a:t> </a:t>
+            </a:r>
+            <a:r>
+              <a:rPr lang="en-US" dirty="0"/>
+              <a:t>to the closest existing seed</a:t>
+            </a:r>
+          </a:p>
+          <a:p>
+            <a:pPr lvl="1"/>
+            <a:r>
+              <a:rPr lang="en-US" dirty="0"/>
+              <a:t>c: our means</a:t>
+            </a:r>
+          </a:p>
+          <a:p>
+            <a:endParaRPr lang="en-US" dirty="0"/>
+          </a:p>
+          <a:p>
+            <a:pPr lvl="4"/>
+            <a:endParaRPr lang="en-US" dirty="0"/>
+          </a:p>
+          <a:p>
+            <a:pPr lvl="3"/>
+            <a:endParaRPr lang="en-US" dirty="0"/>
+          </a:p>
+        </p:txBody>
+      </p:sp>
+    </p:spTree>
+    <p:extLst>
+      <p:ext uri="{BB962C8B-B14F-4D97-AF65-F5344CB8AC3E}">
+        <p14:creationId xmlns:p14="http://schemas.microsoft.com/office/powerpoint/2010/main" val="3174844557"/>
+      </p:ext>
+    </p:extLst>
+  </p:cSld>
+  <p:clrMapOvr>
+    <a:masterClrMapping/>
+  </p:clrMapOvr>
+</p:sld>
+</file>
+
+<file path=ppt/slides/slide11.xml><?xml version="1.0" encoding="utf-8"?>
+<p:sld xmlns:a="http://schemas.openxmlformats.org/drawingml/2006/main" xmlns:r="http://schemas.openxmlformats.org/officeDocument/2006/relationships" xmlns:p="http://schemas.openxmlformats.org/presentationml/2006/main">
+  <p:cSld>
+    <p:spTree>
+      <p:nvGrpSpPr>
+        <p:cNvPr id="1" name=""/>
+        <p:cNvGrpSpPr/>
+        <p:nvPr/>
+      </p:nvGrpSpPr>
+      <p:grpSpPr>
+        <a:xfrm>
+          <a:off x="0" y="0"/>
+          <a:ext cx="0" cy="0"/>
+          <a:chOff x="0" y="0"/>
+          <a:chExt cx="0" cy="0"/>
+        </a:xfrm>
+      </p:grpSpPr>
+      <p:pic>
+        <p:nvPicPr>
+          <p:cNvPr id="5" name="Content Placeholder 4" descr="Text, letter&#10;&#10;Description automatically generated">
+            <a:extLst>
+              <a:ext uri="{FF2B5EF4-FFF2-40B4-BE49-F238E27FC236}">
+                <a16:creationId xmlns:a16="http://schemas.microsoft.com/office/drawing/2014/main" id="{EA14A2C9-BC93-49FD-AE7B-2E19DBCFDDEB}"/>
+              </a:ext>
+            </a:extLst>
+          </p:cNvPr>
+          <p:cNvPicPr>
+            <a:picLocks noGrp="1" noChangeAspect="1"/>
+          </p:cNvPicPr>
+          <p:nvPr>
+            <p:ph idx="1"/>
+          </p:nvPr>
+        </p:nvPicPr>
+        <p:blipFill>
+          <a:blip r:embed="rId2"/>
+          <a:stretch>
+            <a:fillRect/>
+          </a:stretch>
+        </p:blipFill>
+        <p:spPr>
+          <a:xfrm>
+            <a:off x="3127899" y="751014"/>
+            <a:ext cx="5936202" cy="5355972"/>
+          </a:xfrm>
+        </p:spPr>
+      </p:pic>
+    </p:spTree>
+    <p:extLst>
+      <p:ext uri="{BB962C8B-B14F-4D97-AF65-F5344CB8AC3E}">
+        <p14:creationId xmlns:p14="http://schemas.microsoft.com/office/powerpoint/2010/main" val="3856097568"/>
+      </p:ext>
+    </p:extLst>
+  </p:cSld>
+  <p:clrMapOvr>
+    <a:masterClrMapping/>
+  </p:clrMapOvr>
+</p:sld>
+</file>
+
+<file path=ppt/slides/slide12.xml><?xml version="1.0" encoding="utf-8"?>
+<p:sld xmlns:a="http://schemas.openxmlformats.org/drawingml/2006/main" xmlns:r="http://schemas.openxmlformats.org/officeDocument/2006/relationships" xmlns:p="http://schemas.openxmlformats.org/presentationml/2006/main">
+  <p:cSld>
+    <p:spTree>
+      <p:nvGrpSpPr>
+        <p:cNvPr id="1" name=""/>
+        <p:cNvGrpSpPr/>
+        <p:nvPr/>
+      </p:nvGrpSpPr>
+      <p:grpSpPr>
+        <a:xfrm>
+          <a:off x="0" y="0"/>
+          <a:ext cx="0" cy="0"/>
+          <a:chOff x="0" y="0"/>
+          <a:chExt cx="0" cy="0"/>
+        </a:xfrm>
+      </p:grpSpPr>
+      <p:sp>
+        <p:nvSpPr>
+          <p:cNvPr id="2" name="Title 1">
+            <a:extLst>
+              <a:ext uri="{FF2B5EF4-FFF2-40B4-BE49-F238E27FC236}">
+                <a16:creationId xmlns:a16="http://schemas.microsoft.com/office/drawing/2014/main" id="{66244946-847C-CC4B-8F89-51BC7A89FF2F}"/>
+              </a:ext>
+            </a:extLst>
+          </p:cNvPr>
+          <p:cNvSpPr>
+            <a:spLocks noGrp="1"/>
+          </p:cNvSpPr>
+          <p:nvPr>
+            <p:ph type="title"/>
+          </p:nvPr>
+        </p:nvSpPr>
+        <p:spPr>
+          <a:xfrm>
+            <a:off x="2592925" y="624110"/>
+            <a:ext cx="8911687" cy="906516"/>
+          </a:xfrm>
+        </p:spPr>
+        <p:txBody>
+          <a:bodyPr>
+            <a:normAutofit/>
+          </a:bodyPr>
+          <a:lstStyle/>
+          <a:p>
+            <a:r>
+              <a:rPr lang="en-US" dirty="0"/>
+              <a:t>Accelerating K–Means||</a:t>
+            </a:r>
+          </a:p>
+        </p:txBody>
+      </p:sp>
+      <p:sp>
+        <p:nvSpPr>
+          <p:cNvPr id="3" name="Content Placeholder 2">
+            <a:extLst>
+              <a:ext uri="{FF2B5EF4-FFF2-40B4-BE49-F238E27FC236}">
+                <a16:creationId xmlns:a16="http://schemas.microsoft.com/office/drawing/2014/main" id="{330A7D1B-0225-C74E-BB86-3457D8F93200}"/>
+              </a:ext>
+            </a:extLst>
+          </p:cNvPr>
+          <p:cNvSpPr>
+            <a:spLocks noGrp="1"/>
+          </p:cNvSpPr>
+          <p:nvPr>
+            <p:ph idx="1"/>
+          </p:nvPr>
+        </p:nvSpPr>
+        <p:spPr>
+          <a:xfrm>
+            <a:off x="2589212" y="1530626"/>
+            <a:ext cx="8915400" cy="4850296"/>
+          </a:xfrm>
+        </p:spPr>
+        <p:txBody>
+          <a:bodyPr>
+            <a:normAutofit fontScale="92500" lnSpcReduction="20000"/>
+          </a:bodyPr>
+          <a:lstStyle/>
+          <a:p>
+            <a:r>
+              <a:rPr lang="en-US" dirty="0"/>
+              <a:t>Parameters:</a:t>
+            </a:r>
+          </a:p>
+          <a:p>
+            <a:pPr lvl="1"/>
+            <a:r>
+              <a:rPr lang="en-US" dirty="0"/>
+              <a:t>K: number of cluster</a:t>
+            </a:r>
+          </a:p>
+          <a:p>
+            <a:pPr lvl="1"/>
+            <a:r>
+              <a:rPr lang="en-US" dirty="0"/>
+              <a:t>X, W: each data point and associated weight</a:t>
+            </a:r>
+          </a:p>
+          <a:p>
+            <a:pPr lvl="1"/>
+            <a:r>
+              <a:rPr lang="en-US" dirty="0"/>
+              <a:t>R: number of rounds (5 in our implementation)</a:t>
+            </a:r>
+          </a:p>
+          <a:p>
+            <a:pPr lvl="1"/>
+            <a:r>
+              <a:rPr lang="en-US" dirty="0"/>
+              <a:t>L: over sampling factor (2xK in our implementation)</a:t>
+            </a:r>
+          </a:p>
+          <a:p>
+            <a:pPr lvl="1"/>
+            <a:endParaRPr lang="en-US" dirty="0"/>
+          </a:p>
+          <a:p>
+            <a:r>
+              <a:rPr lang="en-US" dirty="0"/>
+              <a:t>Variables:</a:t>
+            </a:r>
+          </a:p>
+          <a:p>
+            <a:pPr lvl="1"/>
+            <a:r>
+              <a:rPr lang="en-US" dirty="0"/>
+              <a:t>Alpha: cache the distance between each point and it’s closest mean</a:t>
+            </a:r>
+          </a:p>
+          <a:p>
+            <a:pPr lvl="1"/>
+            <a:r>
+              <a:rPr lang="en-US" dirty="0"/>
+              <a:t>Gamma: Distance of previous means to the last mean</a:t>
+            </a:r>
+          </a:p>
+          <a:p>
+            <a:pPr lvl="1"/>
+            <a:r>
+              <a:rPr lang="en-US" dirty="0"/>
+              <a:t>c: our means</a:t>
+            </a:r>
+          </a:p>
+          <a:p>
+            <a:pPr lvl="1"/>
+            <a:r>
+              <a:rPr lang="en-US" dirty="0"/>
+              <a:t>C: </a:t>
+            </a:r>
+            <a:r>
+              <a:rPr lang="en-US" dirty="0" err="1"/>
+              <a:t>VPtree</a:t>
+            </a:r>
+            <a:endParaRPr lang="en-US" dirty="0"/>
+          </a:p>
+          <a:p>
+            <a:endParaRPr lang="en-US" dirty="0"/>
+          </a:p>
+          <a:p>
+            <a:r>
+              <a:rPr lang="en-US" dirty="0"/>
+              <a:t>Method of improving:</a:t>
+            </a:r>
+          </a:p>
+          <a:p>
+            <a:pPr lvl="1"/>
+            <a:r>
+              <a:rPr lang="en-US" dirty="0"/>
+              <a:t>Use the Vantage Point tree (VP) algorithm</a:t>
+            </a:r>
+            <a:r>
+              <a:rPr lang="fa-IR" dirty="0"/>
+              <a:t> </a:t>
+            </a:r>
+            <a:r>
+              <a:rPr lang="en-US" dirty="0"/>
+              <a:t>(instead of triangle inequality)</a:t>
+            </a:r>
+          </a:p>
+          <a:p>
+            <a:pPr lvl="2"/>
+            <a:r>
+              <a:rPr lang="en-US" dirty="0"/>
+              <a:t>Find nearest mean in O(log K)</a:t>
+            </a:r>
+          </a:p>
+          <a:p>
+            <a:pPr lvl="4"/>
+            <a:endParaRPr lang="en-US" dirty="0"/>
+          </a:p>
+          <a:p>
+            <a:pPr lvl="3"/>
+            <a:endParaRPr lang="en-US" dirty="0"/>
+          </a:p>
+        </p:txBody>
+      </p:sp>
+    </p:spTree>
+    <p:extLst>
+      <p:ext uri="{BB962C8B-B14F-4D97-AF65-F5344CB8AC3E}">
+        <p14:creationId xmlns:p14="http://schemas.microsoft.com/office/powerpoint/2010/main" val="860567011"/>
+      </p:ext>
+    </p:extLst>
+  </p:cSld>
+  <p:clrMapOvr>
+    <a:masterClrMapping/>
+  </p:clrMapOvr>
+</p:sld>
+</file>
+
+<file path=ppt/slides/slide13.xml><?xml version="1.0" encoding="utf-8"?>
+<p:sld xmlns:a="http://schemas.openxmlformats.org/drawingml/2006/main" xmlns:r="http://schemas.openxmlformats.org/officeDocument/2006/relationships" xmlns:p="http://schemas.openxmlformats.org/presentationml/2006/main">
+  <p:cSld>
+    <p:spTree>
+      <p:nvGrpSpPr>
+        <p:cNvPr id="1" name=""/>
+        <p:cNvGrpSpPr/>
+        <p:nvPr/>
+      </p:nvGrpSpPr>
+      <p:grpSpPr>
+        <a:xfrm>
+          <a:off x="0" y="0"/>
+          <a:ext cx="0" cy="0"/>
+          <a:chOff x="0" y="0"/>
+          <a:chExt cx="0" cy="0"/>
+        </a:xfrm>
+      </p:grpSpPr>
+      <p:sp>
+        <p:nvSpPr>
+          <p:cNvPr id="2" name="Title 1">
+            <a:extLst>
+              <a:ext uri="{FF2B5EF4-FFF2-40B4-BE49-F238E27FC236}">
+                <a16:creationId xmlns:a16="http://schemas.microsoft.com/office/drawing/2014/main" id="{66244946-847C-CC4B-8F89-51BC7A89FF2F}"/>
+              </a:ext>
+            </a:extLst>
+          </p:cNvPr>
+          <p:cNvSpPr>
+            <a:spLocks noGrp="1"/>
+          </p:cNvSpPr>
+          <p:nvPr>
+            <p:ph type="title"/>
+          </p:nvPr>
+        </p:nvSpPr>
+        <p:spPr>
+          <a:xfrm>
+            <a:off x="2592925" y="624110"/>
+            <a:ext cx="8911687" cy="906516"/>
+          </a:xfrm>
+        </p:spPr>
+        <p:txBody>
+          <a:bodyPr>
+            <a:normAutofit/>
+          </a:bodyPr>
+          <a:lstStyle/>
+          <a:p>
+            <a:r>
+              <a:rPr lang="en-US" dirty="0"/>
+              <a:t>Nearest In Range Queries</a:t>
+            </a:r>
+          </a:p>
+        </p:txBody>
+      </p:sp>
+      <p:sp>
+        <p:nvSpPr>
+          <p:cNvPr id="3" name="Content Placeholder 2">
+            <a:extLst>
+              <a:ext uri="{FF2B5EF4-FFF2-40B4-BE49-F238E27FC236}">
+                <a16:creationId xmlns:a16="http://schemas.microsoft.com/office/drawing/2014/main" id="{330A7D1B-0225-C74E-BB86-3457D8F93200}"/>
+              </a:ext>
+            </a:extLst>
+          </p:cNvPr>
+          <p:cNvSpPr>
+            <a:spLocks noGrp="1"/>
+          </p:cNvSpPr>
+          <p:nvPr>
+            <p:ph idx="1"/>
+          </p:nvPr>
+        </p:nvSpPr>
+        <p:spPr>
+          <a:xfrm>
+            <a:off x="2589212" y="1530626"/>
+            <a:ext cx="8915400" cy="4850296"/>
+          </a:xfrm>
+        </p:spPr>
+        <p:txBody>
+          <a:bodyPr>
+            <a:normAutofit/>
+          </a:bodyPr>
+          <a:lstStyle/>
+          <a:p>
+            <a:r>
+              <a:rPr lang="en-US" dirty="0"/>
+              <a:t>Parameters:</a:t>
+            </a:r>
+          </a:p>
+          <a:p>
+            <a:pPr lvl="1"/>
+            <a:r>
+              <a:rPr lang="en-US" dirty="0"/>
+              <a:t>q: query point</a:t>
+            </a:r>
+          </a:p>
+          <a:p>
+            <a:pPr lvl="1"/>
+            <a:r>
+              <a:rPr lang="en-US" dirty="0"/>
+              <a:t>r: search within a radius of r to the query</a:t>
+            </a:r>
+          </a:p>
+          <a:p>
+            <a:pPr marL="457200" lvl="1" indent="0">
+              <a:buNone/>
+            </a:pPr>
+            <a:endParaRPr lang="en-US" dirty="0"/>
+          </a:p>
+          <a:p>
+            <a:r>
+              <a:rPr lang="en-US" dirty="0"/>
+              <a:t>Variables:</a:t>
+            </a:r>
+          </a:p>
+          <a:p>
+            <a:pPr lvl="1"/>
+            <a:r>
+              <a:rPr lang="en-US" dirty="0"/>
+              <a:t>tau: to keep track of the distance to the nearest neighbor found.</a:t>
+            </a:r>
+          </a:p>
+          <a:p>
+            <a:pPr lvl="1"/>
+            <a:r>
+              <a:rPr lang="en-US" dirty="0" err="1"/>
+              <a:t>near</a:t>
+            </a:r>
+            <a:r>
+              <a:rPr lang="en-US" baseline="-25000" dirty="0" err="1"/>
+              <a:t>low</a:t>
+            </a:r>
+            <a:r>
+              <a:rPr lang="en-US" baseline="30000" dirty="0"/>
+              <a:t> </a:t>
+            </a:r>
+            <a:r>
+              <a:rPr lang="en-US" dirty="0"/>
+              <a:t>,</a:t>
+            </a:r>
+            <a:r>
+              <a:rPr lang="en-US" baseline="30000" dirty="0"/>
+              <a:t> </a:t>
+            </a:r>
+            <a:r>
+              <a:rPr lang="en-US" dirty="0" err="1"/>
+              <a:t>near</a:t>
+            </a:r>
+            <a:r>
+              <a:rPr lang="en-US" baseline="-25000" dirty="0" err="1"/>
+              <a:t>high</a:t>
+            </a:r>
+            <a:r>
+              <a:rPr lang="en-US" dirty="0"/>
+              <a:t>: the shortest and farthest distance to the points in the </a:t>
+            </a:r>
+            <a:r>
+              <a:rPr lang="en-US" b="1" dirty="0"/>
+              <a:t>left</a:t>
+            </a:r>
+            <a:r>
+              <a:rPr lang="en-US" dirty="0"/>
+              <a:t> child</a:t>
+            </a:r>
+          </a:p>
+          <a:p>
+            <a:pPr lvl="1"/>
+            <a:r>
+              <a:rPr lang="en-US" dirty="0" err="1"/>
+              <a:t>far</a:t>
+            </a:r>
+            <a:r>
+              <a:rPr lang="en-US" baseline="-25000" dirty="0" err="1"/>
+              <a:t>ow</a:t>
+            </a:r>
+            <a:r>
+              <a:rPr lang="en-US" baseline="30000" dirty="0"/>
+              <a:t> </a:t>
+            </a:r>
+            <a:r>
+              <a:rPr lang="en-US" dirty="0"/>
+              <a:t>,</a:t>
+            </a:r>
+            <a:r>
+              <a:rPr lang="en-US" baseline="30000" dirty="0"/>
+              <a:t> </a:t>
+            </a:r>
+            <a:r>
+              <a:rPr lang="en-US" dirty="0" err="1"/>
+              <a:t>far</a:t>
+            </a:r>
+            <a:r>
+              <a:rPr lang="en-US" baseline="-25000" dirty="0" err="1"/>
+              <a:t>high</a:t>
+            </a:r>
+            <a:r>
+              <a:rPr lang="en-US" dirty="0"/>
+              <a:t>: the shortest and farthest distance to the points in the </a:t>
+            </a:r>
+            <a:r>
+              <a:rPr lang="en-US" b="1" dirty="0"/>
+              <a:t>right</a:t>
+            </a:r>
+            <a:r>
+              <a:rPr lang="en-US" dirty="0"/>
+              <a:t> child</a:t>
+            </a:r>
+          </a:p>
+          <a:p>
+            <a:pPr lvl="1"/>
+            <a:endParaRPr lang="en-US" dirty="0"/>
+          </a:p>
+          <a:p>
+            <a:r>
+              <a:rPr lang="en-US" dirty="0"/>
+              <a:t>Method of improving:</a:t>
+            </a:r>
+          </a:p>
+          <a:p>
+            <a:pPr lvl="1"/>
+            <a:r>
+              <a:rPr lang="en-US" dirty="0"/>
+              <a:t>Set initial tau = alpha[q]</a:t>
+            </a:r>
+          </a:p>
+          <a:p>
+            <a:pPr lvl="1"/>
+            <a:endParaRPr lang="en-US" dirty="0"/>
+          </a:p>
+          <a:p>
+            <a:pPr lvl="4"/>
+            <a:endParaRPr lang="en-US" dirty="0"/>
+          </a:p>
+          <a:p>
+            <a:pPr lvl="3"/>
+            <a:endParaRPr lang="en-US" dirty="0"/>
+          </a:p>
+        </p:txBody>
+      </p:sp>
+    </p:spTree>
+    <p:extLst>
+      <p:ext uri="{BB962C8B-B14F-4D97-AF65-F5344CB8AC3E}">
+        <p14:creationId xmlns:p14="http://schemas.microsoft.com/office/powerpoint/2010/main" val="2290554859"/>
+      </p:ext>
+    </p:extLst>
+  </p:cSld>
+  <p:clrMapOvr>
+    <a:masterClrMapping/>
+  </p:clrMapOvr>
+</p:sld>
+</file>
+
+<file path=ppt/slides/slide14.xml><?xml version="1.0" encoding="utf-8"?>
+<p:sld xmlns:a="http://schemas.openxmlformats.org/drawingml/2006/main" xmlns:r="http://schemas.openxmlformats.org/officeDocument/2006/relationships" xmlns:p="http://schemas.openxmlformats.org/presentationml/2006/main">
+  <p:cSld>
+    <p:spTree>
+      <p:nvGrpSpPr>
+        <p:cNvPr id="1" name=""/>
+        <p:cNvGrpSpPr/>
+        <p:nvPr/>
+      </p:nvGrpSpPr>
+      <p:grpSpPr>
+        <a:xfrm>
+          <a:off x="0" y="0"/>
+          <a:ext cx="0" cy="0"/>
+          <a:chOff x="0" y="0"/>
+          <a:chExt cx="0" cy="0"/>
+        </a:xfrm>
+      </p:grpSpPr>
+      <p:sp>
+        <p:nvSpPr>
+          <p:cNvPr id="2" name="Title 1">
+            <a:extLst>
+              <a:ext uri="{FF2B5EF4-FFF2-40B4-BE49-F238E27FC236}">
+                <a16:creationId xmlns:a16="http://schemas.microsoft.com/office/drawing/2014/main" id="{66244946-847C-CC4B-8F89-51BC7A89FF2F}"/>
+              </a:ext>
+            </a:extLst>
+          </p:cNvPr>
+          <p:cNvSpPr>
+            <a:spLocks noGrp="1"/>
+          </p:cNvSpPr>
+          <p:nvPr>
+            <p:ph type="title"/>
+          </p:nvPr>
+        </p:nvSpPr>
+        <p:spPr>
+          <a:xfrm>
+            <a:off x="2592925" y="624110"/>
+            <a:ext cx="8911687" cy="906516"/>
+          </a:xfrm>
+        </p:spPr>
+        <p:txBody>
+          <a:bodyPr>
+            <a:normAutofit/>
+          </a:bodyPr>
+          <a:lstStyle/>
+          <a:p>
+            <a:r>
+              <a:rPr lang="en-US" dirty="0"/>
               <a:t>Vantage Point tree (VP)</a:t>
             </a:r>
           </a:p>
@@ -7839,7 +8552,7 @@
 </p:sld>
 </file>
 
-<file path=ppt/slides/slide11.xml><?xml version="1.0" encoding="utf-8"?>
+<file path=ppt/slides/slide15.xml><?xml version="1.0" encoding="utf-8"?>
 <p:sld xmlns:a="http://schemas.openxmlformats.org/drawingml/2006/main" xmlns:r="http://schemas.openxmlformats.org/officeDocument/2006/relationships" xmlns:p="http://schemas.openxmlformats.org/presentationml/2006/main">
   <p:cSld>
     <p:spTree>
@@ -7899,7 +8612,7 @@
 </p:sld>
 </file>
 
-<file path=ppt/slides/slide12.xml><?xml version="1.0" encoding="utf-8"?>
+<file path=ppt/slides/slide16.xml><?xml version="1.0" encoding="utf-8"?>
 <p:sld xmlns:a="http://schemas.openxmlformats.org/drawingml/2006/main" xmlns:r="http://schemas.openxmlformats.org/officeDocument/2006/relationships" xmlns:p="http://schemas.openxmlformats.org/presentationml/2006/main">
   <p:cSld>
     <p:spTree>
@@ -7959,7 +8672,7 @@
 </p:sld>
 </file>
 
-<file path=ppt/slides/slide13.xml><?xml version="1.0" encoding="utf-8"?>
+<file path=ppt/slides/slide17.xml><?xml version="1.0" encoding="utf-8"?>
 <p:sld xmlns:a="http://schemas.openxmlformats.org/drawingml/2006/main" xmlns:r="http://schemas.openxmlformats.org/officeDocument/2006/relationships" xmlns:p="http://schemas.openxmlformats.org/presentationml/2006/main">
   <p:cSld>
     <p:spTree>
@@ -7981,6 +8694,614 @@
           <p:cNvPr id="2" name="Title 1">
             <a:extLst>
               <a:ext uri="{FF2B5EF4-FFF2-40B4-BE49-F238E27FC236}">
+                <a16:creationId xmlns:a16="http://schemas.microsoft.com/office/drawing/2014/main" id="{66244946-847C-CC4B-8F89-51BC7A89FF2F}"/>
+              </a:ext>
+            </a:extLst>
+          </p:cNvPr>
+          <p:cNvSpPr>
+            <a:spLocks noGrp="1"/>
+          </p:cNvSpPr>
+          <p:nvPr>
+            <p:ph type="title"/>
+          </p:nvPr>
+        </p:nvSpPr>
+        <p:spPr>
+          <a:xfrm>
+            <a:off x="2592925" y="624110"/>
+            <a:ext cx="8911687" cy="906516"/>
+          </a:xfrm>
+        </p:spPr>
+        <p:txBody>
+          <a:bodyPr>
+            <a:normAutofit/>
+          </a:bodyPr>
+          <a:lstStyle/>
+          <a:p>
+            <a:r>
+              <a:rPr lang="en-US" dirty="0"/>
+              <a:t>Experimental Result</a:t>
+            </a:r>
+          </a:p>
+        </p:txBody>
+      </p:sp>
+      <p:sp>
+        <p:nvSpPr>
+          <p:cNvPr id="3" name="Content Placeholder 2">
+            <a:extLst>
+              <a:ext uri="{FF2B5EF4-FFF2-40B4-BE49-F238E27FC236}">
+                <a16:creationId xmlns:a16="http://schemas.microsoft.com/office/drawing/2014/main" id="{330A7D1B-0225-C74E-BB86-3457D8F93200}"/>
+              </a:ext>
+            </a:extLst>
+          </p:cNvPr>
+          <p:cNvSpPr>
+            <a:spLocks noGrp="1"/>
+          </p:cNvSpPr>
+          <p:nvPr>
+            <p:ph idx="1"/>
+          </p:nvPr>
+        </p:nvSpPr>
+        <p:spPr>
+          <a:xfrm>
+            <a:off x="2589212" y="1530626"/>
+            <a:ext cx="8915400" cy="4850296"/>
+          </a:xfrm>
+        </p:spPr>
+        <p:txBody>
+          <a:bodyPr>
+            <a:normAutofit/>
+          </a:bodyPr>
+          <a:lstStyle/>
+          <a:p>
+            <a:r>
+              <a:rPr lang="en-US" dirty="0"/>
+              <a:t>The two measures we are concerned with are the following:</a:t>
+            </a:r>
+          </a:p>
+          <a:p>
+            <a:pPr lvl="1"/>
+            <a:r>
+              <a:rPr lang="en-US" dirty="0"/>
+              <a:t>reducing the total number of distance computations .</a:t>
+            </a:r>
+          </a:p>
+          <a:p>
+            <a:pPr lvl="1"/>
+            <a:r>
+              <a:rPr lang="en-US" dirty="0"/>
+              <a:t>the total run-time spent.</a:t>
+            </a:r>
+          </a:p>
+          <a:p>
+            <a:pPr lvl="1"/>
+            <a:endParaRPr lang="en-US" dirty="0"/>
+          </a:p>
+          <a:p>
+            <a:r>
+              <a:rPr lang="en-US" dirty="0"/>
+              <a:t>We use phishing dataset with :</a:t>
+            </a:r>
+          </a:p>
+          <a:p>
+            <a:pPr lvl="1"/>
+            <a:r>
+              <a:rPr lang="en-US" dirty="0"/>
+              <a:t>11055 samples </a:t>
+            </a:r>
+          </a:p>
+          <a:p>
+            <a:pPr lvl="1"/>
+            <a:r>
+              <a:rPr lang="en-US" dirty="0"/>
+              <a:t>68 features</a:t>
+            </a:r>
+          </a:p>
+          <a:p>
+            <a:endParaRPr lang="en-US" dirty="0"/>
+          </a:p>
+          <a:p>
+            <a:pPr marL="457200" lvl="1" indent="0">
+              <a:buNone/>
+            </a:pPr>
+            <a:endParaRPr lang="en-US" dirty="0"/>
+          </a:p>
+          <a:p>
+            <a:pPr lvl="1"/>
+            <a:endParaRPr lang="en-US" dirty="0"/>
+          </a:p>
+          <a:p>
+            <a:pPr lvl="1"/>
+            <a:endParaRPr lang="en-US" dirty="0"/>
+          </a:p>
+          <a:p>
+            <a:pPr lvl="4"/>
+            <a:endParaRPr lang="en-US" dirty="0"/>
+          </a:p>
+          <a:p>
+            <a:pPr lvl="3"/>
+            <a:endParaRPr lang="en-US" dirty="0"/>
+          </a:p>
+        </p:txBody>
+      </p:sp>
+    </p:spTree>
+    <p:extLst>
+      <p:ext uri="{BB962C8B-B14F-4D97-AF65-F5344CB8AC3E}">
+        <p14:creationId xmlns:p14="http://schemas.microsoft.com/office/powerpoint/2010/main" val="1064018242"/>
+      </p:ext>
+    </p:extLst>
+  </p:cSld>
+  <p:clrMapOvr>
+    <a:masterClrMapping/>
+  </p:clrMapOvr>
+</p:sld>
+</file>
+
+<file path=ppt/slides/slide18.xml><?xml version="1.0" encoding="utf-8"?>
+<p:sld xmlns:a="http://schemas.openxmlformats.org/drawingml/2006/main" xmlns:r="http://schemas.openxmlformats.org/officeDocument/2006/relationships" xmlns:p="http://schemas.openxmlformats.org/presentationml/2006/main">
+  <p:cSld>
+    <p:spTree>
+      <p:nvGrpSpPr>
+        <p:cNvPr id="1" name=""/>
+        <p:cNvGrpSpPr/>
+        <p:nvPr/>
+      </p:nvGrpSpPr>
+      <p:grpSpPr>
+        <a:xfrm>
+          <a:off x="0" y="0"/>
+          <a:ext cx="0" cy="0"/>
+          <a:chOff x="0" y="0"/>
+          <a:chExt cx="0" cy="0"/>
+        </a:xfrm>
+      </p:grpSpPr>
+      <p:sp>
+        <p:nvSpPr>
+          <p:cNvPr id="2" name="Title 1">
+            <a:extLst>
+              <a:ext uri="{FF2B5EF4-FFF2-40B4-BE49-F238E27FC236}">
+                <a16:creationId xmlns:a16="http://schemas.microsoft.com/office/drawing/2014/main" id="{66244946-847C-CC4B-8F89-51BC7A89FF2F}"/>
+              </a:ext>
+            </a:extLst>
+          </p:cNvPr>
+          <p:cNvSpPr>
+            <a:spLocks noGrp="1"/>
+          </p:cNvSpPr>
+          <p:nvPr>
+            <p:ph type="title"/>
+          </p:nvPr>
+        </p:nvSpPr>
+        <p:spPr>
+          <a:xfrm>
+            <a:off x="2592925" y="624110"/>
+            <a:ext cx="8911687" cy="906516"/>
+          </a:xfrm>
+        </p:spPr>
+        <p:txBody>
+          <a:bodyPr>
+            <a:normAutofit fontScale="90000"/>
+          </a:bodyPr>
+          <a:lstStyle/>
+          <a:p>
+            <a:r>
+              <a:rPr lang="en-US" sz="3600" dirty="0"/>
+              <a:t>K-means ++ VS Accelerated K-means ++</a:t>
+            </a:r>
+            <a:endParaRPr lang="en-US" dirty="0"/>
+          </a:p>
+        </p:txBody>
+      </p:sp>
+      <p:sp>
+        <p:nvSpPr>
+          <p:cNvPr id="3" name="Content Placeholder 2">
+            <a:extLst>
+              <a:ext uri="{FF2B5EF4-FFF2-40B4-BE49-F238E27FC236}">
+                <a16:creationId xmlns:a16="http://schemas.microsoft.com/office/drawing/2014/main" id="{330A7D1B-0225-C74E-BB86-3457D8F93200}"/>
+              </a:ext>
+            </a:extLst>
+          </p:cNvPr>
+          <p:cNvSpPr>
+            <a:spLocks noGrp="1"/>
+          </p:cNvSpPr>
+          <p:nvPr>
+            <p:ph idx="1"/>
+          </p:nvPr>
+        </p:nvSpPr>
+        <p:spPr>
+          <a:xfrm>
+            <a:off x="2589212" y="1530626"/>
+            <a:ext cx="8915400" cy="4850296"/>
+          </a:xfrm>
+        </p:spPr>
+        <p:txBody>
+          <a:bodyPr>
+            <a:normAutofit/>
+          </a:bodyPr>
+          <a:lstStyle/>
+          <a:p>
+            <a:r>
+              <a:rPr lang="en-US" dirty="0"/>
+              <a:t>Distance ratio </a:t>
+            </a:r>
+          </a:p>
+          <a:p>
+            <a:pPr lvl="1"/>
+            <a:r>
+              <a:rPr lang="en-US" sz="1400" dirty="0"/>
+              <a:t>Total distance computed K-means ++ / Total distance computed Accelerated K-means</a:t>
+            </a:r>
+          </a:p>
+          <a:p>
+            <a:pPr lvl="1"/>
+            <a:endParaRPr lang="en-US" sz="1400" dirty="0"/>
+          </a:p>
+          <a:p>
+            <a:pPr lvl="4"/>
+            <a:endParaRPr lang="en-US" dirty="0"/>
+          </a:p>
+          <a:p>
+            <a:pPr lvl="3"/>
+            <a:endParaRPr lang="en-US" dirty="0"/>
+          </a:p>
+        </p:txBody>
+      </p:sp>
+      <p:pic>
+        <p:nvPicPr>
+          <p:cNvPr id="6" name="Content Placeholder 4" descr="Chart, line chart&#10;&#10;Description automatically generated">
+            <a:extLst>
+              <a:ext uri="{FF2B5EF4-FFF2-40B4-BE49-F238E27FC236}">
+                <a16:creationId xmlns:a16="http://schemas.microsoft.com/office/drawing/2014/main" id="{5C683BA3-61EF-4510-BAB9-31431CEA3C27}"/>
+              </a:ext>
+            </a:extLst>
+          </p:cNvPr>
+          <p:cNvPicPr>
+            <a:picLocks noChangeAspect="1"/>
+          </p:cNvPicPr>
+          <p:nvPr/>
+        </p:nvPicPr>
+        <p:blipFill>
+          <a:blip r:embed="rId2"/>
+          <a:stretch>
+            <a:fillRect/>
+          </a:stretch>
+        </p:blipFill>
+        <p:spPr>
+          <a:xfrm>
+            <a:off x="3881416" y="2437142"/>
+            <a:ext cx="5103872" cy="3402580"/>
+          </a:xfrm>
+          <a:prstGeom prst="rect">
+            <a:avLst/>
+          </a:prstGeom>
+        </p:spPr>
+      </p:pic>
+    </p:spTree>
+    <p:extLst>
+      <p:ext uri="{BB962C8B-B14F-4D97-AF65-F5344CB8AC3E}">
+        <p14:creationId xmlns:p14="http://schemas.microsoft.com/office/powerpoint/2010/main" val="358341013"/>
+      </p:ext>
+    </p:extLst>
+  </p:cSld>
+  <p:clrMapOvr>
+    <a:masterClrMapping/>
+  </p:clrMapOvr>
+</p:sld>
+</file>
+
+<file path=ppt/slides/slide19.xml><?xml version="1.0" encoding="utf-8"?>
+<p:sld xmlns:a="http://schemas.openxmlformats.org/drawingml/2006/main" xmlns:r="http://schemas.openxmlformats.org/officeDocument/2006/relationships" xmlns:p="http://schemas.openxmlformats.org/presentationml/2006/main">
+  <p:cSld>
+    <p:spTree>
+      <p:nvGrpSpPr>
+        <p:cNvPr id="1" name=""/>
+        <p:cNvGrpSpPr/>
+        <p:nvPr/>
+      </p:nvGrpSpPr>
+      <p:grpSpPr>
+        <a:xfrm>
+          <a:off x="0" y="0"/>
+          <a:ext cx="0" cy="0"/>
+          <a:chOff x="0" y="0"/>
+          <a:chExt cx="0" cy="0"/>
+        </a:xfrm>
+      </p:grpSpPr>
+      <p:sp>
+        <p:nvSpPr>
+          <p:cNvPr id="2" name="Title 1">
+            <a:extLst>
+              <a:ext uri="{FF2B5EF4-FFF2-40B4-BE49-F238E27FC236}">
+                <a16:creationId xmlns:a16="http://schemas.microsoft.com/office/drawing/2014/main" id="{66244946-847C-CC4B-8F89-51BC7A89FF2F}"/>
+              </a:ext>
+            </a:extLst>
+          </p:cNvPr>
+          <p:cNvSpPr>
+            <a:spLocks noGrp="1"/>
+          </p:cNvSpPr>
+          <p:nvPr>
+            <p:ph type="title"/>
+          </p:nvPr>
+        </p:nvSpPr>
+        <p:spPr>
+          <a:xfrm>
+            <a:off x="2592925" y="624110"/>
+            <a:ext cx="8911687" cy="906516"/>
+          </a:xfrm>
+        </p:spPr>
+        <p:txBody>
+          <a:bodyPr>
+            <a:normAutofit fontScale="90000"/>
+          </a:bodyPr>
+          <a:lstStyle/>
+          <a:p>
+            <a:r>
+              <a:rPr lang="en-US" sz="3600" dirty="0"/>
+              <a:t>K-means ++ VS Accelerated K-means ++</a:t>
+            </a:r>
+            <a:endParaRPr lang="en-US" dirty="0"/>
+          </a:p>
+        </p:txBody>
+      </p:sp>
+      <p:sp>
+        <p:nvSpPr>
+          <p:cNvPr id="3" name="Content Placeholder 2">
+            <a:extLst>
+              <a:ext uri="{FF2B5EF4-FFF2-40B4-BE49-F238E27FC236}">
+                <a16:creationId xmlns:a16="http://schemas.microsoft.com/office/drawing/2014/main" id="{330A7D1B-0225-C74E-BB86-3457D8F93200}"/>
+              </a:ext>
+            </a:extLst>
+          </p:cNvPr>
+          <p:cNvSpPr>
+            <a:spLocks noGrp="1"/>
+          </p:cNvSpPr>
+          <p:nvPr>
+            <p:ph idx="1"/>
+          </p:nvPr>
+        </p:nvSpPr>
+        <p:spPr>
+          <a:xfrm>
+            <a:off x="2589212" y="1530626"/>
+            <a:ext cx="8915400" cy="4850296"/>
+          </a:xfrm>
+        </p:spPr>
+        <p:txBody>
+          <a:bodyPr>
+            <a:normAutofit/>
+          </a:bodyPr>
+          <a:lstStyle/>
+          <a:p>
+            <a:pPr lvl="1"/>
+            <a:endParaRPr lang="en-US" sz="1400" dirty="0"/>
+          </a:p>
+          <a:p>
+            <a:pPr lvl="4"/>
+            <a:endParaRPr lang="en-US" dirty="0"/>
+          </a:p>
+          <a:p>
+            <a:pPr lvl="3"/>
+            <a:endParaRPr lang="en-US" dirty="0"/>
+          </a:p>
+        </p:txBody>
+      </p:sp>
+      <p:pic>
+        <p:nvPicPr>
+          <p:cNvPr id="5" name="Picture 4" descr="Chart, line chart&#10;&#10;Description automatically generated">
+            <a:extLst>
+              <a:ext uri="{FF2B5EF4-FFF2-40B4-BE49-F238E27FC236}">
+                <a16:creationId xmlns:a16="http://schemas.microsoft.com/office/drawing/2014/main" id="{94264093-4206-4EFC-9195-815E0419258D}"/>
+              </a:ext>
+            </a:extLst>
+          </p:cNvPr>
+          <p:cNvPicPr>
+            <a:picLocks noChangeAspect="1"/>
+          </p:cNvPicPr>
+          <p:nvPr/>
+        </p:nvPicPr>
+        <p:blipFill>
+          <a:blip r:embed="rId2"/>
+          <a:stretch>
+            <a:fillRect/>
+          </a:stretch>
+        </p:blipFill>
+        <p:spPr>
+          <a:xfrm>
+            <a:off x="6565316" y="2234378"/>
+            <a:ext cx="4547296" cy="3031530"/>
+          </a:xfrm>
+          <a:prstGeom prst="rect">
+            <a:avLst/>
+          </a:prstGeom>
+        </p:spPr>
+      </p:pic>
+      <p:pic>
+        <p:nvPicPr>
+          <p:cNvPr id="8" name="Picture 7" descr="Chart, line chart&#10;&#10;Description automatically generated">
+            <a:extLst>
+              <a:ext uri="{FF2B5EF4-FFF2-40B4-BE49-F238E27FC236}">
+                <a16:creationId xmlns:a16="http://schemas.microsoft.com/office/drawing/2014/main" id="{8DF5EB0D-AA51-43DF-B0B5-5C118A744E0B}"/>
+              </a:ext>
+            </a:extLst>
+          </p:cNvPr>
+          <p:cNvPicPr>
+            <a:picLocks noChangeAspect="1"/>
+          </p:cNvPicPr>
+          <p:nvPr/>
+        </p:nvPicPr>
+        <p:blipFill>
+          <a:blip r:embed="rId3"/>
+          <a:stretch>
+            <a:fillRect/>
+          </a:stretch>
+        </p:blipFill>
+        <p:spPr>
+          <a:xfrm>
+            <a:off x="2178497" y="2234378"/>
+            <a:ext cx="4547296" cy="3031530"/>
+          </a:xfrm>
+          <a:prstGeom prst="rect">
+            <a:avLst/>
+          </a:prstGeom>
+        </p:spPr>
+      </p:pic>
+    </p:spTree>
+    <p:extLst>
+      <p:ext uri="{BB962C8B-B14F-4D97-AF65-F5344CB8AC3E}">
+        <p14:creationId xmlns:p14="http://schemas.microsoft.com/office/powerpoint/2010/main" val="1909902258"/>
+      </p:ext>
+    </p:extLst>
+  </p:cSld>
+  <p:clrMapOvr>
+    <a:masterClrMapping/>
+  </p:clrMapOvr>
+</p:sld>
+</file>
+
+<file path=ppt/slides/slide2.xml><?xml version="1.0" encoding="utf-8"?>
+<p:sld xmlns:a="http://schemas.openxmlformats.org/drawingml/2006/main" xmlns:r="http://schemas.openxmlformats.org/officeDocument/2006/relationships" xmlns:p="http://schemas.openxmlformats.org/presentationml/2006/main">
+  <p:cSld>
+    <p:spTree>
+      <p:nvGrpSpPr>
+        <p:cNvPr id="1" name=""/>
+        <p:cNvGrpSpPr/>
+        <p:nvPr/>
+      </p:nvGrpSpPr>
+      <p:grpSpPr>
+        <a:xfrm>
+          <a:off x="0" y="0"/>
+          <a:ext cx="0" cy="0"/>
+          <a:chOff x="0" y="0"/>
+          <a:chExt cx="0" cy="0"/>
+        </a:xfrm>
+      </p:grpSpPr>
+      <p:sp>
+        <p:nvSpPr>
+          <p:cNvPr id="2" name="Title 1">
+            <a:extLst>
+              <a:ext uri="{FF2B5EF4-FFF2-40B4-BE49-F238E27FC236}">
+                <a16:creationId xmlns:a16="http://schemas.microsoft.com/office/drawing/2014/main" id="{66244946-847C-CC4B-8F89-51BC7A89FF2F}"/>
+              </a:ext>
+            </a:extLst>
+          </p:cNvPr>
+          <p:cNvSpPr>
+            <a:spLocks noGrp="1"/>
+          </p:cNvSpPr>
+          <p:nvPr>
+            <p:ph type="title"/>
+          </p:nvPr>
+        </p:nvSpPr>
+        <p:spPr>
+          <a:xfrm>
+            <a:off x="2592925" y="624110"/>
+            <a:ext cx="8911687" cy="906516"/>
+          </a:xfrm>
+        </p:spPr>
+        <p:txBody>
+          <a:bodyPr>
+            <a:normAutofit/>
+          </a:bodyPr>
+          <a:lstStyle/>
+          <a:p>
+            <a:r>
+              <a:rPr lang="en-US" dirty="0"/>
+              <a:t>Abstract</a:t>
+            </a:r>
+          </a:p>
+        </p:txBody>
+      </p:sp>
+      <p:sp>
+        <p:nvSpPr>
+          <p:cNvPr id="3" name="Content Placeholder 2">
+            <a:extLst>
+              <a:ext uri="{FF2B5EF4-FFF2-40B4-BE49-F238E27FC236}">
+                <a16:creationId xmlns:a16="http://schemas.microsoft.com/office/drawing/2014/main" id="{330A7D1B-0225-C74E-BB86-3457D8F93200}"/>
+              </a:ext>
+            </a:extLst>
+          </p:cNvPr>
+          <p:cNvSpPr>
+            <a:spLocks noGrp="1"/>
+          </p:cNvSpPr>
+          <p:nvPr>
+            <p:ph idx="1"/>
+          </p:nvPr>
+        </p:nvSpPr>
+        <p:spPr>
+          <a:xfrm>
+            <a:off x="2589212" y="1530626"/>
+            <a:ext cx="8915400" cy="4850296"/>
+          </a:xfrm>
+        </p:spPr>
+        <p:txBody>
+          <a:bodyPr/>
+          <a:lstStyle/>
+          <a:p>
+            <a:r>
+              <a:rPr lang="en-US" dirty="0"/>
+              <a:t>Selecting the initial seeds of K-means</a:t>
+            </a:r>
+          </a:p>
+          <a:p>
+            <a:pPr marL="0" indent="0">
+              <a:buNone/>
+            </a:pPr>
+            <a:endParaRPr lang="en-US" dirty="0"/>
+          </a:p>
+          <a:p>
+            <a:r>
+              <a:rPr lang="en-US" dirty="0"/>
+              <a:t>Considering the limited opportunities within seed selection to perform pruning</a:t>
+            </a:r>
+          </a:p>
+          <a:p>
+            <a:pPr lvl="1"/>
+            <a:r>
+              <a:rPr lang="en-US" dirty="0"/>
+              <a:t>Triangle inequality pruning strategies</a:t>
+            </a:r>
+          </a:p>
+          <a:p>
+            <a:pPr lvl="1"/>
+            <a:r>
+              <a:rPr lang="en-US" dirty="0"/>
+              <a:t>Dynamic priority queue</a:t>
+            </a:r>
+          </a:p>
+          <a:p>
+            <a:pPr lvl="1"/>
+            <a:endParaRPr lang="en-US" dirty="0"/>
+          </a:p>
+        </p:txBody>
+      </p:sp>
+    </p:spTree>
+    <p:extLst>
+      <p:ext uri="{BB962C8B-B14F-4D97-AF65-F5344CB8AC3E}">
+        <p14:creationId xmlns:p14="http://schemas.microsoft.com/office/powerpoint/2010/main" val="1123231413"/>
+      </p:ext>
+    </p:extLst>
+  </p:cSld>
+  <p:clrMapOvr>
+    <a:masterClrMapping/>
+  </p:clrMapOvr>
+</p:sld>
+</file>
+
+<file path=ppt/slides/slide20.xml><?xml version="1.0" encoding="utf-8"?>
+<p:sld xmlns:a="http://schemas.openxmlformats.org/drawingml/2006/main" xmlns:r="http://schemas.openxmlformats.org/officeDocument/2006/relationships" xmlns:p="http://schemas.openxmlformats.org/presentationml/2006/main">
+  <p:cSld>
+    <p:spTree>
+      <p:nvGrpSpPr>
+        <p:cNvPr id="1" name=""/>
+        <p:cNvGrpSpPr/>
+        <p:nvPr/>
+      </p:nvGrpSpPr>
+      <p:grpSpPr>
+        <a:xfrm>
+          <a:off x="0" y="0"/>
+          <a:ext cx="0" cy="0"/>
+          <a:chOff x="0" y="0"/>
+          <a:chExt cx="0" cy="0"/>
+        </a:xfrm>
+      </p:grpSpPr>
+      <p:sp>
+        <p:nvSpPr>
+          <p:cNvPr id="2" name="Title 1">
+            <a:extLst>
+              <a:ext uri="{FF2B5EF4-FFF2-40B4-BE49-F238E27FC236}">
                 <a16:creationId xmlns:a16="http://schemas.microsoft.com/office/drawing/2014/main" id="{75808A2E-5183-5F4B-B42B-6F97BCC418C1}"/>
               </a:ext>
             </a:extLst>
@@ -8001,31 +9322,6 @@
               <a:rPr lang="en-US" dirty="0"/>
               <a:t>An overview of the work done</a:t>
             </a:r>
-          </a:p>
-        </p:txBody>
-      </p:sp>
-      <p:sp>
-        <p:nvSpPr>
-          <p:cNvPr id="3" name="Text Placeholder 2">
-            <a:extLst>
-              <a:ext uri="{FF2B5EF4-FFF2-40B4-BE49-F238E27FC236}">
-                <a16:creationId xmlns:a16="http://schemas.microsoft.com/office/drawing/2014/main" id="{476E9AA9-C3DA-1849-8B79-532891132789}"/>
-              </a:ext>
-            </a:extLst>
-          </p:cNvPr>
-          <p:cNvSpPr>
-            <a:spLocks noGrp="1"/>
-          </p:cNvSpPr>
-          <p:nvPr>
-            <p:ph type="body" idx="1"/>
-          </p:nvPr>
-        </p:nvSpPr>
-        <p:spPr/>
-        <p:txBody>
-          <a:bodyPr/>
-          <a:lstStyle/>
-          <a:p>
-            <a:endParaRPr lang="en-US"/>
           </a:p>
         </p:txBody>
       </p:sp>
@@ -8042,7 +9338,7 @@
 </p:sld>
 </file>
 
-<file path=ppt/slides/slide14.xml><?xml version="1.0" encoding="utf-8"?>
+<file path=ppt/slides/slide21.xml><?xml version="1.0" encoding="utf-8"?>
 <p:sld xmlns:a="http://schemas.openxmlformats.org/drawingml/2006/main" xmlns:r="http://schemas.openxmlformats.org/officeDocument/2006/relationships" xmlns:p="http://schemas.openxmlformats.org/presentationml/2006/main">
   <p:cSld>
     <p:spTree>
@@ -8516,1329 +9812,6 @@
 </p:sld>
 </file>
 
-<file path=ppt/slides/slide15.xml><?xml version="1.0" encoding="utf-8"?>
-<p:sld xmlns:a="http://schemas.openxmlformats.org/drawingml/2006/main" xmlns:r="http://schemas.openxmlformats.org/officeDocument/2006/relationships" xmlns:p="http://schemas.openxmlformats.org/presentationml/2006/main">
-  <p:cSld>
-    <p:spTree>
-      <p:nvGrpSpPr>
-        <p:cNvPr id="1" name=""/>
-        <p:cNvGrpSpPr/>
-        <p:nvPr/>
-      </p:nvGrpSpPr>
-      <p:grpSpPr>
-        <a:xfrm>
-          <a:off x="0" y="0"/>
-          <a:ext cx="0" cy="0"/>
-          <a:chOff x="0" y="0"/>
-          <a:chExt cx="0" cy="0"/>
-        </a:xfrm>
-      </p:grpSpPr>
-      <p:sp>
-        <p:nvSpPr>
-          <p:cNvPr id="2" name="Title 1">
-            <a:extLst>
-              <a:ext uri="{FF2B5EF4-FFF2-40B4-BE49-F238E27FC236}">
-                <a16:creationId xmlns:a16="http://schemas.microsoft.com/office/drawing/2014/main" id="{66244946-847C-CC4B-8F89-51BC7A89FF2F}"/>
-              </a:ext>
-            </a:extLst>
-          </p:cNvPr>
-          <p:cNvSpPr>
-            <a:spLocks noGrp="1"/>
-          </p:cNvSpPr>
-          <p:nvPr>
-            <p:ph type="title"/>
-          </p:nvPr>
-        </p:nvSpPr>
-        <p:spPr>
-          <a:xfrm>
-            <a:off x="2592925" y="624110"/>
-            <a:ext cx="8911687" cy="906516"/>
-          </a:xfrm>
-        </p:spPr>
-        <p:txBody>
-          <a:bodyPr>
-            <a:normAutofit/>
-          </a:bodyPr>
-          <a:lstStyle/>
-          <a:p>
-            <a:r>
-              <a:rPr lang="en-US" dirty="0"/>
-              <a:t>Functions in tools</a:t>
-            </a:r>
-          </a:p>
-        </p:txBody>
-      </p:sp>
-      <p:sp>
-        <p:nvSpPr>
-          <p:cNvPr id="3" name="Content Placeholder 2">
-            <a:extLst>
-              <a:ext uri="{FF2B5EF4-FFF2-40B4-BE49-F238E27FC236}">
-                <a16:creationId xmlns:a16="http://schemas.microsoft.com/office/drawing/2014/main" id="{330A7D1B-0225-C74E-BB86-3457D8F93200}"/>
-              </a:ext>
-            </a:extLst>
-          </p:cNvPr>
-          <p:cNvSpPr>
-            <a:spLocks noGrp="1"/>
-          </p:cNvSpPr>
-          <p:nvPr>
-            <p:ph idx="1"/>
-          </p:nvPr>
-        </p:nvSpPr>
-        <p:spPr>
-          <a:xfrm>
-            <a:off x="2589212" y="1530626"/>
-            <a:ext cx="8915400" cy="4850296"/>
-          </a:xfrm>
-        </p:spPr>
-        <p:txBody>
-          <a:bodyPr>
-            <a:normAutofit/>
-          </a:bodyPr>
-          <a:lstStyle/>
-          <a:p>
-            <a:r>
-              <a:rPr lang="en-US" dirty="0"/>
-              <a:t>[function]</a:t>
-            </a:r>
-          </a:p>
-          <a:p>
-            <a:pPr lvl="1"/>
-            <a:r>
-              <a:rPr lang="en-US" dirty="0"/>
-              <a:t>[detail]</a:t>
-            </a:r>
-          </a:p>
-          <a:p>
-            <a:pPr lvl="3"/>
-            <a:endParaRPr lang="en-US" dirty="0"/>
-          </a:p>
-        </p:txBody>
-      </p:sp>
-    </p:spTree>
-    <p:extLst>
-      <p:ext uri="{BB962C8B-B14F-4D97-AF65-F5344CB8AC3E}">
-        <p14:creationId xmlns:p14="http://schemas.microsoft.com/office/powerpoint/2010/main" val="1035798873"/>
-      </p:ext>
-    </p:extLst>
-  </p:cSld>
-  <p:clrMapOvr>
-    <a:masterClrMapping/>
-  </p:clrMapOvr>
-</p:sld>
-</file>
-
-<file path=ppt/slides/slide16.xml><?xml version="1.0" encoding="utf-8"?>
-<p:sld xmlns:a="http://schemas.openxmlformats.org/drawingml/2006/main" xmlns:r="http://schemas.openxmlformats.org/officeDocument/2006/relationships" xmlns:p="http://schemas.openxmlformats.org/presentationml/2006/main">
-  <p:cSld>
-    <p:spTree>
-      <p:nvGrpSpPr>
-        <p:cNvPr id="1" name=""/>
-        <p:cNvGrpSpPr/>
-        <p:nvPr/>
-      </p:nvGrpSpPr>
-      <p:grpSpPr>
-        <a:xfrm>
-          <a:off x="0" y="0"/>
-          <a:ext cx="0" cy="0"/>
-          <a:chOff x="0" y="0"/>
-          <a:chExt cx="0" cy="0"/>
-        </a:xfrm>
-      </p:grpSpPr>
-      <p:sp>
-        <p:nvSpPr>
-          <p:cNvPr id="2" name="Title 1">
-            <a:extLst>
-              <a:ext uri="{FF2B5EF4-FFF2-40B4-BE49-F238E27FC236}">
-                <a16:creationId xmlns:a16="http://schemas.microsoft.com/office/drawing/2014/main" id="{66244946-847C-CC4B-8F89-51BC7A89FF2F}"/>
-              </a:ext>
-            </a:extLst>
-          </p:cNvPr>
-          <p:cNvSpPr>
-            <a:spLocks noGrp="1"/>
-          </p:cNvSpPr>
-          <p:nvPr>
-            <p:ph type="title"/>
-          </p:nvPr>
-        </p:nvSpPr>
-        <p:spPr>
-          <a:xfrm>
-            <a:off x="2592925" y="624110"/>
-            <a:ext cx="8911687" cy="906516"/>
-          </a:xfrm>
-        </p:spPr>
-        <p:txBody>
-          <a:bodyPr>
-            <a:normAutofit/>
-          </a:bodyPr>
-          <a:lstStyle/>
-          <a:p>
-            <a:r>
-              <a:rPr lang="en-US" dirty="0"/>
-              <a:t>Functions in dataset</a:t>
-            </a:r>
-          </a:p>
-        </p:txBody>
-      </p:sp>
-      <p:sp>
-        <p:nvSpPr>
-          <p:cNvPr id="3" name="Content Placeholder 2">
-            <a:extLst>
-              <a:ext uri="{FF2B5EF4-FFF2-40B4-BE49-F238E27FC236}">
-                <a16:creationId xmlns:a16="http://schemas.microsoft.com/office/drawing/2014/main" id="{330A7D1B-0225-C74E-BB86-3457D8F93200}"/>
-              </a:ext>
-            </a:extLst>
-          </p:cNvPr>
-          <p:cNvSpPr>
-            <a:spLocks noGrp="1"/>
-          </p:cNvSpPr>
-          <p:nvPr>
-            <p:ph idx="1"/>
-          </p:nvPr>
-        </p:nvSpPr>
-        <p:spPr>
-          <a:xfrm>
-            <a:off x="2589212" y="1530626"/>
-            <a:ext cx="8915400" cy="4850296"/>
-          </a:xfrm>
-        </p:spPr>
-        <p:txBody>
-          <a:bodyPr>
-            <a:normAutofit/>
-          </a:bodyPr>
-          <a:lstStyle/>
-          <a:p>
-            <a:r>
-              <a:rPr lang="en-US" dirty="0"/>
-              <a:t>[function]</a:t>
-            </a:r>
-          </a:p>
-          <a:p>
-            <a:pPr lvl="1"/>
-            <a:r>
-              <a:rPr lang="en-US" dirty="0"/>
-              <a:t>[detail]</a:t>
-            </a:r>
-          </a:p>
-          <a:p>
-            <a:pPr lvl="3"/>
-            <a:endParaRPr lang="en-US" dirty="0"/>
-          </a:p>
-        </p:txBody>
-      </p:sp>
-    </p:spTree>
-    <p:extLst>
-      <p:ext uri="{BB962C8B-B14F-4D97-AF65-F5344CB8AC3E}">
-        <p14:creationId xmlns:p14="http://schemas.microsoft.com/office/powerpoint/2010/main" val="2064208089"/>
-      </p:ext>
-    </p:extLst>
-  </p:cSld>
-  <p:clrMapOvr>
-    <a:masterClrMapping/>
-  </p:clrMapOvr>
-</p:sld>
-</file>
-
-<file path=ppt/slides/slide17.xml><?xml version="1.0" encoding="utf-8"?>
-<p:sld xmlns:a="http://schemas.openxmlformats.org/drawingml/2006/main" xmlns:r="http://schemas.openxmlformats.org/officeDocument/2006/relationships" xmlns:p="http://schemas.openxmlformats.org/presentationml/2006/main">
-  <p:cSld>
-    <p:spTree>
-      <p:nvGrpSpPr>
-        <p:cNvPr id="1" name=""/>
-        <p:cNvGrpSpPr/>
-        <p:nvPr/>
-      </p:nvGrpSpPr>
-      <p:grpSpPr>
-        <a:xfrm>
-          <a:off x="0" y="0"/>
-          <a:ext cx="0" cy="0"/>
-          <a:chOff x="0" y="0"/>
-          <a:chExt cx="0" cy="0"/>
-        </a:xfrm>
-      </p:grpSpPr>
-      <p:sp>
-        <p:nvSpPr>
-          <p:cNvPr id="2" name="Title 1">
-            <a:extLst>
-              <a:ext uri="{FF2B5EF4-FFF2-40B4-BE49-F238E27FC236}">
-                <a16:creationId xmlns:a16="http://schemas.microsoft.com/office/drawing/2014/main" id="{66244946-847C-CC4B-8F89-51BC7A89FF2F}"/>
-              </a:ext>
-            </a:extLst>
-          </p:cNvPr>
-          <p:cNvSpPr>
-            <a:spLocks noGrp="1"/>
-          </p:cNvSpPr>
-          <p:nvPr>
-            <p:ph type="title"/>
-          </p:nvPr>
-        </p:nvSpPr>
-        <p:spPr>
-          <a:xfrm>
-            <a:off x="2592925" y="624110"/>
-            <a:ext cx="8911687" cy="906516"/>
-          </a:xfrm>
-        </p:spPr>
-        <p:txBody>
-          <a:bodyPr>
-            <a:normAutofit/>
-          </a:bodyPr>
-          <a:lstStyle/>
-          <a:p>
-            <a:r>
-              <a:rPr lang="en-US" dirty="0"/>
-              <a:t>Functions in </a:t>
-            </a:r>
-            <a:r>
-              <a:rPr lang="en-US" dirty="0" err="1"/>
-              <a:t>binary_heap</a:t>
-            </a:r>
-            <a:endParaRPr lang="en-US" dirty="0"/>
-          </a:p>
-        </p:txBody>
-      </p:sp>
-      <p:sp>
-        <p:nvSpPr>
-          <p:cNvPr id="3" name="Content Placeholder 2">
-            <a:extLst>
-              <a:ext uri="{FF2B5EF4-FFF2-40B4-BE49-F238E27FC236}">
-                <a16:creationId xmlns:a16="http://schemas.microsoft.com/office/drawing/2014/main" id="{330A7D1B-0225-C74E-BB86-3457D8F93200}"/>
-              </a:ext>
-            </a:extLst>
-          </p:cNvPr>
-          <p:cNvSpPr>
-            <a:spLocks noGrp="1"/>
-          </p:cNvSpPr>
-          <p:nvPr>
-            <p:ph idx="1"/>
-          </p:nvPr>
-        </p:nvSpPr>
-        <p:spPr>
-          <a:xfrm>
-            <a:off x="2589212" y="1530626"/>
-            <a:ext cx="8915400" cy="4850296"/>
-          </a:xfrm>
-        </p:spPr>
-        <p:txBody>
-          <a:bodyPr>
-            <a:normAutofit lnSpcReduction="10000"/>
-          </a:bodyPr>
-          <a:lstStyle/>
-          <a:p>
-            <a:r>
-              <a:rPr lang="en-US" dirty="0"/>
-              <a:t>Class </a:t>
-            </a:r>
-            <a:r>
-              <a:rPr lang="en-US" dirty="0" err="1"/>
-              <a:t>BinaryHeap</a:t>
-            </a:r>
-            <a:r>
-              <a:rPr lang="en-US" dirty="0"/>
-              <a:t>:</a:t>
-            </a:r>
-          </a:p>
-          <a:p>
-            <a:pPr lvl="1"/>
-            <a:r>
-              <a:rPr lang="en-US" dirty="0"/>
-              <a:t>__</a:t>
-            </a:r>
-            <a:r>
-              <a:rPr lang="en-US" dirty="0" err="1"/>
-              <a:t>init</a:t>
-            </a:r>
-            <a:r>
-              <a:rPr lang="en-US" dirty="0"/>
-              <a:t>__</a:t>
-            </a:r>
-          </a:p>
-          <a:p>
-            <a:pPr lvl="2"/>
-            <a:r>
-              <a:rPr lang="en-US" dirty="0"/>
-              <a:t>Get points and create binary heap tree each node is (point, id)</a:t>
-            </a:r>
-          </a:p>
-          <a:p>
-            <a:pPr lvl="1"/>
-            <a:endParaRPr lang="en-US" dirty="0"/>
-          </a:p>
-          <a:p>
-            <a:pPr lvl="1"/>
-            <a:r>
-              <a:rPr lang="en-US" dirty="0"/>
-              <a:t>push</a:t>
-            </a:r>
-          </a:p>
-          <a:p>
-            <a:pPr lvl="2"/>
-            <a:r>
-              <a:rPr lang="en-US" dirty="0"/>
-              <a:t>Get new point and it’s id and add to the tree in O(log n)</a:t>
-            </a:r>
-          </a:p>
-          <a:p>
-            <a:pPr lvl="1"/>
-            <a:endParaRPr lang="en-US" dirty="0"/>
-          </a:p>
-          <a:p>
-            <a:pPr lvl="1"/>
-            <a:r>
-              <a:rPr lang="en-US" dirty="0"/>
-              <a:t>pop</a:t>
-            </a:r>
-          </a:p>
-          <a:p>
-            <a:pPr lvl="2"/>
-            <a:r>
-              <a:rPr lang="en-US" dirty="0"/>
-              <a:t>Pop the node with minimum value(root) from tree and remove the node O(log n)</a:t>
-            </a:r>
-          </a:p>
-          <a:p>
-            <a:pPr lvl="2"/>
-            <a:r>
-              <a:rPr lang="en-US" dirty="0"/>
-              <a:t>Return minimum value in tree</a:t>
-            </a:r>
-          </a:p>
-          <a:p>
-            <a:pPr marL="400050" lvl="1" indent="0">
-              <a:buNone/>
-            </a:pPr>
-            <a:endParaRPr lang="en-US" dirty="0"/>
-          </a:p>
-          <a:p>
-            <a:pPr lvl="1"/>
-            <a:r>
-              <a:rPr lang="en-US" dirty="0"/>
-              <a:t>peek</a:t>
-            </a:r>
-          </a:p>
-          <a:p>
-            <a:pPr lvl="2"/>
-            <a:r>
-              <a:rPr lang="en-US" dirty="0"/>
-              <a:t>Peek the node with minimum value(root) from tree but node still is in tree O(1)</a:t>
-            </a:r>
-          </a:p>
-          <a:p>
-            <a:pPr lvl="2"/>
-            <a:r>
-              <a:rPr lang="en-US" dirty="0"/>
-              <a:t>Return minimum value in tree</a:t>
-            </a:r>
-          </a:p>
-        </p:txBody>
-      </p:sp>
-    </p:spTree>
-    <p:extLst>
-      <p:ext uri="{BB962C8B-B14F-4D97-AF65-F5344CB8AC3E}">
-        <p14:creationId xmlns:p14="http://schemas.microsoft.com/office/powerpoint/2010/main" val="350040357"/>
-      </p:ext>
-    </p:extLst>
-  </p:cSld>
-  <p:clrMapOvr>
-    <a:masterClrMapping/>
-  </p:clrMapOvr>
-</p:sld>
-</file>
-
-<file path=ppt/slides/slide18.xml><?xml version="1.0" encoding="utf-8"?>
-<p:sld xmlns:a="http://schemas.openxmlformats.org/drawingml/2006/main" xmlns:r="http://schemas.openxmlformats.org/officeDocument/2006/relationships" xmlns:p="http://schemas.openxmlformats.org/presentationml/2006/main">
-  <p:cSld>
-    <p:spTree>
-      <p:nvGrpSpPr>
-        <p:cNvPr id="1" name=""/>
-        <p:cNvGrpSpPr/>
-        <p:nvPr/>
-      </p:nvGrpSpPr>
-      <p:grpSpPr>
-        <a:xfrm>
-          <a:off x="0" y="0"/>
-          <a:ext cx="0" cy="0"/>
-          <a:chOff x="0" y="0"/>
-          <a:chExt cx="0" cy="0"/>
-        </a:xfrm>
-      </p:grpSpPr>
-      <p:sp>
-        <p:nvSpPr>
-          <p:cNvPr id="2" name="Title 1">
-            <a:extLst>
-              <a:ext uri="{FF2B5EF4-FFF2-40B4-BE49-F238E27FC236}">
-                <a16:creationId xmlns:a16="http://schemas.microsoft.com/office/drawing/2014/main" id="{66244946-847C-CC4B-8F89-51BC7A89FF2F}"/>
-              </a:ext>
-            </a:extLst>
-          </p:cNvPr>
-          <p:cNvSpPr>
-            <a:spLocks noGrp="1"/>
-          </p:cNvSpPr>
-          <p:nvPr>
-            <p:ph type="title"/>
-          </p:nvPr>
-        </p:nvSpPr>
-        <p:spPr>
-          <a:xfrm>
-            <a:off x="2592925" y="624110"/>
-            <a:ext cx="8911687" cy="906516"/>
-          </a:xfrm>
-        </p:spPr>
-        <p:txBody>
-          <a:bodyPr>
-            <a:normAutofit/>
-          </a:bodyPr>
-          <a:lstStyle/>
-          <a:p>
-            <a:r>
-              <a:rPr lang="en-US" dirty="0"/>
-              <a:t>Functions in </a:t>
-            </a:r>
-            <a:r>
-              <a:rPr lang="en-US" dirty="0" err="1"/>
-              <a:t>nearest_neighbor_search</a:t>
-            </a:r>
-            <a:endParaRPr lang="en-US" dirty="0"/>
-          </a:p>
-        </p:txBody>
-      </p:sp>
-      <p:sp>
-        <p:nvSpPr>
-          <p:cNvPr id="3" name="Content Placeholder 2">
-            <a:extLst>
-              <a:ext uri="{FF2B5EF4-FFF2-40B4-BE49-F238E27FC236}">
-                <a16:creationId xmlns:a16="http://schemas.microsoft.com/office/drawing/2014/main" id="{330A7D1B-0225-C74E-BB86-3457D8F93200}"/>
-              </a:ext>
-            </a:extLst>
-          </p:cNvPr>
-          <p:cNvSpPr>
-            <a:spLocks noGrp="1"/>
-          </p:cNvSpPr>
-          <p:nvPr>
-            <p:ph idx="1"/>
-          </p:nvPr>
-        </p:nvSpPr>
-        <p:spPr>
-          <a:xfrm>
-            <a:off x="2589212" y="1530626"/>
-            <a:ext cx="8915400" cy="4850296"/>
-          </a:xfrm>
-        </p:spPr>
-        <p:txBody>
-          <a:bodyPr>
-            <a:normAutofit/>
-          </a:bodyPr>
-          <a:lstStyle/>
-          <a:p>
-            <a:r>
-              <a:rPr lang="en-US" dirty="0" err="1"/>
-              <a:t>euclidean</a:t>
-            </a:r>
-            <a:endParaRPr lang="en-US" dirty="0"/>
-          </a:p>
-          <a:p>
-            <a:pPr lvl="1"/>
-            <a:r>
-              <a:rPr lang="en-US" dirty="0"/>
-              <a:t>Get’s two points and return Euclidean distance between them</a:t>
-            </a:r>
-          </a:p>
-          <a:p>
-            <a:endParaRPr lang="en-US" dirty="0"/>
-          </a:p>
-          <a:p>
-            <a:r>
-              <a:rPr lang="en-US" dirty="0"/>
-              <a:t>Class NNS:</a:t>
-            </a:r>
-          </a:p>
-          <a:p>
-            <a:pPr lvl="1"/>
-            <a:r>
-              <a:rPr lang="en-US" dirty="0"/>
-              <a:t>__</a:t>
-            </a:r>
-            <a:r>
-              <a:rPr lang="en-US" dirty="0" err="1"/>
-              <a:t>init</a:t>
-            </a:r>
-            <a:r>
-              <a:rPr lang="en-US" dirty="0"/>
-              <a:t>__</a:t>
-            </a:r>
-          </a:p>
-          <a:p>
-            <a:pPr lvl="2"/>
-            <a:r>
-              <a:rPr lang="en-US" dirty="0"/>
-              <a:t>Get points and their id and build Vantage Point-tree each node is (point, id)</a:t>
-            </a:r>
-          </a:p>
-          <a:p>
-            <a:pPr lvl="2"/>
-            <a:r>
-              <a:rPr lang="en-US" dirty="0"/>
-              <a:t>Get </a:t>
-            </a:r>
-            <a:r>
-              <a:rPr lang="en-US" dirty="0" err="1"/>
-              <a:t>vptree</a:t>
-            </a:r>
-            <a:r>
-              <a:rPr lang="en-US" dirty="0"/>
-              <a:t> and set as it self </a:t>
-            </a:r>
-            <a:r>
-              <a:rPr lang="en-US" dirty="0" err="1"/>
-              <a:t>vptree</a:t>
-            </a:r>
-            <a:endParaRPr lang="en-US" dirty="0"/>
-          </a:p>
-          <a:p>
-            <a:pPr marL="0" indent="0">
-              <a:buNone/>
-            </a:pPr>
-            <a:endParaRPr lang="en-US" dirty="0"/>
-          </a:p>
-          <a:p>
-            <a:pPr lvl="1"/>
-            <a:r>
-              <a:rPr lang="en-US" dirty="0" err="1"/>
-              <a:t>get_child</a:t>
-            </a:r>
-            <a:endParaRPr lang="en-US" dirty="0"/>
-          </a:p>
-          <a:p>
-            <a:pPr lvl="2"/>
-            <a:r>
-              <a:rPr lang="en-US" dirty="0"/>
-              <a:t>Get a Boolean</a:t>
-            </a:r>
-          </a:p>
-          <a:p>
-            <a:pPr lvl="2"/>
-            <a:r>
-              <a:rPr lang="en-US" dirty="0"/>
-              <a:t>Return NNS object contain left child if bool be true, otherwise return right child </a:t>
-            </a:r>
-          </a:p>
-        </p:txBody>
-      </p:sp>
-    </p:spTree>
-    <p:extLst>
-      <p:ext uri="{BB962C8B-B14F-4D97-AF65-F5344CB8AC3E}">
-        <p14:creationId xmlns:p14="http://schemas.microsoft.com/office/powerpoint/2010/main" val="4061570267"/>
-      </p:ext>
-    </p:extLst>
-  </p:cSld>
-  <p:clrMapOvr>
-    <a:masterClrMapping/>
-  </p:clrMapOvr>
-</p:sld>
-</file>
-
-<file path=ppt/slides/slide19.xml><?xml version="1.0" encoding="utf-8"?>
-<p:sld xmlns:a="http://schemas.openxmlformats.org/drawingml/2006/main" xmlns:r="http://schemas.openxmlformats.org/officeDocument/2006/relationships" xmlns:p="http://schemas.openxmlformats.org/presentationml/2006/main">
-  <p:cSld>
-    <p:spTree>
-      <p:nvGrpSpPr>
-        <p:cNvPr id="1" name=""/>
-        <p:cNvGrpSpPr/>
-        <p:nvPr/>
-      </p:nvGrpSpPr>
-      <p:grpSpPr>
-        <a:xfrm>
-          <a:off x="0" y="0"/>
-          <a:ext cx="0" cy="0"/>
-          <a:chOff x="0" y="0"/>
-          <a:chExt cx="0" cy="0"/>
-        </a:xfrm>
-      </p:grpSpPr>
-      <p:sp>
-        <p:nvSpPr>
-          <p:cNvPr id="2" name="Title 1">
-            <a:extLst>
-              <a:ext uri="{FF2B5EF4-FFF2-40B4-BE49-F238E27FC236}">
-                <a16:creationId xmlns:a16="http://schemas.microsoft.com/office/drawing/2014/main" id="{66244946-847C-CC4B-8F89-51BC7A89FF2F}"/>
-              </a:ext>
-            </a:extLst>
-          </p:cNvPr>
-          <p:cNvSpPr>
-            <a:spLocks noGrp="1"/>
-          </p:cNvSpPr>
-          <p:nvPr>
-            <p:ph type="title"/>
-          </p:nvPr>
-        </p:nvSpPr>
-        <p:spPr>
-          <a:xfrm>
-            <a:off x="2592925" y="624110"/>
-            <a:ext cx="8911687" cy="906516"/>
-          </a:xfrm>
-        </p:spPr>
-        <p:txBody>
-          <a:bodyPr>
-            <a:normAutofit fontScale="90000"/>
-          </a:bodyPr>
-          <a:lstStyle/>
-          <a:p>
-            <a:r>
-              <a:rPr lang="en-US" dirty="0"/>
-              <a:t>Functions in </a:t>
-            </a:r>
-            <a:r>
-              <a:rPr lang="en-US" dirty="0" err="1"/>
-              <a:t>nearest_neighbor_search</a:t>
-            </a:r>
-            <a:r>
-              <a:rPr lang="en-US" dirty="0"/>
-              <a:t>[cont.]</a:t>
-            </a:r>
-          </a:p>
-        </p:txBody>
-      </p:sp>
-      <p:sp>
-        <p:nvSpPr>
-          <p:cNvPr id="3" name="Content Placeholder 2">
-            <a:extLst>
-              <a:ext uri="{FF2B5EF4-FFF2-40B4-BE49-F238E27FC236}">
-                <a16:creationId xmlns:a16="http://schemas.microsoft.com/office/drawing/2014/main" id="{330A7D1B-0225-C74E-BB86-3457D8F93200}"/>
-              </a:ext>
-            </a:extLst>
-          </p:cNvPr>
-          <p:cNvSpPr>
-            <a:spLocks noGrp="1"/>
-          </p:cNvSpPr>
-          <p:nvPr>
-            <p:ph idx="1"/>
-          </p:nvPr>
-        </p:nvSpPr>
-        <p:spPr>
-          <a:xfrm>
-            <a:off x="2589212" y="1530626"/>
-            <a:ext cx="8915400" cy="4850296"/>
-          </a:xfrm>
-        </p:spPr>
-        <p:txBody>
-          <a:bodyPr>
-            <a:normAutofit fontScale="92500" lnSpcReduction="20000"/>
-          </a:bodyPr>
-          <a:lstStyle/>
-          <a:p>
-            <a:pPr lvl="1"/>
-            <a:r>
-              <a:rPr lang="en-US" dirty="0"/>
-              <a:t>search</a:t>
-            </a:r>
-          </a:p>
-          <a:p>
-            <a:pPr lvl="2"/>
-            <a:r>
-              <a:rPr lang="en-US" dirty="0"/>
-              <a:t>Gets r, tau, low</a:t>
-            </a:r>
-          </a:p>
-          <a:p>
-            <a:pPr lvl="2"/>
-            <a:r>
-              <a:rPr lang="en-US" dirty="0"/>
-              <a:t>Return true if we should search in low child</a:t>
-            </a:r>
-          </a:p>
-          <a:p>
-            <a:pPr lvl="1"/>
-            <a:endParaRPr lang="en-US" dirty="0"/>
-          </a:p>
-          <a:p>
-            <a:pPr lvl="1"/>
-            <a:r>
-              <a:rPr lang="en-US" dirty="0"/>
-              <a:t>best</a:t>
-            </a:r>
-          </a:p>
-          <a:p>
-            <a:pPr lvl="2"/>
-            <a:r>
-              <a:rPr lang="en-US" dirty="0"/>
-              <a:t>Gets tau, </a:t>
-            </a:r>
-            <a:r>
-              <a:rPr lang="en-US" dirty="0" err="1"/>
-              <a:t>tau_p</a:t>
-            </a:r>
-            <a:r>
-              <a:rPr lang="en-US" dirty="0"/>
-              <a:t>, id, </a:t>
-            </a:r>
-            <a:r>
-              <a:rPr lang="en-US" dirty="0" err="1"/>
-              <a:t>id_p</a:t>
-            </a:r>
-            <a:endParaRPr lang="en-US" dirty="0"/>
-          </a:p>
-          <a:p>
-            <a:pPr lvl="2"/>
-            <a:r>
-              <a:rPr lang="en-US" dirty="0"/>
-              <a:t>Return tau, id of the closer point</a:t>
-            </a:r>
-          </a:p>
-          <a:p>
-            <a:pPr marL="400050" lvl="1" indent="0">
-              <a:buNone/>
-            </a:pPr>
-            <a:endParaRPr lang="en-US" dirty="0"/>
-          </a:p>
-          <a:p>
-            <a:pPr lvl="1"/>
-            <a:r>
-              <a:rPr lang="en-US" dirty="0"/>
-              <a:t>nearest</a:t>
-            </a:r>
-          </a:p>
-          <a:p>
-            <a:pPr lvl="2"/>
-            <a:r>
-              <a:rPr lang="en-US" dirty="0"/>
-              <a:t>Gets q, tau</a:t>
-            </a:r>
-          </a:p>
-          <a:p>
-            <a:pPr lvl="2"/>
-            <a:r>
-              <a:rPr lang="en-US" dirty="0"/>
-              <a:t>Return tau, id: distance of closest point to q in range tau and it’s id</a:t>
-            </a:r>
-          </a:p>
-          <a:p>
-            <a:pPr lvl="1"/>
-            <a:endParaRPr lang="en-US" dirty="0"/>
-          </a:p>
-          <a:p>
-            <a:pPr lvl="1"/>
-            <a:r>
-              <a:rPr lang="en-US" dirty="0" err="1"/>
-              <a:t>nearest_in_range</a:t>
-            </a:r>
-            <a:endParaRPr lang="en-US" dirty="0"/>
-          </a:p>
-          <a:p>
-            <a:pPr lvl="2"/>
-            <a:r>
-              <a:rPr lang="en-US" dirty="0"/>
-              <a:t>Gets q, </a:t>
-            </a:r>
-            <a:r>
-              <a:rPr lang="en-US" dirty="0" err="1"/>
-              <a:t>max_range</a:t>
-            </a:r>
-            <a:endParaRPr lang="en-US" dirty="0"/>
-          </a:p>
-          <a:p>
-            <a:pPr lvl="2"/>
-            <a:r>
-              <a:rPr lang="en-US" dirty="0"/>
-              <a:t>Call nearest function with query(q, -1), </a:t>
-            </a:r>
-            <a:r>
-              <a:rPr lang="en-US" dirty="0" err="1"/>
-              <a:t>max_range</a:t>
-            </a:r>
-            <a:endParaRPr lang="en-US" dirty="0"/>
-          </a:p>
-          <a:p>
-            <a:pPr lvl="2"/>
-            <a:r>
-              <a:rPr lang="en-US" dirty="0"/>
-              <a:t>Return nearest point in tree to q in range </a:t>
-            </a:r>
-            <a:r>
-              <a:rPr lang="en-US" dirty="0" err="1"/>
-              <a:t>max_range</a:t>
-            </a:r>
-            <a:r>
-              <a:rPr lang="en-US" dirty="0"/>
-              <a:t> if be non return -1</a:t>
-            </a:r>
-          </a:p>
-          <a:p>
-            <a:pPr marL="400050" lvl="1" indent="0">
-              <a:buNone/>
-            </a:pPr>
-            <a:endParaRPr lang="en-US" dirty="0"/>
-          </a:p>
-        </p:txBody>
-      </p:sp>
-    </p:spTree>
-    <p:extLst>
-      <p:ext uri="{BB962C8B-B14F-4D97-AF65-F5344CB8AC3E}">
-        <p14:creationId xmlns:p14="http://schemas.microsoft.com/office/powerpoint/2010/main" val="858037231"/>
-      </p:ext>
-    </p:extLst>
-  </p:cSld>
-  <p:clrMapOvr>
-    <a:masterClrMapping/>
-  </p:clrMapOvr>
-</p:sld>
-</file>
-
-<file path=ppt/slides/slide2.xml><?xml version="1.0" encoding="utf-8"?>
-<p:sld xmlns:a="http://schemas.openxmlformats.org/drawingml/2006/main" xmlns:r="http://schemas.openxmlformats.org/officeDocument/2006/relationships" xmlns:p="http://schemas.openxmlformats.org/presentationml/2006/main">
-  <p:cSld>
-    <p:spTree>
-      <p:nvGrpSpPr>
-        <p:cNvPr id="1" name=""/>
-        <p:cNvGrpSpPr/>
-        <p:nvPr/>
-      </p:nvGrpSpPr>
-      <p:grpSpPr>
-        <a:xfrm>
-          <a:off x="0" y="0"/>
-          <a:ext cx="0" cy="0"/>
-          <a:chOff x="0" y="0"/>
-          <a:chExt cx="0" cy="0"/>
-        </a:xfrm>
-      </p:grpSpPr>
-      <p:sp>
-        <p:nvSpPr>
-          <p:cNvPr id="2" name="Title 1">
-            <a:extLst>
-              <a:ext uri="{FF2B5EF4-FFF2-40B4-BE49-F238E27FC236}">
-                <a16:creationId xmlns:a16="http://schemas.microsoft.com/office/drawing/2014/main" id="{66244946-847C-CC4B-8F89-51BC7A89FF2F}"/>
-              </a:ext>
-            </a:extLst>
-          </p:cNvPr>
-          <p:cNvSpPr>
-            <a:spLocks noGrp="1"/>
-          </p:cNvSpPr>
-          <p:nvPr>
-            <p:ph type="title"/>
-          </p:nvPr>
-        </p:nvSpPr>
-        <p:spPr>
-          <a:xfrm>
-            <a:off x="2592925" y="624110"/>
-            <a:ext cx="8911687" cy="906516"/>
-          </a:xfrm>
-        </p:spPr>
-        <p:txBody>
-          <a:bodyPr>
-            <a:normAutofit/>
-          </a:bodyPr>
-          <a:lstStyle/>
-          <a:p>
-            <a:r>
-              <a:rPr lang="en-US" dirty="0"/>
-              <a:t>Abstract</a:t>
-            </a:r>
-          </a:p>
-        </p:txBody>
-      </p:sp>
-      <p:sp>
-        <p:nvSpPr>
-          <p:cNvPr id="3" name="Content Placeholder 2">
-            <a:extLst>
-              <a:ext uri="{FF2B5EF4-FFF2-40B4-BE49-F238E27FC236}">
-                <a16:creationId xmlns:a16="http://schemas.microsoft.com/office/drawing/2014/main" id="{330A7D1B-0225-C74E-BB86-3457D8F93200}"/>
-              </a:ext>
-            </a:extLst>
-          </p:cNvPr>
-          <p:cNvSpPr>
-            <a:spLocks noGrp="1"/>
-          </p:cNvSpPr>
-          <p:nvPr>
-            <p:ph idx="1"/>
-          </p:nvPr>
-        </p:nvSpPr>
-        <p:spPr>
-          <a:xfrm>
-            <a:off x="2589212" y="1530626"/>
-            <a:ext cx="8915400" cy="4850296"/>
-          </a:xfrm>
-        </p:spPr>
-        <p:txBody>
-          <a:bodyPr/>
-          <a:lstStyle/>
-          <a:p>
-            <a:r>
-              <a:rPr lang="en-US" dirty="0"/>
-              <a:t>Selecting the initial seeds of K-means</a:t>
-            </a:r>
-          </a:p>
-          <a:p>
-            <a:pPr marL="0" indent="0">
-              <a:buNone/>
-            </a:pPr>
-            <a:endParaRPr lang="en-US" dirty="0"/>
-          </a:p>
-          <a:p>
-            <a:r>
-              <a:rPr lang="en-US" dirty="0"/>
-              <a:t>Considering the limited opportunities within seed selection to perform pruning</a:t>
-            </a:r>
-          </a:p>
-          <a:p>
-            <a:pPr lvl="1"/>
-            <a:r>
-              <a:rPr lang="en-US" dirty="0"/>
-              <a:t>Triangle inequality pruning strategies</a:t>
-            </a:r>
-          </a:p>
-          <a:p>
-            <a:pPr lvl="1"/>
-            <a:r>
-              <a:rPr lang="en-US" dirty="0"/>
-              <a:t>Dynamic priority queue</a:t>
-            </a:r>
-          </a:p>
-          <a:p>
-            <a:pPr lvl="1"/>
-            <a:endParaRPr lang="en-US" dirty="0"/>
-          </a:p>
-        </p:txBody>
-      </p:sp>
-    </p:spTree>
-    <p:extLst>
-      <p:ext uri="{BB962C8B-B14F-4D97-AF65-F5344CB8AC3E}">
-        <p14:creationId xmlns:p14="http://schemas.microsoft.com/office/powerpoint/2010/main" val="1123231413"/>
-      </p:ext>
-    </p:extLst>
-  </p:cSld>
-  <p:clrMapOvr>
-    <a:masterClrMapping/>
-  </p:clrMapOvr>
-</p:sld>
-</file>
-
-<file path=ppt/slides/slide20.xml><?xml version="1.0" encoding="utf-8"?>
-<p:sld xmlns:a="http://schemas.openxmlformats.org/drawingml/2006/main" xmlns:r="http://schemas.openxmlformats.org/officeDocument/2006/relationships" xmlns:p="http://schemas.openxmlformats.org/presentationml/2006/main">
-  <p:cSld>
-    <p:spTree>
-      <p:nvGrpSpPr>
-        <p:cNvPr id="1" name=""/>
-        <p:cNvGrpSpPr/>
-        <p:nvPr/>
-      </p:nvGrpSpPr>
-      <p:grpSpPr>
-        <a:xfrm>
-          <a:off x="0" y="0"/>
-          <a:ext cx="0" cy="0"/>
-          <a:chOff x="0" y="0"/>
-          <a:chExt cx="0" cy="0"/>
-        </a:xfrm>
-      </p:grpSpPr>
-      <p:sp>
-        <p:nvSpPr>
-          <p:cNvPr id="2" name="Title 1">
-            <a:extLst>
-              <a:ext uri="{FF2B5EF4-FFF2-40B4-BE49-F238E27FC236}">
-                <a16:creationId xmlns:a16="http://schemas.microsoft.com/office/drawing/2014/main" id="{66244946-847C-CC4B-8F89-51BC7A89FF2F}"/>
-              </a:ext>
-            </a:extLst>
-          </p:cNvPr>
-          <p:cNvSpPr>
-            <a:spLocks noGrp="1"/>
-          </p:cNvSpPr>
-          <p:nvPr>
-            <p:ph type="title"/>
-          </p:nvPr>
-        </p:nvSpPr>
-        <p:spPr>
-          <a:xfrm>
-            <a:off x="2592925" y="624110"/>
-            <a:ext cx="8911687" cy="906516"/>
-          </a:xfrm>
-        </p:spPr>
-        <p:txBody>
-          <a:bodyPr>
-            <a:normAutofit/>
-          </a:bodyPr>
-          <a:lstStyle/>
-          <a:p>
-            <a:r>
-              <a:rPr lang="en-US" dirty="0"/>
-              <a:t>Functions in </a:t>
-            </a:r>
-            <a:r>
-              <a:rPr lang="en-US" dirty="0" err="1"/>
-              <a:t>kpp</a:t>
-            </a:r>
-            <a:endParaRPr lang="en-US" dirty="0"/>
-          </a:p>
-        </p:txBody>
-      </p:sp>
-      <p:sp>
-        <p:nvSpPr>
-          <p:cNvPr id="3" name="Content Placeholder 2">
-            <a:extLst>
-              <a:ext uri="{FF2B5EF4-FFF2-40B4-BE49-F238E27FC236}">
-                <a16:creationId xmlns:a16="http://schemas.microsoft.com/office/drawing/2014/main" id="{330A7D1B-0225-C74E-BB86-3457D8F93200}"/>
-              </a:ext>
-            </a:extLst>
-          </p:cNvPr>
-          <p:cNvSpPr>
-            <a:spLocks noGrp="1"/>
-          </p:cNvSpPr>
-          <p:nvPr>
-            <p:ph idx="1"/>
-          </p:nvPr>
-        </p:nvSpPr>
-        <p:spPr>
-          <a:xfrm>
-            <a:off x="2589212" y="1530626"/>
-            <a:ext cx="8915400" cy="4850296"/>
-          </a:xfrm>
-        </p:spPr>
-        <p:txBody>
-          <a:bodyPr>
-            <a:normAutofit/>
-          </a:bodyPr>
-          <a:lstStyle/>
-          <a:p>
-            <a:r>
-              <a:rPr lang="en-US" dirty="0"/>
-              <a:t>[function]</a:t>
-            </a:r>
-          </a:p>
-          <a:p>
-            <a:pPr lvl="1"/>
-            <a:r>
-              <a:rPr lang="en-US" dirty="0"/>
-              <a:t>[detail]</a:t>
-            </a:r>
-          </a:p>
-          <a:p>
-            <a:pPr lvl="3"/>
-            <a:endParaRPr lang="en-US" dirty="0"/>
-          </a:p>
-        </p:txBody>
-      </p:sp>
-    </p:spTree>
-    <p:extLst>
-      <p:ext uri="{BB962C8B-B14F-4D97-AF65-F5344CB8AC3E}">
-        <p14:creationId xmlns:p14="http://schemas.microsoft.com/office/powerpoint/2010/main" val="3729014682"/>
-      </p:ext>
-    </p:extLst>
-  </p:cSld>
-  <p:clrMapOvr>
-    <a:masterClrMapping/>
-  </p:clrMapOvr>
-</p:sld>
-</file>
-
-<file path=ppt/slides/slide21.xml><?xml version="1.0" encoding="utf-8"?>
-<p:sld xmlns:a="http://schemas.openxmlformats.org/drawingml/2006/main" xmlns:r="http://schemas.openxmlformats.org/officeDocument/2006/relationships" xmlns:p="http://schemas.openxmlformats.org/presentationml/2006/main">
-  <p:cSld>
-    <p:spTree>
-      <p:nvGrpSpPr>
-        <p:cNvPr id="1" name=""/>
-        <p:cNvGrpSpPr/>
-        <p:nvPr/>
-      </p:nvGrpSpPr>
-      <p:grpSpPr>
-        <a:xfrm>
-          <a:off x="0" y="0"/>
-          <a:ext cx="0" cy="0"/>
-          <a:chOff x="0" y="0"/>
-          <a:chExt cx="0" cy="0"/>
-        </a:xfrm>
-      </p:grpSpPr>
-      <p:sp>
-        <p:nvSpPr>
-          <p:cNvPr id="2" name="Title 1">
-            <a:extLst>
-              <a:ext uri="{FF2B5EF4-FFF2-40B4-BE49-F238E27FC236}">
-                <a16:creationId xmlns:a16="http://schemas.microsoft.com/office/drawing/2014/main" id="{66244946-847C-CC4B-8F89-51BC7A89FF2F}"/>
-              </a:ext>
-            </a:extLst>
-          </p:cNvPr>
-          <p:cNvSpPr>
-            <a:spLocks noGrp="1"/>
-          </p:cNvSpPr>
-          <p:nvPr>
-            <p:ph type="title"/>
-          </p:nvPr>
-        </p:nvSpPr>
-        <p:spPr>
-          <a:xfrm>
-            <a:off x="2592925" y="624110"/>
-            <a:ext cx="8911687" cy="906516"/>
-          </a:xfrm>
-        </p:spPr>
-        <p:txBody>
-          <a:bodyPr>
-            <a:normAutofit/>
-          </a:bodyPr>
-          <a:lstStyle/>
-          <a:p>
-            <a:r>
-              <a:rPr lang="en-US" dirty="0"/>
-              <a:t>Functions in </a:t>
-            </a:r>
-            <a:r>
-              <a:rPr lang="en-US" dirty="0" err="1"/>
-              <a:t>akpp</a:t>
-            </a:r>
-            <a:endParaRPr lang="en-US" dirty="0"/>
-          </a:p>
-        </p:txBody>
-      </p:sp>
-      <p:sp>
-        <p:nvSpPr>
-          <p:cNvPr id="3" name="Content Placeholder 2">
-            <a:extLst>
-              <a:ext uri="{FF2B5EF4-FFF2-40B4-BE49-F238E27FC236}">
-                <a16:creationId xmlns:a16="http://schemas.microsoft.com/office/drawing/2014/main" id="{330A7D1B-0225-C74E-BB86-3457D8F93200}"/>
-              </a:ext>
-            </a:extLst>
-          </p:cNvPr>
-          <p:cNvSpPr>
-            <a:spLocks noGrp="1"/>
-          </p:cNvSpPr>
-          <p:nvPr>
-            <p:ph idx="1"/>
-          </p:nvPr>
-        </p:nvSpPr>
-        <p:spPr>
-          <a:xfrm>
-            <a:off x="2589212" y="1530626"/>
-            <a:ext cx="8915400" cy="4850296"/>
-          </a:xfrm>
-        </p:spPr>
-        <p:txBody>
-          <a:bodyPr>
-            <a:normAutofit/>
-          </a:bodyPr>
-          <a:lstStyle/>
-          <a:p>
-            <a:r>
-              <a:rPr lang="en-US" dirty="0"/>
-              <a:t>Class AKPP</a:t>
-            </a:r>
-          </a:p>
-          <a:p>
-            <a:pPr lvl="1"/>
-            <a:r>
-              <a:rPr lang="en-US" dirty="0"/>
-              <a:t>__</a:t>
-            </a:r>
-            <a:r>
-              <a:rPr lang="en-US" dirty="0" err="1"/>
-              <a:t>init</a:t>
-            </a:r>
-            <a:r>
-              <a:rPr lang="en-US" dirty="0"/>
-              <a:t>__</a:t>
-            </a:r>
-          </a:p>
-          <a:p>
-            <a:pPr lvl="2"/>
-            <a:r>
-              <a:rPr lang="en-US" dirty="0"/>
-              <a:t>Gets object Dataset and store in </a:t>
-            </a:r>
-            <a:r>
-              <a:rPr lang="en-US" dirty="0" err="1"/>
-              <a:t>self.X</a:t>
-            </a:r>
-            <a:r>
-              <a:rPr lang="en-US" dirty="0"/>
-              <a:t> and set other </a:t>
-            </a:r>
-            <a:r>
-              <a:rPr lang="en-US" dirty="0" err="1"/>
-              <a:t>infotmation</a:t>
-            </a:r>
-            <a:endParaRPr lang="en-US" dirty="0"/>
-          </a:p>
-          <a:p>
-            <a:pPr marL="400050" lvl="1" indent="0">
-              <a:buNone/>
-            </a:pPr>
-            <a:endParaRPr lang="en-US" dirty="0"/>
-          </a:p>
-          <a:p>
-            <a:pPr lvl="1"/>
-            <a:r>
-              <a:rPr lang="en-US" dirty="0"/>
-              <a:t>fit</a:t>
-            </a:r>
-          </a:p>
-          <a:p>
-            <a:pPr lvl="2"/>
-            <a:r>
-              <a:rPr lang="en-US" dirty="0"/>
-              <a:t>Gets</a:t>
-            </a:r>
-          </a:p>
-          <a:p>
-            <a:pPr lvl="3"/>
-            <a:r>
-              <a:rPr lang="en-US" dirty="0"/>
-              <a:t>K (int): number of </a:t>
-            </a:r>
-            <a:r>
-              <a:rPr lang="en-US" dirty="0" err="1"/>
-              <a:t>cluseter</a:t>
-            </a:r>
-            <a:endParaRPr lang="en-US" dirty="0"/>
-          </a:p>
-          <a:p>
-            <a:pPr lvl="3"/>
-            <a:r>
-              <a:rPr lang="en-US" dirty="0"/>
-              <a:t>w (</a:t>
-            </a:r>
-            <a:r>
-              <a:rPr lang="en-US" dirty="0" err="1"/>
-              <a:t>ndarray</a:t>
-            </a:r>
-            <a:r>
-              <a:rPr lang="en-US" dirty="0"/>
-              <a:t>): nx1 </a:t>
-            </a:r>
-            <a:r>
-              <a:rPr lang="en-US" dirty="0" err="1"/>
-              <a:t>ndarray</a:t>
-            </a:r>
-            <a:r>
-              <a:rPr lang="en-US" dirty="0"/>
-              <a:t> for weights of n sample (default 1)</a:t>
-            </a:r>
-          </a:p>
-          <a:p>
-            <a:pPr lvl="2"/>
-            <a:r>
-              <a:rPr lang="en-US" dirty="0"/>
-              <a:t>Run accelerated K-Means++ method to find initial seeds for K-means</a:t>
-            </a:r>
-          </a:p>
-          <a:p>
-            <a:pPr lvl="2"/>
-            <a:r>
-              <a:rPr lang="en-US" dirty="0"/>
-              <a:t>Returns initial K seed(s)</a:t>
-            </a:r>
-          </a:p>
-          <a:p>
-            <a:pPr marL="400050" lvl="1" indent="0">
-              <a:buNone/>
-            </a:pPr>
-            <a:endParaRPr lang="en-US" dirty="0"/>
-          </a:p>
-        </p:txBody>
-      </p:sp>
-    </p:spTree>
-    <p:extLst>
-      <p:ext uri="{BB962C8B-B14F-4D97-AF65-F5344CB8AC3E}">
-        <p14:creationId xmlns:p14="http://schemas.microsoft.com/office/powerpoint/2010/main" val="2145808507"/>
-      </p:ext>
-    </p:extLst>
-  </p:cSld>
-  <p:clrMapOvr>
-    <a:masterClrMapping/>
-  </p:clrMapOvr>
-</p:sld>
-</file>
-
 <file path=ppt/slides/slide22.xml><?xml version="1.0" encoding="utf-8"?>
 <p:sld xmlns:a="http://schemas.openxmlformats.org/drawingml/2006/main" xmlns:r="http://schemas.openxmlformats.org/officeDocument/2006/relationships" xmlns:p="http://schemas.openxmlformats.org/presentationml/2006/main">
   <p:cSld>
@@ -9886,13 +9859,8 @@
           <a:p>
             <a:r>
               <a:rPr lang="en-US" dirty="0"/>
-              <a:t>Functions in </a:t>
-            </a:r>
-            <a:r>
-              <a:rPr lang="en-US" dirty="0" err="1"/>
-              <a:t>kll</a:t>
-            </a:r>
-            <a:endParaRPr lang="en-US" dirty="0"/>
+              <a:t>Functions in tools</a:t>
+            </a:r>
           </a:p>
         </p:txBody>
       </p:sp>
@@ -9926,18 +9894,100 @@
           <a:p>
             <a:r>
               <a:rPr lang="en-US" dirty="0"/>
-              <a:t>[function]</a:t>
-            </a:r>
+              <a:t>distance</a:t>
+            </a:r>
+            <a:endParaRPr lang="en-US" dirty="0">
+              <a:solidFill>
+                <a:srgbClr val="97A7C8"/>
+              </a:solidFill>
+              <a:latin typeface="Consolas" panose="020B0609020204030204" pitchFamily="49" charset="0"/>
+            </a:endParaRPr>
           </a:p>
           <a:p>
             <a:pPr lvl="1"/>
             <a:r>
               <a:rPr lang="en-US" dirty="0"/>
-              <a:t>[detail]</a:t>
-            </a:r>
-          </a:p>
-          <a:p>
-            <a:pPr lvl="3"/>
+              <a:t>Using SciPy to find Euclidean distance of each pair (x, y) </a:t>
+            </a:r>
+          </a:p>
+          <a:p>
+            <a:pPr marL="457200" lvl="1" indent="0">
+              <a:buNone/>
+            </a:pPr>
+            <a:endParaRPr lang="en-US" dirty="0"/>
+          </a:p>
+          <a:p>
+            <a:r>
+              <a:rPr lang="en-US" dirty="0" err="1"/>
+              <a:t>new_seed</a:t>
+            </a:r>
+            <a:endParaRPr lang="en-US" dirty="0"/>
+          </a:p>
+          <a:p>
+            <a:pPr lvl="1"/>
+            <a:r>
+              <a:rPr lang="en-US" dirty="0"/>
+              <a:t>Select L new seed(s) with our probability from X</a:t>
+            </a:r>
+          </a:p>
+          <a:p>
+            <a:pPr lvl="1"/>
+            <a:endParaRPr lang="en-US" dirty="0"/>
+          </a:p>
+          <a:p>
+            <a:r>
+              <a:rPr lang="en-US" dirty="0" err="1"/>
+              <a:t>tlogger</a:t>
+            </a:r>
+            <a:endParaRPr lang="en-US" dirty="0"/>
+          </a:p>
+          <a:p>
+            <a:pPr lvl="1"/>
+            <a:r>
+              <a:rPr lang="en-US" dirty="0"/>
+              <a:t>Decorator for Store total </a:t>
+            </a:r>
+            <a:r>
+              <a:rPr lang="en-US" dirty="0" err="1"/>
+              <a:t>computated</a:t>
+            </a:r>
+            <a:r>
+              <a:rPr lang="en-US" dirty="0"/>
+              <a:t> distance</a:t>
+            </a:r>
+          </a:p>
+          <a:p>
+            <a:endParaRPr lang="en-US" dirty="0"/>
+          </a:p>
+          <a:p>
+            <a:r>
+              <a:rPr lang="en-US" dirty="0" err="1"/>
+              <a:t>execution_time</a:t>
+            </a:r>
+            <a:endParaRPr lang="en-US" dirty="0"/>
+          </a:p>
+          <a:p>
+            <a:pPr lvl="1"/>
+            <a:r>
+              <a:rPr lang="en-US" dirty="0"/>
+              <a:t>Decorator for compute runtime of function</a:t>
+            </a:r>
+          </a:p>
+          <a:p>
+            <a:endParaRPr lang="en-US" dirty="0"/>
+          </a:p>
+          <a:p>
+            <a:pPr lvl="1"/>
+            <a:endParaRPr lang="en-US" dirty="0"/>
+          </a:p>
+          <a:p>
+            <a:pPr lvl="1"/>
+            <a:endParaRPr lang="en-US" dirty="0"/>
+          </a:p>
+          <a:p>
+            <a:pPr marL="457200" lvl="1" indent="0">
+              <a:buNone/>
+            </a:pPr>
             <a:endParaRPr lang="en-US" dirty="0"/>
           </a:p>
         </p:txBody>
@@ -9945,7 +9995,7 @@
     </p:spTree>
     <p:extLst>
       <p:ext uri="{BB962C8B-B14F-4D97-AF65-F5344CB8AC3E}">
-        <p14:creationId xmlns:p14="http://schemas.microsoft.com/office/powerpoint/2010/main" val="3409387664"/>
+        <p14:creationId xmlns:p14="http://schemas.microsoft.com/office/powerpoint/2010/main" val="1035798873"/>
       </p:ext>
     </p:extLst>
   </p:cSld>
@@ -10002,13 +10052,8 @@
           <a:p>
             <a:r>
               <a:rPr lang="en-US" dirty="0"/>
-              <a:t>Functions in </a:t>
-            </a:r>
-            <a:r>
-              <a:rPr lang="en-US" dirty="0" err="1"/>
-              <a:t>akll</a:t>
-            </a:r>
-            <a:endParaRPr lang="en-US" dirty="0"/>
+              <a:t>Functions in dataset</a:t>
+            </a:r>
           </a:p>
         </p:txBody>
       </p:sp>
@@ -10042,13 +10087,6 @@
           <a:p>
             <a:r>
               <a:rPr lang="en-US" dirty="0"/>
-              <a:t>Class AKLL:</a:t>
-            </a:r>
-          </a:p>
-          <a:p>
-            <a:pPr lvl="1"/>
-            <a:r>
-              <a:rPr lang="en-US" dirty="0"/>
               <a:t>__</a:t>
             </a:r>
             <a:r>
@@ -10061,76 +10099,10 @@
             </a:r>
           </a:p>
           <a:p>
-            <a:pPr lvl="2"/>
-            <a:r>
-              <a:rPr lang="en-US" dirty="0"/>
-              <a:t>Gets object Dataset and store in </a:t>
-            </a:r>
-            <a:r>
-              <a:rPr lang="en-US" dirty="0" err="1"/>
-              <a:t>self.X</a:t>
-            </a:r>
-            <a:r>
-              <a:rPr lang="en-US" dirty="0"/>
-              <a:t> and set other </a:t>
-            </a:r>
-            <a:r>
-              <a:rPr lang="en-US" dirty="0" err="1"/>
-              <a:t>infotmation</a:t>
-            </a:r>
-            <a:endParaRPr lang="en-US" dirty="0"/>
-          </a:p>
-          <a:p>
-            <a:pPr marL="400050" lvl="1" indent="0">
-              <a:buNone/>
-            </a:pPr>
-            <a:endParaRPr lang="en-US" dirty="0"/>
-          </a:p>
-          <a:p>
             <a:pPr lvl="1"/>
             <a:r>
               <a:rPr lang="en-US" dirty="0"/>
-              <a:t>fit</a:t>
-            </a:r>
-          </a:p>
-          <a:p>
-            <a:pPr lvl="2"/>
-            <a:r>
-              <a:rPr lang="en-US" dirty="0"/>
-              <a:t>Gets</a:t>
-            </a:r>
-          </a:p>
-          <a:p>
-            <a:pPr lvl="3"/>
-            <a:r>
-              <a:rPr lang="en-US" dirty="0"/>
-              <a:t>K (int): number of </a:t>
-            </a:r>
-            <a:r>
-              <a:rPr lang="en-US" dirty="0" err="1"/>
-              <a:t>cluseter</a:t>
-            </a:r>
-            <a:endParaRPr lang="en-US" dirty="0"/>
-          </a:p>
-          <a:p>
-            <a:pPr lvl="3"/>
-            <a:r>
-              <a:rPr lang="en-US" dirty="0"/>
-              <a:t>R (int): number of round(s) (default = 5)</a:t>
-            </a:r>
-          </a:p>
-          <a:p>
-            <a:pPr lvl="3"/>
-            <a:r>
-              <a:rPr lang="en-US" dirty="0"/>
-              <a:t>L (int): size of oversampling (default = 2xK)</a:t>
-            </a:r>
-          </a:p>
-          <a:p>
-            <a:pPr lvl="3"/>
-            <a:r>
-              <a:rPr lang="en-US" dirty="0"/>
-              <a:t>w (</a:t>
+              <a:t>Get file path or </a:t>
             </a:r>
             <a:r>
               <a:rPr lang="en-US" dirty="0" err="1"/>
@@ -10138,7 +10110,25 @@
             </a:r>
             <a:r>
               <a:rPr lang="en-US" dirty="0"/>
-              <a:t>): nx1 </a:t>
+              <a:t> and initialize all the needed variables</a:t>
+            </a:r>
+          </a:p>
+          <a:p>
+            <a:pPr lvl="1"/>
+            <a:endParaRPr lang="en-US" dirty="0"/>
+          </a:p>
+          <a:p>
+            <a:r>
+              <a:rPr lang="en-US" dirty="0" err="1"/>
+              <a:t>read_dataset</a:t>
+            </a:r>
+            <a:endParaRPr lang="en-US" dirty="0"/>
+          </a:p>
+          <a:p>
+            <a:pPr lvl="1"/>
+            <a:r>
+              <a:rPr lang="en-US" dirty="0"/>
+              <a:t>With this function you can read dataset with file path or as </a:t>
             </a:r>
             <a:r>
               <a:rPr lang="en-US" dirty="0" err="1"/>
@@ -10146,27 +10136,11 @@
             </a:r>
             <a:r>
               <a:rPr lang="en-US" dirty="0"/>
-              <a:t> for weights of n sample (default 1)</a:t>
-            </a:r>
-          </a:p>
-          <a:p>
-            <a:pPr lvl="2"/>
-            <a:r>
-              <a:rPr lang="en-US" dirty="0"/>
-              <a:t>Run accelerated K-Mean|| method to find initial seeds for K-means</a:t>
-            </a:r>
-          </a:p>
-          <a:p>
-            <a:pPr lvl="2"/>
-            <a:r>
-              <a:rPr lang="en-US" dirty="0"/>
-              <a:t>Returns initial K seed(s)</a:t>
-            </a:r>
-          </a:p>
-          <a:p>
-            <a:pPr marL="400050" lvl="1" indent="0">
-              <a:buNone/>
-            </a:pPr>
+              <a:t> </a:t>
+            </a:r>
+          </a:p>
+          <a:p>
+            <a:pPr lvl="1"/>
             <a:endParaRPr lang="en-US" dirty="0"/>
           </a:p>
         </p:txBody>
@@ -10174,7 +10148,7 @@
     </p:spTree>
     <p:extLst>
       <p:ext uri="{BB962C8B-B14F-4D97-AF65-F5344CB8AC3E}">
-        <p14:creationId xmlns:p14="http://schemas.microsoft.com/office/powerpoint/2010/main" val="822549670"/>
+        <p14:creationId xmlns:p14="http://schemas.microsoft.com/office/powerpoint/2010/main" val="2064208089"/>
       </p:ext>
     </p:extLst>
   </p:cSld>
@@ -10231,19 +10205,11 @@
           <a:p>
             <a:r>
               <a:rPr lang="en-US" dirty="0"/>
-              <a:t>Functions in result-</a:t>
+              <a:t>Functions in </a:t>
             </a:r>
             <a:r>
               <a:rPr lang="en-US" dirty="0" err="1"/>
-              <a:t>kmeans</a:t>
-            </a:r>
-            <a:r>
-              <a:rPr lang="en-US" dirty="0"/>
-              <a:t>-</a:t>
-            </a:r>
-            <a:r>
-              <a:rPr lang="en-US" dirty="0" err="1"/>
-              <a:t>plusplus</a:t>
+              <a:t>binary_heap</a:t>
             </a:r>
             <a:endParaRPr lang="en-US" dirty="0"/>
           </a:p>
@@ -10273,21 +10239,125 @@
         </p:spPr>
         <p:txBody>
           <a:bodyPr>
-            <a:normAutofit/>
+            <a:normAutofit lnSpcReduction="10000"/>
           </a:bodyPr>
           <a:lstStyle/>
           <a:p>
             <a:r>
               <a:rPr lang="en-US" dirty="0"/>
-              <a:t>In this module we load phishing dataset and run both K-means++ and accelerated K-means ++ and compare them with total distance computed by each of them for different K in range [32, 2048] and get plot with we show the ratio of total distance computed in K-means++ divided by total distance computed in accelerated K-means++ (plot axis are in log2 scale)</a:t>
-            </a:r>
+              <a:t>Class </a:t>
+            </a:r>
+            <a:r>
+              <a:rPr lang="en-US" dirty="0" err="1"/>
+              <a:t>BinaryHeap</a:t>
+            </a:r>
+            <a:r>
+              <a:rPr lang="en-US" dirty="0"/>
+              <a:t>:</a:t>
+            </a:r>
+          </a:p>
+          <a:p>
+            <a:pPr lvl="1"/>
+            <a:r>
+              <a:rPr lang="en-US" dirty="0"/>
+              <a:t>__</a:t>
+            </a:r>
+            <a:r>
+              <a:rPr lang="en-US" dirty="0" err="1"/>
+              <a:t>init</a:t>
+            </a:r>
+            <a:r>
+              <a:rPr lang="en-US" dirty="0"/>
+              <a:t>__</a:t>
+            </a:r>
+          </a:p>
+          <a:p>
+            <a:pPr lvl="2"/>
+            <a:r>
+              <a:rPr lang="en-US" dirty="0"/>
+              <a:t>Get points and create binary heap tree each node is (point, id)</a:t>
+            </a:r>
+          </a:p>
+          <a:p>
+            <a:pPr lvl="1"/>
+            <a:endParaRPr lang="en-US" dirty="0"/>
+          </a:p>
+          <a:p>
+            <a:pPr lvl="1"/>
+            <a:r>
+              <a:rPr lang="en-US" dirty="0"/>
+              <a:t>push</a:t>
+            </a:r>
+          </a:p>
+          <a:p>
+            <a:pPr lvl="2"/>
+            <a:r>
+              <a:rPr lang="en-US" dirty="0"/>
+              <a:t>Get new point and it’s id and add to the tree in O(log n)</a:t>
+            </a:r>
+          </a:p>
+          <a:p>
+            <a:pPr lvl="1"/>
+            <a:endParaRPr lang="en-US" dirty="0"/>
+          </a:p>
+          <a:p>
+            <a:pPr lvl="1"/>
+            <a:r>
+              <a:rPr lang="en-US" dirty="0"/>
+              <a:t>pop</a:t>
+            </a:r>
+          </a:p>
+          <a:p>
+            <a:pPr lvl="2"/>
+            <a:r>
+              <a:rPr lang="en-US" dirty="0"/>
+              <a:t>Pop the node with minimum value(root) from tree and remove the node O(log n)</a:t>
+            </a:r>
+          </a:p>
+          <a:p>
+            <a:pPr lvl="2"/>
+            <a:r>
+              <a:rPr lang="en-US" dirty="0"/>
+              <a:t>Return minimum value in tree</a:t>
+            </a:r>
+          </a:p>
+          <a:p>
+            <a:pPr marL="400050" lvl="1" indent="0">
+              <a:buNone/>
+            </a:pPr>
+            <a:endParaRPr lang="en-US" dirty="0"/>
+          </a:p>
+          <a:p>
+            <a:pPr lvl="1"/>
+            <a:r>
+              <a:rPr lang="en-US" dirty="0"/>
+              <a:t>peek</a:t>
+            </a:r>
+          </a:p>
+          <a:p>
+            <a:pPr lvl="2"/>
+            <a:r>
+              <a:rPr lang="en-US" dirty="0"/>
+              <a:t>Peek the node with minimum value(root) from tree but node still is in tree O(1)</a:t>
+            </a:r>
+          </a:p>
+          <a:p>
+            <a:pPr lvl="2"/>
+            <a:r>
+              <a:rPr lang="en-US" dirty="0"/>
+              <a:t>Return minimum value in tree</a:t>
+            </a:r>
+          </a:p>
+          <a:p>
+            <a:pPr lvl="3"/>
+            <a:endParaRPr lang="en-US" dirty="0"/>
           </a:p>
         </p:txBody>
       </p:sp>
     </p:spTree>
     <p:extLst>
       <p:ext uri="{BB962C8B-B14F-4D97-AF65-F5344CB8AC3E}">
-        <p14:creationId xmlns:p14="http://schemas.microsoft.com/office/powerpoint/2010/main" val="2172215995"/>
+        <p14:creationId xmlns:p14="http://schemas.microsoft.com/office/powerpoint/2010/main" val="350040357"/>
       </p:ext>
     </p:extLst>
   </p:cSld>
@@ -10344,16 +10414,13 @@
           <a:p>
             <a:r>
               <a:rPr lang="en-US" dirty="0"/>
-              <a:t>Functions in result-</a:t>
+              <a:t>Functions in </a:t>
             </a:r>
             <a:r>
               <a:rPr lang="en-US" dirty="0" err="1"/>
-              <a:t>kmeans</a:t>
-            </a:r>
-            <a:r>
-              <a:rPr lang="en-US" dirty="0"/>
-              <a:t>-parallel</a:t>
-            </a:r>
+              <a:t>nearest_neighbor_search</a:t>
+            </a:r>
+            <a:endParaRPr lang="en-US" dirty="0"/>
           </a:p>
         </p:txBody>
       </p:sp>
@@ -10386,16 +10453,1011 @@
           <a:lstStyle/>
           <a:p>
             <a:r>
-              <a:rPr lang="en-US" dirty="0"/>
-              <a:t>In this module we load phishing dataset and run both K-means|| and accelerated K-means||and compare them with runtime of each one for different K in range [32, 2048] and get plot two plot that in first one we plot the runtime of two algorithm and in second one with we show the ratio of runtime of K-means|| divided by runtime of accelerated K-means || (Both plots axis are in log2 scale)</a:t>
-            </a:r>
+              <a:rPr lang="en-US" dirty="0" err="1"/>
+              <a:t>euclidean</a:t>
+            </a:r>
+            <a:endParaRPr lang="en-US" dirty="0"/>
+          </a:p>
+          <a:p>
+            <a:pPr lvl="1"/>
+            <a:r>
+              <a:rPr lang="en-US" dirty="0"/>
+              <a:t>Get’s two points and return Euclidean distance between them</a:t>
+            </a:r>
+          </a:p>
+          <a:p>
+            <a:endParaRPr lang="en-US" dirty="0"/>
+          </a:p>
+          <a:p>
+            <a:r>
+              <a:rPr lang="en-US" dirty="0"/>
+              <a:t>Class NNS:</a:t>
+            </a:r>
+          </a:p>
+          <a:p>
+            <a:pPr lvl="1"/>
+            <a:r>
+              <a:rPr lang="en-US" dirty="0"/>
+              <a:t>__</a:t>
+            </a:r>
+            <a:r>
+              <a:rPr lang="en-US" dirty="0" err="1"/>
+              <a:t>init</a:t>
+            </a:r>
+            <a:r>
+              <a:rPr lang="en-US" dirty="0"/>
+              <a:t>__</a:t>
+            </a:r>
+          </a:p>
+          <a:p>
+            <a:pPr lvl="2"/>
+            <a:r>
+              <a:rPr lang="en-US" dirty="0"/>
+              <a:t>Get points and their id and build Vantage Point-tree each node is (point, id)</a:t>
+            </a:r>
+          </a:p>
+          <a:p>
+            <a:pPr lvl="2"/>
+            <a:r>
+              <a:rPr lang="en-US" dirty="0"/>
+              <a:t>Get </a:t>
+            </a:r>
+            <a:r>
+              <a:rPr lang="en-US" dirty="0" err="1"/>
+              <a:t>vptree</a:t>
+            </a:r>
+            <a:r>
+              <a:rPr lang="en-US" dirty="0"/>
+              <a:t> and set as it self </a:t>
+            </a:r>
+            <a:r>
+              <a:rPr lang="en-US" dirty="0" err="1"/>
+              <a:t>vptree</a:t>
+            </a:r>
+            <a:endParaRPr lang="en-US" dirty="0"/>
+          </a:p>
+          <a:p>
+            <a:pPr marL="0" indent="0">
+              <a:buNone/>
+            </a:pPr>
+            <a:endParaRPr lang="en-US" dirty="0"/>
+          </a:p>
+          <a:p>
+            <a:pPr lvl="1"/>
+            <a:r>
+              <a:rPr lang="en-US" dirty="0" err="1"/>
+              <a:t>get_child</a:t>
+            </a:r>
+            <a:endParaRPr lang="en-US" dirty="0"/>
+          </a:p>
+          <a:p>
+            <a:pPr lvl="2"/>
+            <a:r>
+              <a:rPr lang="en-US" dirty="0"/>
+              <a:t>Get a Boolean</a:t>
+            </a:r>
+          </a:p>
+          <a:p>
+            <a:pPr lvl="2"/>
+            <a:r>
+              <a:rPr lang="en-US" dirty="0"/>
+              <a:t>Return NNS object contain left child if bool be true, otherwise return right child </a:t>
+            </a:r>
+          </a:p>
+          <a:p>
+            <a:pPr lvl="3"/>
+            <a:endParaRPr lang="en-US" dirty="0"/>
           </a:p>
         </p:txBody>
       </p:sp>
     </p:spTree>
     <p:extLst>
       <p:ext uri="{BB962C8B-B14F-4D97-AF65-F5344CB8AC3E}">
-        <p14:creationId xmlns:p14="http://schemas.microsoft.com/office/powerpoint/2010/main" val="3173512882"/>
+        <p14:creationId xmlns:p14="http://schemas.microsoft.com/office/powerpoint/2010/main" val="4061570267"/>
+      </p:ext>
+    </p:extLst>
+  </p:cSld>
+  <p:clrMapOvr>
+    <a:masterClrMapping/>
+  </p:clrMapOvr>
+</p:sld>
+</file>
+
+<file path=ppt/slides/slide26.xml><?xml version="1.0" encoding="utf-8"?>
+<p:sld xmlns:a="http://schemas.openxmlformats.org/drawingml/2006/main" xmlns:r="http://schemas.openxmlformats.org/officeDocument/2006/relationships" xmlns:p="http://schemas.openxmlformats.org/presentationml/2006/main">
+  <p:cSld>
+    <p:spTree>
+      <p:nvGrpSpPr>
+        <p:cNvPr id="1" name=""/>
+        <p:cNvGrpSpPr/>
+        <p:nvPr/>
+      </p:nvGrpSpPr>
+      <p:grpSpPr>
+        <a:xfrm>
+          <a:off x="0" y="0"/>
+          <a:ext cx="0" cy="0"/>
+          <a:chOff x="0" y="0"/>
+          <a:chExt cx="0" cy="0"/>
+        </a:xfrm>
+      </p:grpSpPr>
+      <p:sp>
+        <p:nvSpPr>
+          <p:cNvPr id="2" name="Title 1">
+            <a:extLst>
+              <a:ext uri="{FF2B5EF4-FFF2-40B4-BE49-F238E27FC236}">
+                <a16:creationId xmlns:a16="http://schemas.microsoft.com/office/drawing/2014/main" id="{66244946-847C-CC4B-8F89-51BC7A89FF2F}"/>
+              </a:ext>
+            </a:extLst>
+          </p:cNvPr>
+          <p:cNvSpPr>
+            <a:spLocks noGrp="1"/>
+          </p:cNvSpPr>
+          <p:nvPr>
+            <p:ph type="title"/>
+          </p:nvPr>
+        </p:nvSpPr>
+        <p:spPr>
+          <a:xfrm>
+            <a:off x="2592925" y="624110"/>
+            <a:ext cx="8911687" cy="906516"/>
+          </a:xfrm>
+        </p:spPr>
+        <p:txBody>
+          <a:bodyPr>
+            <a:normAutofit fontScale="90000"/>
+          </a:bodyPr>
+          <a:lstStyle/>
+          <a:p>
+            <a:r>
+              <a:rPr lang="en-US" dirty="0"/>
+              <a:t>Functions in </a:t>
+            </a:r>
+            <a:r>
+              <a:rPr lang="en-US" dirty="0" err="1"/>
+              <a:t>nearest_neighbor_search</a:t>
+            </a:r>
+            <a:r>
+              <a:rPr lang="en-US" dirty="0"/>
+              <a:t>[cont.]</a:t>
+            </a:r>
+          </a:p>
+        </p:txBody>
+      </p:sp>
+      <p:sp>
+        <p:nvSpPr>
+          <p:cNvPr id="3" name="Content Placeholder 2">
+            <a:extLst>
+              <a:ext uri="{FF2B5EF4-FFF2-40B4-BE49-F238E27FC236}">
+                <a16:creationId xmlns:a16="http://schemas.microsoft.com/office/drawing/2014/main" id="{330A7D1B-0225-C74E-BB86-3457D8F93200}"/>
+              </a:ext>
+            </a:extLst>
+          </p:cNvPr>
+          <p:cNvSpPr>
+            <a:spLocks noGrp="1"/>
+          </p:cNvSpPr>
+          <p:nvPr>
+            <p:ph idx="1"/>
+          </p:nvPr>
+        </p:nvSpPr>
+        <p:spPr>
+          <a:xfrm>
+            <a:off x="2589212" y="1530626"/>
+            <a:ext cx="8915400" cy="4850296"/>
+          </a:xfrm>
+        </p:spPr>
+        <p:txBody>
+          <a:bodyPr>
+            <a:normAutofit fontScale="92500" lnSpcReduction="20000"/>
+          </a:bodyPr>
+          <a:lstStyle/>
+          <a:p>
+            <a:pPr lvl="1"/>
+            <a:r>
+              <a:rPr lang="en-US" dirty="0"/>
+              <a:t>search</a:t>
+            </a:r>
+          </a:p>
+          <a:p>
+            <a:pPr lvl="2"/>
+            <a:r>
+              <a:rPr lang="en-US" dirty="0"/>
+              <a:t>Gets r, tau, low</a:t>
+            </a:r>
+          </a:p>
+          <a:p>
+            <a:pPr lvl="2"/>
+            <a:r>
+              <a:rPr lang="en-US" dirty="0"/>
+              <a:t>Return true if we should search in low child</a:t>
+            </a:r>
+          </a:p>
+          <a:p>
+            <a:pPr lvl="1"/>
+            <a:endParaRPr lang="en-US" dirty="0"/>
+          </a:p>
+          <a:p>
+            <a:pPr lvl="1"/>
+            <a:r>
+              <a:rPr lang="en-US" dirty="0"/>
+              <a:t>best</a:t>
+            </a:r>
+          </a:p>
+          <a:p>
+            <a:pPr lvl="2"/>
+            <a:r>
+              <a:rPr lang="en-US" dirty="0"/>
+              <a:t>Gets tau, </a:t>
+            </a:r>
+            <a:r>
+              <a:rPr lang="en-US" dirty="0" err="1"/>
+              <a:t>tau_p</a:t>
+            </a:r>
+            <a:r>
+              <a:rPr lang="en-US" dirty="0"/>
+              <a:t>, id, </a:t>
+            </a:r>
+            <a:r>
+              <a:rPr lang="en-US" dirty="0" err="1"/>
+              <a:t>id_p</a:t>
+            </a:r>
+            <a:endParaRPr lang="en-US" dirty="0"/>
+          </a:p>
+          <a:p>
+            <a:pPr lvl="2"/>
+            <a:r>
+              <a:rPr lang="en-US" dirty="0"/>
+              <a:t>Return tau, id of the closer point</a:t>
+            </a:r>
+          </a:p>
+          <a:p>
+            <a:pPr marL="400050" lvl="1" indent="0">
+              <a:buNone/>
+            </a:pPr>
+            <a:endParaRPr lang="en-US" dirty="0"/>
+          </a:p>
+          <a:p>
+            <a:pPr lvl="1"/>
+            <a:r>
+              <a:rPr lang="en-US" dirty="0"/>
+              <a:t>nearest</a:t>
+            </a:r>
+          </a:p>
+          <a:p>
+            <a:pPr lvl="2"/>
+            <a:r>
+              <a:rPr lang="en-US" dirty="0"/>
+              <a:t>Gets q, tau</a:t>
+            </a:r>
+          </a:p>
+          <a:p>
+            <a:pPr lvl="2"/>
+            <a:r>
+              <a:rPr lang="en-US" dirty="0"/>
+              <a:t>Return tau, id: distance of closest point to q in range tau and it’s id</a:t>
+            </a:r>
+          </a:p>
+          <a:p>
+            <a:pPr lvl="1"/>
+            <a:endParaRPr lang="en-US" dirty="0"/>
+          </a:p>
+          <a:p>
+            <a:pPr lvl="1"/>
+            <a:r>
+              <a:rPr lang="en-US" dirty="0" err="1"/>
+              <a:t>nearest_in_range</a:t>
+            </a:r>
+            <a:endParaRPr lang="en-US" dirty="0"/>
+          </a:p>
+          <a:p>
+            <a:pPr lvl="2"/>
+            <a:r>
+              <a:rPr lang="en-US" dirty="0"/>
+              <a:t>Gets q, </a:t>
+            </a:r>
+            <a:r>
+              <a:rPr lang="en-US" dirty="0" err="1"/>
+              <a:t>max_range</a:t>
+            </a:r>
+            <a:endParaRPr lang="en-US" dirty="0"/>
+          </a:p>
+          <a:p>
+            <a:pPr lvl="2"/>
+            <a:r>
+              <a:rPr lang="en-US" dirty="0"/>
+              <a:t>Call nearest function with query(q, -1), </a:t>
+            </a:r>
+            <a:r>
+              <a:rPr lang="en-US" dirty="0" err="1"/>
+              <a:t>max_range</a:t>
+            </a:r>
+            <a:endParaRPr lang="en-US" dirty="0"/>
+          </a:p>
+          <a:p>
+            <a:pPr lvl="2"/>
+            <a:r>
+              <a:rPr lang="en-US" dirty="0"/>
+              <a:t>Return nearest point in tree to q in range </a:t>
+            </a:r>
+            <a:r>
+              <a:rPr lang="en-US" dirty="0" err="1"/>
+              <a:t>max_range</a:t>
+            </a:r>
+            <a:r>
+              <a:rPr lang="en-US" dirty="0"/>
+              <a:t> if be non return -1</a:t>
+            </a:r>
+          </a:p>
+          <a:p>
+            <a:pPr marL="400050" lvl="1" indent="0">
+              <a:buNone/>
+            </a:pPr>
+            <a:endParaRPr lang="en-US" dirty="0"/>
+          </a:p>
+        </p:txBody>
+      </p:sp>
+    </p:spTree>
+    <p:extLst>
+      <p:ext uri="{BB962C8B-B14F-4D97-AF65-F5344CB8AC3E}">
+        <p14:creationId xmlns:p14="http://schemas.microsoft.com/office/powerpoint/2010/main" val="858037231"/>
+      </p:ext>
+    </p:extLst>
+  </p:cSld>
+  <p:clrMapOvr>
+    <a:masterClrMapping/>
+  </p:clrMapOvr>
+</p:sld>
+</file>
+
+<file path=ppt/slides/slide27.xml><?xml version="1.0" encoding="utf-8"?>
+<p:sld xmlns:a="http://schemas.openxmlformats.org/drawingml/2006/main" xmlns:r="http://schemas.openxmlformats.org/officeDocument/2006/relationships" xmlns:p="http://schemas.openxmlformats.org/presentationml/2006/main">
+  <p:cSld>
+    <p:spTree>
+      <p:nvGrpSpPr>
+        <p:cNvPr id="1" name=""/>
+        <p:cNvGrpSpPr/>
+        <p:nvPr/>
+      </p:nvGrpSpPr>
+      <p:grpSpPr>
+        <a:xfrm>
+          <a:off x="0" y="0"/>
+          <a:ext cx="0" cy="0"/>
+          <a:chOff x="0" y="0"/>
+          <a:chExt cx="0" cy="0"/>
+        </a:xfrm>
+      </p:grpSpPr>
+      <p:sp>
+        <p:nvSpPr>
+          <p:cNvPr id="2" name="Title 1">
+            <a:extLst>
+              <a:ext uri="{FF2B5EF4-FFF2-40B4-BE49-F238E27FC236}">
+                <a16:creationId xmlns:a16="http://schemas.microsoft.com/office/drawing/2014/main" id="{66244946-847C-CC4B-8F89-51BC7A89FF2F}"/>
+              </a:ext>
+            </a:extLst>
+          </p:cNvPr>
+          <p:cNvSpPr>
+            <a:spLocks noGrp="1"/>
+          </p:cNvSpPr>
+          <p:nvPr>
+            <p:ph type="title"/>
+          </p:nvPr>
+        </p:nvSpPr>
+        <p:spPr>
+          <a:xfrm>
+            <a:off x="2592925" y="624110"/>
+            <a:ext cx="8911687" cy="906516"/>
+          </a:xfrm>
+        </p:spPr>
+        <p:txBody>
+          <a:bodyPr>
+            <a:normAutofit/>
+          </a:bodyPr>
+          <a:lstStyle/>
+          <a:p>
+            <a:r>
+              <a:rPr lang="en-US" dirty="0"/>
+              <a:t>Functions in </a:t>
+            </a:r>
+            <a:r>
+              <a:rPr lang="en-US" dirty="0" err="1"/>
+              <a:t>kpp</a:t>
+            </a:r>
+            <a:endParaRPr lang="en-US" dirty="0"/>
+          </a:p>
+        </p:txBody>
+      </p:sp>
+      <p:sp>
+        <p:nvSpPr>
+          <p:cNvPr id="3" name="Content Placeholder 2">
+            <a:extLst>
+              <a:ext uri="{FF2B5EF4-FFF2-40B4-BE49-F238E27FC236}">
+                <a16:creationId xmlns:a16="http://schemas.microsoft.com/office/drawing/2014/main" id="{330A7D1B-0225-C74E-BB86-3457D8F93200}"/>
+              </a:ext>
+            </a:extLst>
+          </p:cNvPr>
+          <p:cNvSpPr>
+            <a:spLocks noGrp="1"/>
+          </p:cNvSpPr>
+          <p:nvPr>
+            <p:ph idx="1"/>
+          </p:nvPr>
+        </p:nvSpPr>
+        <p:spPr>
+          <a:xfrm>
+            <a:off x="2589212" y="1530626"/>
+            <a:ext cx="8915400" cy="4850296"/>
+          </a:xfrm>
+        </p:spPr>
+        <p:txBody>
+          <a:bodyPr>
+            <a:normAutofit/>
+          </a:bodyPr>
+          <a:lstStyle/>
+          <a:p>
+            <a:r>
+              <a:rPr lang="en-US" dirty="0"/>
+              <a:t>Class KPP</a:t>
+            </a:r>
+          </a:p>
+          <a:p>
+            <a:pPr lvl="1"/>
+            <a:r>
+              <a:rPr lang="en-US" dirty="0"/>
+              <a:t>__</a:t>
+            </a:r>
+            <a:r>
+              <a:rPr lang="en-US" dirty="0" err="1"/>
+              <a:t>init</a:t>
+            </a:r>
+            <a:r>
+              <a:rPr lang="en-US" dirty="0"/>
+              <a:t>__</a:t>
+            </a:r>
+          </a:p>
+          <a:p>
+            <a:pPr lvl="2"/>
+            <a:r>
+              <a:rPr lang="en-US" dirty="0"/>
+              <a:t>Gets object Dataset and store in </a:t>
+            </a:r>
+            <a:r>
+              <a:rPr lang="en-US" dirty="0" err="1"/>
+              <a:t>self.X</a:t>
+            </a:r>
+            <a:r>
+              <a:rPr lang="en-US" dirty="0"/>
+              <a:t> and set other </a:t>
+            </a:r>
+            <a:r>
+              <a:rPr lang="en-US" dirty="0" err="1"/>
+              <a:t>infotmation</a:t>
+            </a:r>
+            <a:endParaRPr lang="en-US" dirty="0"/>
+          </a:p>
+          <a:p>
+            <a:pPr marL="400050" lvl="1" indent="0">
+              <a:buNone/>
+            </a:pPr>
+            <a:endParaRPr lang="en-US" dirty="0"/>
+          </a:p>
+          <a:p>
+            <a:pPr lvl="1"/>
+            <a:r>
+              <a:rPr lang="en-US" dirty="0"/>
+              <a:t>fit</a:t>
+            </a:r>
+          </a:p>
+          <a:p>
+            <a:pPr lvl="2"/>
+            <a:r>
+              <a:rPr lang="en-US" dirty="0"/>
+              <a:t>Gets</a:t>
+            </a:r>
+          </a:p>
+          <a:p>
+            <a:pPr lvl="3"/>
+            <a:r>
+              <a:rPr lang="en-US" dirty="0"/>
+              <a:t>K (int): number of </a:t>
+            </a:r>
+            <a:r>
+              <a:rPr lang="en-US" dirty="0" err="1"/>
+              <a:t>cluseter</a:t>
+            </a:r>
+            <a:endParaRPr lang="en-US" dirty="0"/>
+          </a:p>
+          <a:p>
+            <a:pPr lvl="3"/>
+            <a:r>
+              <a:rPr lang="en-US" dirty="0"/>
+              <a:t>w (</a:t>
+            </a:r>
+            <a:r>
+              <a:rPr lang="en-US" dirty="0" err="1"/>
+              <a:t>ndarray</a:t>
+            </a:r>
+            <a:r>
+              <a:rPr lang="en-US" dirty="0"/>
+              <a:t>): nx1 </a:t>
+            </a:r>
+            <a:r>
+              <a:rPr lang="en-US" dirty="0" err="1"/>
+              <a:t>ndarray</a:t>
+            </a:r>
+            <a:r>
+              <a:rPr lang="en-US" dirty="0"/>
+              <a:t> for weights of n sample (default 1)</a:t>
+            </a:r>
+          </a:p>
+          <a:p>
+            <a:pPr lvl="2"/>
+            <a:r>
+              <a:rPr lang="en-US" dirty="0"/>
+              <a:t>Run K-Means++ method to find initial seeds for K-means</a:t>
+            </a:r>
+          </a:p>
+          <a:p>
+            <a:pPr lvl="2"/>
+            <a:r>
+              <a:rPr lang="en-US" dirty="0"/>
+              <a:t>Returns initial K seed(s)</a:t>
+            </a:r>
+          </a:p>
+          <a:p>
+            <a:pPr lvl="3"/>
+            <a:endParaRPr lang="en-US" dirty="0"/>
+          </a:p>
+        </p:txBody>
+      </p:sp>
+    </p:spTree>
+    <p:extLst>
+      <p:ext uri="{BB962C8B-B14F-4D97-AF65-F5344CB8AC3E}">
+        <p14:creationId xmlns:p14="http://schemas.microsoft.com/office/powerpoint/2010/main" val="3729014682"/>
+      </p:ext>
+    </p:extLst>
+  </p:cSld>
+  <p:clrMapOvr>
+    <a:masterClrMapping/>
+  </p:clrMapOvr>
+</p:sld>
+</file>
+
+<file path=ppt/slides/slide28.xml><?xml version="1.0" encoding="utf-8"?>
+<p:sld xmlns:a="http://schemas.openxmlformats.org/drawingml/2006/main" xmlns:r="http://schemas.openxmlformats.org/officeDocument/2006/relationships" xmlns:p="http://schemas.openxmlformats.org/presentationml/2006/main">
+  <p:cSld>
+    <p:spTree>
+      <p:nvGrpSpPr>
+        <p:cNvPr id="1" name=""/>
+        <p:cNvGrpSpPr/>
+        <p:nvPr/>
+      </p:nvGrpSpPr>
+      <p:grpSpPr>
+        <a:xfrm>
+          <a:off x="0" y="0"/>
+          <a:ext cx="0" cy="0"/>
+          <a:chOff x="0" y="0"/>
+          <a:chExt cx="0" cy="0"/>
+        </a:xfrm>
+      </p:grpSpPr>
+      <p:sp>
+        <p:nvSpPr>
+          <p:cNvPr id="2" name="Title 1">
+            <a:extLst>
+              <a:ext uri="{FF2B5EF4-FFF2-40B4-BE49-F238E27FC236}">
+                <a16:creationId xmlns:a16="http://schemas.microsoft.com/office/drawing/2014/main" id="{66244946-847C-CC4B-8F89-51BC7A89FF2F}"/>
+              </a:ext>
+            </a:extLst>
+          </p:cNvPr>
+          <p:cNvSpPr>
+            <a:spLocks noGrp="1"/>
+          </p:cNvSpPr>
+          <p:nvPr>
+            <p:ph type="title"/>
+          </p:nvPr>
+        </p:nvSpPr>
+        <p:spPr>
+          <a:xfrm>
+            <a:off x="2592925" y="624110"/>
+            <a:ext cx="8911687" cy="906516"/>
+          </a:xfrm>
+        </p:spPr>
+        <p:txBody>
+          <a:bodyPr>
+            <a:normAutofit/>
+          </a:bodyPr>
+          <a:lstStyle/>
+          <a:p>
+            <a:r>
+              <a:rPr lang="en-US" dirty="0"/>
+              <a:t>Functions in </a:t>
+            </a:r>
+            <a:r>
+              <a:rPr lang="en-US" dirty="0" err="1"/>
+              <a:t>akpp</a:t>
+            </a:r>
+            <a:endParaRPr lang="en-US" dirty="0"/>
+          </a:p>
+        </p:txBody>
+      </p:sp>
+      <p:sp>
+        <p:nvSpPr>
+          <p:cNvPr id="3" name="Content Placeholder 2">
+            <a:extLst>
+              <a:ext uri="{FF2B5EF4-FFF2-40B4-BE49-F238E27FC236}">
+                <a16:creationId xmlns:a16="http://schemas.microsoft.com/office/drawing/2014/main" id="{330A7D1B-0225-C74E-BB86-3457D8F93200}"/>
+              </a:ext>
+            </a:extLst>
+          </p:cNvPr>
+          <p:cNvSpPr>
+            <a:spLocks noGrp="1"/>
+          </p:cNvSpPr>
+          <p:nvPr>
+            <p:ph idx="1"/>
+          </p:nvPr>
+        </p:nvSpPr>
+        <p:spPr>
+          <a:xfrm>
+            <a:off x="2589212" y="1530626"/>
+            <a:ext cx="8915400" cy="4850296"/>
+          </a:xfrm>
+        </p:spPr>
+        <p:txBody>
+          <a:bodyPr>
+            <a:normAutofit/>
+          </a:bodyPr>
+          <a:lstStyle/>
+          <a:p>
+            <a:r>
+              <a:rPr lang="en-US" dirty="0"/>
+              <a:t>Class AKPP</a:t>
+            </a:r>
+          </a:p>
+          <a:p>
+            <a:pPr lvl="1"/>
+            <a:r>
+              <a:rPr lang="en-US" dirty="0"/>
+              <a:t>__</a:t>
+            </a:r>
+            <a:r>
+              <a:rPr lang="en-US" dirty="0" err="1"/>
+              <a:t>init</a:t>
+            </a:r>
+            <a:r>
+              <a:rPr lang="en-US" dirty="0"/>
+              <a:t>__</a:t>
+            </a:r>
+          </a:p>
+          <a:p>
+            <a:pPr lvl="2"/>
+            <a:r>
+              <a:rPr lang="en-US" dirty="0"/>
+              <a:t>Gets object Dataset and store in </a:t>
+            </a:r>
+            <a:r>
+              <a:rPr lang="en-US" dirty="0" err="1"/>
+              <a:t>self.X</a:t>
+            </a:r>
+            <a:r>
+              <a:rPr lang="en-US" dirty="0"/>
+              <a:t> and set other </a:t>
+            </a:r>
+            <a:r>
+              <a:rPr lang="en-US" dirty="0" err="1"/>
+              <a:t>infotmation</a:t>
+            </a:r>
+            <a:endParaRPr lang="en-US" dirty="0"/>
+          </a:p>
+          <a:p>
+            <a:pPr marL="400050" lvl="1" indent="0">
+              <a:buNone/>
+            </a:pPr>
+            <a:endParaRPr lang="en-US" dirty="0"/>
+          </a:p>
+          <a:p>
+            <a:pPr lvl="1"/>
+            <a:r>
+              <a:rPr lang="en-US" dirty="0"/>
+              <a:t>fit</a:t>
+            </a:r>
+          </a:p>
+          <a:p>
+            <a:pPr lvl="2"/>
+            <a:r>
+              <a:rPr lang="en-US" dirty="0"/>
+              <a:t>Gets</a:t>
+            </a:r>
+          </a:p>
+          <a:p>
+            <a:pPr lvl="3"/>
+            <a:r>
+              <a:rPr lang="en-US" dirty="0"/>
+              <a:t>K (int): number of </a:t>
+            </a:r>
+            <a:r>
+              <a:rPr lang="en-US" dirty="0" err="1"/>
+              <a:t>cluseter</a:t>
+            </a:r>
+            <a:endParaRPr lang="en-US" dirty="0"/>
+          </a:p>
+          <a:p>
+            <a:pPr lvl="3"/>
+            <a:r>
+              <a:rPr lang="en-US" dirty="0"/>
+              <a:t>w (</a:t>
+            </a:r>
+            <a:r>
+              <a:rPr lang="en-US" dirty="0" err="1"/>
+              <a:t>ndarray</a:t>
+            </a:r>
+            <a:r>
+              <a:rPr lang="en-US" dirty="0"/>
+              <a:t>): nx1 </a:t>
+            </a:r>
+            <a:r>
+              <a:rPr lang="en-US" dirty="0" err="1"/>
+              <a:t>ndarray</a:t>
+            </a:r>
+            <a:r>
+              <a:rPr lang="en-US" dirty="0"/>
+              <a:t> for weights of n sample (default 1)</a:t>
+            </a:r>
+          </a:p>
+          <a:p>
+            <a:pPr lvl="2"/>
+            <a:r>
+              <a:rPr lang="en-US" dirty="0"/>
+              <a:t>Run accelerated K-Means++ method to find initial seeds for K-means</a:t>
+            </a:r>
+          </a:p>
+          <a:p>
+            <a:pPr lvl="2"/>
+            <a:r>
+              <a:rPr lang="en-US" dirty="0"/>
+              <a:t>Returns initial K seed(s)</a:t>
+            </a:r>
+          </a:p>
+          <a:p>
+            <a:pPr marL="400050" lvl="1" indent="0">
+              <a:buNone/>
+            </a:pPr>
+            <a:endParaRPr lang="en-US" dirty="0"/>
+          </a:p>
+          <a:p>
+            <a:pPr lvl="3"/>
+            <a:endParaRPr lang="en-US" dirty="0"/>
+          </a:p>
+        </p:txBody>
+      </p:sp>
+    </p:spTree>
+    <p:extLst>
+      <p:ext uri="{BB962C8B-B14F-4D97-AF65-F5344CB8AC3E}">
+        <p14:creationId xmlns:p14="http://schemas.microsoft.com/office/powerpoint/2010/main" val="2145808507"/>
+      </p:ext>
+    </p:extLst>
+  </p:cSld>
+  <p:clrMapOvr>
+    <a:masterClrMapping/>
+  </p:clrMapOvr>
+</p:sld>
+</file>
+
+<file path=ppt/slides/slide29.xml><?xml version="1.0" encoding="utf-8"?>
+<p:sld xmlns:a="http://schemas.openxmlformats.org/drawingml/2006/main" xmlns:r="http://schemas.openxmlformats.org/officeDocument/2006/relationships" xmlns:p="http://schemas.openxmlformats.org/presentationml/2006/main">
+  <p:cSld>
+    <p:spTree>
+      <p:nvGrpSpPr>
+        <p:cNvPr id="1" name=""/>
+        <p:cNvGrpSpPr/>
+        <p:nvPr/>
+      </p:nvGrpSpPr>
+      <p:grpSpPr>
+        <a:xfrm>
+          <a:off x="0" y="0"/>
+          <a:ext cx="0" cy="0"/>
+          <a:chOff x="0" y="0"/>
+          <a:chExt cx="0" cy="0"/>
+        </a:xfrm>
+      </p:grpSpPr>
+      <p:sp>
+        <p:nvSpPr>
+          <p:cNvPr id="2" name="Title 1">
+            <a:extLst>
+              <a:ext uri="{FF2B5EF4-FFF2-40B4-BE49-F238E27FC236}">
+                <a16:creationId xmlns:a16="http://schemas.microsoft.com/office/drawing/2014/main" id="{66244946-847C-CC4B-8F89-51BC7A89FF2F}"/>
+              </a:ext>
+            </a:extLst>
+          </p:cNvPr>
+          <p:cNvSpPr>
+            <a:spLocks noGrp="1"/>
+          </p:cNvSpPr>
+          <p:nvPr>
+            <p:ph type="title"/>
+          </p:nvPr>
+        </p:nvSpPr>
+        <p:spPr>
+          <a:xfrm>
+            <a:off x="2592925" y="624110"/>
+            <a:ext cx="8911687" cy="906516"/>
+          </a:xfrm>
+        </p:spPr>
+        <p:txBody>
+          <a:bodyPr>
+            <a:normAutofit/>
+          </a:bodyPr>
+          <a:lstStyle/>
+          <a:p>
+            <a:r>
+              <a:rPr lang="en-US" dirty="0"/>
+              <a:t>Functions in </a:t>
+            </a:r>
+            <a:r>
+              <a:rPr lang="en-US" dirty="0" err="1"/>
+              <a:t>kll</a:t>
+            </a:r>
+            <a:endParaRPr lang="en-US" dirty="0"/>
+          </a:p>
+        </p:txBody>
+      </p:sp>
+      <p:sp>
+        <p:nvSpPr>
+          <p:cNvPr id="3" name="Content Placeholder 2">
+            <a:extLst>
+              <a:ext uri="{FF2B5EF4-FFF2-40B4-BE49-F238E27FC236}">
+                <a16:creationId xmlns:a16="http://schemas.microsoft.com/office/drawing/2014/main" id="{330A7D1B-0225-C74E-BB86-3457D8F93200}"/>
+              </a:ext>
+            </a:extLst>
+          </p:cNvPr>
+          <p:cNvSpPr>
+            <a:spLocks noGrp="1"/>
+          </p:cNvSpPr>
+          <p:nvPr>
+            <p:ph idx="1"/>
+          </p:nvPr>
+        </p:nvSpPr>
+        <p:spPr>
+          <a:xfrm>
+            <a:off x="2589212" y="1530626"/>
+            <a:ext cx="8915400" cy="4850296"/>
+          </a:xfrm>
+        </p:spPr>
+        <p:txBody>
+          <a:bodyPr>
+            <a:normAutofit/>
+          </a:bodyPr>
+          <a:lstStyle/>
+          <a:p>
+            <a:r>
+              <a:rPr lang="en-US" dirty="0"/>
+              <a:t>Class KLL:</a:t>
+            </a:r>
+          </a:p>
+          <a:p>
+            <a:pPr lvl="1"/>
+            <a:r>
+              <a:rPr lang="en-US" dirty="0"/>
+              <a:t>__</a:t>
+            </a:r>
+            <a:r>
+              <a:rPr lang="en-US" dirty="0" err="1"/>
+              <a:t>init</a:t>
+            </a:r>
+            <a:r>
+              <a:rPr lang="en-US" dirty="0"/>
+              <a:t>__</a:t>
+            </a:r>
+          </a:p>
+          <a:p>
+            <a:pPr lvl="2"/>
+            <a:r>
+              <a:rPr lang="en-US" dirty="0"/>
+              <a:t>Gets object Dataset and store in </a:t>
+            </a:r>
+            <a:r>
+              <a:rPr lang="en-US" dirty="0" err="1"/>
+              <a:t>self.X</a:t>
+            </a:r>
+            <a:r>
+              <a:rPr lang="en-US" dirty="0"/>
+              <a:t> and set other </a:t>
+            </a:r>
+            <a:r>
+              <a:rPr lang="en-US" dirty="0" err="1"/>
+              <a:t>infotmation</a:t>
+            </a:r>
+            <a:endParaRPr lang="en-US" dirty="0"/>
+          </a:p>
+          <a:p>
+            <a:pPr marL="400050" lvl="1" indent="0">
+              <a:buNone/>
+            </a:pPr>
+            <a:endParaRPr lang="en-US" dirty="0"/>
+          </a:p>
+          <a:p>
+            <a:pPr lvl="1"/>
+            <a:r>
+              <a:rPr lang="en-US" dirty="0"/>
+              <a:t>fit</a:t>
+            </a:r>
+          </a:p>
+          <a:p>
+            <a:pPr lvl="2"/>
+            <a:r>
+              <a:rPr lang="en-US" dirty="0"/>
+              <a:t>Gets</a:t>
+            </a:r>
+          </a:p>
+          <a:p>
+            <a:pPr lvl="3"/>
+            <a:r>
+              <a:rPr lang="en-US" dirty="0"/>
+              <a:t>K (int): number of </a:t>
+            </a:r>
+            <a:r>
+              <a:rPr lang="en-US" dirty="0" err="1"/>
+              <a:t>cluseter</a:t>
+            </a:r>
+            <a:endParaRPr lang="en-US" dirty="0"/>
+          </a:p>
+          <a:p>
+            <a:pPr lvl="3"/>
+            <a:r>
+              <a:rPr lang="en-US" dirty="0"/>
+              <a:t>R (int): number of round(s) (default = 5)</a:t>
+            </a:r>
+          </a:p>
+          <a:p>
+            <a:pPr lvl="3"/>
+            <a:r>
+              <a:rPr lang="en-US" dirty="0"/>
+              <a:t>L (int): size of oversampling (default = 2xK)</a:t>
+            </a:r>
+          </a:p>
+          <a:p>
+            <a:pPr lvl="3"/>
+            <a:r>
+              <a:rPr lang="en-US" dirty="0"/>
+              <a:t>w (</a:t>
+            </a:r>
+            <a:r>
+              <a:rPr lang="en-US" dirty="0" err="1"/>
+              <a:t>ndarray</a:t>
+            </a:r>
+            <a:r>
+              <a:rPr lang="en-US" dirty="0"/>
+              <a:t>): nx1 </a:t>
+            </a:r>
+            <a:r>
+              <a:rPr lang="en-US" dirty="0" err="1"/>
+              <a:t>ndarray</a:t>
+            </a:r>
+            <a:r>
+              <a:rPr lang="en-US" dirty="0"/>
+              <a:t> for weights of n sample (default 1)</a:t>
+            </a:r>
+          </a:p>
+          <a:p>
+            <a:pPr lvl="2"/>
+            <a:r>
+              <a:rPr lang="en-US" dirty="0"/>
+              <a:t>Run K-Mean|| method to find initial seeds for K-means</a:t>
+            </a:r>
+          </a:p>
+          <a:p>
+            <a:pPr lvl="2"/>
+            <a:r>
+              <a:rPr lang="en-US" dirty="0"/>
+              <a:t>Returns initial K seed(s)</a:t>
+            </a:r>
+          </a:p>
+          <a:p>
+            <a:pPr lvl="3"/>
+            <a:endParaRPr lang="en-US" dirty="0"/>
+          </a:p>
+        </p:txBody>
+      </p:sp>
+    </p:spTree>
+    <p:extLst>
+      <p:ext uri="{BB962C8B-B14F-4D97-AF65-F5344CB8AC3E}">
+        <p14:creationId xmlns:p14="http://schemas.microsoft.com/office/powerpoint/2010/main" val="3409387664"/>
       </p:ext>
     </p:extLst>
   </p:cSld>
@@ -10563,6 +11625,640 @@
 </p:sld>
 </file>
 
+<file path=ppt/slides/slide30.xml><?xml version="1.0" encoding="utf-8"?>
+<p:sld xmlns:a="http://schemas.openxmlformats.org/drawingml/2006/main" xmlns:r="http://schemas.openxmlformats.org/officeDocument/2006/relationships" xmlns:p="http://schemas.openxmlformats.org/presentationml/2006/main">
+  <p:cSld>
+    <p:spTree>
+      <p:nvGrpSpPr>
+        <p:cNvPr id="1" name=""/>
+        <p:cNvGrpSpPr/>
+        <p:nvPr/>
+      </p:nvGrpSpPr>
+      <p:grpSpPr>
+        <a:xfrm>
+          <a:off x="0" y="0"/>
+          <a:ext cx="0" cy="0"/>
+          <a:chOff x="0" y="0"/>
+          <a:chExt cx="0" cy="0"/>
+        </a:xfrm>
+      </p:grpSpPr>
+      <p:sp>
+        <p:nvSpPr>
+          <p:cNvPr id="2" name="Title 1">
+            <a:extLst>
+              <a:ext uri="{FF2B5EF4-FFF2-40B4-BE49-F238E27FC236}">
+                <a16:creationId xmlns:a16="http://schemas.microsoft.com/office/drawing/2014/main" id="{66244946-847C-CC4B-8F89-51BC7A89FF2F}"/>
+              </a:ext>
+            </a:extLst>
+          </p:cNvPr>
+          <p:cNvSpPr>
+            <a:spLocks noGrp="1"/>
+          </p:cNvSpPr>
+          <p:nvPr>
+            <p:ph type="title"/>
+          </p:nvPr>
+        </p:nvSpPr>
+        <p:spPr>
+          <a:xfrm>
+            <a:off x="2592925" y="624110"/>
+            <a:ext cx="8911687" cy="906516"/>
+          </a:xfrm>
+        </p:spPr>
+        <p:txBody>
+          <a:bodyPr>
+            <a:normAutofit/>
+          </a:bodyPr>
+          <a:lstStyle/>
+          <a:p>
+            <a:r>
+              <a:rPr lang="en-US" dirty="0"/>
+              <a:t>Functions in </a:t>
+            </a:r>
+            <a:r>
+              <a:rPr lang="en-US" dirty="0" err="1"/>
+              <a:t>akll</a:t>
+            </a:r>
+            <a:endParaRPr lang="en-US" dirty="0"/>
+          </a:p>
+        </p:txBody>
+      </p:sp>
+      <p:sp>
+        <p:nvSpPr>
+          <p:cNvPr id="3" name="Content Placeholder 2">
+            <a:extLst>
+              <a:ext uri="{FF2B5EF4-FFF2-40B4-BE49-F238E27FC236}">
+                <a16:creationId xmlns:a16="http://schemas.microsoft.com/office/drawing/2014/main" id="{330A7D1B-0225-C74E-BB86-3457D8F93200}"/>
+              </a:ext>
+            </a:extLst>
+          </p:cNvPr>
+          <p:cNvSpPr>
+            <a:spLocks noGrp="1"/>
+          </p:cNvSpPr>
+          <p:nvPr>
+            <p:ph idx="1"/>
+          </p:nvPr>
+        </p:nvSpPr>
+        <p:spPr>
+          <a:xfrm>
+            <a:off x="2589212" y="1530626"/>
+            <a:ext cx="8915400" cy="4850296"/>
+          </a:xfrm>
+        </p:spPr>
+        <p:txBody>
+          <a:bodyPr>
+            <a:normAutofit/>
+          </a:bodyPr>
+          <a:lstStyle/>
+          <a:p>
+            <a:r>
+              <a:rPr lang="en-US" dirty="0"/>
+              <a:t>Class AKLL:</a:t>
+            </a:r>
+          </a:p>
+          <a:p>
+            <a:pPr lvl="1"/>
+            <a:r>
+              <a:rPr lang="en-US" dirty="0"/>
+              <a:t>__</a:t>
+            </a:r>
+            <a:r>
+              <a:rPr lang="en-US" dirty="0" err="1"/>
+              <a:t>init</a:t>
+            </a:r>
+            <a:r>
+              <a:rPr lang="en-US" dirty="0"/>
+              <a:t>__</a:t>
+            </a:r>
+          </a:p>
+          <a:p>
+            <a:pPr lvl="2"/>
+            <a:r>
+              <a:rPr lang="en-US" dirty="0"/>
+              <a:t>Gets object Dataset and store in </a:t>
+            </a:r>
+            <a:r>
+              <a:rPr lang="en-US" dirty="0" err="1"/>
+              <a:t>self.X</a:t>
+            </a:r>
+            <a:r>
+              <a:rPr lang="en-US" dirty="0"/>
+              <a:t> and set other </a:t>
+            </a:r>
+            <a:r>
+              <a:rPr lang="en-US" dirty="0" err="1"/>
+              <a:t>infotmation</a:t>
+            </a:r>
+            <a:endParaRPr lang="en-US" dirty="0"/>
+          </a:p>
+          <a:p>
+            <a:pPr marL="400050" lvl="1" indent="0">
+              <a:buNone/>
+            </a:pPr>
+            <a:endParaRPr lang="en-US" dirty="0"/>
+          </a:p>
+          <a:p>
+            <a:pPr lvl="1"/>
+            <a:r>
+              <a:rPr lang="en-US" dirty="0"/>
+              <a:t>fit</a:t>
+            </a:r>
+          </a:p>
+          <a:p>
+            <a:pPr lvl="2"/>
+            <a:r>
+              <a:rPr lang="en-US" dirty="0"/>
+              <a:t>Gets</a:t>
+            </a:r>
+          </a:p>
+          <a:p>
+            <a:pPr lvl="3"/>
+            <a:r>
+              <a:rPr lang="en-US" dirty="0"/>
+              <a:t>K (int): number of </a:t>
+            </a:r>
+            <a:r>
+              <a:rPr lang="en-US" dirty="0" err="1"/>
+              <a:t>cluseter</a:t>
+            </a:r>
+            <a:endParaRPr lang="en-US" dirty="0"/>
+          </a:p>
+          <a:p>
+            <a:pPr lvl="3"/>
+            <a:r>
+              <a:rPr lang="en-US" dirty="0"/>
+              <a:t>R (int): number of round(s) (default = 5)</a:t>
+            </a:r>
+          </a:p>
+          <a:p>
+            <a:pPr lvl="3"/>
+            <a:r>
+              <a:rPr lang="en-US" dirty="0"/>
+              <a:t>L (int): size of oversampling (default = 2xK)</a:t>
+            </a:r>
+          </a:p>
+          <a:p>
+            <a:pPr lvl="3"/>
+            <a:r>
+              <a:rPr lang="en-US" dirty="0"/>
+              <a:t>w (</a:t>
+            </a:r>
+            <a:r>
+              <a:rPr lang="en-US" dirty="0" err="1"/>
+              <a:t>ndarray</a:t>
+            </a:r>
+            <a:r>
+              <a:rPr lang="en-US" dirty="0"/>
+              <a:t>): nx1 </a:t>
+            </a:r>
+            <a:r>
+              <a:rPr lang="en-US" dirty="0" err="1"/>
+              <a:t>ndarray</a:t>
+            </a:r>
+            <a:r>
+              <a:rPr lang="en-US" dirty="0"/>
+              <a:t> for weights of n sample (default 1)</a:t>
+            </a:r>
+          </a:p>
+          <a:p>
+            <a:pPr lvl="2"/>
+            <a:r>
+              <a:rPr lang="en-US" dirty="0"/>
+              <a:t>Run accelerated K-Mean|| method to find initial seeds for K-means</a:t>
+            </a:r>
+          </a:p>
+          <a:p>
+            <a:pPr lvl="2"/>
+            <a:r>
+              <a:rPr lang="en-US" dirty="0"/>
+              <a:t>Returns initial K seed(s)</a:t>
+            </a:r>
+          </a:p>
+          <a:p>
+            <a:pPr lvl="3"/>
+            <a:endParaRPr lang="en-US" dirty="0"/>
+          </a:p>
+        </p:txBody>
+      </p:sp>
+    </p:spTree>
+    <p:extLst>
+      <p:ext uri="{BB962C8B-B14F-4D97-AF65-F5344CB8AC3E}">
+        <p14:creationId xmlns:p14="http://schemas.microsoft.com/office/powerpoint/2010/main" val="822549670"/>
+      </p:ext>
+    </p:extLst>
+  </p:cSld>
+  <p:clrMapOvr>
+    <a:masterClrMapping/>
+  </p:clrMapOvr>
+</p:sld>
+</file>
+
+<file path=ppt/slides/slide31.xml><?xml version="1.0" encoding="utf-8"?>
+<p:sld xmlns:a="http://schemas.openxmlformats.org/drawingml/2006/main" xmlns:r="http://schemas.openxmlformats.org/officeDocument/2006/relationships" xmlns:p="http://schemas.openxmlformats.org/presentationml/2006/main">
+  <p:cSld>
+    <p:spTree>
+      <p:nvGrpSpPr>
+        <p:cNvPr id="1" name=""/>
+        <p:cNvGrpSpPr/>
+        <p:nvPr/>
+      </p:nvGrpSpPr>
+      <p:grpSpPr>
+        <a:xfrm>
+          <a:off x="0" y="0"/>
+          <a:ext cx="0" cy="0"/>
+          <a:chOff x="0" y="0"/>
+          <a:chExt cx="0" cy="0"/>
+        </a:xfrm>
+      </p:grpSpPr>
+      <p:sp>
+        <p:nvSpPr>
+          <p:cNvPr id="2" name="Title 1">
+            <a:extLst>
+              <a:ext uri="{FF2B5EF4-FFF2-40B4-BE49-F238E27FC236}">
+                <a16:creationId xmlns:a16="http://schemas.microsoft.com/office/drawing/2014/main" id="{66244946-847C-CC4B-8F89-51BC7A89FF2F}"/>
+              </a:ext>
+            </a:extLst>
+          </p:cNvPr>
+          <p:cNvSpPr>
+            <a:spLocks noGrp="1"/>
+          </p:cNvSpPr>
+          <p:nvPr>
+            <p:ph type="title"/>
+          </p:nvPr>
+        </p:nvSpPr>
+        <p:spPr>
+          <a:xfrm>
+            <a:off x="2592925" y="624110"/>
+            <a:ext cx="8911687" cy="906516"/>
+          </a:xfrm>
+        </p:spPr>
+        <p:txBody>
+          <a:bodyPr>
+            <a:normAutofit/>
+          </a:bodyPr>
+          <a:lstStyle/>
+          <a:p>
+            <a:r>
+              <a:rPr lang="en-US" dirty="0"/>
+              <a:t>Functions in result-</a:t>
+            </a:r>
+            <a:r>
+              <a:rPr lang="en-US" dirty="0" err="1"/>
+              <a:t>kmeans</a:t>
+            </a:r>
+            <a:r>
+              <a:rPr lang="en-US" dirty="0"/>
+              <a:t>-</a:t>
+            </a:r>
+            <a:r>
+              <a:rPr lang="en-US" dirty="0" err="1"/>
+              <a:t>plusplus</a:t>
+            </a:r>
+            <a:endParaRPr lang="en-US" dirty="0"/>
+          </a:p>
+        </p:txBody>
+      </p:sp>
+      <p:sp>
+        <p:nvSpPr>
+          <p:cNvPr id="3" name="Content Placeholder 2">
+            <a:extLst>
+              <a:ext uri="{FF2B5EF4-FFF2-40B4-BE49-F238E27FC236}">
+                <a16:creationId xmlns:a16="http://schemas.microsoft.com/office/drawing/2014/main" id="{330A7D1B-0225-C74E-BB86-3457D8F93200}"/>
+              </a:ext>
+            </a:extLst>
+          </p:cNvPr>
+          <p:cNvSpPr>
+            <a:spLocks noGrp="1"/>
+          </p:cNvSpPr>
+          <p:nvPr>
+            <p:ph idx="1"/>
+          </p:nvPr>
+        </p:nvSpPr>
+        <p:spPr>
+          <a:xfrm>
+            <a:off x="2589212" y="1530626"/>
+            <a:ext cx="8915400" cy="4850296"/>
+          </a:xfrm>
+        </p:spPr>
+        <p:txBody>
+          <a:bodyPr>
+            <a:normAutofit/>
+          </a:bodyPr>
+          <a:lstStyle/>
+          <a:p>
+            <a:r>
+              <a:rPr lang="en-US" dirty="0"/>
+              <a:t>In this module we load phishing dataset and run both K-means++ and accelerated K-means ++ and compare them with total distance computed by each of them for different K in range [32, 2048] and get plot with we show the ratio of total distance computed in K-means++ divided by total distance computed in accelerated K-means++ (plot axis are in log2 scale)</a:t>
+            </a:r>
+          </a:p>
+        </p:txBody>
+      </p:sp>
+    </p:spTree>
+    <p:extLst>
+      <p:ext uri="{BB962C8B-B14F-4D97-AF65-F5344CB8AC3E}">
+        <p14:creationId xmlns:p14="http://schemas.microsoft.com/office/powerpoint/2010/main" val="2172215995"/>
+      </p:ext>
+    </p:extLst>
+  </p:cSld>
+  <p:clrMapOvr>
+    <a:masterClrMapping/>
+  </p:clrMapOvr>
+</p:sld>
+</file>
+
+<file path=ppt/slides/slide32.xml><?xml version="1.0" encoding="utf-8"?>
+<p:sld xmlns:a="http://schemas.openxmlformats.org/drawingml/2006/main" xmlns:r="http://schemas.openxmlformats.org/officeDocument/2006/relationships" xmlns:p="http://schemas.openxmlformats.org/presentationml/2006/main">
+  <p:cSld>
+    <p:spTree>
+      <p:nvGrpSpPr>
+        <p:cNvPr id="1" name=""/>
+        <p:cNvGrpSpPr/>
+        <p:nvPr/>
+      </p:nvGrpSpPr>
+      <p:grpSpPr>
+        <a:xfrm>
+          <a:off x="0" y="0"/>
+          <a:ext cx="0" cy="0"/>
+          <a:chOff x="0" y="0"/>
+          <a:chExt cx="0" cy="0"/>
+        </a:xfrm>
+      </p:grpSpPr>
+      <p:sp>
+        <p:nvSpPr>
+          <p:cNvPr id="2" name="Title 1">
+            <a:extLst>
+              <a:ext uri="{FF2B5EF4-FFF2-40B4-BE49-F238E27FC236}">
+                <a16:creationId xmlns:a16="http://schemas.microsoft.com/office/drawing/2014/main" id="{66244946-847C-CC4B-8F89-51BC7A89FF2F}"/>
+              </a:ext>
+            </a:extLst>
+          </p:cNvPr>
+          <p:cNvSpPr>
+            <a:spLocks noGrp="1"/>
+          </p:cNvSpPr>
+          <p:nvPr>
+            <p:ph type="title"/>
+          </p:nvPr>
+        </p:nvSpPr>
+        <p:spPr>
+          <a:xfrm>
+            <a:off x="2592925" y="624110"/>
+            <a:ext cx="8911687" cy="906516"/>
+          </a:xfrm>
+        </p:spPr>
+        <p:txBody>
+          <a:bodyPr>
+            <a:normAutofit/>
+          </a:bodyPr>
+          <a:lstStyle/>
+          <a:p>
+            <a:r>
+              <a:rPr lang="en-US" dirty="0"/>
+              <a:t>Functions in result-</a:t>
+            </a:r>
+            <a:r>
+              <a:rPr lang="en-US" dirty="0" err="1"/>
+              <a:t>kmeans</a:t>
+            </a:r>
+            <a:r>
+              <a:rPr lang="en-US" dirty="0"/>
+              <a:t>-parallel</a:t>
+            </a:r>
+          </a:p>
+        </p:txBody>
+      </p:sp>
+      <p:sp>
+        <p:nvSpPr>
+          <p:cNvPr id="3" name="Content Placeholder 2">
+            <a:extLst>
+              <a:ext uri="{FF2B5EF4-FFF2-40B4-BE49-F238E27FC236}">
+                <a16:creationId xmlns:a16="http://schemas.microsoft.com/office/drawing/2014/main" id="{330A7D1B-0225-C74E-BB86-3457D8F93200}"/>
+              </a:ext>
+            </a:extLst>
+          </p:cNvPr>
+          <p:cNvSpPr>
+            <a:spLocks noGrp="1"/>
+          </p:cNvSpPr>
+          <p:nvPr>
+            <p:ph idx="1"/>
+          </p:nvPr>
+        </p:nvSpPr>
+        <p:spPr>
+          <a:xfrm>
+            <a:off x="2589212" y="1530626"/>
+            <a:ext cx="8915400" cy="4850296"/>
+          </a:xfrm>
+        </p:spPr>
+        <p:txBody>
+          <a:bodyPr>
+            <a:normAutofit/>
+          </a:bodyPr>
+          <a:lstStyle/>
+          <a:p>
+            <a:r>
+              <a:rPr lang="en-US" dirty="0"/>
+              <a:t>In this module we load phishing dataset and run both K-means|| and accelerated K-means||and compare them with runtime of each one for different K in range [32, 2048] and get plot two plot that in first one we plot the runtime of two algorithm and in second one with we show the ratio of runtime of K-means|| divided by runtime of accelerated K-means || (Both plots axis are in log2 scale)</a:t>
+            </a:r>
+          </a:p>
+        </p:txBody>
+      </p:sp>
+    </p:spTree>
+    <p:extLst>
+      <p:ext uri="{BB962C8B-B14F-4D97-AF65-F5344CB8AC3E}">
+        <p14:creationId xmlns:p14="http://schemas.microsoft.com/office/powerpoint/2010/main" val="3173512882"/>
+      </p:ext>
+    </p:extLst>
+  </p:cSld>
+  <p:clrMapOvr>
+    <a:masterClrMapping/>
+  </p:clrMapOvr>
+</p:sld>
+</file>
+
+<file path=ppt/slides/slide33.xml><?xml version="1.0" encoding="utf-8"?>
+<p:sld xmlns:a="http://schemas.openxmlformats.org/drawingml/2006/main" xmlns:r="http://schemas.openxmlformats.org/officeDocument/2006/relationships" xmlns:p="http://schemas.openxmlformats.org/presentationml/2006/main">
+  <p:cSld>
+    <p:spTree>
+      <p:nvGrpSpPr>
+        <p:cNvPr id="1" name=""/>
+        <p:cNvGrpSpPr/>
+        <p:nvPr/>
+      </p:nvGrpSpPr>
+      <p:grpSpPr>
+        <a:xfrm>
+          <a:off x="0" y="0"/>
+          <a:ext cx="0" cy="0"/>
+          <a:chOff x="0" y="0"/>
+          <a:chExt cx="0" cy="0"/>
+        </a:xfrm>
+      </p:grpSpPr>
+      <p:sp>
+        <p:nvSpPr>
+          <p:cNvPr id="2" name="Title 1">
+            <a:extLst>
+              <a:ext uri="{FF2B5EF4-FFF2-40B4-BE49-F238E27FC236}">
+                <a16:creationId xmlns:a16="http://schemas.microsoft.com/office/drawing/2014/main" id="{75808A2E-5183-5F4B-B42B-6F97BCC418C1}"/>
+              </a:ext>
+            </a:extLst>
+          </p:cNvPr>
+          <p:cNvSpPr>
+            <a:spLocks noGrp="1"/>
+          </p:cNvSpPr>
+          <p:nvPr>
+            <p:ph type="title"/>
+          </p:nvPr>
+        </p:nvSpPr>
+        <p:spPr>
+          <a:xfrm>
+            <a:off x="2589212" y="2093391"/>
+            <a:ext cx="8915399" cy="1468800"/>
+          </a:xfrm>
+        </p:spPr>
+        <p:txBody>
+          <a:bodyPr/>
+          <a:lstStyle/>
+          <a:p>
+            <a:r>
+              <a:rPr lang="en-US" b="0" i="0" dirty="0">
+                <a:solidFill>
+                  <a:srgbClr val="202124"/>
+                </a:solidFill>
+                <a:effectLst/>
+                <a:latin typeface="Roboto" panose="02000000000000000000" pitchFamily="2" charset="0"/>
+              </a:rPr>
+              <a:t>Thank you …</a:t>
+            </a:r>
+            <a:endParaRPr lang="en-US" dirty="0"/>
+          </a:p>
+        </p:txBody>
+      </p:sp>
+      <p:sp>
+        <p:nvSpPr>
+          <p:cNvPr id="3" name="Title 1">
+            <a:extLst>
+              <a:ext uri="{FF2B5EF4-FFF2-40B4-BE49-F238E27FC236}">
+                <a16:creationId xmlns:a16="http://schemas.microsoft.com/office/drawing/2014/main" id="{C5BEE885-0CDE-47B5-9F04-F7B6D34C93BD}"/>
+              </a:ext>
+            </a:extLst>
+          </p:cNvPr>
+          <p:cNvSpPr txBox="1">
+            <a:spLocks/>
+          </p:cNvSpPr>
+          <p:nvPr/>
+        </p:nvSpPr>
+        <p:spPr>
+          <a:xfrm>
+            <a:off x="2695743" y="2936769"/>
+            <a:ext cx="8915399" cy="1468800"/>
+          </a:xfrm>
+          <a:prstGeom prst="rect">
+            <a:avLst/>
+          </a:prstGeom>
+        </p:spPr>
+        <p:txBody>
+          <a:bodyPr vert="horz" lIns="91440" tIns="45720" rIns="91440" bIns="45720" rtlCol="0" anchor="b">
+            <a:normAutofit/>
+          </a:bodyPr>
+          <a:lstStyle>
+            <a:lvl1pPr algn="l" defTabSz="457200" rtl="0" eaLnBrk="1" latinLnBrk="0" hangingPunct="1">
+              <a:spcBef>
+                <a:spcPct val="0"/>
+              </a:spcBef>
+              <a:buNone/>
+              <a:defRPr sz="4000" b="0" kern="1200" cap="none">
+                <a:solidFill>
+                  <a:schemeClr val="tx1">
+                    <a:lumMod val="85000"/>
+                    <a:lumOff val="15000"/>
+                  </a:schemeClr>
+                </a:solidFill>
+                <a:latin typeface="+mj-lt"/>
+                <a:ea typeface="+mj-ea"/>
+                <a:cs typeface="+mj-cs"/>
+              </a:defRPr>
+            </a:lvl1pPr>
+            <a:lvl2pPr eaLnBrk="1" hangingPunct="1">
+              <a:defRPr>
+                <a:solidFill>
+                  <a:schemeClr val="tx2"/>
+                </a:solidFill>
+              </a:defRPr>
+            </a:lvl2pPr>
+            <a:lvl3pPr eaLnBrk="1" hangingPunct="1">
+              <a:defRPr>
+                <a:solidFill>
+                  <a:schemeClr val="tx2"/>
+                </a:solidFill>
+              </a:defRPr>
+            </a:lvl3pPr>
+            <a:lvl4pPr eaLnBrk="1" hangingPunct="1">
+              <a:defRPr>
+                <a:solidFill>
+                  <a:schemeClr val="tx2"/>
+                </a:solidFill>
+              </a:defRPr>
+            </a:lvl4pPr>
+            <a:lvl5pPr eaLnBrk="1" hangingPunct="1">
+              <a:defRPr>
+                <a:solidFill>
+                  <a:schemeClr val="tx2"/>
+                </a:solidFill>
+              </a:defRPr>
+            </a:lvl5pPr>
+            <a:lvl6pPr eaLnBrk="1" hangingPunct="1">
+              <a:defRPr>
+                <a:solidFill>
+                  <a:schemeClr val="tx2"/>
+                </a:solidFill>
+              </a:defRPr>
+            </a:lvl6pPr>
+            <a:lvl7pPr eaLnBrk="1" hangingPunct="1">
+              <a:defRPr>
+                <a:solidFill>
+                  <a:schemeClr val="tx2"/>
+                </a:solidFill>
+              </a:defRPr>
+            </a:lvl7pPr>
+            <a:lvl8pPr eaLnBrk="1" hangingPunct="1">
+              <a:defRPr>
+                <a:solidFill>
+                  <a:schemeClr val="tx2"/>
+                </a:solidFill>
+              </a:defRPr>
+            </a:lvl8pPr>
+            <a:lvl9pPr eaLnBrk="1" hangingPunct="1">
+              <a:defRPr>
+                <a:solidFill>
+                  <a:schemeClr val="tx2"/>
+                </a:solidFill>
+              </a:defRPr>
+            </a:lvl9pPr>
+          </a:lstStyle>
+          <a:p>
+            <a:r>
+              <a:rPr lang="en-US" sz="2400" dirty="0">
+                <a:solidFill>
+                  <a:srgbClr val="202124"/>
+                </a:solidFill>
+                <a:latin typeface="Roboto" panose="02000000000000000000" pitchFamily="2" charset="0"/>
+              </a:rPr>
+              <a:t>Any Question ?</a:t>
+            </a:r>
+            <a:endParaRPr lang="en-US" sz="2400" dirty="0"/>
+          </a:p>
+        </p:txBody>
+      </p:sp>
+    </p:spTree>
+    <p:extLst>
+      <p:ext uri="{BB962C8B-B14F-4D97-AF65-F5344CB8AC3E}">
+        <p14:creationId xmlns:p14="http://schemas.microsoft.com/office/powerpoint/2010/main" val="4239345555"/>
+      </p:ext>
+    </p:extLst>
+  </p:cSld>
+  <p:clrMapOvr>
+    <a:masterClrMapping/>
+  </p:clrMapOvr>
+</p:sld>
+</file>
+
 <file path=ppt/slides/slide4.xml><?xml version="1.0" encoding="utf-8"?>
 <p:sld xmlns:a="http://schemas.openxmlformats.org/drawingml/2006/main" xmlns:r="http://schemas.openxmlformats.org/officeDocument/2006/relationships" xmlns:p="http://schemas.openxmlformats.org/presentationml/2006/main">
   <p:cSld>
@@ -10645,7 +12341,7 @@
           <a:p>
             <a:r>
               <a:rPr lang="en-US" dirty="0"/>
-              <a:t>The cost of K-means++ has long been recognized as being an expensive but necessary step for better results.</a:t>
+              <a:t>The cost of K-means++ has long been recognized as being an expensive but necessary step for better results</a:t>
             </a:r>
           </a:p>
           <a:p>
@@ -10734,21 +12430,6 @@
               <a:rPr lang="en-US" dirty="0"/>
               <a:t>…</a:t>
             </a:r>
-          </a:p>
-          <a:p>
-            <a:pPr lvl="1"/>
-            <a:endParaRPr lang="en-US" dirty="0"/>
-          </a:p>
-          <a:p>
-            <a:pPr lvl="2"/>
-            <a:endParaRPr lang="en-US" dirty="0"/>
-          </a:p>
-          <a:p>
-            <a:pPr lvl="3"/>
-            <a:endParaRPr lang="en-US" dirty="0"/>
-          </a:p>
-          <a:p>
-            <a:endParaRPr lang="en-US" dirty="0"/>
           </a:p>
           <a:p>
             <a:endParaRPr lang="en-US" dirty="0"/>
@@ -10921,12 +12602,15 @@
           <a:p>
             <a:endParaRPr lang="en-US" dirty="0"/>
           </a:p>
+          <a:p>
+            <a:endParaRPr lang="en-US" dirty="0"/>
+          </a:p>
         </p:txBody>
       </p:sp>
     </p:spTree>
     <p:extLst>
       <p:ext uri="{BB962C8B-B14F-4D97-AF65-F5344CB8AC3E}">
-        <p14:creationId xmlns:p14="http://schemas.microsoft.com/office/powerpoint/2010/main" val="2364019027"/>
+        <p14:creationId xmlns:p14="http://schemas.microsoft.com/office/powerpoint/2010/main" val="3862074575"/>
       </p:ext>
     </p:extLst>
   </p:cSld>
@@ -10983,7 +12667,7 @@
           <a:p>
             <a:r>
               <a:rPr lang="en-US" dirty="0"/>
-              <a:t>Accelerating K-Means++</a:t>
+              <a:t>K-Means++</a:t>
             </a:r>
           </a:p>
         </p:txBody>
@@ -11012,7 +12696,7 @@
         </p:spPr>
         <p:txBody>
           <a:bodyPr>
-            <a:normAutofit fontScale="92500" lnSpcReduction="20000"/>
+            <a:normAutofit/>
           </a:bodyPr>
           <a:lstStyle/>
           <a:p>
@@ -11056,91 +12740,30 @@
             <a:pPr lvl="1"/>
             <a:r>
               <a:rPr lang="en-US" dirty="0"/>
-              <a:t>Gamma: Distance of previous means to the last mean</a:t>
+              <a:t>Beta: new weight based on the squared distance of </a:t>
+            </a:r>
+            <a:r>
+              <a:rPr lang="en-US" altLang="ko-KR" dirty="0"/>
+              <a:t>X</a:t>
+            </a:r>
+            <a:r>
+              <a:rPr lang="ko-KR" altLang="en-US" dirty="0"/>
+              <a:t> </a:t>
+            </a:r>
+            <a:r>
+              <a:rPr lang="en-US" dirty="0"/>
+              <a:t>to the closest existing seed</a:t>
             </a:r>
           </a:p>
           <a:p>
             <a:pPr lvl="1"/>
             <a:r>
               <a:rPr lang="en-US" dirty="0"/>
-              <a:t>m: store means</a:t>
-            </a:r>
-          </a:p>
-          <a:p>
-            <a:pPr lvl="1"/>
-            <a:r>
-              <a:rPr lang="en-US" dirty="0"/>
-              <a:t>Q: priority queue</a:t>
-            </a:r>
-          </a:p>
-          <a:p>
-            <a:endParaRPr lang="en-US" dirty="0"/>
-          </a:p>
-          <a:p>
-            <a:r>
-              <a:rPr lang="en-US" dirty="0"/>
-              <a:t>Method of improving:</a:t>
-            </a:r>
-          </a:p>
-          <a:p>
-            <a:pPr lvl="1"/>
-            <a:r>
-              <a:rPr lang="en-US" dirty="0"/>
-              <a:t>Applying the Triangle Inequality</a:t>
-            </a:r>
-          </a:p>
-          <a:p>
-            <a:pPr lvl="2"/>
-            <a:r>
-              <a:rPr lang="en-US" dirty="0"/>
-              <a:t>Let x be a point and let b and c be centers. If d(</a:t>
-            </a:r>
-            <a:r>
-              <a:rPr lang="en-US" dirty="0" err="1"/>
-              <a:t>x,c</a:t>
-            </a:r>
-            <a:r>
-              <a:rPr lang="en-US" dirty="0"/>
-              <a:t>) &gt;= 2d(</a:t>
-            </a:r>
-            <a:r>
-              <a:rPr lang="en-US" dirty="0" err="1"/>
-              <a:t>x,b</a:t>
-            </a:r>
-            <a:r>
-              <a:rPr lang="en-US" dirty="0"/>
-              <a:t>) then d(</a:t>
-            </a:r>
-            <a:r>
-              <a:rPr lang="en-US" dirty="0" err="1"/>
-              <a:t>x,c</a:t>
-            </a:r>
-            <a:r>
-              <a:rPr lang="en-US" dirty="0"/>
-              <a:t>) &gt;= d(</a:t>
-            </a:r>
-            <a:r>
-              <a:rPr lang="en-US" dirty="0" err="1"/>
-              <a:t>x,b</a:t>
-            </a:r>
-            <a:r>
-              <a:rPr lang="en-US" dirty="0"/>
-              <a:t>)</a:t>
-            </a:r>
-          </a:p>
-          <a:p>
-            <a:pPr lvl="1"/>
-            <a:r>
-              <a:rPr lang="en-US" dirty="0"/>
-              <a:t>Create dynamic priority queue with binary heap tree</a:t>
-            </a:r>
-          </a:p>
-          <a:p>
-            <a:pPr lvl="2"/>
-            <a:r>
-              <a:rPr lang="en-US" dirty="0"/>
-              <a:t>How to update?</a:t>
-            </a:r>
+              <a:t>m: store means ( initial center )</a:t>
+            </a:r>
+          </a:p>
+          <a:p>
+            <a:endParaRPr lang="en-US" dirty="0"/>
           </a:p>
           <a:p>
             <a:pPr lvl="1"/>
@@ -11188,10 +12811,10 @@
       </p:grpSpPr>
       <p:pic>
         <p:nvPicPr>
-          <p:cNvPr id="5" name="Content Placeholder 4">
+          <p:cNvPr id="5" name="Content Placeholder 4" descr="Text, letter&#10;&#10;Description automatically generated">
             <a:extLst>
               <a:ext uri="{FF2B5EF4-FFF2-40B4-BE49-F238E27FC236}">
-                <a16:creationId xmlns:a16="http://schemas.microsoft.com/office/drawing/2014/main" id="{E6DD9A39-D765-274B-902F-4DCF5059605F}"/>
+                <a16:creationId xmlns:a16="http://schemas.microsoft.com/office/drawing/2014/main" id="{41E8E55B-908F-4704-9073-46F16815D2DC}"/>
               </a:ext>
             </a:extLst>
           </p:cNvPr>
@@ -11210,15 +12833,15 @@
         </p:blipFill>
         <p:spPr>
           <a:xfrm>
-            <a:off x="3534666" y="176811"/>
-            <a:ext cx="5122668" cy="6504378"/>
+            <a:off x="3306512" y="1539875"/>
+            <a:ext cx="5578975" cy="3778250"/>
           </a:xfrm>
         </p:spPr>
       </p:pic>
     </p:spTree>
     <p:extLst>
       <p:ext uri="{BB962C8B-B14F-4D97-AF65-F5344CB8AC3E}">
-        <p14:creationId xmlns:p14="http://schemas.microsoft.com/office/powerpoint/2010/main" val="2534195405"/>
+        <p14:creationId xmlns:p14="http://schemas.microsoft.com/office/powerpoint/2010/main" val="2562302652"/>
       </p:ext>
     </p:extLst>
   </p:cSld>
@@ -11275,7 +12898,7 @@
           <a:p>
             <a:r>
               <a:rPr lang="en-US" dirty="0"/>
-              <a:t>Accelerating K–Means||</a:t>
+              <a:t>Accelerating K-Means++</a:t>
             </a:r>
           </a:p>
         </p:txBody>
@@ -11329,91 +12952,114 @@
           </a:p>
           <a:p>
             <a:pPr lvl="1"/>
-            <a:r>
-              <a:rPr lang="en-US" dirty="0"/>
-              <a:t>R: number of rounds (5 in our implementation)</a:t>
+            <a:endParaRPr lang="en-US" dirty="0"/>
+          </a:p>
+          <a:p>
+            <a:r>
+              <a:rPr lang="en-US" dirty="0"/>
+              <a:t>Variables:</a:t>
             </a:r>
           </a:p>
           <a:p>
             <a:pPr lvl="1"/>
             <a:r>
               <a:rPr lang="en-US" dirty="0"/>
-              <a:t>L: over sampling factor (2xK in our implementation)</a:t>
+              <a:t>Alpha: cache the distance between each point and it’s closest mean</a:t>
             </a:r>
           </a:p>
           <a:p>
             <a:pPr lvl="1"/>
-            <a:endParaRPr lang="en-US" dirty="0"/>
-          </a:p>
-          <a:p>
-            <a:r>
-              <a:rPr lang="en-US" dirty="0"/>
-              <a:t>Variables:</a:t>
+            <a:r>
+              <a:rPr lang="en-US" dirty="0"/>
+              <a:t>Gamma: Distance of previous means to the last mean</a:t>
             </a:r>
           </a:p>
           <a:p>
             <a:pPr lvl="1"/>
             <a:r>
               <a:rPr lang="en-US" dirty="0"/>
-              <a:t>Alpha: cache the distance between each point and it’s closest mean</a:t>
+              <a:t>m: store means</a:t>
             </a:r>
           </a:p>
           <a:p>
             <a:pPr lvl="1"/>
             <a:r>
               <a:rPr lang="en-US" dirty="0"/>
-              <a:t>Gamma: Distance of previous means to the last mean</a:t>
+              <a:t>Q: priority queue</a:t>
+            </a:r>
+          </a:p>
+          <a:p>
+            <a:endParaRPr lang="en-US" dirty="0"/>
+          </a:p>
+          <a:p>
+            <a:r>
+              <a:rPr lang="en-US" dirty="0"/>
+              <a:t>Method of improving:</a:t>
             </a:r>
           </a:p>
           <a:p>
             <a:pPr lvl="1"/>
             <a:r>
               <a:rPr lang="en-US" dirty="0"/>
-              <a:t>c: our means</a:t>
+              <a:t>Applying the Triangle Inequality</a:t>
+            </a:r>
+          </a:p>
+          <a:p>
+            <a:pPr lvl="2"/>
+            <a:r>
+              <a:rPr lang="en-US" dirty="0"/>
+              <a:t>Let x be a point and let b and c be centers. If d(</a:t>
+            </a:r>
+            <a:r>
+              <a:rPr lang="en-US" dirty="0" err="1"/>
+              <a:t>x,c</a:t>
+            </a:r>
+            <a:r>
+              <a:rPr lang="en-US" dirty="0"/>
+              <a:t>) &gt;= 2d(</a:t>
+            </a:r>
+            <a:r>
+              <a:rPr lang="en-US" dirty="0" err="1"/>
+              <a:t>x,b</a:t>
+            </a:r>
+            <a:r>
+              <a:rPr lang="en-US" dirty="0"/>
+              <a:t>) then d(</a:t>
+            </a:r>
+            <a:r>
+              <a:rPr lang="en-US" dirty="0" err="1"/>
+              <a:t>x,c</a:t>
+            </a:r>
+            <a:r>
+              <a:rPr lang="en-US" dirty="0"/>
+              <a:t>) &gt;= d(</a:t>
+            </a:r>
+            <a:r>
+              <a:rPr lang="en-US" dirty="0" err="1"/>
+              <a:t>x,b</a:t>
+            </a:r>
+            <a:r>
+              <a:rPr lang="en-US" dirty="0"/>
+              <a:t>)</a:t>
             </a:r>
           </a:p>
           <a:p>
             <a:pPr lvl="1"/>
             <a:r>
               <a:rPr lang="en-US" dirty="0"/>
-              <a:t>C: </a:t>
-            </a:r>
-            <a:r>
-              <a:rPr lang="en-US" dirty="0" err="1"/>
-              <a:t>VPtree</a:t>
-            </a:r>
-            <a:endParaRPr lang="en-US" dirty="0"/>
-          </a:p>
-          <a:p>
-            <a:endParaRPr lang="en-US" dirty="0"/>
-          </a:p>
-          <a:p>
-            <a:r>
-              <a:rPr lang="en-US" dirty="0"/>
-              <a:t>Method of improving:</a:t>
+              <a:t>Create dynamic priority queue with binary heap tree</a:t>
+            </a:r>
+          </a:p>
+          <a:p>
+            <a:pPr lvl="2"/>
+            <a:r>
+              <a:rPr lang="en-US" dirty="0"/>
+              <a:t>How to update?</a:t>
             </a:r>
           </a:p>
           <a:p>
             <a:pPr lvl="1"/>
-            <a:r>
-              <a:rPr lang="en-US" dirty="0"/>
-              <a:t>Use the Vantage Point tree (VP) algorithm</a:t>
-            </a:r>
-            <a:r>
-              <a:rPr lang="fa-IR" dirty="0"/>
-              <a:t> </a:t>
-            </a:r>
-            <a:r>
-              <a:rPr lang="en-US" dirty="0"/>
-              <a:t>(instead of triangle inequality)</a:t>
-            </a:r>
-          </a:p>
-          <a:p>
-            <a:pPr lvl="2"/>
-            <a:r>
-              <a:rPr lang="en-US" dirty="0"/>
-              <a:t>Find nearest mean in O(log L)</a:t>
-            </a:r>
+            <a:endParaRPr lang="en-US" dirty="0"/>
           </a:p>
           <a:p>
             <a:pPr lvl="4"/>
@@ -11428,7 +13074,7 @@
     </p:spTree>
     <p:extLst>
       <p:ext uri="{BB962C8B-B14F-4D97-AF65-F5344CB8AC3E}">
-        <p14:creationId xmlns:p14="http://schemas.microsoft.com/office/powerpoint/2010/main" val="3174844557"/>
+        <p14:creationId xmlns:p14="http://schemas.microsoft.com/office/powerpoint/2010/main" val="2117913410"/>
       </p:ext>
     </p:extLst>
   </p:cSld>
@@ -11455,228 +13101,39 @@
           <a:chExt cx="0" cy="0"/>
         </a:xfrm>
       </p:grpSpPr>
-      <p:sp>
-        <p:nvSpPr>
-          <p:cNvPr id="2" name="Title 1">
+      <p:pic>
+        <p:nvPicPr>
+          <p:cNvPr id="5" name="Content Placeholder 4">
             <a:extLst>
               <a:ext uri="{FF2B5EF4-FFF2-40B4-BE49-F238E27FC236}">
-                <a16:creationId xmlns:a16="http://schemas.microsoft.com/office/drawing/2014/main" id="{66244946-847C-CC4B-8F89-51BC7A89FF2F}"/>
+                <a16:creationId xmlns:a16="http://schemas.microsoft.com/office/drawing/2014/main" id="{E6DD9A39-D765-274B-902F-4DCF5059605F}"/>
               </a:ext>
             </a:extLst>
           </p:cNvPr>
-          <p:cNvSpPr>
-            <a:spLocks noGrp="1"/>
-          </p:cNvSpPr>
-          <p:nvPr>
-            <p:ph type="title"/>
-          </p:nvPr>
-        </p:nvSpPr>
+          <p:cNvPicPr>
+            <a:picLocks noGrp="1" noChangeAspect="1"/>
+          </p:cNvPicPr>
+          <p:nvPr>
+            <p:ph idx="1"/>
+          </p:nvPr>
+        </p:nvPicPr>
+        <p:blipFill>
+          <a:blip r:embed="rId2"/>
+          <a:stretch>
+            <a:fillRect/>
+          </a:stretch>
+        </p:blipFill>
         <p:spPr>
           <a:xfrm>
-            <a:off x="2592925" y="624110"/>
-            <a:ext cx="8911687" cy="906516"/>
+            <a:off x="3534666" y="176811"/>
+            <a:ext cx="5122668" cy="6504378"/>
           </a:xfrm>
         </p:spPr>
-        <p:txBody>
-          <a:bodyPr>
-            <a:normAutofit/>
-          </a:bodyPr>
-          <a:lstStyle/>
-          <a:p>
-            <a:r>
-              <a:rPr lang="en-US" dirty="0"/>
-              <a:t>Nearest In Range Queries</a:t>
-            </a:r>
-          </a:p>
-        </p:txBody>
-      </p:sp>
-      <p:sp>
-        <p:nvSpPr>
-          <p:cNvPr id="3" name="Content Placeholder 2">
-            <a:extLst>
-              <a:ext uri="{FF2B5EF4-FFF2-40B4-BE49-F238E27FC236}">
-                <a16:creationId xmlns:a16="http://schemas.microsoft.com/office/drawing/2014/main" id="{330A7D1B-0225-C74E-BB86-3457D8F93200}"/>
-              </a:ext>
-            </a:extLst>
-          </p:cNvPr>
-          <p:cNvSpPr>
-            <a:spLocks noGrp="1"/>
-          </p:cNvSpPr>
-          <p:nvPr>
-            <p:ph idx="1"/>
-          </p:nvPr>
-        </p:nvSpPr>
-        <p:spPr>
-          <a:xfrm>
-            <a:off x="2589212" y="1530626"/>
-            <a:ext cx="8915400" cy="4850296"/>
-          </a:xfrm>
-        </p:spPr>
-        <p:txBody>
-          <a:bodyPr>
-            <a:normAutofit/>
-          </a:bodyPr>
-          <a:lstStyle/>
-          <a:p>
-            <a:r>
-              <a:rPr lang="en-US" dirty="0"/>
-              <a:t>Parameters:</a:t>
-            </a:r>
-          </a:p>
-          <a:p>
-            <a:pPr lvl="1"/>
-            <a:r>
-              <a:rPr lang="en-US" dirty="0"/>
-              <a:t>q: query point</a:t>
-            </a:r>
-          </a:p>
-          <a:p>
-            <a:pPr lvl="1"/>
-            <a:r>
-              <a:rPr lang="en-US" dirty="0"/>
-              <a:t>r: search within a radius of r to the query</a:t>
-            </a:r>
-          </a:p>
-          <a:p>
-            <a:pPr marL="457200" lvl="1" indent="0">
-              <a:buNone/>
-            </a:pPr>
-            <a:endParaRPr lang="en-US" dirty="0"/>
-          </a:p>
-          <a:p>
-            <a:r>
-              <a:rPr lang="en-US" dirty="0"/>
-              <a:t>Variables:</a:t>
-            </a:r>
-          </a:p>
-          <a:p>
-            <a:pPr lvl="1"/>
-            <a:r>
-              <a:rPr lang="en-US" dirty="0"/>
-              <a:t>tau: to keep track of the distance to the nearest neighbor found.</a:t>
-            </a:r>
-          </a:p>
-          <a:p>
-            <a:pPr lvl="1"/>
-            <a:r>
-              <a:rPr lang="en-US" dirty="0" err="1"/>
-              <a:t>near</a:t>
-            </a:r>
-            <a:r>
-              <a:rPr lang="en-US" baseline="-25000" dirty="0" err="1"/>
-              <a:t>low</a:t>
-            </a:r>
-            <a:r>
-              <a:rPr lang="en-US" baseline="30000" dirty="0"/>
-              <a:t> </a:t>
-            </a:r>
-            <a:r>
-              <a:rPr lang="en-US" dirty="0"/>
-              <a:t>,</a:t>
-            </a:r>
-            <a:r>
-              <a:rPr lang="en-US" baseline="30000" dirty="0"/>
-              <a:t> </a:t>
-            </a:r>
-            <a:r>
-              <a:rPr lang="en-US" dirty="0" err="1"/>
-              <a:t>near</a:t>
-            </a:r>
-            <a:r>
-              <a:rPr lang="en-US" baseline="-25000" dirty="0" err="1"/>
-              <a:t>high</a:t>
-            </a:r>
-            <a:r>
-              <a:rPr lang="en-US" dirty="0"/>
-              <a:t>: the shortest and farthest distance to the points in the </a:t>
-            </a:r>
-            <a:r>
-              <a:rPr lang="en-US" b="1" dirty="0"/>
-              <a:t>left</a:t>
-            </a:r>
-            <a:r>
-              <a:rPr lang="en-US" dirty="0"/>
-              <a:t> child</a:t>
-            </a:r>
-          </a:p>
-          <a:p>
-            <a:pPr lvl="1"/>
-            <a:r>
-              <a:rPr lang="en-US" dirty="0" err="1"/>
-              <a:t>far</a:t>
-            </a:r>
-            <a:r>
-              <a:rPr lang="en-US" baseline="-25000" dirty="0" err="1"/>
-              <a:t>ow</a:t>
-            </a:r>
-            <a:r>
-              <a:rPr lang="en-US" baseline="30000" dirty="0"/>
-              <a:t> </a:t>
-            </a:r>
-            <a:r>
-              <a:rPr lang="en-US" dirty="0"/>
-              <a:t>,</a:t>
-            </a:r>
-            <a:r>
-              <a:rPr lang="en-US" baseline="30000" dirty="0"/>
-              <a:t> </a:t>
-            </a:r>
-            <a:r>
-              <a:rPr lang="en-US" dirty="0" err="1"/>
-              <a:t>far</a:t>
-            </a:r>
-            <a:r>
-              <a:rPr lang="en-US" baseline="-25000" dirty="0" err="1"/>
-              <a:t>high</a:t>
-            </a:r>
-            <a:r>
-              <a:rPr lang="en-US" dirty="0"/>
-              <a:t>: the shortest and farthest distance to the points in the </a:t>
-            </a:r>
-            <a:r>
-              <a:rPr lang="en-US" b="1" dirty="0"/>
-              <a:t>right</a:t>
-            </a:r>
-            <a:r>
-              <a:rPr lang="en-US" dirty="0"/>
-              <a:t> child</a:t>
-            </a:r>
-          </a:p>
-          <a:p>
-            <a:pPr lvl="1"/>
-            <a:endParaRPr lang="en-US" dirty="0"/>
-          </a:p>
-          <a:p>
-            <a:r>
-              <a:rPr lang="en-US" dirty="0"/>
-              <a:t>Method of improving:</a:t>
-            </a:r>
-          </a:p>
-          <a:p>
-            <a:pPr lvl="1"/>
-            <a:r>
-              <a:rPr lang="en-US" dirty="0"/>
-              <a:t>Set initial tau = alpha[q]</a:t>
-            </a:r>
-          </a:p>
-          <a:p>
-            <a:pPr lvl="1"/>
-            <a:endParaRPr lang="en-US" dirty="0"/>
-          </a:p>
-          <a:p>
-            <a:pPr lvl="4"/>
-            <a:endParaRPr lang="en-US" dirty="0"/>
-          </a:p>
-          <a:p>
-            <a:pPr lvl="3"/>
-            <a:endParaRPr lang="en-US" dirty="0"/>
-          </a:p>
-        </p:txBody>
-      </p:sp>
+      </p:pic>
     </p:spTree>
     <p:extLst>
       <p:ext uri="{BB962C8B-B14F-4D97-AF65-F5344CB8AC3E}">
-        <p14:creationId xmlns:p14="http://schemas.microsoft.com/office/powerpoint/2010/main" val="2290554859"/>
+        <p14:creationId xmlns:p14="http://schemas.microsoft.com/office/powerpoint/2010/main" val="2534195405"/>
       </p:ext>
     </p:extLst>
   </p:cSld>

--- a/report/spr_final_paper.pptx
+++ b/report/spr_final_paper.pptx
@@ -4,6 +4,9 @@
   <p:sldMasterIdLst>
     <p:sldMasterId id="2147483648" r:id="rId1"/>
   </p:sldMasterIdLst>
+  <p:notesMasterIdLst>
+    <p:notesMasterId r:id="rId37"/>
+  </p:notesMasterIdLst>
   <p:sldIdLst>
     <p:sldId id="256" r:id="rId2"/>
     <p:sldId id="262" r:id="rId3"/>
@@ -37,7 +40,9 @@
     <p:sldId id="288" r:id="rId31"/>
     <p:sldId id="292" r:id="rId32"/>
     <p:sldId id="293" r:id="rId33"/>
-    <p:sldId id="294" r:id="rId34"/>
+    <p:sldId id="297" r:id="rId34"/>
+    <p:sldId id="300" r:id="rId35"/>
+    <p:sldId id="294" r:id="rId36"/>
   </p:sldIdLst>
   <p:sldSz cx="12192000" cy="6858000"/>
   <p:notesSz cx="6858000" cy="9144000"/>
@@ -144,6 +149,355 @@
 </p:presentation>
 </file>
 
+<file path=ppt/notesMasters/notesMaster1.xml><?xml version="1.0" encoding="utf-8"?>
+<p:notesMaster xmlns:a="http://schemas.openxmlformats.org/drawingml/2006/main" xmlns:r="http://schemas.openxmlformats.org/officeDocument/2006/relationships" xmlns:p="http://schemas.openxmlformats.org/presentationml/2006/main">
+  <p:cSld>
+    <p:bg>
+      <p:bgRef idx="1001">
+        <a:schemeClr val="bg1"/>
+      </p:bgRef>
+    </p:bg>
+    <p:spTree>
+      <p:nvGrpSpPr>
+        <p:cNvPr id="1" name=""/>
+        <p:cNvGrpSpPr/>
+        <p:nvPr/>
+      </p:nvGrpSpPr>
+      <p:grpSpPr>
+        <a:xfrm>
+          <a:off x="0" y="0"/>
+          <a:ext cx="0" cy="0"/>
+          <a:chOff x="0" y="0"/>
+          <a:chExt cx="0" cy="0"/>
+        </a:xfrm>
+      </p:grpSpPr>
+      <p:sp>
+        <p:nvSpPr>
+          <p:cNvPr id="2" name="Header Placeholder 1"/>
+          <p:cNvSpPr>
+            <a:spLocks noGrp="1"/>
+          </p:cNvSpPr>
+          <p:nvPr>
+            <p:ph type="hdr" sz="quarter"/>
+          </p:nvPr>
+        </p:nvSpPr>
+        <p:spPr>
+          <a:xfrm>
+            <a:off x="0" y="0"/>
+            <a:ext cx="2971800" cy="458788"/>
+          </a:xfrm>
+          <a:prstGeom prst="rect">
+            <a:avLst/>
+          </a:prstGeom>
+        </p:spPr>
+        <p:txBody>
+          <a:bodyPr vert="horz" lIns="91440" tIns="45720" rIns="91440" bIns="45720" rtlCol="0"/>
+          <a:lstStyle>
+            <a:lvl1pPr algn="l">
+              <a:defRPr sz="1200"/>
+            </a:lvl1pPr>
+          </a:lstStyle>
+          <a:p>
+            <a:endParaRPr lang="en-US"/>
+          </a:p>
+        </p:txBody>
+      </p:sp>
+      <p:sp>
+        <p:nvSpPr>
+          <p:cNvPr id="3" name="Date Placeholder 2"/>
+          <p:cNvSpPr>
+            <a:spLocks noGrp="1"/>
+          </p:cNvSpPr>
+          <p:nvPr>
+            <p:ph type="dt" idx="1"/>
+          </p:nvPr>
+        </p:nvSpPr>
+        <p:spPr>
+          <a:xfrm>
+            <a:off x="3884613" y="0"/>
+            <a:ext cx="2971800" cy="458788"/>
+          </a:xfrm>
+          <a:prstGeom prst="rect">
+            <a:avLst/>
+          </a:prstGeom>
+        </p:spPr>
+        <p:txBody>
+          <a:bodyPr vert="horz" lIns="91440" tIns="45720" rIns="91440" bIns="45720" rtlCol="0"/>
+          <a:lstStyle>
+            <a:lvl1pPr algn="r">
+              <a:defRPr sz="1200"/>
+            </a:lvl1pPr>
+          </a:lstStyle>
+          <a:p>
+            <a:fld id="{7B32E10E-B93B-1745-AB22-95E80222C29D}" type="datetimeFigureOut">
+              <a:rPr lang="en-US" smtClean="0"/>
+              <a:t>2/28/22</a:t>
+            </a:fld>
+            <a:endParaRPr lang="en-US"/>
+          </a:p>
+        </p:txBody>
+      </p:sp>
+      <p:sp>
+        <p:nvSpPr>
+          <p:cNvPr id="4" name="Slide Image Placeholder 3"/>
+          <p:cNvSpPr>
+            <a:spLocks noGrp="1" noRot="1" noChangeAspect="1"/>
+          </p:cNvSpPr>
+          <p:nvPr>
+            <p:ph type="sldImg" idx="2"/>
+          </p:nvPr>
+        </p:nvSpPr>
+        <p:spPr>
+          <a:xfrm>
+            <a:off x="685800" y="1143000"/>
+            <a:ext cx="5486400" cy="3086100"/>
+          </a:xfrm>
+          <a:prstGeom prst="rect">
+            <a:avLst/>
+          </a:prstGeom>
+          <a:noFill/>
+          <a:ln w="12700">
+            <a:solidFill>
+              <a:prstClr val="black"/>
+            </a:solidFill>
+          </a:ln>
+        </p:spPr>
+        <p:txBody>
+          <a:bodyPr vert="horz" lIns="91440" tIns="45720" rIns="91440" bIns="45720" rtlCol="0" anchor="ctr"/>
+          <a:lstStyle/>
+          <a:p>
+            <a:endParaRPr lang="en-US"/>
+          </a:p>
+        </p:txBody>
+      </p:sp>
+      <p:sp>
+        <p:nvSpPr>
+          <p:cNvPr id="5" name="Notes Placeholder 4"/>
+          <p:cNvSpPr>
+            <a:spLocks noGrp="1"/>
+          </p:cNvSpPr>
+          <p:nvPr>
+            <p:ph type="body" sz="quarter" idx="3"/>
+          </p:nvPr>
+        </p:nvSpPr>
+        <p:spPr>
+          <a:xfrm>
+            <a:off x="685800" y="4400550"/>
+            <a:ext cx="5486400" cy="3600450"/>
+          </a:xfrm>
+          <a:prstGeom prst="rect">
+            <a:avLst/>
+          </a:prstGeom>
+        </p:spPr>
+        <p:txBody>
+          <a:bodyPr vert="horz" lIns="91440" tIns="45720" rIns="91440" bIns="45720" rtlCol="0"/>
+          <a:lstStyle/>
+          <a:p>
+            <a:pPr lvl="0"/>
+            <a:r>
+              <a:rPr lang="en-US"/>
+              <a:t>Click to edit Master text styles</a:t>
+            </a:r>
+          </a:p>
+          <a:p>
+            <a:pPr lvl="1"/>
+            <a:r>
+              <a:rPr lang="en-US"/>
+              <a:t>Second level</a:t>
+            </a:r>
+          </a:p>
+          <a:p>
+            <a:pPr lvl="2"/>
+            <a:r>
+              <a:rPr lang="en-US"/>
+              <a:t>Third level</a:t>
+            </a:r>
+          </a:p>
+          <a:p>
+            <a:pPr lvl="3"/>
+            <a:r>
+              <a:rPr lang="en-US"/>
+              <a:t>Fourth level</a:t>
+            </a:r>
+          </a:p>
+          <a:p>
+            <a:pPr lvl="4"/>
+            <a:r>
+              <a:rPr lang="en-US"/>
+              <a:t>Fifth level</a:t>
+            </a:r>
+          </a:p>
+        </p:txBody>
+      </p:sp>
+      <p:sp>
+        <p:nvSpPr>
+          <p:cNvPr id="6" name="Footer Placeholder 5"/>
+          <p:cNvSpPr>
+            <a:spLocks noGrp="1"/>
+          </p:cNvSpPr>
+          <p:nvPr>
+            <p:ph type="ftr" sz="quarter" idx="4"/>
+          </p:nvPr>
+        </p:nvSpPr>
+        <p:spPr>
+          <a:xfrm>
+            <a:off x="0" y="8685213"/>
+            <a:ext cx="2971800" cy="458787"/>
+          </a:xfrm>
+          <a:prstGeom prst="rect">
+            <a:avLst/>
+          </a:prstGeom>
+        </p:spPr>
+        <p:txBody>
+          <a:bodyPr vert="horz" lIns="91440" tIns="45720" rIns="91440" bIns="45720" rtlCol="0" anchor="b"/>
+          <a:lstStyle>
+            <a:lvl1pPr algn="l">
+              <a:defRPr sz="1200"/>
+            </a:lvl1pPr>
+          </a:lstStyle>
+          <a:p>
+            <a:endParaRPr lang="en-US"/>
+          </a:p>
+        </p:txBody>
+      </p:sp>
+      <p:sp>
+        <p:nvSpPr>
+          <p:cNvPr id="7" name="Slide Number Placeholder 6"/>
+          <p:cNvSpPr>
+            <a:spLocks noGrp="1"/>
+          </p:cNvSpPr>
+          <p:nvPr>
+            <p:ph type="sldNum" sz="quarter" idx="5"/>
+          </p:nvPr>
+        </p:nvSpPr>
+        <p:spPr>
+          <a:xfrm>
+            <a:off x="3884613" y="8685213"/>
+            <a:ext cx="2971800" cy="458787"/>
+          </a:xfrm>
+          <a:prstGeom prst="rect">
+            <a:avLst/>
+          </a:prstGeom>
+        </p:spPr>
+        <p:txBody>
+          <a:bodyPr vert="horz" lIns="91440" tIns="45720" rIns="91440" bIns="45720" rtlCol="0" anchor="b"/>
+          <a:lstStyle>
+            <a:lvl1pPr algn="r">
+              <a:defRPr sz="1200"/>
+            </a:lvl1pPr>
+          </a:lstStyle>
+          <a:p>
+            <a:fld id="{7E1F9C6F-4983-EF4C-B167-6F40859517B6}" type="slidenum">
+              <a:rPr lang="en-US" smtClean="0"/>
+              <a:t>‹#›</a:t>
+            </a:fld>
+            <a:endParaRPr lang="en-US"/>
+          </a:p>
+        </p:txBody>
+      </p:sp>
+    </p:spTree>
+    <p:extLst>
+      <p:ext uri="{BB962C8B-B14F-4D97-AF65-F5344CB8AC3E}">
+        <p14:creationId xmlns:p14="http://schemas.microsoft.com/office/powerpoint/2010/main" val="2585147753"/>
+      </p:ext>
+    </p:extLst>
+  </p:cSld>
+  <p:clrMap bg1="lt1" tx1="dk1" bg2="lt2" tx2="dk2" accent1="accent1" accent2="accent2" accent3="accent3" accent4="accent4" accent5="accent5" accent6="accent6" hlink="hlink" folHlink="folHlink"/>
+  <p:notesStyle>
+    <a:lvl1pPr marL="0" algn="l" defTabSz="914400" rtl="0" eaLnBrk="1" latinLnBrk="0" hangingPunct="1">
+      <a:defRPr sz="1200" kern="1200">
+        <a:solidFill>
+          <a:schemeClr val="tx1"/>
+        </a:solidFill>
+        <a:latin typeface="+mn-lt"/>
+        <a:ea typeface="+mn-ea"/>
+        <a:cs typeface="+mn-cs"/>
+      </a:defRPr>
+    </a:lvl1pPr>
+    <a:lvl2pPr marL="457200" algn="l" defTabSz="914400" rtl="0" eaLnBrk="1" latinLnBrk="0" hangingPunct="1">
+      <a:defRPr sz="1200" kern="1200">
+        <a:solidFill>
+          <a:schemeClr val="tx1"/>
+        </a:solidFill>
+        <a:latin typeface="+mn-lt"/>
+        <a:ea typeface="+mn-ea"/>
+        <a:cs typeface="+mn-cs"/>
+      </a:defRPr>
+    </a:lvl2pPr>
+    <a:lvl3pPr marL="914400" algn="l" defTabSz="914400" rtl="0" eaLnBrk="1" latinLnBrk="0" hangingPunct="1">
+      <a:defRPr sz="1200" kern="1200">
+        <a:solidFill>
+          <a:schemeClr val="tx1"/>
+        </a:solidFill>
+        <a:latin typeface="+mn-lt"/>
+        <a:ea typeface="+mn-ea"/>
+        <a:cs typeface="+mn-cs"/>
+      </a:defRPr>
+    </a:lvl3pPr>
+    <a:lvl4pPr marL="1371600" algn="l" defTabSz="914400" rtl="0" eaLnBrk="1" latinLnBrk="0" hangingPunct="1">
+      <a:defRPr sz="1200" kern="1200">
+        <a:solidFill>
+          <a:schemeClr val="tx1"/>
+        </a:solidFill>
+        <a:latin typeface="+mn-lt"/>
+        <a:ea typeface="+mn-ea"/>
+        <a:cs typeface="+mn-cs"/>
+      </a:defRPr>
+    </a:lvl4pPr>
+    <a:lvl5pPr marL="1828800" algn="l" defTabSz="914400" rtl="0" eaLnBrk="1" latinLnBrk="0" hangingPunct="1">
+      <a:defRPr sz="1200" kern="1200">
+        <a:solidFill>
+          <a:schemeClr val="tx1"/>
+        </a:solidFill>
+        <a:latin typeface="+mn-lt"/>
+        <a:ea typeface="+mn-ea"/>
+        <a:cs typeface="+mn-cs"/>
+      </a:defRPr>
+    </a:lvl5pPr>
+    <a:lvl6pPr marL="2286000" algn="l" defTabSz="914400" rtl="0" eaLnBrk="1" latinLnBrk="0" hangingPunct="1">
+      <a:defRPr sz="1200" kern="1200">
+        <a:solidFill>
+          <a:schemeClr val="tx1"/>
+        </a:solidFill>
+        <a:latin typeface="+mn-lt"/>
+        <a:ea typeface="+mn-ea"/>
+        <a:cs typeface="+mn-cs"/>
+      </a:defRPr>
+    </a:lvl6pPr>
+    <a:lvl7pPr marL="2743200" algn="l" defTabSz="914400" rtl="0" eaLnBrk="1" latinLnBrk="0" hangingPunct="1">
+      <a:defRPr sz="1200" kern="1200">
+        <a:solidFill>
+          <a:schemeClr val="tx1"/>
+        </a:solidFill>
+        <a:latin typeface="+mn-lt"/>
+        <a:ea typeface="+mn-ea"/>
+        <a:cs typeface="+mn-cs"/>
+      </a:defRPr>
+    </a:lvl7pPr>
+    <a:lvl8pPr marL="3200400" algn="l" defTabSz="914400" rtl="0" eaLnBrk="1" latinLnBrk="0" hangingPunct="1">
+      <a:defRPr sz="1200" kern="1200">
+        <a:solidFill>
+          <a:schemeClr val="tx1"/>
+        </a:solidFill>
+        <a:latin typeface="+mn-lt"/>
+        <a:ea typeface="+mn-ea"/>
+        <a:cs typeface="+mn-cs"/>
+      </a:defRPr>
+    </a:lvl8pPr>
+    <a:lvl9pPr marL="3657600" algn="l" defTabSz="914400" rtl="0" eaLnBrk="1" latinLnBrk="0" hangingPunct="1">
+      <a:defRPr sz="1200" kern="1200">
+        <a:solidFill>
+          <a:schemeClr val="tx1"/>
+        </a:solidFill>
+        <a:latin typeface="+mn-lt"/>
+        <a:ea typeface="+mn-ea"/>
+        <a:cs typeface="+mn-cs"/>
+      </a:defRPr>
+    </a:lvl9pPr>
+  </p:notesStyle>
+</p:notesMaster>
+</file>
+
 <file path=ppt/slideLayouts/slideLayout1.xml><?xml version="1.0" encoding="utf-8"?>
 <p:sldLayout xmlns:a="http://schemas.openxmlformats.org/drawingml/2006/main" xmlns:r="http://schemas.openxmlformats.org/officeDocument/2006/relationships" xmlns:p="http://schemas.openxmlformats.org/presentationml/2006/main" type="title" preserve="1">
   <p:cSld name="Title Slide">
@@ -330,10 +684,9 @@
           <a:bodyPr/>
           <a:lstStyle/>
           <a:p>
-            <a:fld id="{B61BEF0D-F0BB-DE4B-95CE-6DB70DBA9567}" type="datetimeFigureOut">
-              <a:rPr lang="en-US" dirty="0"/>
-              <a:pPr/>
-              <a:t>2/28/2022</a:t>
+            <a:fld id="{D0B05694-ECCE-1041-AC33-B0A5EA2C2E8D}" type="datetime1">
+              <a:rPr lang="en-US" smtClean="0"/>
+              <a:t>2/28/22</a:t>
             </a:fld>
             <a:endParaRPr lang="en-US" dirty="0"/>
           </a:p>
@@ -665,10 +1018,9 @@
           <a:bodyPr/>
           <a:lstStyle/>
           <a:p>
-            <a:fld id="{B61BEF0D-F0BB-DE4B-95CE-6DB70DBA9567}" type="datetimeFigureOut">
-              <a:rPr lang="en-US" dirty="0"/>
-              <a:pPr/>
-              <a:t>2/28/2022</a:t>
+            <a:fld id="{D1563029-200D-CA45-BD5E-B031784C52EE}" type="datetime1">
+              <a:rPr lang="en-US" smtClean="0"/>
+              <a:t>2/28/22</a:t>
             </a:fld>
             <a:endParaRPr lang="en-US" dirty="0"/>
           </a:p>
@@ -1063,10 +1415,9 @@
           <a:bodyPr/>
           <a:lstStyle/>
           <a:p>
-            <a:fld id="{B61BEF0D-F0BB-DE4B-95CE-6DB70DBA9567}" type="datetimeFigureOut">
-              <a:rPr lang="en-US" dirty="0"/>
-              <a:pPr/>
-              <a:t>2/28/2022</a:t>
+            <a:fld id="{199B1665-68BA-4543-826E-D1432876AC60}" type="datetime1">
+              <a:rPr lang="en-US" smtClean="0"/>
+              <a:t>2/28/22</a:t>
             </a:fld>
             <a:endParaRPr lang="en-US" dirty="0"/>
           </a:p>
@@ -1396,10 +1747,9 @@
           <a:bodyPr/>
           <a:lstStyle/>
           <a:p>
-            <a:fld id="{B61BEF0D-F0BB-DE4B-95CE-6DB70DBA9567}" type="datetimeFigureOut">
-              <a:rPr lang="en-US" dirty="0"/>
-              <a:pPr/>
-              <a:t>2/28/2022</a:t>
+            <a:fld id="{E17349FB-6826-4242-8576-E66DCF8C73D6}" type="datetime1">
+              <a:rPr lang="en-US" smtClean="0"/>
+              <a:t>2/28/22</a:t>
             </a:fld>
             <a:endParaRPr lang="en-US" dirty="0"/>
           </a:p>
@@ -1713,10 +2063,9 @@
           <a:bodyPr/>
           <a:lstStyle/>
           <a:p>
-            <a:fld id="{B61BEF0D-F0BB-DE4B-95CE-6DB70DBA9567}" type="datetimeFigureOut">
-              <a:rPr lang="en-US" dirty="0"/>
-              <a:pPr/>
-              <a:t>2/28/2022</a:t>
+            <a:fld id="{7A1B4CCE-21B0-374C-A113-D3DE159EB45F}" type="datetime1">
+              <a:rPr lang="en-US" smtClean="0"/>
+              <a:t>2/28/22</a:t>
             </a:fld>
             <a:endParaRPr lang="en-US" dirty="0"/>
           </a:p>
@@ -2106,10 +2455,9 @@
           <a:bodyPr/>
           <a:lstStyle/>
           <a:p>
-            <a:fld id="{B61BEF0D-F0BB-DE4B-95CE-6DB70DBA9567}" type="datetimeFigureOut">
-              <a:rPr lang="en-US" dirty="0"/>
-              <a:pPr/>
-              <a:t>2/28/2022</a:t>
+            <a:fld id="{7F7CC2FB-32A6-844A-BADA-CE03C9B16AEF}" type="datetime1">
+              <a:rPr lang="en-US" smtClean="0"/>
+              <a:t>2/28/22</a:t>
             </a:fld>
             <a:endParaRPr lang="en-US" dirty="0"/>
           </a:p>
@@ -2360,10 +2708,9 @@
           <a:bodyPr/>
           <a:lstStyle/>
           <a:p>
-            <a:fld id="{B61BEF0D-F0BB-DE4B-95CE-6DB70DBA9567}" type="datetimeFigureOut">
-              <a:rPr lang="en-US" dirty="0"/>
-              <a:pPr/>
-              <a:t>2/28/2022</a:t>
+            <a:fld id="{3B79196F-E658-454F-A5F2-D66EB1CE97AE}" type="datetime1">
+              <a:rPr lang="en-US" smtClean="0"/>
+              <a:t>2/28/22</a:t>
             </a:fld>
             <a:endParaRPr lang="en-US" dirty="0"/>
           </a:p>
@@ -2619,10 +2966,9 @@
           <a:bodyPr/>
           <a:lstStyle/>
           <a:p>
-            <a:fld id="{B61BEF0D-F0BB-DE4B-95CE-6DB70DBA9567}" type="datetimeFigureOut">
-              <a:rPr lang="en-US" dirty="0"/>
-              <a:pPr/>
-              <a:t>2/28/2022</a:t>
+            <a:fld id="{EB995EDB-2D91-554B-9275-80F918203355}" type="datetime1">
+              <a:rPr lang="en-US" smtClean="0"/>
+              <a:t>2/28/22</a:t>
             </a:fld>
             <a:endParaRPr lang="en-US" dirty="0"/>
           </a:p>
@@ -2878,10 +3224,9 @@
           <a:bodyPr/>
           <a:lstStyle/>
           <a:p>
-            <a:fld id="{B61BEF0D-F0BB-DE4B-95CE-6DB70DBA9567}" type="datetimeFigureOut">
-              <a:rPr lang="en-US" dirty="0"/>
-              <a:pPr/>
-              <a:t>2/28/2022</a:t>
+            <a:fld id="{4302989A-7590-7A49-8D28-55F64ABADC31}" type="datetime1">
+              <a:rPr lang="en-US" smtClean="0"/>
+              <a:t>2/28/22</a:t>
             </a:fld>
             <a:endParaRPr lang="en-US" dirty="0"/>
           </a:p>
@@ -3204,10 +3549,9 @@
           <a:bodyPr/>
           <a:lstStyle/>
           <a:p>
-            <a:fld id="{B61BEF0D-F0BB-DE4B-95CE-6DB70DBA9567}" type="datetimeFigureOut">
-              <a:rPr lang="en-US" dirty="0"/>
-              <a:pPr/>
-              <a:t>2/28/2022</a:t>
+            <a:fld id="{A93ED613-59A0-2C43-9F34-3B11D206DD58}" type="datetime1">
+              <a:rPr lang="en-US" smtClean="0"/>
+              <a:t>2/28/22</a:t>
             </a:fld>
             <a:endParaRPr lang="en-US" dirty="0"/>
           </a:p>
@@ -3524,10 +3868,9 @@
           <a:bodyPr/>
           <a:lstStyle/>
           <a:p>
-            <a:fld id="{B61BEF0D-F0BB-DE4B-95CE-6DB70DBA9567}" type="datetimeFigureOut">
-              <a:rPr lang="en-US" dirty="0"/>
-              <a:pPr/>
-              <a:t>2/28/2022</a:t>
+            <a:fld id="{9AEC3C69-AC16-8043-A858-C7462EE4AA92}" type="datetime1">
+              <a:rPr lang="en-US" smtClean="0"/>
+              <a:t>2/28/22</a:t>
             </a:fld>
             <a:endParaRPr lang="en-US" dirty="0"/>
           </a:p>
@@ -3978,10 +4321,9 @@
           <a:bodyPr/>
           <a:lstStyle/>
           <a:p>
-            <a:fld id="{B61BEF0D-F0BB-DE4B-95CE-6DB70DBA9567}" type="datetimeFigureOut">
-              <a:rPr lang="en-US" dirty="0"/>
-              <a:pPr/>
-              <a:t>2/28/2022</a:t>
+            <a:fld id="{D75BAB58-F68C-F54C-A83C-404F90750030}" type="datetime1">
+              <a:rPr lang="en-US" smtClean="0"/>
+              <a:t>2/28/22</a:t>
             </a:fld>
             <a:endParaRPr lang="en-US" dirty="0"/>
           </a:p>
@@ -4180,10 +4522,9 @@
           <a:bodyPr/>
           <a:lstStyle/>
           <a:p>
-            <a:fld id="{B61BEF0D-F0BB-DE4B-95CE-6DB70DBA9567}" type="datetimeFigureOut">
-              <a:rPr lang="en-US" dirty="0"/>
-              <a:pPr/>
-              <a:t>2/28/2022</a:t>
+            <a:fld id="{9C1966E6-CA49-764A-B23D-C3B68A13DB6C}" type="datetime1">
+              <a:rPr lang="en-US" smtClean="0"/>
+              <a:t>2/28/22</a:t>
             </a:fld>
             <a:endParaRPr lang="en-US" dirty="0"/>
           </a:p>
@@ -4354,10 +4695,9 @@
           <a:bodyPr/>
           <a:lstStyle/>
           <a:p>
-            <a:fld id="{B61BEF0D-F0BB-DE4B-95CE-6DB70DBA9567}" type="datetimeFigureOut">
-              <a:rPr lang="en-US" dirty="0"/>
-              <a:pPr/>
-              <a:t>2/28/2022</a:t>
+            <a:fld id="{7D775A12-71CC-C04D-97C9-BB7A8B38856D}" type="datetime1">
+              <a:rPr lang="en-US" smtClean="0"/>
+              <a:t>2/28/22</a:t>
             </a:fld>
             <a:endParaRPr lang="en-US" dirty="0"/>
           </a:p>
@@ -4684,10 +5024,9 @@
           <a:bodyPr/>
           <a:lstStyle/>
           <a:p>
-            <a:fld id="{B61BEF0D-F0BB-DE4B-95CE-6DB70DBA9567}" type="datetimeFigureOut">
-              <a:rPr lang="en-US" dirty="0"/>
-              <a:pPr/>
-              <a:t>2/28/2022</a:t>
+            <a:fld id="{E6FDA270-6B82-B041-8C3C-163B9421185A}" type="datetime1">
+              <a:rPr lang="en-US" smtClean="0"/>
+              <a:t>2/28/22</a:t>
             </a:fld>
             <a:endParaRPr lang="en-US" dirty="0"/>
           </a:p>
@@ -5026,10 +5365,9 @@
           <a:bodyPr/>
           <a:lstStyle/>
           <a:p>
-            <a:fld id="{B61BEF0D-F0BB-DE4B-95CE-6DB70DBA9567}" type="datetimeFigureOut">
-              <a:rPr lang="en-US" dirty="0"/>
-              <a:pPr/>
-              <a:t>2/28/2022</a:t>
+            <a:fld id="{174B1FEC-BF90-3144-89AF-D656EADCD578}" type="datetime1">
+              <a:rPr lang="en-US" smtClean="0"/>
+              <a:t>2/28/22</a:t>
             </a:fld>
             <a:endParaRPr lang="en-US" dirty="0"/>
           </a:p>
@@ -7140,10 +7478,9 @@
             </a:lvl1pPr>
           </a:lstStyle>
           <a:p>
-            <a:fld id="{B61BEF0D-F0BB-DE4B-95CE-6DB70DBA9567}" type="datetimeFigureOut">
-              <a:rPr lang="en-US" dirty="0"/>
-              <a:pPr/>
-              <a:t>2/28/2022</a:t>
+            <a:fld id="{117C3BFA-2EEF-EB44-838A-A00BA074CA42}" type="datetime1">
+              <a:rPr lang="en-US" smtClean="0"/>
+              <a:t>2/28/22</a:t>
             </a:fld>
             <a:endParaRPr lang="en-US" dirty="0"/>
           </a:p>
@@ -7247,6 +7584,7 @@
     <p:sldLayoutId id="2147483658" r:id="rId15"/>
     <p:sldLayoutId id="2147483659" r:id="rId16"/>
   </p:sldLayoutIdLst>
+  <p:hf hdr="0" ftr="0" dt="0"/>
   <p:txStyles>
     <p:titleStyle>
       <a:lvl1pPr algn="l" defTabSz="457200" rtl="0" eaLnBrk="1" latinLnBrk="0" hangingPunct="1">
@@ -7745,6 +8083,36 @@
           </a:p>
         </p:txBody>
       </p:sp>
+      <p:sp>
+        <p:nvSpPr>
+          <p:cNvPr id="4" name="Slide Number Placeholder 3">
+            <a:extLst>
+              <a:ext uri="{FF2B5EF4-FFF2-40B4-BE49-F238E27FC236}">
+                <a16:creationId xmlns:a16="http://schemas.microsoft.com/office/drawing/2014/main" id="{5A2C9B37-C32B-AA4A-9CAB-47A93C3763A9}"/>
+              </a:ext>
+            </a:extLst>
+          </p:cNvPr>
+          <p:cNvSpPr>
+            <a:spLocks noGrp="1"/>
+          </p:cNvSpPr>
+          <p:nvPr>
+            <p:ph type="sldNum" sz="quarter" idx="12"/>
+          </p:nvPr>
+        </p:nvSpPr>
+        <p:spPr/>
+        <p:txBody>
+          <a:bodyPr/>
+          <a:lstStyle/>
+          <a:p>
+            <a:fld id="{D57F1E4F-1CFF-5643-939E-217C01CDF565}" type="slidenum">
+              <a:rPr lang="en-US" smtClean="0"/>
+              <a:pPr/>
+              <a:t>1</a:t>
+            </a:fld>
+            <a:endParaRPr lang="en-US" dirty="0"/>
+          </a:p>
+        </p:txBody>
+      </p:sp>
     </p:spTree>
     <p:extLst>
       <p:ext uri="{BB962C8B-B14F-4D97-AF65-F5344CB8AC3E}">
@@ -7924,6 +8292,36 @@
           </a:p>
           <a:p>
             <a:pPr lvl="3"/>
+            <a:endParaRPr lang="en-US" dirty="0"/>
+          </a:p>
+        </p:txBody>
+      </p:sp>
+      <p:sp>
+        <p:nvSpPr>
+          <p:cNvPr id="4" name="Slide Number Placeholder 3">
+            <a:extLst>
+              <a:ext uri="{FF2B5EF4-FFF2-40B4-BE49-F238E27FC236}">
+                <a16:creationId xmlns:a16="http://schemas.microsoft.com/office/drawing/2014/main" id="{46C88608-BEAB-404F-AB89-80C6B37111CE}"/>
+              </a:ext>
+            </a:extLst>
+          </p:cNvPr>
+          <p:cNvSpPr>
+            <a:spLocks noGrp="1"/>
+          </p:cNvSpPr>
+          <p:nvPr>
+            <p:ph type="sldNum" sz="quarter" idx="12"/>
+          </p:nvPr>
+        </p:nvSpPr>
+        <p:spPr/>
+        <p:txBody>
+          <a:bodyPr/>
+          <a:lstStyle/>
+          <a:p>
+            <a:fld id="{D57F1E4F-1CFF-5643-939E-217C01CDF565}" type="slidenum">
+              <a:rPr lang="en-US" smtClean="0"/>
+              <a:pPr/>
+              <a:t>10</a:t>
+            </a:fld>
             <a:endParaRPr lang="en-US" dirty="0"/>
           </a:p>
         </p:txBody>
@@ -7987,6 +8385,36 @@
           </a:xfrm>
         </p:spPr>
       </p:pic>
+      <p:sp>
+        <p:nvSpPr>
+          <p:cNvPr id="2" name="Slide Number Placeholder 1">
+            <a:extLst>
+              <a:ext uri="{FF2B5EF4-FFF2-40B4-BE49-F238E27FC236}">
+                <a16:creationId xmlns:a16="http://schemas.microsoft.com/office/drawing/2014/main" id="{FD9838B4-5085-D049-A1D6-D53FCD71F31A}"/>
+              </a:ext>
+            </a:extLst>
+          </p:cNvPr>
+          <p:cNvSpPr>
+            <a:spLocks noGrp="1"/>
+          </p:cNvSpPr>
+          <p:nvPr>
+            <p:ph type="sldNum" sz="quarter" idx="12"/>
+          </p:nvPr>
+        </p:nvSpPr>
+        <p:spPr/>
+        <p:txBody>
+          <a:bodyPr/>
+          <a:lstStyle/>
+          <a:p>
+            <a:fld id="{D57F1E4F-1CFF-5643-939E-217C01CDF565}" type="slidenum">
+              <a:rPr lang="en-US" smtClean="0"/>
+              <a:pPr/>
+              <a:t>11</a:t>
+            </a:fld>
+            <a:endParaRPr lang="en-US" dirty="0"/>
+          </a:p>
+        </p:txBody>
+      </p:sp>
     </p:spTree>
     <p:extLst>
       <p:ext uri="{BB962C8B-B14F-4D97-AF65-F5344CB8AC3E}">
@@ -8197,6 +8625,36 @@
           </a:p>
         </p:txBody>
       </p:sp>
+      <p:sp>
+        <p:nvSpPr>
+          <p:cNvPr id="4" name="Slide Number Placeholder 3">
+            <a:extLst>
+              <a:ext uri="{FF2B5EF4-FFF2-40B4-BE49-F238E27FC236}">
+                <a16:creationId xmlns:a16="http://schemas.microsoft.com/office/drawing/2014/main" id="{ACD03B0C-2696-4345-BDA0-35183293F2C9}"/>
+              </a:ext>
+            </a:extLst>
+          </p:cNvPr>
+          <p:cNvSpPr>
+            <a:spLocks noGrp="1"/>
+          </p:cNvSpPr>
+          <p:nvPr>
+            <p:ph type="sldNum" sz="quarter" idx="12"/>
+          </p:nvPr>
+        </p:nvSpPr>
+        <p:spPr/>
+        <p:txBody>
+          <a:bodyPr/>
+          <a:lstStyle/>
+          <a:p>
+            <a:fld id="{D57F1E4F-1CFF-5643-939E-217C01CDF565}" type="slidenum">
+              <a:rPr lang="en-US" smtClean="0"/>
+              <a:pPr/>
+              <a:t>12</a:t>
+            </a:fld>
+            <a:endParaRPr lang="en-US" dirty="0"/>
+          </a:p>
+        </p:txBody>
+      </p:sp>
     </p:spTree>
     <p:extLst>
       <p:ext uri="{BB962C8B-B14F-4D97-AF65-F5344CB8AC3E}">
@@ -8445,6 +8903,36 @@
           </a:p>
         </p:txBody>
       </p:sp>
+      <p:sp>
+        <p:nvSpPr>
+          <p:cNvPr id="4" name="Slide Number Placeholder 3">
+            <a:extLst>
+              <a:ext uri="{FF2B5EF4-FFF2-40B4-BE49-F238E27FC236}">
+                <a16:creationId xmlns:a16="http://schemas.microsoft.com/office/drawing/2014/main" id="{42E2F857-357A-0F4B-9504-111076780C40}"/>
+              </a:ext>
+            </a:extLst>
+          </p:cNvPr>
+          <p:cNvSpPr>
+            <a:spLocks noGrp="1"/>
+          </p:cNvSpPr>
+          <p:nvPr>
+            <p:ph type="sldNum" sz="quarter" idx="12"/>
+          </p:nvPr>
+        </p:nvSpPr>
+        <p:spPr/>
+        <p:txBody>
+          <a:bodyPr/>
+          <a:lstStyle/>
+          <a:p>
+            <a:fld id="{D57F1E4F-1CFF-5643-939E-217C01CDF565}" type="slidenum">
+              <a:rPr lang="en-US" smtClean="0"/>
+              <a:pPr/>
+              <a:t>13</a:t>
+            </a:fld>
+            <a:endParaRPr lang="en-US" dirty="0"/>
+          </a:p>
+        </p:txBody>
+      </p:sp>
     </p:spTree>
     <p:extLst>
       <p:ext uri="{BB962C8B-B14F-4D97-AF65-F5344CB8AC3E}">
@@ -8539,6 +9027,36 @@
           </a:xfrm>
         </p:spPr>
       </p:pic>
+      <p:sp>
+        <p:nvSpPr>
+          <p:cNvPr id="3" name="Slide Number Placeholder 2">
+            <a:extLst>
+              <a:ext uri="{FF2B5EF4-FFF2-40B4-BE49-F238E27FC236}">
+                <a16:creationId xmlns:a16="http://schemas.microsoft.com/office/drawing/2014/main" id="{E85827BA-8F5F-D549-B7A6-0F6340A57F24}"/>
+              </a:ext>
+            </a:extLst>
+          </p:cNvPr>
+          <p:cNvSpPr>
+            <a:spLocks noGrp="1"/>
+          </p:cNvSpPr>
+          <p:nvPr>
+            <p:ph type="sldNum" sz="quarter" idx="12"/>
+          </p:nvPr>
+        </p:nvSpPr>
+        <p:spPr/>
+        <p:txBody>
+          <a:bodyPr/>
+          <a:lstStyle/>
+          <a:p>
+            <a:fld id="{D57F1E4F-1CFF-5643-939E-217C01CDF565}" type="slidenum">
+              <a:rPr lang="en-US" smtClean="0"/>
+              <a:pPr/>
+              <a:t>14</a:t>
+            </a:fld>
+            <a:endParaRPr lang="en-US" dirty="0"/>
+          </a:p>
+        </p:txBody>
+      </p:sp>
     </p:spTree>
     <p:extLst>
       <p:ext uri="{BB962C8B-B14F-4D97-AF65-F5344CB8AC3E}">
@@ -8599,6 +9117,36 @@
           </a:prstGeom>
         </p:spPr>
       </p:pic>
+      <p:sp>
+        <p:nvSpPr>
+          <p:cNvPr id="2" name="Slide Number Placeholder 1">
+            <a:extLst>
+              <a:ext uri="{FF2B5EF4-FFF2-40B4-BE49-F238E27FC236}">
+                <a16:creationId xmlns:a16="http://schemas.microsoft.com/office/drawing/2014/main" id="{E18B1F3A-A4E6-A546-95BC-0901162EEEB2}"/>
+              </a:ext>
+            </a:extLst>
+          </p:cNvPr>
+          <p:cNvSpPr>
+            <a:spLocks noGrp="1"/>
+          </p:cNvSpPr>
+          <p:nvPr>
+            <p:ph type="sldNum" sz="quarter" idx="12"/>
+          </p:nvPr>
+        </p:nvSpPr>
+        <p:spPr/>
+        <p:txBody>
+          <a:bodyPr/>
+          <a:lstStyle/>
+          <a:p>
+            <a:fld id="{D57F1E4F-1CFF-5643-939E-217C01CDF565}" type="slidenum">
+              <a:rPr lang="en-US" smtClean="0"/>
+              <a:pPr/>
+              <a:t>15</a:t>
+            </a:fld>
+            <a:endParaRPr lang="en-US" dirty="0"/>
+          </a:p>
+        </p:txBody>
+      </p:sp>
     </p:spTree>
     <p:extLst>
       <p:ext uri="{BB962C8B-B14F-4D97-AF65-F5344CB8AC3E}">
@@ -8659,6 +9207,36 @@
           </a:prstGeom>
         </p:spPr>
       </p:pic>
+      <p:sp>
+        <p:nvSpPr>
+          <p:cNvPr id="2" name="Slide Number Placeholder 1">
+            <a:extLst>
+              <a:ext uri="{FF2B5EF4-FFF2-40B4-BE49-F238E27FC236}">
+                <a16:creationId xmlns:a16="http://schemas.microsoft.com/office/drawing/2014/main" id="{0C8F4EA8-CB5D-9D41-90E1-4F204EAB2335}"/>
+              </a:ext>
+            </a:extLst>
+          </p:cNvPr>
+          <p:cNvSpPr>
+            <a:spLocks noGrp="1"/>
+          </p:cNvSpPr>
+          <p:nvPr>
+            <p:ph type="sldNum" sz="quarter" idx="12"/>
+          </p:nvPr>
+        </p:nvSpPr>
+        <p:spPr/>
+        <p:txBody>
+          <a:bodyPr/>
+          <a:lstStyle/>
+          <a:p>
+            <a:fld id="{D57F1E4F-1CFF-5643-939E-217C01CDF565}" type="slidenum">
+              <a:rPr lang="en-US" smtClean="0"/>
+              <a:pPr/>
+              <a:t>16</a:t>
+            </a:fld>
+            <a:endParaRPr lang="en-US" dirty="0"/>
+          </a:p>
+        </p:txBody>
+      </p:sp>
     </p:spTree>
     <p:extLst>
       <p:ext uri="{BB962C8B-B14F-4D97-AF65-F5344CB8AC3E}">
@@ -8822,6 +9400,36 @@
           </a:p>
         </p:txBody>
       </p:sp>
+      <p:sp>
+        <p:nvSpPr>
+          <p:cNvPr id="4" name="Slide Number Placeholder 3">
+            <a:extLst>
+              <a:ext uri="{FF2B5EF4-FFF2-40B4-BE49-F238E27FC236}">
+                <a16:creationId xmlns:a16="http://schemas.microsoft.com/office/drawing/2014/main" id="{054E07FC-2C1A-1A4C-8389-86CDF7B5F963}"/>
+              </a:ext>
+            </a:extLst>
+          </p:cNvPr>
+          <p:cNvSpPr>
+            <a:spLocks noGrp="1"/>
+          </p:cNvSpPr>
+          <p:nvPr>
+            <p:ph type="sldNum" sz="quarter" idx="12"/>
+          </p:nvPr>
+        </p:nvSpPr>
+        <p:spPr/>
+        <p:txBody>
+          <a:bodyPr/>
+          <a:lstStyle/>
+          <a:p>
+            <a:fld id="{D57F1E4F-1CFF-5643-939E-217C01CDF565}" type="slidenum">
+              <a:rPr lang="en-US" smtClean="0"/>
+              <a:pPr/>
+              <a:t>17</a:t>
+            </a:fld>
+            <a:endParaRPr lang="en-US" dirty="0"/>
+          </a:p>
+        </p:txBody>
+      </p:sp>
     </p:spTree>
     <p:extLst>
       <p:ext uri="{BB962C8B-B14F-4D97-AF65-F5344CB8AC3E}">
@@ -8972,6 +9580,36 @@
           </a:prstGeom>
         </p:spPr>
       </p:pic>
+      <p:sp>
+        <p:nvSpPr>
+          <p:cNvPr id="4" name="Slide Number Placeholder 3">
+            <a:extLst>
+              <a:ext uri="{FF2B5EF4-FFF2-40B4-BE49-F238E27FC236}">
+                <a16:creationId xmlns:a16="http://schemas.microsoft.com/office/drawing/2014/main" id="{5D7BA8E2-EE39-224E-87BC-B553DF6A77B4}"/>
+              </a:ext>
+            </a:extLst>
+          </p:cNvPr>
+          <p:cNvSpPr>
+            <a:spLocks noGrp="1"/>
+          </p:cNvSpPr>
+          <p:nvPr>
+            <p:ph type="sldNum" sz="quarter" idx="12"/>
+          </p:nvPr>
+        </p:nvSpPr>
+        <p:spPr/>
+        <p:txBody>
+          <a:bodyPr/>
+          <a:lstStyle/>
+          <a:p>
+            <a:fld id="{D57F1E4F-1CFF-5643-939E-217C01CDF565}" type="slidenum">
+              <a:rPr lang="en-US" smtClean="0"/>
+              <a:pPr/>
+              <a:t>18</a:t>
+            </a:fld>
+            <a:endParaRPr lang="en-US" dirty="0"/>
+          </a:p>
+        </p:txBody>
+      </p:sp>
     </p:spTree>
     <p:extLst>
       <p:ext uri="{BB962C8B-B14F-4D97-AF65-F5344CB8AC3E}">
@@ -9139,6 +9777,36 @@
           </a:prstGeom>
         </p:spPr>
       </p:pic>
+      <p:sp>
+        <p:nvSpPr>
+          <p:cNvPr id="4" name="Slide Number Placeholder 3">
+            <a:extLst>
+              <a:ext uri="{FF2B5EF4-FFF2-40B4-BE49-F238E27FC236}">
+                <a16:creationId xmlns:a16="http://schemas.microsoft.com/office/drawing/2014/main" id="{8B93673B-21DC-5346-93F1-599C7D42460C}"/>
+              </a:ext>
+            </a:extLst>
+          </p:cNvPr>
+          <p:cNvSpPr>
+            <a:spLocks noGrp="1"/>
+          </p:cNvSpPr>
+          <p:nvPr>
+            <p:ph type="sldNum" sz="quarter" idx="12"/>
+          </p:nvPr>
+        </p:nvSpPr>
+        <p:spPr/>
+        <p:txBody>
+          <a:bodyPr/>
+          <a:lstStyle/>
+          <a:p>
+            <a:fld id="{D57F1E4F-1CFF-5643-939E-217C01CDF565}" type="slidenum">
+              <a:rPr lang="en-US" smtClean="0"/>
+              <a:pPr/>
+              <a:t>19</a:t>
+            </a:fld>
+            <a:endParaRPr lang="en-US" dirty="0"/>
+          </a:p>
+        </p:txBody>
+      </p:sp>
     </p:spTree>
     <p:extLst>
       <p:ext uri="{BB962C8B-B14F-4D97-AF65-F5344CB8AC3E}">
@@ -9267,6 +9935,36 @@
           </a:p>
         </p:txBody>
       </p:sp>
+      <p:sp>
+        <p:nvSpPr>
+          <p:cNvPr id="4" name="Slide Number Placeholder 3">
+            <a:extLst>
+              <a:ext uri="{FF2B5EF4-FFF2-40B4-BE49-F238E27FC236}">
+                <a16:creationId xmlns:a16="http://schemas.microsoft.com/office/drawing/2014/main" id="{6990AEBE-2A65-DE4A-ADB6-A277DE5B15BA}"/>
+              </a:ext>
+            </a:extLst>
+          </p:cNvPr>
+          <p:cNvSpPr>
+            <a:spLocks noGrp="1"/>
+          </p:cNvSpPr>
+          <p:nvPr>
+            <p:ph type="sldNum" sz="quarter" idx="12"/>
+          </p:nvPr>
+        </p:nvSpPr>
+        <p:spPr/>
+        <p:txBody>
+          <a:bodyPr/>
+          <a:lstStyle/>
+          <a:p>
+            <a:fld id="{D57F1E4F-1CFF-5643-939E-217C01CDF565}" type="slidenum">
+              <a:rPr lang="en-US" smtClean="0"/>
+              <a:pPr/>
+              <a:t>2</a:t>
+            </a:fld>
+            <a:endParaRPr lang="en-US" dirty="0"/>
+          </a:p>
+        </p:txBody>
+      </p:sp>
     </p:spTree>
     <p:extLst>
       <p:ext uri="{BB962C8B-B14F-4D97-AF65-F5344CB8AC3E}">
@@ -9322,6 +10020,36 @@
               <a:rPr lang="en-US" dirty="0"/>
               <a:t>An overview of the work done</a:t>
             </a:r>
+          </a:p>
+        </p:txBody>
+      </p:sp>
+      <p:sp>
+        <p:nvSpPr>
+          <p:cNvPr id="3" name="Slide Number Placeholder 2">
+            <a:extLst>
+              <a:ext uri="{FF2B5EF4-FFF2-40B4-BE49-F238E27FC236}">
+                <a16:creationId xmlns:a16="http://schemas.microsoft.com/office/drawing/2014/main" id="{09ADE5F0-CA8A-E849-A0FA-DC675B755296}"/>
+              </a:ext>
+            </a:extLst>
+          </p:cNvPr>
+          <p:cNvSpPr>
+            <a:spLocks noGrp="1"/>
+          </p:cNvSpPr>
+          <p:nvPr>
+            <p:ph type="sldNum" sz="quarter" idx="12"/>
+          </p:nvPr>
+        </p:nvSpPr>
+        <p:spPr/>
+        <p:txBody>
+          <a:bodyPr/>
+          <a:lstStyle/>
+          <a:p>
+            <a:fld id="{D57F1E4F-1CFF-5643-939E-217C01CDF565}" type="slidenum">
+              <a:rPr lang="en-US" smtClean="0"/>
+              <a:pPr/>
+              <a:t>20</a:t>
+            </a:fld>
+            <a:endParaRPr lang="en-US" dirty="0"/>
           </a:p>
         </p:txBody>
       </p:sp>
@@ -9799,6 +10527,36 @@
           </a:p>
         </p:txBody>
       </p:sp>
+      <p:sp>
+        <p:nvSpPr>
+          <p:cNvPr id="4" name="Slide Number Placeholder 3">
+            <a:extLst>
+              <a:ext uri="{FF2B5EF4-FFF2-40B4-BE49-F238E27FC236}">
+                <a16:creationId xmlns:a16="http://schemas.microsoft.com/office/drawing/2014/main" id="{D54B35B2-919C-A848-B3E9-6B9FBADA2C80}"/>
+              </a:ext>
+            </a:extLst>
+          </p:cNvPr>
+          <p:cNvSpPr>
+            <a:spLocks noGrp="1"/>
+          </p:cNvSpPr>
+          <p:nvPr>
+            <p:ph type="sldNum" sz="quarter" idx="12"/>
+          </p:nvPr>
+        </p:nvSpPr>
+        <p:spPr/>
+        <p:txBody>
+          <a:bodyPr/>
+          <a:lstStyle/>
+          <a:p>
+            <a:fld id="{D57F1E4F-1CFF-5643-939E-217C01CDF565}" type="slidenum">
+              <a:rPr lang="en-US" smtClean="0"/>
+              <a:pPr/>
+              <a:t>21</a:t>
+            </a:fld>
+            <a:endParaRPr lang="en-US" dirty="0"/>
+          </a:p>
+        </p:txBody>
+      </p:sp>
     </p:spTree>
     <p:extLst>
       <p:ext uri="{BB962C8B-B14F-4D97-AF65-F5344CB8AC3E}">
@@ -9992,6 +10750,36 @@
           </a:p>
         </p:txBody>
       </p:sp>
+      <p:sp>
+        <p:nvSpPr>
+          <p:cNvPr id="4" name="Slide Number Placeholder 3">
+            <a:extLst>
+              <a:ext uri="{FF2B5EF4-FFF2-40B4-BE49-F238E27FC236}">
+                <a16:creationId xmlns:a16="http://schemas.microsoft.com/office/drawing/2014/main" id="{2A0EAC3C-CD1B-3C47-B8F0-82689B05245C}"/>
+              </a:ext>
+            </a:extLst>
+          </p:cNvPr>
+          <p:cNvSpPr>
+            <a:spLocks noGrp="1"/>
+          </p:cNvSpPr>
+          <p:nvPr>
+            <p:ph type="sldNum" sz="quarter" idx="12"/>
+          </p:nvPr>
+        </p:nvSpPr>
+        <p:spPr/>
+        <p:txBody>
+          <a:bodyPr/>
+          <a:lstStyle/>
+          <a:p>
+            <a:fld id="{D57F1E4F-1CFF-5643-939E-217C01CDF565}" type="slidenum">
+              <a:rPr lang="en-US" smtClean="0"/>
+              <a:pPr/>
+              <a:t>22</a:t>
+            </a:fld>
+            <a:endParaRPr lang="en-US" dirty="0"/>
+          </a:p>
+        </p:txBody>
+      </p:sp>
     </p:spTree>
     <p:extLst>
       <p:ext uri="{BB962C8B-B14F-4D97-AF65-F5344CB8AC3E}">
@@ -10145,6 +10933,36 @@
           </a:p>
         </p:txBody>
       </p:sp>
+      <p:sp>
+        <p:nvSpPr>
+          <p:cNvPr id="4" name="Slide Number Placeholder 3">
+            <a:extLst>
+              <a:ext uri="{FF2B5EF4-FFF2-40B4-BE49-F238E27FC236}">
+                <a16:creationId xmlns:a16="http://schemas.microsoft.com/office/drawing/2014/main" id="{3EA8976F-9EEB-F74B-8A31-24C824F94DB4}"/>
+              </a:ext>
+            </a:extLst>
+          </p:cNvPr>
+          <p:cNvSpPr>
+            <a:spLocks noGrp="1"/>
+          </p:cNvSpPr>
+          <p:nvPr>
+            <p:ph type="sldNum" sz="quarter" idx="12"/>
+          </p:nvPr>
+        </p:nvSpPr>
+        <p:spPr/>
+        <p:txBody>
+          <a:bodyPr/>
+          <a:lstStyle/>
+          <a:p>
+            <a:fld id="{D57F1E4F-1CFF-5643-939E-217C01CDF565}" type="slidenum">
+              <a:rPr lang="en-US" smtClean="0"/>
+              <a:pPr/>
+              <a:t>23</a:t>
+            </a:fld>
+            <a:endParaRPr lang="en-US" dirty="0"/>
+          </a:p>
+        </p:txBody>
+      </p:sp>
     </p:spTree>
     <p:extLst>
       <p:ext uri="{BB962C8B-B14F-4D97-AF65-F5344CB8AC3E}">
@@ -10354,6 +11172,36 @@
           </a:p>
         </p:txBody>
       </p:sp>
+      <p:sp>
+        <p:nvSpPr>
+          <p:cNvPr id="4" name="Slide Number Placeholder 3">
+            <a:extLst>
+              <a:ext uri="{FF2B5EF4-FFF2-40B4-BE49-F238E27FC236}">
+                <a16:creationId xmlns:a16="http://schemas.microsoft.com/office/drawing/2014/main" id="{40EC273E-26B5-EB48-ABED-7DD48A454FED}"/>
+              </a:ext>
+            </a:extLst>
+          </p:cNvPr>
+          <p:cNvSpPr>
+            <a:spLocks noGrp="1"/>
+          </p:cNvSpPr>
+          <p:nvPr>
+            <p:ph type="sldNum" sz="quarter" idx="12"/>
+          </p:nvPr>
+        </p:nvSpPr>
+        <p:spPr/>
+        <p:txBody>
+          <a:bodyPr/>
+          <a:lstStyle/>
+          <a:p>
+            <a:fld id="{D57F1E4F-1CFF-5643-939E-217C01CDF565}" type="slidenum">
+              <a:rPr lang="en-US" smtClean="0"/>
+              <a:pPr/>
+              <a:t>24</a:t>
+            </a:fld>
+            <a:endParaRPr lang="en-US" dirty="0"/>
+          </a:p>
+        </p:txBody>
+      </p:sp>
     </p:spTree>
     <p:extLst>
       <p:ext uri="{BB962C8B-B14F-4D97-AF65-F5344CB8AC3E}">
@@ -10550,6 +11398,36 @@
           </a:p>
         </p:txBody>
       </p:sp>
+      <p:sp>
+        <p:nvSpPr>
+          <p:cNvPr id="4" name="Slide Number Placeholder 3">
+            <a:extLst>
+              <a:ext uri="{FF2B5EF4-FFF2-40B4-BE49-F238E27FC236}">
+                <a16:creationId xmlns:a16="http://schemas.microsoft.com/office/drawing/2014/main" id="{9EAE4A6B-AFCA-B24F-8849-3E33174335D7}"/>
+              </a:ext>
+            </a:extLst>
+          </p:cNvPr>
+          <p:cNvSpPr>
+            <a:spLocks noGrp="1"/>
+          </p:cNvSpPr>
+          <p:nvPr>
+            <p:ph type="sldNum" sz="quarter" idx="12"/>
+          </p:nvPr>
+        </p:nvSpPr>
+        <p:spPr/>
+        <p:txBody>
+          <a:bodyPr/>
+          <a:lstStyle/>
+          <a:p>
+            <a:fld id="{D57F1E4F-1CFF-5643-939E-217C01CDF565}" type="slidenum">
+              <a:rPr lang="en-US" smtClean="0"/>
+              <a:pPr/>
+              <a:t>25</a:t>
+            </a:fld>
+            <a:endParaRPr lang="en-US" dirty="0"/>
+          </a:p>
+        </p:txBody>
+      </p:sp>
     </p:spTree>
     <p:extLst>
       <p:ext uri="{BB962C8B-B14F-4D97-AF65-F5344CB8AC3E}">
@@ -10795,6 +11673,36 @@
           </a:p>
         </p:txBody>
       </p:sp>
+      <p:sp>
+        <p:nvSpPr>
+          <p:cNvPr id="4" name="Slide Number Placeholder 3">
+            <a:extLst>
+              <a:ext uri="{FF2B5EF4-FFF2-40B4-BE49-F238E27FC236}">
+                <a16:creationId xmlns:a16="http://schemas.microsoft.com/office/drawing/2014/main" id="{592AD422-F6DF-4143-9448-7441ED911CC9}"/>
+              </a:ext>
+            </a:extLst>
+          </p:cNvPr>
+          <p:cNvSpPr>
+            <a:spLocks noGrp="1"/>
+          </p:cNvSpPr>
+          <p:nvPr>
+            <p:ph type="sldNum" sz="quarter" idx="12"/>
+          </p:nvPr>
+        </p:nvSpPr>
+        <p:spPr/>
+        <p:txBody>
+          <a:bodyPr/>
+          <a:lstStyle/>
+          <a:p>
+            <a:fld id="{D57F1E4F-1CFF-5643-939E-217C01CDF565}" type="slidenum">
+              <a:rPr lang="en-US" smtClean="0"/>
+              <a:pPr/>
+              <a:t>26</a:t>
+            </a:fld>
+            <a:endParaRPr lang="en-US" dirty="0"/>
+          </a:p>
+        </p:txBody>
+      </p:sp>
     </p:spTree>
     <p:extLst>
       <p:ext uri="{BB962C8B-B14F-4D97-AF65-F5344CB8AC3E}">
@@ -11008,6 +11916,36 @@
           </a:p>
         </p:txBody>
       </p:sp>
+      <p:sp>
+        <p:nvSpPr>
+          <p:cNvPr id="4" name="Slide Number Placeholder 3">
+            <a:extLst>
+              <a:ext uri="{FF2B5EF4-FFF2-40B4-BE49-F238E27FC236}">
+                <a16:creationId xmlns:a16="http://schemas.microsoft.com/office/drawing/2014/main" id="{35CE59BE-9770-0F48-A07B-1BAC87F0A59D}"/>
+              </a:ext>
+            </a:extLst>
+          </p:cNvPr>
+          <p:cNvSpPr>
+            <a:spLocks noGrp="1"/>
+          </p:cNvSpPr>
+          <p:nvPr>
+            <p:ph type="sldNum" sz="quarter" idx="12"/>
+          </p:nvPr>
+        </p:nvSpPr>
+        <p:spPr/>
+        <p:txBody>
+          <a:bodyPr/>
+          <a:lstStyle/>
+          <a:p>
+            <a:fld id="{D57F1E4F-1CFF-5643-939E-217C01CDF565}" type="slidenum">
+              <a:rPr lang="en-US" smtClean="0"/>
+              <a:pPr/>
+              <a:t>27</a:t>
+            </a:fld>
+            <a:endParaRPr lang="en-US" dirty="0"/>
+          </a:p>
+        </p:txBody>
+      </p:sp>
     </p:spTree>
     <p:extLst>
       <p:ext uri="{BB962C8B-B14F-4D97-AF65-F5344CB8AC3E}">
@@ -11227,6 +12165,36 @@
           </a:p>
         </p:txBody>
       </p:sp>
+      <p:sp>
+        <p:nvSpPr>
+          <p:cNvPr id="4" name="Slide Number Placeholder 3">
+            <a:extLst>
+              <a:ext uri="{FF2B5EF4-FFF2-40B4-BE49-F238E27FC236}">
+                <a16:creationId xmlns:a16="http://schemas.microsoft.com/office/drawing/2014/main" id="{1CE4CE42-1EE3-4A46-9931-6A2D8E4A020B}"/>
+              </a:ext>
+            </a:extLst>
+          </p:cNvPr>
+          <p:cNvSpPr>
+            <a:spLocks noGrp="1"/>
+          </p:cNvSpPr>
+          <p:nvPr>
+            <p:ph type="sldNum" sz="quarter" idx="12"/>
+          </p:nvPr>
+        </p:nvSpPr>
+        <p:spPr/>
+        <p:txBody>
+          <a:bodyPr/>
+          <a:lstStyle/>
+          <a:p>
+            <a:fld id="{D57F1E4F-1CFF-5643-939E-217C01CDF565}" type="slidenum">
+              <a:rPr lang="en-US" smtClean="0"/>
+              <a:pPr/>
+              <a:t>28</a:t>
+            </a:fld>
+            <a:endParaRPr lang="en-US" dirty="0"/>
+          </a:p>
+        </p:txBody>
+      </p:sp>
     </p:spTree>
     <p:extLst>
       <p:ext uri="{BB962C8B-B14F-4D97-AF65-F5344CB8AC3E}">
@@ -11454,6 +12422,36 @@
           </a:p>
         </p:txBody>
       </p:sp>
+      <p:sp>
+        <p:nvSpPr>
+          <p:cNvPr id="4" name="Slide Number Placeholder 3">
+            <a:extLst>
+              <a:ext uri="{FF2B5EF4-FFF2-40B4-BE49-F238E27FC236}">
+                <a16:creationId xmlns:a16="http://schemas.microsoft.com/office/drawing/2014/main" id="{39E265F9-7826-7F4A-A0CB-61FDBECA3D5E}"/>
+              </a:ext>
+            </a:extLst>
+          </p:cNvPr>
+          <p:cNvSpPr>
+            <a:spLocks noGrp="1"/>
+          </p:cNvSpPr>
+          <p:nvPr>
+            <p:ph type="sldNum" sz="quarter" idx="12"/>
+          </p:nvPr>
+        </p:nvSpPr>
+        <p:spPr/>
+        <p:txBody>
+          <a:bodyPr/>
+          <a:lstStyle/>
+          <a:p>
+            <a:fld id="{D57F1E4F-1CFF-5643-939E-217C01CDF565}" type="slidenum">
+              <a:rPr lang="en-US" smtClean="0"/>
+              <a:pPr/>
+              <a:t>29</a:t>
+            </a:fld>
+            <a:endParaRPr lang="en-US" dirty="0"/>
+          </a:p>
+        </p:txBody>
+      </p:sp>
     </p:spTree>
     <p:extLst>
       <p:ext uri="{BB962C8B-B14F-4D97-AF65-F5344CB8AC3E}">
@@ -11612,6 +12610,36 @@
           </a:p>
         </p:txBody>
       </p:sp>
+      <p:sp>
+        <p:nvSpPr>
+          <p:cNvPr id="4" name="Slide Number Placeholder 3">
+            <a:extLst>
+              <a:ext uri="{FF2B5EF4-FFF2-40B4-BE49-F238E27FC236}">
+                <a16:creationId xmlns:a16="http://schemas.microsoft.com/office/drawing/2014/main" id="{58959534-6C6B-4A46-B61E-12513DC0A9BA}"/>
+              </a:ext>
+            </a:extLst>
+          </p:cNvPr>
+          <p:cNvSpPr>
+            <a:spLocks noGrp="1"/>
+          </p:cNvSpPr>
+          <p:nvPr>
+            <p:ph type="sldNum" sz="quarter" idx="12"/>
+          </p:nvPr>
+        </p:nvSpPr>
+        <p:spPr/>
+        <p:txBody>
+          <a:bodyPr/>
+          <a:lstStyle/>
+          <a:p>
+            <a:fld id="{D57F1E4F-1CFF-5643-939E-217C01CDF565}" type="slidenum">
+              <a:rPr lang="en-US" smtClean="0"/>
+              <a:pPr/>
+              <a:t>3</a:t>
+            </a:fld>
+            <a:endParaRPr lang="en-US" dirty="0"/>
+          </a:p>
+        </p:txBody>
+      </p:sp>
     </p:spTree>
     <p:extLst>
       <p:ext uri="{BB962C8B-B14F-4D97-AF65-F5344CB8AC3E}">
@@ -11839,6 +12867,36 @@
           </a:p>
         </p:txBody>
       </p:sp>
+      <p:sp>
+        <p:nvSpPr>
+          <p:cNvPr id="4" name="Slide Number Placeholder 3">
+            <a:extLst>
+              <a:ext uri="{FF2B5EF4-FFF2-40B4-BE49-F238E27FC236}">
+                <a16:creationId xmlns:a16="http://schemas.microsoft.com/office/drawing/2014/main" id="{D67C9978-5F3F-E74F-B32C-22DE3A2BB476}"/>
+              </a:ext>
+            </a:extLst>
+          </p:cNvPr>
+          <p:cNvSpPr>
+            <a:spLocks noGrp="1"/>
+          </p:cNvSpPr>
+          <p:nvPr>
+            <p:ph type="sldNum" sz="quarter" idx="12"/>
+          </p:nvPr>
+        </p:nvSpPr>
+        <p:spPr/>
+        <p:txBody>
+          <a:bodyPr/>
+          <a:lstStyle/>
+          <a:p>
+            <a:fld id="{D57F1E4F-1CFF-5643-939E-217C01CDF565}" type="slidenum">
+              <a:rPr lang="en-US" smtClean="0"/>
+              <a:pPr/>
+              <a:t>30</a:t>
+            </a:fld>
+            <a:endParaRPr lang="en-US" dirty="0"/>
+          </a:p>
+        </p:txBody>
+      </p:sp>
     </p:spTree>
     <p:extLst>
       <p:ext uri="{BB962C8B-B14F-4D97-AF65-F5344CB8AC3E}">
@@ -11952,6 +13010,36 @@
           </a:p>
         </p:txBody>
       </p:sp>
+      <p:sp>
+        <p:nvSpPr>
+          <p:cNvPr id="4" name="Slide Number Placeholder 3">
+            <a:extLst>
+              <a:ext uri="{FF2B5EF4-FFF2-40B4-BE49-F238E27FC236}">
+                <a16:creationId xmlns:a16="http://schemas.microsoft.com/office/drawing/2014/main" id="{ACEFD7ED-2B33-9C4D-8932-72736D0A2C63}"/>
+              </a:ext>
+            </a:extLst>
+          </p:cNvPr>
+          <p:cNvSpPr>
+            <a:spLocks noGrp="1"/>
+          </p:cNvSpPr>
+          <p:nvPr>
+            <p:ph type="sldNum" sz="quarter" idx="12"/>
+          </p:nvPr>
+        </p:nvSpPr>
+        <p:spPr/>
+        <p:txBody>
+          <a:bodyPr/>
+          <a:lstStyle/>
+          <a:p>
+            <a:fld id="{D57F1E4F-1CFF-5643-939E-217C01CDF565}" type="slidenum">
+              <a:rPr lang="en-US" smtClean="0"/>
+              <a:pPr/>
+              <a:t>31</a:t>
+            </a:fld>
+            <a:endParaRPr lang="en-US" dirty="0"/>
+          </a:p>
+        </p:txBody>
+      </p:sp>
     </p:spTree>
     <p:extLst>
       <p:ext uri="{BB962C8B-B14F-4D97-AF65-F5344CB8AC3E}">
@@ -12060,6 +13148,36 @@
           </a:p>
         </p:txBody>
       </p:sp>
+      <p:sp>
+        <p:nvSpPr>
+          <p:cNvPr id="4" name="Slide Number Placeholder 3">
+            <a:extLst>
+              <a:ext uri="{FF2B5EF4-FFF2-40B4-BE49-F238E27FC236}">
+                <a16:creationId xmlns:a16="http://schemas.microsoft.com/office/drawing/2014/main" id="{E49AB11B-3419-174C-B806-EBF2CA29534B}"/>
+              </a:ext>
+            </a:extLst>
+          </p:cNvPr>
+          <p:cNvSpPr>
+            <a:spLocks noGrp="1"/>
+          </p:cNvSpPr>
+          <p:nvPr>
+            <p:ph type="sldNum" sz="quarter" idx="12"/>
+          </p:nvPr>
+        </p:nvSpPr>
+        <p:spPr/>
+        <p:txBody>
+          <a:bodyPr/>
+          <a:lstStyle/>
+          <a:p>
+            <a:fld id="{D57F1E4F-1CFF-5643-939E-217C01CDF565}" type="slidenum">
+              <a:rPr lang="en-US" smtClean="0"/>
+              <a:pPr/>
+              <a:t>32</a:t>
+            </a:fld>
+            <a:endParaRPr lang="en-US" dirty="0"/>
+          </a:p>
+        </p:txBody>
+      </p:sp>
     </p:spTree>
     <p:extLst>
       <p:ext uri="{BB962C8B-B14F-4D97-AF65-F5344CB8AC3E}">
@@ -12074,6 +13192,437 @@
 </file>
 
 <file path=ppt/slides/slide33.xml><?xml version="1.0" encoding="utf-8"?>
+<p:sld xmlns:a="http://schemas.openxmlformats.org/drawingml/2006/main" xmlns:r="http://schemas.openxmlformats.org/officeDocument/2006/relationships" xmlns:p="http://schemas.openxmlformats.org/presentationml/2006/main">
+  <p:cSld>
+    <p:spTree>
+      <p:nvGrpSpPr>
+        <p:cNvPr id="1" name=""/>
+        <p:cNvGrpSpPr/>
+        <p:nvPr/>
+      </p:nvGrpSpPr>
+      <p:grpSpPr>
+        <a:xfrm>
+          <a:off x="0" y="0"/>
+          <a:ext cx="0" cy="0"/>
+          <a:chOff x="0" y="0"/>
+          <a:chExt cx="0" cy="0"/>
+        </a:xfrm>
+      </p:grpSpPr>
+      <p:sp>
+        <p:nvSpPr>
+          <p:cNvPr id="2" name="Title 1">
+            <a:extLst>
+              <a:ext uri="{FF2B5EF4-FFF2-40B4-BE49-F238E27FC236}">
+                <a16:creationId xmlns:a16="http://schemas.microsoft.com/office/drawing/2014/main" id="{66244946-847C-CC4B-8F89-51BC7A89FF2F}"/>
+              </a:ext>
+            </a:extLst>
+          </p:cNvPr>
+          <p:cNvSpPr>
+            <a:spLocks noGrp="1"/>
+          </p:cNvSpPr>
+          <p:nvPr>
+            <p:ph type="title"/>
+          </p:nvPr>
+        </p:nvSpPr>
+        <p:spPr>
+          <a:xfrm>
+            <a:off x="2592925" y="624110"/>
+            <a:ext cx="8911687" cy="906516"/>
+          </a:xfrm>
+        </p:spPr>
+        <p:txBody>
+          <a:bodyPr>
+            <a:normAutofit/>
+          </a:bodyPr>
+          <a:lstStyle/>
+          <a:p>
+            <a:r>
+              <a:rPr lang="en-US" b="1" dirty="0"/>
+              <a:t>Algorithm 2</a:t>
+            </a:r>
+            <a:r>
+              <a:rPr lang="en-US" dirty="0"/>
+              <a:t> Accelerating K-Means++</a:t>
+            </a:r>
+          </a:p>
+        </p:txBody>
+      </p:sp>
+      <p:sp>
+        <p:nvSpPr>
+          <p:cNvPr id="3" name="Content Placeholder 2">
+            <a:extLst>
+              <a:ext uri="{FF2B5EF4-FFF2-40B4-BE49-F238E27FC236}">
+                <a16:creationId xmlns:a16="http://schemas.microsoft.com/office/drawing/2014/main" id="{330A7D1B-0225-C74E-BB86-3457D8F93200}"/>
+              </a:ext>
+            </a:extLst>
+          </p:cNvPr>
+          <p:cNvSpPr>
+            <a:spLocks noGrp="1"/>
+          </p:cNvSpPr>
+          <p:nvPr>
+            <p:ph idx="1"/>
+          </p:nvPr>
+        </p:nvSpPr>
+        <p:spPr>
+          <a:xfrm>
+            <a:off x="2589212" y="1530626"/>
+            <a:ext cx="8915400" cy="4850296"/>
+          </a:xfrm>
+        </p:spPr>
+        <p:txBody>
+          <a:bodyPr>
+            <a:normAutofit/>
+          </a:bodyPr>
+          <a:lstStyle/>
+          <a:p>
+            <a:pPr marL="0" indent="0">
+              <a:buNone/>
+            </a:pPr>
+            <a:r>
+              <a:rPr lang="en-US" dirty="0"/>
+              <a:t>We'll find seed with accelerated K-Means++ method first using </a:t>
+            </a:r>
+            <a:r>
+              <a:rPr lang="en-US" dirty="0" err="1"/>
+              <a:t>landa</a:t>
+            </a:r>
+            <a:r>
+              <a:rPr lang="en-US" dirty="0"/>
+              <a:t> for randomness then create priority queue using a standard binary heap which highest priority has smallest value build in O(log n) and create Boolean array to know if priority changes to update it at the end of each iteration, we store mean in m and select them from highest priority in tree </a:t>
+            </a:r>
+          </a:p>
+          <a:p>
+            <a:pPr marL="0" indent="0">
+              <a:buNone/>
+            </a:pPr>
+            <a:r>
+              <a:rPr lang="en-US" dirty="0"/>
+              <a:t>In each iteration to find new seed we compute distance of previous centers to last center (k-1)x1 and using triangle inequality if x be a point and b and c be centers if d(b, c) &gt;= 2d(x, b) then d(x, c) &gt;= d(x, b) so we continue otherwise we check if distance of last point is closer than previous centers to our point and if it was we update alpha[</a:t>
+            </a:r>
+            <a:r>
+              <a:rPr lang="en-US" dirty="0" err="1"/>
+              <a:t>i</a:t>
+            </a:r>
+            <a:r>
+              <a:rPr lang="en-US" dirty="0"/>
+              <a:t>] which is distance of point[</a:t>
+            </a:r>
+            <a:r>
+              <a:rPr lang="en-US" dirty="0" err="1"/>
+              <a:t>i</a:t>
+            </a:r>
+            <a:r>
+              <a:rPr lang="en-US" dirty="0"/>
+              <a:t>] to nearest center and set gamma[</a:t>
+            </a:r>
+            <a:r>
+              <a:rPr lang="en-US" dirty="0" err="1"/>
+              <a:t>i</a:t>
+            </a:r>
+            <a:r>
+              <a:rPr lang="en-US" dirty="0"/>
+              <a:t>] to id of last center(k) and make priority of point </a:t>
+            </a:r>
+            <a:r>
+              <a:rPr lang="en-US" dirty="0" err="1"/>
+              <a:t>i</a:t>
+            </a:r>
+            <a:r>
+              <a:rPr lang="en-US" dirty="0"/>
+              <a:t> dirty to update it at the end</a:t>
+            </a:r>
+          </a:p>
+          <a:p>
+            <a:pPr marL="0" indent="0">
+              <a:buNone/>
+            </a:pPr>
+            <a:r>
+              <a:rPr lang="en-US" dirty="0"/>
+              <a:t>Now before selecting new center we should update our priority queue and to do this we only need reprioritize dirty nodes until we get clean code because in each update as alpha[</a:t>
+            </a:r>
+            <a:r>
+              <a:rPr lang="en-US" dirty="0" err="1"/>
+              <a:t>i</a:t>
+            </a:r>
+            <a:r>
+              <a:rPr lang="en-US" dirty="0"/>
+              <a:t>] decrease it’s priority decrease to so it’s not going to be our next center</a:t>
+            </a:r>
+          </a:p>
+          <a:p>
+            <a:pPr marL="0" indent="0">
+              <a:buNone/>
+            </a:pPr>
+            <a:endParaRPr lang="en-US" dirty="0"/>
+          </a:p>
+          <a:p>
+            <a:pPr marL="0" indent="0">
+              <a:buNone/>
+            </a:pPr>
+            <a:endParaRPr lang="en-US" dirty="0"/>
+          </a:p>
+          <a:p>
+            <a:pPr marL="0" indent="0">
+              <a:buNone/>
+            </a:pPr>
+            <a:endParaRPr lang="en-US" dirty="0"/>
+          </a:p>
+          <a:p>
+            <a:pPr marL="0" indent="0">
+              <a:buNone/>
+            </a:pPr>
+            <a:endParaRPr lang="en-US" dirty="0"/>
+          </a:p>
+          <a:p>
+            <a:pPr marL="0" indent="0">
+              <a:buNone/>
+            </a:pPr>
+            <a:endParaRPr lang="en-US" dirty="0"/>
+          </a:p>
+          <a:p>
+            <a:pPr marL="0" indent="0">
+              <a:buNone/>
+            </a:pPr>
+            <a:endParaRPr lang="en-US" dirty="0"/>
+          </a:p>
+          <a:p>
+            <a:pPr marL="0" indent="0">
+              <a:buNone/>
+            </a:pPr>
+            <a:endParaRPr lang="en-US" dirty="0"/>
+          </a:p>
+        </p:txBody>
+      </p:sp>
+      <p:sp>
+        <p:nvSpPr>
+          <p:cNvPr id="4" name="Slide Number Placeholder 3">
+            <a:extLst>
+              <a:ext uri="{FF2B5EF4-FFF2-40B4-BE49-F238E27FC236}">
+                <a16:creationId xmlns:a16="http://schemas.microsoft.com/office/drawing/2014/main" id="{EC400331-8FA9-EC4F-8965-66CD28EDE6C4}"/>
+              </a:ext>
+            </a:extLst>
+          </p:cNvPr>
+          <p:cNvSpPr>
+            <a:spLocks noGrp="1"/>
+          </p:cNvSpPr>
+          <p:nvPr>
+            <p:ph type="sldNum" sz="quarter" idx="12"/>
+          </p:nvPr>
+        </p:nvSpPr>
+        <p:spPr/>
+        <p:txBody>
+          <a:bodyPr/>
+          <a:lstStyle/>
+          <a:p>
+            <a:fld id="{D57F1E4F-1CFF-5643-939E-217C01CDF565}" type="slidenum">
+              <a:rPr lang="en-US" smtClean="0"/>
+              <a:pPr/>
+              <a:t>33</a:t>
+            </a:fld>
+            <a:endParaRPr lang="en-US" dirty="0"/>
+          </a:p>
+        </p:txBody>
+      </p:sp>
+    </p:spTree>
+    <p:extLst>
+      <p:ext uri="{BB962C8B-B14F-4D97-AF65-F5344CB8AC3E}">
+        <p14:creationId xmlns:p14="http://schemas.microsoft.com/office/powerpoint/2010/main" val="3373200333"/>
+      </p:ext>
+    </p:extLst>
+  </p:cSld>
+  <p:clrMapOvr>
+    <a:masterClrMapping/>
+  </p:clrMapOvr>
+</p:sld>
+</file>
+
+<file path=ppt/slides/slide34.xml><?xml version="1.0" encoding="utf-8"?>
+<p:sld xmlns:a="http://schemas.openxmlformats.org/drawingml/2006/main" xmlns:r="http://schemas.openxmlformats.org/officeDocument/2006/relationships" xmlns:p="http://schemas.openxmlformats.org/presentationml/2006/main">
+  <p:cSld>
+    <p:spTree>
+      <p:nvGrpSpPr>
+        <p:cNvPr id="1" name=""/>
+        <p:cNvGrpSpPr/>
+        <p:nvPr/>
+      </p:nvGrpSpPr>
+      <p:grpSpPr>
+        <a:xfrm>
+          <a:off x="0" y="0"/>
+          <a:ext cx="0" cy="0"/>
+          <a:chOff x="0" y="0"/>
+          <a:chExt cx="0" cy="0"/>
+        </a:xfrm>
+      </p:grpSpPr>
+      <p:sp>
+        <p:nvSpPr>
+          <p:cNvPr id="2" name="Title 1">
+            <a:extLst>
+              <a:ext uri="{FF2B5EF4-FFF2-40B4-BE49-F238E27FC236}">
+                <a16:creationId xmlns:a16="http://schemas.microsoft.com/office/drawing/2014/main" id="{66244946-847C-CC4B-8F89-51BC7A89FF2F}"/>
+              </a:ext>
+            </a:extLst>
+          </p:cNvPr>
+          <p:cNvSpPr>
+            <a:spLocks noGrp="1"/>
+          </p:cNvSpPr>
+          <p:nvPr>
+            <p:ph type="title"/>
+          </p:nvPr>
+        </p:nvSpPr>
+        <p:spPr>
+          <a:xfrm>
+            <a:off x="2592925" y="624110"/>
+            <a:ext cx="8911687" cy="906516"/>
+          </a:xfrm>
+        </p:spPr>
+        <p:txBody>
+          <a:bodyPr>
+            <a:normAutofit/>
+          </a:bodyPr>
+          <a:lstStyle/>
+          <a:p>
+            <a:r>
+              <a:rPr lang="en-US" b="1" dirty="0"/>
+              <a:t>Algorithm 5</a:t>
+            </a:r>
+            <a:r>
+              <a:rPr lang="en-US" dirty="0"/>
+              <a:t> Accelerating K-Means||</a:t>
+            </a:r>
+          </a:p>
+        </p:txBody>
+      </p:sp>
+      <p:sp>
+        <p:nvSpPr>
+          <p:cNvPr id="3" name="Content Placeholder 2">
+            <a:extLst>
+              <a:ext uri="{FF2B5EF4-FFF2-40B4-BE49-F238E27FC236}">
+                <a16:creationId xmlns:a16="http://schemas.microsoft.com/office/drawing/2014/main" id="{330A7D1B-0225-C74E-BB86-3457D8F93200}"/>
+              </a:ext>
+            </a:extLst>
+          </p:cNvPr>
+          <p:cNvSpPr>
+            <a:spLocks noGrp="1"/>
+          </p:cNvSpPr>
+          <p:nvPr>
+            <p:ph idx="1"/>
+          </p:nvPr>
+        </p:nvSpPr>
+        <p:spPr>
+          <a:xfrm>
+            <a:off x="2589212" y="1530626"/>
+            <a:ext cx="8915400" cy="4850296"/>
+          </a:xfrm>
+        </p:spPr>
+        <p:txBody>
+          <a:bodyPr>
+            <a:normAutofit/>
+          </a:bodyPr>
+          <a:lstStyle/>
+          <a:p>
+            <a:pPr marL="0" indent="0">
+              <a:buNone/>
+            </a:pPr>
+            <a:r>
+              <a:rPr lang="en-US" dirty="0"/>
+              <a:t>We'll find seed with accelerated K-Means|| method, first we set beta as probability that first center select with probability w[</a:t>
+            </a:r>
+            <a:r>
+              <a:rPr lang="en-US" dirty="0" err="1"/>
+              <a:t>i</a:t>
+            </a:r>
+            <a:r>
+              <a:rPr lang="en-US" dirty="0"/>
+              <a:t>]/sum(w) and after selecting first center in each round (r in range R) we will oversampling L new center, for doing this first we should update our alpha which we use as probability parameter and to doing this we only need to check if created centers in our previous round are now closer to each node or not and to doing this we use </a:t>
+            </a:r>
+            <a:r>
+              <a:rPr lang="en-US" dirty="0" err="1"/>
+              <a:t>VPTree</a:t>
+            </a:r>
+            <a:r>
+              <a:rPr lang="en-US" dirty="0"/>
+              <a:t> that contains our centers that created in previous round and then for each sample we will find that if is there any center that be closer than alpha[</a:t>
+            </a:r>
+            <a:r>
+              <a:rPr lang="en-US" dirty="0" err="1"/>
+              <a:t>i</a:t>
+            </a:r>
+            <a:r>
+              <a:rPr lang="en-US" dirty="0"/>
+              <a:t>] in O(#new centers) and if we find a center we’ll update alpha[</a:t>
+            </a:r>
+            <a:r>
+              <a:rPr lang="en-US" dirty="0" err="1"/>
+              <a:t>i</a:t>
+            </a:r>
+            <a:r>
+              <a:rPr lang="en-US" dirty="0"/>
+              <a:t>] </a:t>
+            </a:r>
+          </a:p>
+          <a:p>
+            <a:pPr marL="0" indent="0">
+              <a:buNone/>
+            </a:pPr>
+            <a:r>
+              <a:rPr lang="en-US" dirty="0"/>
+              <a:t>Now we have around </a:t>
+            </a:r>
+            <a:r>
+              <a:rPr lang="en-US" dirty="0" err="1"/>
+              <a:t>LxR</a:t>
+            </a:r>
+            <a:r>
+              <a:rPr lang="en-US" dirty="0"/>
+              <a:t> which R is 5 and L is 2xK equal to 10xK centers and we should select K of them, for this we use k-means++ with initial weights for each center is the sum of weights of each point that assign to that center to choose better centers</a:t>
+            </a:r>
+          </a:p>
+        </p:txBody>
+      </p:sp>
+      <p:sp>
+        <p:nvSpPr>
+          <p:cNvPr id="4" name="Slide Number Placeholder 3">
+            <a:extLst>
+              <a:ext uri="{FF2B5EF4-FFF2-40B4-BE49-F238E27FC236}">
+                <a16:creationId xmlns:a16="http://schemas.microsoft.com/office/drawing/2014/main" id="{E24FDE37-23D1-E247-94E7-CED5C7652B3B}"/>
+              </a:ext>
+            </a:extLst>
+          </p:cNvPr>
+          <p:cNvSpPr>
+            <a:spLocks noGrp="1"/>
+          </p:cNvSpPr>
+          <p:nvPr>
+            <p:ph type="sldNum" sz="quarter" idx="12"/>
+          </p:nvPr>
+        </p:nvSpPr>
+        <p:spPr/>
+        <p:txBody>
+          <a:bodyPr/>
+          <a:lstStyle/>
+          <a:p>
+            <a:fld id="{D57F1E4F-1CFF-5643-939E-217C01CDF565}" type="slidenum">
+              <a:rPr lang="en-US" smtClean="0"/>
+              <a:pPr/>
+              <a:t>34</a:t>
+            </a:fld>
+            <a:endParaRPr lang="en-US" dirty="0"/>
+          </a:p>
+        </p:txBody>
+      </p:sp>
+    </p:spTree>
+    <p:extLst>
+      <p:ext uri="{BB962C8B-B14F-4D97-AF65-F5344CB8AC3E}">
+        <p14:creationId xmlns:p14="http://schemas.microsoft.com/office/powerpoint/2010/main" val="3852785214"/>
+      </p:ext>
+    </p:extLst>
+  </p:cSld>
+  <p:clrMapOvr>
+    <a:masterClrMapping/>
+  </p:clrMapOvr>
+</p:sld>
+</file>
+
+<file path=ppt/slides/slide35.xml><?xml version="1.0" encoding="utf-8"?>
 <p:sld xmlns:a="http://schemas.openxmlformats.org/drawingml/2006/main" xmlns:r="http://schemas.openxmlformats.org/officeDocument/2006/relationships" xmlns:p="http://schemas.openxmlformats.org/presentationml/2006/main">
   <p:cSld>
     <p:spTree>
@@ -12246,6 +13795,36 @@
           </a:p>
         </p:txBody>
       </p:sp>
+      <p:sp>
+        <p:nvSpPr>
+          <p:cNvPr id="4" name="Slide Number Placeholder 3">
+            <a:extLst>
+              <a:ext uri="{FF2B5EF4-FFF2-40B4-BE49-F238E27FC236}">
+                <a16:creationId xmlns:a16="http://schemas.microsoft.com/office/drawing/2014/main" id="{D29FE9A0-121D-2945-BF12-A3508F0D002D}"/>
+              </a:ext>
+            </a:extLst>
+          </p:cNvPr>
+          <p:cNvSpPr>
+            <a:spLocks noGrp="1"/>
+          </p:cNvSpPr>
+          <p:nvPr>
+            <p:ph type="sldNum" sz="quarter" idx="12"/>
+          </p:nvPr>
+        </p:nvSpPr>
+        <p:spPr/>
+        <p:txBody>
+          <a:bodyPr/>
+          <a:lstStyle/>
+          <a:p>
+            <a:fld id="{D57F1E4F-1CFF-5643-939E-217C01CDF565}" type="slidenum">
+              <a:rPr lang="en-US" smtClean="0"/>
+              <a:pPr/>
+              <a:t>35</a:t>
+            </a:fld>
+            <a:endParaRPr lang="en-US" dirty="0"/>
+          </a:p>
+        </p:txBody>
+      </p:sp>
     </p:spTree>
     <p:extLst>
       <p:ext uri="{BB962C8B-B14F-4D97-AF65-F5344CB8AC3E}">
@@ -12436,6 +14015,36 @@
           </a:p>
         </p:txBody>
       </p:sp>
+      <p:sp>
+        <p:nvSpPr>
+          <p:cNvPr id="4" name="Slide Number Placeholder 3">
+            <a:extLst>
+              <a:ext uri="{FF2B5EF4-FFF2-40B4-BE49-F238E27FC236}">
+                <a16:creationId xmlns:a16="http://schemas.microsoft.com/office/drawing/2014/main" id="{2AD0DC13-3334-F340-8054-9645B92D5452}"/>
+              </a:ext>
+            </a:extLst>
+          </p:cNvPr>
+          <p:cNvSpPr>
+            <a:spLocks noGrp="1"/>
+          </p:cNvSpPr>
+          <p:nvPr>
+            <p:ph type="sldNum" sz="quarter" idx="12"/>
+          </p:nvPr>
+        </p:nvSpPr>
+        <p:spPr/>
+        <p:txBody>
+          <a:bodyPr/>
+          <a:lstStyle/>
+          <a:p>
+            <a:fld id="{D57F1E4F-1CFF-5643-939E-217C01CDF565}" type="slidenum">
+              <a:rPr lang="en-US" smtClean="0"/>
+              <a:pPr/>
+              <a:t>4</a:t>
+            </a:fld>
+            <a:endParaRPr lang="en-US" dirty="0"/>
+          </a:p>
+        </p:txBody>
+      </p:sp>
     </p:spTree>
     <p:extLst>
       <p:ext uri="{BB962C8B-B14F-4D97-AF65-F5344CB8AC3E}">
@@ -12607,6 +14216,36 @@
           </a:p>
         </p:txBody>
       </p:sp>
+      <p:sp>
+        <p:nvSpPr>
+          <p:cNvPr id="4" name="Slide Number Placeholder 3">
+            <a:extLst>
+              <a:ext uri="{FF2B5EF4-FFF2-40B4-BE49-F238E27FC236}">
+                <a16:creationId xmlns:a16="http://schemas.microsoft.com/office/drawing/2014/main" id="{0225BAA0-8BE3-D94D-A018-5460FC5C404B}"/>
+              </a:ext>
+            </a:extLst>
+          </p:cNvPr>
+          <p:cNvSpPr>
+            <a:spLocks noGrp="1"/>
+          </p:cNvSpPr>
+          <p:nvPr>
+            <p:ph type="sldNum" sz="quarter" idx="12"/>
+          </p:nvPr>
+        </p:nvSpPr>
+        <p:spPr/>
+        <p:txBody>
+          <a:bodyPr/>
+          <a:lstStyle/>
+          <a:p>
+            <a:fld id="{D57F1E4F-1CFF-5643-939E-217C01CDF565}" type="slidenum">
+              <a:rPr lang="en-US" smtClean="0"/>
+              <a:pPr/>
+              <a:t>5</a:t>
+            </a:fld>
+            <a:endParaRPr lang="en-US" dirty="0"/>
+          </a:p>
+        </p:txBody>
+      </p:sp>
     </p:spTree>
     <p:extLst>
       <p:ext uri="{BB962C8B-B14F-4D97-AF65-F5344CB8AC3E}">
@@ -12775,6 +14414,36 @@
           </a:p>
           <a:p>
             <a:pPr lvl="3"/>
+            <a:endParaRPr lang="en-US" dirty="0"/>
+          </a:p>
+        </p:txBody>
+      </p:sp>
+      <p:sp>
+        <p:nvSpPr>
+          <p:cNvPr id="4" name="Slide Number Placeholder 3">
+            <a:extLst>
+              <a:ext uri="{FF2B5EF4-FFF2-40B4-BE49-F238E27FC236}">
+                <a16:creationId xmlns:a16="http://schemas.microsoft.com/office/drawing/2014/main" id="{A35BCBA7-FED4-7342-8BD2-80046747FF43}"/>
+              </a:ext>
+            </a:extLst>
+          </p:cNvPr>
+          <p:cNvSpPr>
+            <a:spLocks noGrp="1"/>
+          </p:cNvSpPr>
+          <p:nvPr>
+            <p:ph type="sldNum" sz="quarter" idx="12"/>
+          </p:nvPr>
+        </p:nvSpPr>
+        <p:spPr/>
+        <p:txBody>
+          <a:bodyPr/>
+          <a:lstStyle/>
+          <a:p>
+            <a:fld id="{D57F1E4F-1CFF-5643-939E-217C01CDF565}" type="slidenum">
+              <a:rPr lang="en-US" smtClean="0"/>
+              <a:pPr/>
+              <a:t>6</a:t>
+            </a:fld>
             <a:endParaRPr lang="en-US" dirty="0"/>
           </a:p>
         </p:txBody>
@@ -12833,11 +14502,41 @@
         </p:blipFill>
         <p:spPr>
           <a:xfrm>
-            <a:off x="3306512" y="1539875"/>
-            <a:ext cx="5578975" cy="3778250"/>
+            <a:off x="2669696" y="1108604"/>
+            <a:ext cx="6852607" cy="4640792"/>
           </a:xfrm>
         </p:spPr>
       </p:pic>
+      <p:sp>
+        <p:nvSpPr>
+          <p:cNvPr id="2" name="Slide Number Placeholder 1">
+            <a:extLst>
+              <a:ext uri="{FF2B5EF4-FFF2-40B4-BE49-F238E27FC236}">
+                <a16:creationId xmlns:a16="http://schemas.microsoft.com/office/drawing/2014/main" id="{E38F72D9-DA8F-374D-B01F-92E8B0016504}"/>
+              </a:ext>
+            </a:extLst>
+          </p:cNvPr>
+          <p:cNvSpPr>
+            <a:spLocks noGrp="1"/>
+          </p:cNvSpPr>
+          <p:nvPr>
+            <p:ph type="sldNum" sz="quarter" idx="12"/>
+          </p:nvPr>
+        </p:nvSpPr>
+        <p:spPr/>
+        <p:txBody>
+          <a:bodyPr/>
+          <a:lstStyle/>
+          <a:p>
+            <a:fld id="{D57F1E4F-1CFF-5643-939E-217C01CDF565}" type="slidenum">
+              <a:rPr lang="en-US" smtClean="0"/>
+              <a:pPr/>
+              <a:t>7</a:t>
+            </a:fld>
+            <a:endParaRPr lang="en-US" dirty="0"/>
+          </a:p>
+        </p:txBody>
+      </p:sp>
     </p:spTree>
     <p:extLst>
       <p:ext uri="{BB962C8B-B14F-4D97-AF65-F5344CB8AC3E}">
@@ -13067,6 +14766,36 @@
           </a:p>
           <a:p>
             <a:pPr lvl="3"/>
+            <a:endParaRPr lang="en-US" dirty="0"/>
+          </a:p>
+        </p:txBody>
+      </p:sp>
+      <p:sp>
+        <p:nvSpPr>
+          <p:cNvPr id="4" name="Slide Number Placeholder 3">
+            <a:extLst>
+              <a:ext uri="{FF2B5EF4-FFF2-40B4-BE49-F238E27FC236}">
+                <a16:creationId xmlns:a16="http://schemas.microsoft.com/office/drawing/2014/main" id="{D27238AD-1B36-1B45-9D5E-6A9F1E27B05E}"/>
+              </a:ext>
+            </a:extLst>
+          </p:cNvPr>
+          <p:cNvSpPr>
+            <a:spLocks noGrp="1"/>
+          </p:cNvSpPr>
+          <p:nvPr>
+            <p:ph type="sldNum" sz="quarter" idx="12"/>
+          </p:nvPr>
+        </p:nvSpPr>
+        <p:spPr/>
+        <p:txBody>
+          <a:bodyPr/>
+          <a:lstStyle/>
+          <a:p>
+            <a:fld id="{D57F1E4F-1CFF-5643-939E-217C01CDF565}" type="slidenum">
+              <a:rPr lang="en-US" smtClean="0"/>
+              <a:pPr/>
+              <a:t>8</a:t>
+            </a:fld>
             <a:endParaRPr lang="en-US" dirty="0"/>
           </a:p>
         </p:txBody>
@@ -13130,6 +14859,36 @@
           </a:xfrm>
         </p:spPr>
       </p:pic>
+      <p:sp>
+        <p:nvSpPr>
+          <p:cNvPr id="2" name="Slide Number Placeholder 1">
+            <a:extLst>
+              <a:ext uri="{FF2B5EF4-FFF2-40B4-BE49-F238E27FC236}">
+                <a16:creationId xmlns:a16="http://schemas.microsoft.com/office/drawing/2014/main" id="{82FE92C3-BB90-5749-88D9-A07DA01FA215}"/>
+              </a:ext>
+            </a:extLst>
+          </p:cNvPr>
+          <p:cNvSpPr>
+            <a:spLocks noGrp="1"/>
+          </p:cNvSpPr>
+          <p:nvPr>
+            <p:ph type="sldNum" sz="quarter" idx="12"/>
+          </p:nvPr>
+        </p:nvSpPr>
+        <p:spPr/>
+        <p:txBody>
+          <a:bodyPr/>
+          <a:lstStyle/>
+          <a:p>
+            <a:fld id="{D57F1E4F-1CFF-5643-939E-217C01CDF565}" type="slidenum">
+              <a:rPr lang="en-US" smtClean="0"/>
+              <a:pPr/>
+              <a:t>9</a:t>
+            </a:fld>
+            <a:endParaRPr lang="en-US" dirty="0"/>
+          </a:p>
+        </p:txBody>
+      </p:sp>
     </p:spTree>
     <p:extLst>
       <p:ext uri="{BB962C8B-B14F-4D97-AF65-F5344CB8AC3E}">
@@ -13384,4 +15143,299 @@
     </a:ext>
   </a:extLst>
 </a:theme>
+</file>
+
+<file path=ppt/theme/theme2.xml><?xml version="1.0" encoding="utf-8"?>
+<a:theme xmlns:a="http://schemas.openxmlformats.org/drawingml/2006/main" name="Office Theme">
+  <a:themeElements>
+    <a:clrScheme name="Office">
+      <a:dk1>
+        <a:sysClr val="windowText" lastClr="000000"/>
+      </a:dk1>
+      <a:lt1>
+        <a:sysClr val="window" lastClr="FFFFFF"/>
+      </a:lt1>
+      <a:dk2>
+        <a:srgbClr val="44546A"/>
+      </a:dk2>
+      <a:lt2>
+        <a:srgbClr val="E7E6E6"/>
+      </a:lt2>
+      <a:accent1>
+        <a:srgbClr val="4472C4"/>
+      </a:accent1>
+      <a:accent2>
+        <a:srgbClr val="ED7D31"/>
+      </a:accent2>
+      <a:accent3>
+        <a:srgbClr val="A5A5A5"/>
+      </a:accent3>
+      <a:accent4>
+        <a:srgbClr val="FFC000"/>
+      </a:accent4>
+      <a:accent5>
+        <a:srgbClr val="5B9BD5"/>
+      </a:accent5>
+      <a:accent6>
+        <a:srgbClr val="70AD47"/>
+      </a:accent6>
+      <a:hlink>
+        <a:srgbClr val="0563C1"/>
+      </a:hlink>
+      <a:folHlink>
+        <a:srgbClr val="954F72"/>
+      </a:folHlink>
+    </a:clrScheme>
+    <a:fontScheme name="Office">
+      <a:majorFont>
+        <a:latin typeface="Calibri Light" panose="020F0302020204030204"/>
+        <a:ea typeface=""/>
+        <a:cs typeface=""/>
+        <a:font script="Jpan" typeface="游ゴシック Light"/>
+        <a:font script="Hang" typeface="맑은 고딕"/>
+        <a:font script="Hans" typeface="等线 Light"/>
+        <a:font script="Hant" typeface="新細明體"/>
+        <a:font script="Arab" typeface="Times New Roman"/>
+        <a:font script="Hebr" typeface="Times New Roman"/>
+        <a:font script="Thai" typeface="Angsana New"/>
+        <a:font script="Ethi" typeface="Nyala"/>
+        <a:font script="Beng" typeface="Vrinda"/>
+        <a:font script="Gujr" typeface="Shruti"/>
+        <a:font script="Khmr" typeface="MoolBoran"/>
+        <a:font script="Knda" typeface="Tunga"/>
+        <a:font script="Guru" typeface="Raavi"/>
+        <a:font script="Cans" typeface="Euphemia"/>
+        <a:font script="Cher" typeface="Plantagenet Cherokee"/>
+        <a:font script="Yiii" typeface="Microsoft Yi Baiti"/>
+        <a:font script="Tibt" typeface="Microsoft Himalaya"/>
+        <a:font script="Thaa" typeface="MV Boli"/>
+        <a:font script="Deva" typeface="Mangal"/>
+        <a:font script="Telu" typeface="Gautami"/>
+        <a:font script="Taml" typeface="Latha"/>
+        <a:font script="Syrc" typeface="Estrangelo Edessa"/>
+        <a:font script="Orya" typeface="Kalinga"/>
+        <a:font script="Mlym" typeface="Kartika"/>
+        <a:font script="Laoo" typeface="DokChampa"/>
+        <a:font script="Sinh" typeface="Iskoola Pota"/>
+        <a:font script="Mong" typeface="Mongolian Baiti"/>
+        <a:font script="Viet" typeface="Times New Roman"/>
+        <a:font script="Uigh" typeface="Microsoft Uighur"/>
+        <a:font script="Geor" typeface="Sylfaen"/>
+        <a:font script="Armn" typeface="Arial"/>
+        <a:font script="Bugi" typeface="Leelawadee UI"/>
+        <a:font script="Bopo" typeface="Microsoft JhengHei"/>
+        <a:font script="Java" typeface="Javanese Text"/>
+        <a:font script="Lisu" typeface="Segoe UI"/>
+        <a:font script="Mymr" typeface="Myanmar Text"/>
+        <a:font script="Nkoo" typeface="Ebrima"/>
+        <a:font script="Olck" typeface="Nirmala UI"/>
+        <a:font script="Osma" typeface="Ebrima"/>
+        <a:font script="Phag" typeface="Phagspa"/>
+        <a:font script="Syrn" typeface="Estrangelo Edessa"/>
+        <a:font script="Syrj" typeface="Estrangelo Edessa"/>
+        <a:font script="Syre" typeface="Estrangelo Edessa"/>
+        <a:font script="Sora" typeface="Nirmala UI"/>
+        <a:font script="Tale" typeface="Microsoft Tai Le"/>
+        <a:font script="Talu" typeface="Microsoft New Tai Lue"/>
+        <a:font script="Tfng" typeface="Ebrima"/>
+      </a:majorFont>
+      <a:minorFont>
+        <a:latin typeface="Calibri" panose="020F0502020204030204"/>
+        <a:ea typeface=""/>
+        <a:cs typeface=""/>
+        <a:font script="Jpan" typeface="游ゴシック"/>
+        <a:font script="Hang" typeface="맑은 고딕"/>
+        <a:font script="Hans" typeface="等线"/>
+        <a:font script="Hant" typeface="新細明體"/>
+        <a:font script="Arab" typeface="Arial"/>
+        <a:font script="Hebr" typeface="Arial"/>
+        <a:font script="Thai" typeface="Cordia New"/>
+        <a:font script="Ethi" typeface="Nyala"/>
+        <a:font script="Beng" typeface="Vrinda"/>
+        <a:font script="Gujr" typeface="Shruti"/>
+        <a:font script="Khmr" typeface="DaunPenh"/>
+        <a:font script="Knda" typeface="Tunga"/>
+        <a:font script="Guru" typeface="Raavi"/>
+        <a:font script="Cans" typeface="Euphemia"/>
+        <a:font script="Cher" typeface="Plantagenet Cherokee"/>
+        <a:font script="Yiii" typeface="Microsoft Yi Baiti"/>
+        <a:font script="Tibt" typeface="Microsoft Himalaya"/>
+        <a:font script="Thaa" typeface="MV Boli"/>
+        <a:font script="Deva" typeface="Mangal"/>
+        <a:font script="Telu" typeface="Gautami"/>
+        <a:font script="Taml" typeface="Latha"/>
+        <a:font script="Syrc" typeface="Estrangelo Edessa"/>
+        <a:font script="Orya" typeface="Kalinga"/>
+        <a:font script="Mlym" typeface="Kartika"/>
+        <a:font script="Laoo" typeface="DokChampa"/>
+        <a:font script="Sinh" typeface="Iskoola Pota"/>
+        <a:font script="Mong" typeface="Mongolian Baiti"/>
+        <a:font script="Viet" typeface="Arial"/>
+        <a:font script="Uigh" typeface="Microsoft Uighur"/>
+        <a:font script="Geor" typeface="Sylfaen"/>
+        <a:font script="Armn" typeface="Arial"/>
+        <a:font script="Bugi" typeface="Leelawadee UI"/>
+        <a:font script="Bopo" typeface="Microsoft JhengHei"/>
+        <a:font script="Java" typeface="Javanese Text"/>
+        <a:font script="Lisu" typeface="Segoe UI"/>
+        <a:font script="Mymr" typeface="Myanmar Text"/>
+        <a:font script="Nkoo" typeface="Ebrima"/>
+        <a:font script="Olck" typeface="Nirmala UI"/>
+        <a:font script="Osma" typeface="Ebrima"/>
+        <a:font script="Phag" typeface="Phagspa"/>
+        <a:font script="Syrn" typeface="Estrangelo Edessa"/>
+        <a:font script="Syrj" typeface="Estrangelo Edessa"/>
+        <a:font script="Syre" typeface="Estrangelo Edessa"/>
+        <a:font script="Sora" typeface="Nirmala UI"/>
+        <a:font script="Tale" typeface="Microsoft Tai Le"/>
+        <a:font script="Talu" typeface="Microsoft New Tai Lue"/>
+        <a:font script="Tfng" typeface="Ebrima"/>
+      </a:minorFont>
+    </a:fontScheme>
+    <a:fmtScheme name="Office">
+      <a:fillStyleLst>
+        <a:solidFill>
+          <a:schemeClr val="phClr"/>
+        </a:solidFill>
+        <a:gradFill rotWithShape="1">
+          <a:gsLst>
+            <a:gs pos="0">
+              <a:schemeClr val="phClr">
+                <a:lumMod val="110000"/>
+                <a:satMod val="105000"/>
+                <a:tint val="67000"/>
+              </a:schemeClr>
+            </a:gs>
+            <a:gs pos="50000">
+              <a:schemeClr val="phClr">
+                <a:lumMod val="105000"/>
+                <a:satMod val="103000"/>
+                <a:tint val="73000"/>
+              </a:schemeClr>
+            </a:gs>
+            <a:gs pos="100000">
+              <a:schemeClr val="phClr">
+                <a:lumMod val="105000"/>
+                <a:satMod val="109000"/>
+                <a:tint val="81000"/>
+              </a:schemeClr>
+            </a:gs>
+          </a:gsLst>
+          <a:lin ang="5400000" scaled="0"/>
+        </a:gradFill>
+        <a:gradFill rotWithShape="1">
+          <a:gsLst>
+            <a:gs pos="0">
+              <a:schemeClr val="phClr">
+                <a:satMod val="103000"/>
+                <a:lumMod val="102000"/>
+                <a:tint val="94000"/>
+              </a:schemeClr>
+            </a:gs>
+            <a:gs pos="50000">
+              <a:schemeClr val="phClr">
+                <a:satMod val="110000"/>
+                <a:lumMod val="100000"/>
+                <a:shade val="100000"/>
+              </a:schemeClr>
+            </a:gs>
+            <a:gs pos="100000">
+              <a:schemeClr val="phClr">
+                <a:lumMod val="99000"/>
+                <a:satMod val="120000"/>
+                <a:shade val="78000"/>
+              </a:schemeClr>
+            </a:gs>
+          </a:gsLst>
+          <a:lin ang="5400000" scaled="0"/>
+        </a:gradFill>
+      </a:fillStyleLst>
+      <a:lnStyleLst>
+        <a:ln w="6350" cap="flat" cmpd="sng" algn="ctr">
+          <a:solidFill>
+            <a:schemeClr val="phClr"/>
+          </a:solidFill>
+          <a:prstDash val="solid"/>
+          <a:miter lim="800000"/>
+        </a:ln>
+        <a:ln w="12700" cap="flat" cmpd="sng" algn="ctr">
+          <a:solidFill>
+            <a:schemeClr val="phClr"/>
+          </a:solidFill>
+          <a:prstDash val="solid"/>
+          <a:miter lim="800000"/>
+        </a:ln>
+        <a:ln w="19050" cap="flat" cmpd="sng" algn="ctr">
+          <a:solidFill>
+            <a:schemeClr val="phClr"/>
+          </a:solidFill>
+          <a:prstDash val="solid"/>
+          <a:miter lim="800000"/>
+        </a:ln>
+      </a:lnStyleLst>
+      <a:effectStyleLst>
+        <a:effectStyle>
+          <a:effectLst/>
+        </a:effectStyle>
+        <a:effectStyle>
+          <a:effectLst/>
+        </a:effectStyle>
+        <a:effectStyle>
+          <a:effectLst>
+            <a:outerShdw blurRad="57150" dist="19050" dir="5400000" algn="ctr" rotWithShape="0">
+              <a:srgbClr val="000000">
+                <a:alpha val="63000"/>
+              </a:srgbClr>
+            </a:outerShdw>
+          </a:effectLst>
+        </a:effectStyle>
+      </a:effectStyleLst>
+      <a:bgFillStyleLst>
+        <a:solidFill>
+          <a:schemeClr val="phClr"/>
+        </a:solidFill>
+        <a:solidFill>
+          <a:schemeClr val="phClr">
+            <a:tint val="95000"/>
+            <a:satMod val="170000"/>
+          </a:schemeClr>
+        </a:solidFill>
+        <a:gradFill rotWithShape="1">
+          <a:gsLst>
+            <a:gs pos="0">
+              <a:schemeClr val="phClr">
+                <a:tint val="93000"/>
+                <a:satMod val="150000"/>
+                <a:shade val="98000"/>
+                <a:lumMod val="102000"/>
+              </a:schemeClr>
+            </a:gs>
+            <a:gs pos="50000">
+              <a:schemeClr val="phClr">
+                <a:tint val="98000"/>
+                <a:satMod val="130000"/>
+                <a:shade val="90000"/>
+                <a:lumMod val="103000"/>
+              </a:schemeClr>
+            </a:gs>
+            <a:gs pos="100000">
+              <a:schemeClr val="phClr">
+                <a:shade val="63000"/>
+                <a:satMod val="120000"/>
+              </a:schemeClr>
+            </a:gs>
+          </a:gsLst>
+          <a:lin ang="5400000" scaled="0"/>
+        </a:gradFill>
+      </a:bgFillStyleLst>
+    </a:fmtScheme>
+  </a:themeElements>
+  <a:objectDefaults/>
+  <a:extraClrSchemeLst/>
+  <a:extLst>
+    <a:ext uri="{05A4C25C-085E-4340-85A3-A5531E510DB2}">
+      <thm15:themeFamily xmlns:thm15="http://schemas.microsoft.com/office/thememl/2012/main" name="Office Theme" id="{62F939B6-93AF-4DB8-9C6B-D6C7DFDC589F}" vid="{4A3C46E8-61CC-4603-A589-7422A47A8E4A}"/>
+    </a:ext>
+  </a:extLst>
+</a:theme>
 </file>